--- a/etc/Microbat Design for Trace Storage.pptx
+++ b/etc/Microbat Design for Trace Storage.pptx
@@ -11,12 +11,13 @@
     <p:sldId id="267" r:id="rId5"/>
     <p:sldId id="265" r:id="rId6"/>
     <p:sldId id="268" r:id="rId7"/>
-    <p:sldId id="258" r:id="rId8"/>
-    <p:sldId id="259" r:id="rId9"/>
-    <p:sldId id="260" r:id="rId10"/>
-    <p:sldId id="261" r:id="rId11"/>
-    <p:sldId id="262" r:id="rId12"/>
-    <p:sldId id="263" r:id="rId13"/>
+    <p:sldId id="269" r:id="rId8"/>
+    <p:sldId id="258" r:id="rId9"/>
+    <p:sldId id="259" r:id="rId10"/>
+    <p:sldId id="260" r:id="rId11"/>
+    <p:sldId id="261" r:id="rId12"/>
+    <p:sldId id="262" r:id="rId13"/>
+    <p:sldId id="263" r:id="rId14"/>
   </p:sldIdLst>
   <p:sldSz cx="12192000" cy="6858000"/>
   <p:notesSz cx="6858000" cy="9144000"/>
@@ -140,7 +141,7 @@
           <p:cNvPr id="2" name="Title 1">
             <a:extLst>
               <a:ext uri="{FF2B5EF4-FFF2-40B4-BE49-F238E27FC236}">
-                <a16:creationId xmlns:a16="http://schemas.microsoft.com/office/drawing/2014/main" xmlns="" id="{00802045-A1DE-4CDA-87F0-12BCEF7F64EA}"/>
+                <a16:creationId xmlns="" xmlns:a16="http://schemas.microsoft.com/office/drawing/2014/main" id="{00802045-A1DE-4CDA-87F0-12BCEF7F64EA}"/>
               </a:ext>
             </a:extLst>
           </p:cNvPr>
@@ -177,7 +178,7 @@
           <p:cNvPr id="3" name="Subtitle 2">
             <a:extLst>
               <a:ext uri="{FF2B5EF4-FFF2-40B4-BE49-F238E27FC236}">
-                <a16:creationId xmlns:a16="http://schemas.microsoft.com/office/drawing/2014/main" xmlns="" id="{F2DD4DA3-3DCD-4852-9C96-CC215F64AC2C}"/>
+                <a16:creationId xmlns="" xmlns:a16="http://schemas.microsoft.com/office/drawing/2014/main" id="{F2DD4DA3-3DCD-4852-9C96-CC215F64AC2C}"/>
               </a:ext>
             </a:extLst>
           </p:cNvPr>
@@ -247,7 +248,7 @@
           <p:cNvPr id="4" name="Date Placeholder 3">
             <a:extLst>
               <a:ext uri="{FF2B5EF4-FFF2-40B4-BE49-F238E27FC236}">
-                <a16:creationId xmlns:a16="http://schemas.microsoft.com/office/drawing/2014/main" xmlns="" id="{11152C3B-634A-48D2-B6DF-5596A028CAA0}"/>
+                <a16:creationId xmlns="" xmlns:a16="http://schemas.microsoft.com/office/drawing/2014/main" id="{11152C3B-634A-48D2-B6DF-5596A028CAA0}"/>
               </a:ext>
             </a:extLst>
           </p:cNvPr>
@@ -265,7 +266,7 @@
           <a:p>
             <a:fld id="{98721B90-EA1F-4164-9F70-3DC63C567694}" type="datetimeFigureOut">
               <a:rPr lang="en-US" smtClean="0"/>
-              <a:t>7/25/2020</a:t>
+              <a:t>8/4/2020</a:t>
             </a:fld>
             <a:endParaRPr lang="en-US"/>
           </a:p>
@@ -276,7 +277,7 @@
           <p:cNvPr id="5" name="Footer Placeholder 4">
             <a:extLst>
               <a:ext uri="{FF2B5EF4-FFF2-40B4-BE49-F238E27FC236}">
-                <a16:creationId xmlns:a16="http://schemas.microsoft.com/office/drawing/2014/main" xmlns="" id="{79308A7B-55F7-4229-BC1F-DABDBDFCF0B1}"/>
+                <a16:creationId xmlns="" xmlns:a16="http://schemas.microsoft.com/office/drawing/2014/main" id="{79308A7B-55F7-4229-BC1F-DABDBDFCF0B1}"/>
               </a:ext>
             </a:extLst>
           </p:cNvPr>
@@ -301,7 +302,7 @@
           <p:cNvPr id="6" name="Slide Number Placeholder 5">
             <a:extLst>
               <a:ext uri="{FF2B5EF4-FFF2-40B4-BE49-F238E27FC236}">
-                <a16:creationId xmlns:a16="http://schemas.microsoft.com/office/drawing/2014/main" xmlns="" id="{B24CA24E-49EE-4932-ABFA-E8491C2018EB}"/>
+                <a16:creationId xmlns="" xmlns:a16="http://schemas.microsoft.com/office/drawing/2014/main" id="{B24CA24E-49EE-4932-ABFA-E8491C2018EB}"/>
               </a:ext>
             </a:extLst>
           </p:cNvPr>
@@ -360,7 +361,7 @@
           <p:cNvPr id="2" name="Title 1">
             <a:extLst>
               <a:ext uri="{FF2B5EF4-FFF2-40B4-BE49-F238E27FC236}">
-                <a16:creationId xmlns:a16="http://schemas.microsoft.com/office/drawing/2014/main" xmlns="" id="{93EFFE67-8288-45C8-82C8-AA331CD4BE94}"/>
+                <a16:creationId xmlns="" xmlns:a16="http://schemas.microsoft.com/office/drawing/2014/main" id="{93EFFE67-8288-45C8-82C8-AA331CD4BE94}"/>
               </a:ext>
             </a:extLst>
           </p:cNvPr>
@@ -388,7 +389,7 @@
           <p:cNvPr id="3" name="Vertical Text Placeholder 2">
             <a:extLst>
               <a:ext uri="{FF2B5EF4-FFF2-40B4-BE49-F238E27FC236}">
-                <a16:creationId xmlns:a16="http://schemas.microsoft.com/office/drawing/2014/main" xmlns="" id="{20F16110-122C-4E45-B4EC-D36E47C1D4EC}"/>
+                <a16:creationId xmlns="" xmlns:a16="http://schemas.microsoft.com/office/drawing/2014/main" id="{20F16110-122C-4E45-B4EC-D36E47C1D4EC}"/>
               </a:ext>
             </a:extLst>
           </p:cNvPr>
@@ -445,7 +446,7 @@
           <p:cNvPr id="4" name="Date Placeholder 3">
             <a:extLst>
               <a:ext uri="{FF2B5EF4-FFF2-40B4-BE49-F238E27FC236}">
-                <a16:creationId xmlns:a16="http://schemas.microsoft.com/office/drawing/2014/main" xmlns="" id="{FABCBC66-3E15-4A1C-A412-19F994EF945F}"/>
+                <a16:creationId xmlns="" xmlns:a16="http://schemas.microsoft.com/office/drawing/2014/main" id="{FABCBC66-3E15-4A1C-A412-19F994EF945F}"/>
               </a:ext>
             </a:extLst>
           </p:cNvPr>
@@ -463,7 +464,7 @@
           <a:p>
             <a:fld id="{98721B90-EA1F-4164-9F70-3DC63C567694}" type="datetimeFigureOut">
               <a:rPr lang="en-US" smtClean="0"/>
-              <a:t>7/25/2020</a:t>
+              <a:t>8/4/2020</a:t>
             </a:fld>
             <a:endParaRPr lang="en-US"/>
           </a:p>
@@ -474,7 +475,7 @@
           <p:cNvPr id="5" name="Footer Placeholder 4">
             <a:extLst>
               <a:ext uri="{FF2B5EF4-FFF2-40B4-BE49-F238E27FC236}">
-                <a16:creationId xmlns:a16="http://schemas.microsoft.com/office/drawing/2014/main" xmlns="" id="{1A86EDFC-EFA9-4073-A878-E3B11E55537C}"/>
+                <a16:creationId xmlns="" xmlns:a16="http://schemas.microsoft.com/office/drawing/2014/main" id="{1A86EDFC-EFA9-4073-A878-E3B11E55537C}"/>
               </a:ext>
             </a:extLst>
           </p:cNvPr>
@@ -499,7 +500,7 @@
           <p:cNvPr id="6" name="Slide Number Placeholder 5">
             <a:extLst>
               <a:ext uri="{FF2B5EF4-FFF2-40B4-BE49-F238E27FC236}">
-                <a16:creationId xmlns:a16="http://schemas.microsoft.com/office/drawing/2014/main" xmlns="" id="{16F4C5EE-7C05-4BA6-B2BE-740A6154EDB5}"/>
+                <a16:creationId xmlns="" xmlns:a16="http://schemas.microsoft.com/office/drawing/2014/main" id="{16F4C5EE-7C05-4BA6-B2BE-740A6154EDB5}"/>
               </a:ext>
             </a:extLst>
           </p:cNvPr>
@@ -558,7 +559,7 @@
           <p:cNvPr id="2" name="Vertical Title 1">
             <a:extLst>
               <a:ext uri="{FF2B5EF4-FFF2-40B4-BE49-F238E27FC236}">
-                <a16:creationId xmlns:a16="http://schemas.microsoft.com/office/drawing/2014/main" xmlns="" id="{4B20CCDF-3EB6-4E8F-A109-73DBE5DBB9FF}"/>
+                <a16:creationId xmlns="" xmlns:a16="http://schemas.microsoft.com/office/drawing/2014/main" id="{4B20CCDF-3EB6-4E8F-A109-73DBE5DBB9FF}"/>
               </a:ext>
             </a:extLst>
           </p:cNvPr>
@@ -591,7 +592,7 @@
           <p:cNvPr id="3" name="Vertical Text Placeholder 2">
             <a:extLst>
               <a:ext uri="{FF2B5EF4-FFF2-40B4-BE49-F238E27FC236}">
-                <a16:creationId xmlns:a16="http://schemas.microsoft.com/office/drawing/2014/main" xmlns="" id="{E658D0CC-AE4B-4DD6-9F10-1A21B6EBC301}"/>
+                <a16:creationId xmlns="" xmlns:a16="http://schemas.microsoft.com/office/drawing/2014/main" id="{E658D0CC-AE4B-4DD6-9F10-1A21B6EBC301}"/>
               </a:ext>
             </a:extLst>
           </p:cNvPr>
@@ -653,7 +654,7 @@
           <p:cNvPr id="4" name="Date Placeholder 3">
             <a:extLst>
               <a:ext uri="{FF2B5EF4-FFF2-40B4-BE49-F238E27FC236}">
-                <a16:creationId xmlns:a16="http://schemas.microsoft.com/office/drawing/2014/main" xmlns="" id="{046D18A2-6E3F-4E51-BDCE-427FE957BA73}"/>
+                <a16:creationId xmlns="" xmlns:a16="http://schemas.microsoft.com/office/drawing/2014/main" id="{046D18A2-6E3F-4E51-BDCE-427FE957BA73}"/>
               </a:ext>
             </a:extLst>
           </p:cNvPr>
@@ -671,7 +672,7 @@
           <a:p>
             <a:fld id="{98721B90-EA1F-4164-9F70-3DC63C567694}" type="datetimeFigureOut">
               <a:rPr lang="en-US" smtClean="0"/>
-              <a:t>7/25/2020</a:t>
+              <a:t>8/4/2020</a:t>
             </a:fld>
             <a:endParaRPr lang="en-US"/>
           </a:p>
@@ -682,7 +683,7 @@
           <p:cNvPr id="5" name="Footer Placeholder 4">
             <a:extLst>
               <a:ext uri="{FF2B5EF4-FFF2-40B4-BE49-F238E27FC236}">
-                <a16:creationId xmlns:a16="http://schemas.microsoft.com/office/drawing/2014/main" xmlns="" id="{B24B1093-61F2-4162-B5C9-B1834AFC4080}"/>
+                <a16:creationId xmlns="" xmlns:a16="http://schemas.microsoft.com/office/drawing/2014/main" id="{B24B1093-61F2-4162-B5C9-B1834AFC4080}"/>
               </a:ext>
             </a:extLst>
           </p:cNvPr>
@@ -707,7 +708,7 @@
           <p:cNvPr id="6" name="Slide Number Placeholder 5">
             <a:extLst>
               <a:ext uri="{FF2B5EF4-FFF2-40B4-BE49-F238E27FC236}">
-                <a16:creationId xmlns:a16="http://schemas.microsoft.com/office/drawing/2014/main" xmlns="" id="{3372C2E7-DA5F-476F-8484-AD2BF46F27DE}"/>
+                <a16:creationId xmlns="" xmlns:a16="http://schemas.microsoft.com/office/drawing/2014/main" id="{3372C2E7-DA5F-476F-8484-AD2BF46F27DE}"/>
               </a:ext>
             </a:extLst>
           </p:cNvPr>
@@ -766,7 +767,7 @@
           <p:cNvPr id="2" name="Title 1">
             <a:extLst>
               <a:ext uri="{FF2B5EF4-FFF2-40B4-BE49-F238E27FC236}">
-                <a16:creationId xmlns:a16="http://schemas.microsoft.com/office/drawing/2014/main" xmlns="" id="{D2586A5F-142A-43F1-B362-25F21C41EA22}"/>
+                <a16:creationId xmlns="" xmlns:a16="http://schemas.microsoft.com/office/drawing/2014/main" id="{D2586A5F-142A-43F1-B362-25F21C41EA22}"/>
               </a:ext>
             </a:extLst>
           </p:cNvPr>
@@ -794,7 +795,7 @@
           <p:cNvPr id="3" name="Content Placeholder 2">
             <a:extLst>
               <a:ext uri="{FF2B5EF4-FFF2-40B4-BE49-F238E27FC236}">
-                <a16:creationId xmlns:a16="http://schemas.microsoft.com/office/drawing/2014/main" xmlns="" id="{57CA4218-5F43-42E1-969D-256A6C1B4992}"/>
+                <a16:creationId xmlns="" xmlns:a16="http://schemas.microsoft.com/office/drawing/2014/main" id="{57CA4218-5F43-42E1-969D-256A6C1B4992}"/>
               </a:ext>
             </a:extLst>
           </p:cNvPr>
@@ -851,7 +852,7 @@
           <p:cNvPr id="4" name="Date Placeholder 3">
             <a:extLst>
               <a:ext uri="{FF2B5EF4-FFF2-40B4-BE49-F238E27FC236}">
-                <a16:creationId xmlns:a16="http://schemas.microsoft.com/office/drawing/2014/main" xmlns="" id="{DFC4C97E-AC9D-4EBE-B21E-ED505F7CCF24}"/>
+                <a16:creationId xmlns="" xmlns:a16="http://schemas.microsoft.com/office/drawing/2014/main" id="{DFC4C97E-AC9D-4EBE-B21E-ED505F7CCF24}"/>
               </a:ext>
             </a:extLst>
           </p:cNvPr>
@@ -869,7 +870,7 @@
           <a:p>
             <a:fld id="{98721B90-EA1F-4164-9F70-3DC63C567694}" type="datetimeFigureOut">
               <a:rPr lang="en-US" smtClean="0"/>
-              <a:t>7/25/2020</a:t>
+              <a:t>8/4/2020</a:t>
             </a:fld>
             <a:endParaRPr lang="en-US"/>
           </a:p>
@@ -880,7 +881,7 @@
           <p:cNvPr id="5" name="Footer Placeholder 4">
             <a:extLst>
               <a:ext uri="{FF2B5EF4-FFF2-40B4-BE49-F238E27FC236}">
-                <a16:creationId xmlns:a16="http://schemas.microsoft.com/office/drawing/2014/main" xmlns="" id="{DAA1A8E5-F4FA-4F85-906D-BC344585FDDD}"/>
+                <a16:creationId xmlns="" xmlns:a16="http://schemas.microsoft.com/office/drawing/2014/main" id="{DAA1A8E5-F4FA-4F85-906D-BC344585FDDD}"/>
               </a:ext>
             </a:extLst>
           </p:cNvPr>
@@ -905,7 +906,7 @@
           <p:cNvPr id="6" name="Slide Number Placeholder 5">
             <a:extLst>
               <a:ext uri="{FF2B5EF4-FFF2-40B4-BE49-F238E27FC236}">
-                <a16:creationId xmlns:a16="http://schemas.microsoft.com/office/drawing/2014/main" xmlns="" id="{062DB39F-B273-40CD-A187-3AE49EAE98D1}"/>
+                <a16:creationId xmlns="" xmlns:a16="http://schemas.microsoft.com/office/drawing/2014/main" id="{062DB39F-B273-40CD-A187-3AE49EAE98D1}"/>
               </a:ext>
             </a:extLst>
           </p:cNvPr>
@@ -964,7 +965,7 @@
           <p:cNvPr id="2" name="Title 1">
             <a:extLst>
               <a:ext uri="{FF2B5EF4-FFF2-40B4-BE49-F238E27FC236}">
-                <a16:creationId xmlns:a16="http://schemas.microsoft.com/office/drawing/2014/main" xmlns="" id="{8B8F6BCE-4485-4E3F-9E08-807EDADCD82D}"/>
+                <a16:creationId xmlns="" xmlns:a16="http://schemas.microsoft.com/office/drawing/2014/main" id="{8B8F6BCE-4485-4E3F-9E08-807EDADCD82D}"/>
               </a:ext>
             </a:extLst>
           </p:cNvPr>
@@ -1001,7 +1002,7 @@
           <p:cNvPr id="3" name="Text Placeholder 2">
             <a:extLst>
               <a:ext uri="{FF2B5EF4-FFF2-40B4-BE49-F238E27FC236}">
-                <a16:creationId xmlns:a16="http://schemas.microsoft.com/office/drawing/2014/main" xmlns="" id="{AEA9A362-4BE6-4A00-B9EB-6BD235439CD0}"/>
+                <a16:creationId xmlns="" xmlns:a16="http://schemas.microsoft.com/office/drawing/2014/main" id="{AEA9A362-4BE6-4A00-B9EB-6BD235439CD0}"/>
               </a:ext>
             </a:extLst>
           </p:cNvPr>
@@ -1126,7 +1127,7 @@
           <p:cNvPr id="4" name="Date Placeholder 3">
             <a:extLst>
               <a:ext uri="{FF2B5EF4-FFF2-40B4-BE49-F238E27FC236}">
-                <a16:creationId xmlns:a16="http://schemas.microsoft.com/office/drawing/2014/main" xmlns="" id="{44A9D58A-9F76-43E7-8576-4FE14D23392F}"/>
+                <a16:creationId xmlns="" xmlns:a16="http://schemas.microsoft.com/office/drawing/2014/main" id="{44A9D58A-9F76-43E7-8576-4FE14D23392F}"/>
               </a:ext>
             </a:extLst>
           </p:cNvPr>
@@ -1144,7 +1145,7 @@
           <a:p>
             <a:fld id="{98721B90-EA1F-4164-9F70-3DC63C567694}" type="datetimeFigureOut">
               <a:rPr lang="en-US" smtClean="0"/>
-              <a:t>7/25/2020</a:t>
+              <a:t>8/4/2020</a:t>
             </a:fld>
             <a:endParaRPr lang="en-US"/>
           </a:p>
@@ -1155,7 +1156,7 @@
           <p:cNvPr id="5" name="Footer Placeholder 4">
             <a:extLst>
               <a:ext uri="{FF2B5EF4-FFF2-40B4-BE49-F238E27FC236}">
-                <a16:creationId xmlns:a16="http://schemas.microsoft.com/office/drawing/2014/main" xmlns="" id="{59DBFA34-4CE4-4192-BAD0-B2CF1E3C79FC}"/>
+                <a16:creationId xmlns="" xmlns:a16="http://schemas.microsoft.com/office/drawing/2014/main" id="{59DBFA34-4CE4-4192-BAD0-B2CF1E3C79FC}"/>
               </a:ext>
             </a:extLst>
           </p:cNvPr>
@@ -1180,7 +1181,7 @@
           <p:cNvPr id="6" name="Slide Number Placeholder 5">
             <a:extLst>
               <a:ext uri="{FF2B5EF4-FFF2-40B4-BE49-F238E27FC236}">
-                <a16:creationId xmlns:a16="http://schemas.microsoft.com/office/drawing/2014/main" xmlns="" id="{174F47B2-436D-44BA-A1B9-CB4A7CA83773}"/>
+                <a16:creationId xmlns="" xmlns:a16="http://schemas.microsoft.com/office/drawing/2014/main" id="{174F47B2-436D-44BA-A1B9-CB4A7CA83773}"/>
               </a:ext>
             </a:extLst>
           </p:cNvPr>
@@ -1239,7 +1240,7 @@
           <p:cNvPr id="2" name="Title 1">
             <a:extLst>
               <a:ext uri="{FF2B5EF4-FFF2-40B4-BE49-F238E27FC236}">
-                <a16:creationId xmlns:a16="http://schemas.microsoft.com/office/drawing/2014/main" xmlns="" id="{209CE975-4C4F-4636-83DA-FBB305A6709F}"/>
+                <a16:creationId xmlns="" xmlns:a16="http://schemas.microsoft.com/office/drawing/2014/main" id="{209CE975-4C4F-4636-83DA-FBB305A6709F}"/>
               </a:ext>
             </a:extLst>
           </p:cNvPr>
@@ -1267,7 +1268,7 @@
           <p:cNvPr id="3" name="Content Placeholder 2">
             <a:extLst>
               <a:ext uri="{FF2B5EF4-FFF2-40B4-BE49-F238E27FC236}">
-                <a16:creationId xmlns:a16="http://schemas.microsoft.com/office/drawing/2014/main" xmlns="" id="{748ED7E4-95D8-45F9-A98F-739238B42883}"/>
+                <a16:creationId xmlns="" xmlns:a16="http://schemas.microsoft.com/office/drawing/2014/main" id="{748ED7E4-95D8-45F9-A98F-739238B42883}"/>
               </a:ext>
             </a:extLst>
           </p:cNvPr>
@@ -1329,7 +1330,7 @@
           <p:cNvPr id="4" name="Content Placeholder 3">
             <a:extLst>
               <a:ext uri="{FF2B5EF4-FFF2-40B4-BE49-F238E27FC236}">
-                <a16:creationId xmlns:a16="http://schemas.microsoft.com/office/drawing/2014/main" xmlns="" id="{071E4969-66D6-4DEA-838A-45A6B5907A48}"/>
+                <a16:creationId xmlns="" xmlns:a16="http://schemas.microsoft.com/office/drawing/2014/main" id="{071E4969-66D6-4DEA-838A-45A6B5907A48}"/>
               </a:ext>
             </a:extLst>
           </p:cNvPr>
@@ -1391,7 +1392,7 @@
           <p:cNvPr id="5" name="Date Placeholder 4">
             <a:extLst>
               <a:ext uri="{FF2B5EF4-FFF2-40B4-BE49-F238E27FC236}">
-                <a16:creationId xmlns:a16="http://schemas.microsoft.com/office/drawing/2014/main" xmlns="" id="{05CE8E8C-ED65-427C-848B-C7A2042DC571}"/>
+                <a16:creationId xmlns="" xmlns:a16="http://schemas.microsoft.com/office/drawing/2014/main" id="{05CE8E8C-ED65-427C-848B-C7A2042DC571}"/>
               </a:ext>
             </a:extLst>
           </p:cNvPr>
@@ -1409,7 +1410,7 @@
           <a:p>
             <a:fld id="{98721B90-EA1F-4164-9F70-3DC63C567694}" type="datetimeFigureOut">
               <a:rPr lang="en-US" smtClean="0"/>
-              <a:t>7/25/2020</a:t>
+              <a:t>8/4/2020</a:t>
             </a:fld>
             <a:endParaRPr lang="en-US"/>
           </a:p>
@@ -1420,7 +1421,7 @@
           <p:cNvPr id="6" name="Footer Placeholder 5">
             <a:extLst>
               <a:ext uri="{FF2B5EF4-FFF2-40B4-BE49-F238E27FC236}">
-                <a16:creationId xmlns:a16="http://schemas.microsoft.com/office/drawing/2014/main" xmlns="" id="{02FC0DA0-0F2C-4E15-BEA0-111ABAC67023}"/>
+                <a16:creationId xmlns="" xmlns:a16="http://schemas.microsoft.com/office/drawing/2014/main" id="{02FC0DA0-0F2C-4E15-BEA0-111ABAC67023}"/>
               </a:ext>
             </a:extLst>
           </p:cNvPr>
@@ -1445,7 +1446,7 @@
           <p:cNvPr id="7" name="Slide Number Placeholder 6">
             <a:extLst>
               <a:ext uri="{FF2B5EF4-FFF2-40B4-BE49-F238E27FC236}">
-                <a16:creationId xmlns:a16="http://schemas.microsoft.com/office/drawing/2014/main" xmlns="" id="{55175AF4-6F5C-4DA1-81BF-055F41B03CD0}"/>
+                <a16:creationId xmlns="" xmlns:a16="http://schemas.microsoft.com/office/drawing/2014/main" id="{55175AF4-6F5C-4DA1-81BF-055F41B03CD0}"/>
               </a:ext>
             </a:extLst>
           </p:cNvPr>
@@ -1504,7 +1505,7 @@
           <p:cNvPr id="2" name="Title 1">
             <a:extLst>
               <a:ext uri="{FF2B5EF4-FFF2-40B4-BE49-F238E27FC236}">
-                <a16:creationId xmlns:a16="http://schemas.microsoft.com/office/drawing/2014/main" xmlns="" id="{0CFE13B7-ED31-4F1B-9A75-D2CBCB791007}"/>
+                <a16:creationId xmlns="" xmlns:a16="http://schemas.microsoft.com/office/drawing/2014/main" id="{0CFE13B7-ED31-4F1B-9A75-D2CBCB791007}"/>
               </a:ext>
             </a:extLst>
           </p:cNvPr>
@@ -1537,7 +1538,7 @@
           <p:cNvPr id="3" name="Text Placeholder 2">
             <a:extLst>
               <a:ext uri="{FF2B5EF4-FFF2-40B4-BE49-F238E27FC236}">
-                <a16:creationId xmlns:a16="http://schemas.microsoft.com/office/drawing/2014/main" xmlns="" id="{77468C93-F011-404A-BEB3-8C113F941B96}"/>
+                <a16:creationId xmlns="" xmlns:a16="http://schemas.microsoft.com/office/drawing/2014/main" id="{77468C93-F011-404A-BEB3-8C113F941B96}"/>
               </a:ext>
             </a:extLst>
           </p:cNvPr>
@@ -1608,7 +1609,7 @@
           <p:cNvPr id="4" name="Content Placeholder 3">
             <a:extLst>
               <a:ext uri="{FF2B5EF4-FFF2-40B4-BE49-F238E27FC236}">
-                <a16:creationId xmlns:a16="http://schemas.microsoft.com/office/drawing/2014/main" xmlns="" id="{05BDAC80-2836-40DA-A33E-2C7AF754BD85}"/>
+                <a16:creationId xmlns="" xmlns:a16="http://schemas.microsoft.com/office/drawing/2014/main" id="{05BDAC80-2836-40DA-A33E-2C7AF754BD85}"/>
               </a:ext>
             </a:extLst>
           </p:cNvPr>
@@ -1670,7 +1671,7 @@
           <p:cNvPr id="5" name="Text Placeholder 4">
             <a:extLst>
               <a:ext uri="{FF2B5EF4-FFF2-40B4-BE49-F238E27FC236}">
-                <a16:creationId xmlns:a16="http://schemas.microsoft.com/office/drawing/2014/main" xmlns="" id="{0CE1BE67-846E-4CB4-9B35-A71C930AF1DD}"/>
+                <a16:creationId xmlns="" xmlns:a16="http://schemas.microsoft.com/office/drawing/2014/main" id="{0CE1BE67-846E-4CB4-9B35-A71C930AF1DD}"/>
               </a:ext>
             </a:extLst>
           </p:cNvPr>
@@ -1741,7 +1742,7 @@
           <p:cNvPr id="6" name="Content Placeholder 5">
             <a:extLst>
               <a:ext uri="{FF2B5EF4-FFF2-40B4-BE49-F238E27FC236}">
-                <a16:creationId xmlns:a16="http://schemas.microsoft.com/office/drawing/2014/main" xmlns="" id="{DD55E3F7-2248-45FE-B764-597D5AE4D9A6}"/>
+                <a16:creationId xmlns="" xmlns:a16="http://schemas.microsoft.com/office/drawing/2014/main" id="{DD55E3F7-2248-45FE-B764-597D5AE4D9A6}"/>
               </a:ext>
             </a:extLst>
           </p:cNvPr>
@@ -1803,7 +1804,7 @@
           <p:cNvPr id="7" name="Date Placeholder 6">
             <a:extLst>
               <a:ext uri="{FF2B5EF4-FFF2-40B4-BE49-F238E27FC236}">
-                <a16:creationId xmlns:a16="http://schemas.microsoft.com/office/drawing/2014/main" xmlns="" id="{1C5DED99-6D6E-4A58-AFE7-4663BF0CA280}"/>
+                <a16:creationId xmlns="" xmlns:a16="http://schemas.microsoft.com/office/drawing/2014/main" id="{1C5DED99-6D6E-4A58-AFE7-4663BF0CA280}"/>
               </a:ext>
             </a:extLst>
           </p:cNvPr>
@@ -1821,7 +1822,7 @@
           <a:p>
             <a:fld id="{98721B90-EA1F-4164-9F70-3DC63C567694}" type="datetimeFigureOut">
               <a:rPr lang="en-US" smtClean="0"/>
-              <a:t>7/25/2020</a:t>
+              <a:t>8/4/2020</a:t>
             </a:fld>
             <a:endParaRPr lang="en-US"/>
           </a:p>
@@ -1832,7 +1833,7 @@
           <p:cNvPr id="8" name="Footer Placeholder 7">
             <a:extLst>
               <a:ext uri="{FF2B5EF4-FFF2-40B4-BE49-F238E27FC236}">
-                <a16:creationId xmlns:a16="http://schemas.microsoft.com/office/drawing/2014/main" xmlns="" id="{6FF79411-2211-4BA9-A90B-D1CDB0D71FC4}"/>
+                <a16:creationId xmlns="" xmlns:a16="http://schemas.microsoft.com/office/drawing/2014/main" id="{6FF79411-2211-4BA9-A90B-D1CDB0D71FC4}"/>
               </a:ext>
             </a:extLst>
           </p:cNvPr>
@@ -1857,7 +1858,7 @@
           <p:cNvPr id="9" name="Slide Number Placeholder 8">
             <a:extLst>
               <a:ext uri="{FF2B5EF4-FFF2-40B4-BE49-F238E27FC236}">
-                <a16:creationId xmlns:a16="http://schemas.microsoft.com/office/drawing/2014/main" xmlns="" id="{57DED464-3392-45EB-B1ED-A033C3E0A112}"/>
+                <a16:creationId xmlns="" xmlns:a16="http://schemas.microsoft.com/office/drawing/2014/main" id="{57DED464-3392-45EB-B1ED-A033C3E0A112}"/>
               </a:ext>
             </a:extLst>
           </p:cNvPr>
@@ -1916,7 +1917,7 @@
           <p:cNvPr id="2" name="Title 1">
             <a:extLst>
               <a:ext uri="{FF2B5EF4-FFF2-40B4-BE49-F238E27FC236}">
-                <a16:creationId xmlns:a16="http://schemas.microsoft.com/office/drawing/2014/main" xmlns="" id="{EF8637D7-C3BB-4217-B85D-B7DBD47CEE2D}"/>
+                <a16:creationId xmlns="" xmlns:a16="http://schemas.microsoft.com/office/drawing/2014/main" id="{EF8637D7-C3BB-4217-B85D-B7DBD47CEE2D}"/>
               </a:ext>
             </a:extLst>
           </p:cNvPr>
@@ -1944,7 +1945,7 @@
           <p:cNvPr id="3" name="Date Placeholder 2">
             <a:extLst>
               <a:ext uri="{FF2B5EF4-FFF2-40B4-BE49-F238E27FC236}">
-                <a16:creationId xmlns:a16="http://schemas.microsoft.com/office/drawing/2014/main" xmlns="" id="{2D7E59C0-595B-4FE4-B924-22189A6D1472}"/>
+                <a16:creationId xmlns="" xmlns:a16="http://schemas.microsoft.com/office/drawing/2014/main" id="{2D7E59C0-595B-4FE4-B924-22189A6D1472}"/>
               </a:ext>
             </a:extLst>
           </p:cNvPr>
@@ -1962,7 +1963,7 @@
           <a:p>
             <a:fld id="{98721B90-EA1F-4164-9F70-3DC63C567694}" type="datetimeFigureOut">
               <a:rPr lang="en-US" smtClean="0"/>
-              <a:t>7/25/2020</a:t>
+              <a:t>8/4/2020</a:t>
             </a:fld>
             <a:endParaRPr lang="en-US"/>
           </a:p>
@@ -1973,7 +1974,7 @@
           <p:cNvPr id="4" name="Footer Placeholder 3">
             <a:extLst>
               <a:ext uri="{FF2B5EF4-FFF2-40B4-BE49-F238E27FC236}">
-                <a16:creationId xmlns:a16="http://schemas.microsoft.com/office/drawing/2014/main" xmlns="" id="{692F5F27-989C-4B58-A7CC-95BED303EACA}"/>
+                <a16:creationId xmlns="" xmlns:a16="http://schemas.microsoft.com/office/drawing/2014/main" id="{692F5F27-989C-4B58-A7CC-95BED303EACA}"/>
               </a:ext>
             </a:extLst>
           </p:cNvPr>
@@ -1998,7 +1999,7 @@
           <p:cNvPr id="5" name="Slide Number Placeholder 4">
             <a:extLst>
               <a:ext uri="{FF2B5EF4-FFF2-40B4-BE49-F238E27FC236}">
-                <a16:creationId xmlns:a16="http://schemas.microsoft.com/office/drawing/2014/main" xmlns="" id="{DA7B9EC8-BB64-4DA0-BDE8-6CCF317279FD}"/>
+                <a16:creationId xmlns="" xmlns:a16="http://schemas.microsoft.com/office/drawing/2014/main" id="{DA7B9EC8-BB64-4DA0-BDE8-6CCF317279FD}"/>
               </a:ext>
             </a:extLst>
           </p:cNvPr>
@@ -2057,7 +2058,7 @@
           <p:cNvPr id="2" name="Date Placeholder 1">
             <a:extLst>
               <a:ext uri="{FF2B5EF4-FFF2-40B4-BE49-F238E27FC236}">
-                <a16:creationId xmlns:a16="http://schemas.microsoft.com/office/drawing/2014/main" xmlns="" id="{59DE5FC8-94B3-44B2-BDBF-A6BC9C9DF3CF}"/>
+                <a16:creationId xmlns="" xmlns:a16="http://schemas.microsoft.com/office/drawing/2014/main" id="{59DE5FC8-94B3-44B2-BDBF-A6BC9C9DF3CF}"/>
               </a:ext>
             </a:extLst>
           </p:cNvPr>
@@ -2075,7 +2076,7 @@
           <a:p>
             <a:fld id="{98721B90-EA1F-4164-9F70-3DC63C567694}" type="datetimeFigureOut">
               <a:rPr lang="en-US" smtClean="0"/>
-              <a:t>7/25/2020</a:t>
+              <a:t>8/4/2020</a:t>
             </a:fld>
             <a:endParaRPr lang="en-US"/>
           </a:p>
@@ -2086,7 +2087,7 @@
           <p:cNvPr id="3" name="Footer Placeholder 2">
             <a:extLst>
               <a:ext uri="{FF2B5EF4-FFF2-40B4-BE49-F238E27FC236}">
-                <a16:creationId xmlns:a16="http://schemas.microsoft.com/office/drawing/2014/main" xmlns="" id="{F5982889-7D00-4A19-97C1-98DC2CA71483}"/>
+                <a16:creationId xmlns="" xmlns:a16="http://schemas.microsoft.com/office/drawing/2014/main" id="{F5982889-7D00-4A19-97C1-98DC2CA71483}"/>
               </a:ext>
             </a:extLst>
           </p:cNvPr>
@@ -2111,7 +2112,7 @@
           <p:cNvPr id="4" name="Slide Number Placeholder 3">
             <a:extLst>
               <a:ext uri="{FF2B5EF4-FFF2-40B4-BE49-F238E27FC236}">
-                <a16:creationId xmlns:a16="http://schemas.microsoft.com/office/drawing/2014/main" xmlns="" id="{B59478C4-AE87-4EBE-ABB3-31E53037E87C}"/>
+                <a16:creationId xmlns="" xmlns:a16="http://schemas.microsoft.com/office/drawing/2014/main" id="{B59478C4-AE87-4EBE-ABB3-31E53037E87C}"/>
               </a:ext>
             </a:extLst>
           </p:cNvPr>
@@ -2170,7 +2171,7 @@
           <p:cNvPr id="2" name="Title 1">
             <a:extLst>
               <a:ext uri="{FF2B5EF4-FFF2-40B4-BE49-F238E27FC236}">
-                <a16:creationId xmlns:a16="http://schemas.microsoft.com/office/drawing/2014/main" xmlns="" id="{B79336E2-0D5F-44BB-821A-E25C0B667256}"/>
+                <a16:creationId xmlns="" xmlns:a16="http://schemas.microsoft.com/office/drawing/2014/main" id="{B79336E2-0D5F-44BB-821A-E25C0B667256}"/>
               </a:ext>
             </a:extLst>
           </p:cNvPr>
@@ -2207,7 +2208,7 @@
           <p:cNvPr id="3" name="Content Placeholder 2">
             <a:extLst>
               <a:ext uri="{FF2B5EF4-FFF2-40B4-BE49-F238E27FC236}">
-                <a16:creationId xmlns:a16="http://schemas.microsoft.com/office/drawing/2014/main" xmlns="" id="{2CA87049-E14C-431A-9832-2850179E953F}"/>
+                <a16:creationId xmlns="" xmlns:a16="http://schemas.microsoft.com/office/drawing/2014/main" id="{2CA87049-E14C-431A-9832-2850179E953F}"/>
               </a:ext>
             </a:extLst>
           </p:cNvPr>
@@ -2297,7 +2298,7 @@
           <p:cNvPr id="4" name="Text Placeholder 3">
             <a:extLst>
               <a:ext uri="{FF2B5EF4-FFF2-40B4-BE49-F238E27FC236}">
-                <a16:creationId xmlns:a16="http://schemas.microsoft.com/office/drawing/2014/main" xmlns="" id="{F131DA67-55A3-4233-A5F8-847AC2A4B66D}"/>
+                <a16:creationId xmlns="" xmlns:a16="http://schemas.microsoft.com/office/drawing/2014/main" id="{F131DA67-55A3-4233-A5F8-847AC2A4B66D}"/>
               </a:ext>
             </a:extLst>
           </p:cNvPr>
@@ -2368,7 +2369,7 @@
           <p:cNvPr id="5" name="Date Placeholder 4">
             <a:extLst>
               <a:ext uri="{FF2B5EF4-FFF2-40B4-BE49-F238E27FC236}">
-                <a16:creationId xmlns:a16="http://schemas.microsoft.com/office/drawing/2014/main" xmlns="" id="{3D31B9B8-EE4F-4265-857F-E45D6DD659D5}"/>
+                <a16:creationId xmlns="" xmlns:a16="http://schemas.microsoft.com/office/drawing/2014/main" id="{3D31B9B8-EE4F-4265-857F-E45D6DD659D5}"/>
               </a:ext>
             </a:extLst>
           </p:cNvPr>
@@ -2386,7 +2387,7 @@
           <a:p>
             <a:fld id="{98721B90-EA1F-4164-9F70-3DC63C567694}" type="datetimeFigureOut">
               <a:rPr lang="en-US" smtClean="0"/>
-              <a:t>7/25/2020</a:t>
+              <a:t>8/4/2020</a:t>
             </a:fld>
             <a:endParaRPr lang="en-US"/>
           </a:p>
@@ -2397,7 +2398,7 @@
           <p:cNvPr id="6" name="Footer Placeholder 5">
             <a:extLst>
               <a:ext uri="{FF2B5EF4-FFF2-40B4-BE49-F238E27FC236}">
-                <a16:creationId xmlns:a16="http://schemas.microsoft.com/office/drawing/2014/main" xmlns="" id="{FE960BD5-CB2F-4D40-A230-6672B5363789}"/>
+                <a16:creationId xmlns="" xmlns:a16="http://schemas.microsoft.com/office/drawing/2014/main" id="{FE960BD5-CB2F-4D40-A230-6672B5363789}"/>
               </a:ext>
             </a:extLst>
           </p:cNvPr>
@@ -2422,7 +2423,7 @@
           <p:cNvPr id="7" name="Slide Number Placeholder 6">
             <a:extLst>
               <a:ext uri="{FF2B5EF4-FFF2-40B4-BE49-F238E27FC236}">
-                <a16:creationId xmlns:a16="http://schemas.microsoft.com/office/drawing/2014/main" xmlns="" id="{CD806A20-3807-49AD-AD54-AB27A45AEE12}"/>
+                <a16:creationId xmlns="" xmlns:a16="http://schemas.microsoft.com/office/drawing/2014/main" id="{CD806A20-3807-49AD-AD54-AB27A45AEE12}"/>
               </a:ext>
             </a:extLst>
           </p:cNvPr>
@@ -2481,7 +2482,7 @@
           <p:cNvPr id="2" name="Title 1">
             <a:extLst>
               <a:ext uri="{FF2B5EF4-FFF2-40B4-BE49-F238E27FC236}">
-                <a16:creationId xmlns:a16="http://schemas.microsoft.com/office/drawing/2014/main" xmlns="" id="{FD420917-2D91-444D-8E26-B9556A194718}"/>
+                <a16:creationId xmlns="" xmlns:a16="http://schemas.microsoft.com/office/drawing/2014/main" id="{FD420917-2D91-444D-8E26-B9556A194718}"/>
               </a:ext>
             </a:extLst>
           </p:cNvPr>
@@ -2518,7 +2519,7 @@
           <p:cNvPr id="3" name="Picture Placeholder 2">
             <a:extLst>
               <a:ext uri="{FF2B5EF4-FFF2-40B4-BE49-F238E27FC236}">
-                <a16:creationId xmlns:a16="http://schemas.microsoft.com/office/drawing/2014/main" xmlns="" id="{73CB466E-64E2-4926-9497-6A9F215E8502}"/>
+                <a16:creationId xmlns="" xmlns:a16="http://schemas.microsoft.com/office/drawing/2014/main" id="{73CB466E-64E2-4926-9497-6A9F215E8502}"/>
               </a:ext>
             </a:extLst>
           </p:cNvPr>
@@ -2585,7 +2586,7 @@
           <p:cNvPr id="4" name="Text Placeholder 3">
             <a:extLst>
               <a:ext uri="{FF2B5EF4-FFF2-40B4-BE49-F238E27FC236}">
-                <a16:creationId xmlns:a16="http://schemas.microsoft.com/office/drawing/2014/main" xmlns="" id="{7C795F0B-18B0-492B-8EB0-C08372CCCFED}"/>
+                <a16:creationId xmlns="" xmlns:a16="http://schemas.microsoft.com/office/drawing/2014/main" id="{7C795F0B-18B0-492B-8EB0-C08372CCCFED}"/>
               </a:ext>
             </a:extLst>
           </p:cNvPr>
@@ -2656,7 +2657,7 @@
           <p:cNvPr id="5" name="Date Placeholder 4">
             <a:extLst>
               <a:ext uri="{FF2B5EF4-FFF2-40B4-BE49-F238E27FC236}">
-                <a16:creationId xmlns:a16="http://schemas.microsoft.com/office/drawing/2014/main" xmlns="" id="{7708FA5F-C914-4F70-9CDA-8F1A60A802D1}"/>
+                <a16:creationId xmlns="" xmlns:a16="http://schemas.microsoft.com/office/drawing/2014/main" id="{7708FA5F-C914-4F70-9CDA-8F1A60A802D1}"/>
               </a:ext>
             </a:extLst>
           </p:cNvPr>
@@ -2674,7 +2675,7 @@
           <a:p>
             <a:fld id="{98721B90-EA1F-4164-9F70-3DC63C567694}" type="datetimeFigureOut">
               <a:rPr lang="en-US" smtClean="0"/>
-              <a:t>7/25/2020</a:t>
+              <a:t>8/4/2020</a:t>
             </a:fld>
             <a:endParaRPr lang="en-US"/>
           </a:p>
@@ -2685,7 +2686,7 @@
           <p:cNvPr id="6" name="Footer Placeholder 5">
             <a:extLst>
               <a:ext uri="{FF2B5EF4-FFF2-40B4-BE49-F238E27FC236}">
-                <a16:creationId xmlns:a16="http://schemas.microsoft.com/office/drawing/2014/main" xmlns="" id="{A93A763D-23E8-4D78-8323-972E46D49395}"/>
+                <a16:creationId xmlns="" xmlns:a16="http://schemas.microsoft.com/office/drawing/2014/main" id="{A93A763D-23E8-4D78-8323-972E46D49395}"/>
               </a:ext>
             </a:extLst>
           </p:cNvPr>
@@ -2710,7 +2711,7 @@
           <p:cNvPr id="7" name="Slide Number Placeholder 6">
             <a:extLst>
               <a:ext uri="{FF2B5EF4-FFF2-40B4-BE49-F238E27FC236}">
-                <a16:creationId xmlns:a16="http://schemas.microsoft.com/office/drawing/2014/main" xmlns="" id="{D1685C9B-E5E2-4B08-A7FC-56C4D1BB6974}"/>
+                <a16:creationId xmlns="" xmlns:a16="http://schemas.microsoft.com/office/drawing/2014/main" id="{D1685C9B-E5E2-4B08-A7FC-56C4D1BB6974}"/>
               </a:ext>
             </a:extLst>
           </p:cNvPr>
@@ -2774,7 +2775,7 @@
           <p:cNvPr id="2" name="Title Placeholder 1">
             <a:extLst>
               <a:ext uri="{FF2B5EF4-FFF2-40B4-BE49-F238E27FC236}">
-                <a16:creationId xmlns:a16="http://schemas.microsoft.com/office/drawing/2014/main" xmlns="" id="{63E96A8E-7487-41FD-A45E-3D23FA78CED7}"/>
+                <a16:creationId xmlns="" xmlns:a16="http://schemas.microsoft.com/office/drawing/2014/main" id="{63E96A8E-7487-41FD-A45E-3D23FA78CED7}"/>
               </a:ext>
             </a:extLst>
           </p:cNvPr>
@@ -2812,7 +2813,7 @@
           <p:cNvPr id="3" name="Text Placeholder 2">
             <a:extLst>
               <a:ext uri="{FF2B5EF4-FFF2-40B4-BE49-F238E27FC236}">
-                <a16:creationId xmlns:a16="http://schemas.microsoft.com/office/drawing/2014/main" xmlns="" id="{968260CC-7F53-4C99-9A0A-EB4F8D8FC608}"/>
+                <a16:creationId xmlns="" xmlns:a16="http://schemas.microsoft.com/office/drawing/2014/main" id="{968260CC-7F53-4C99-9A0A-EB4F8D8FC608}"/>
               </a:ext>
             </a:extLst>
           </p:cNvPr>
@@ -2879,7 +2880,7 @@
           <p:cNvPr id="4" name="Date Placeholder 3">
             <a:extLst>
               <a:ext uri="{FF2B5EF4-FFF2-40B4-BE49-F238E27FC236}">
-                <a16:creationId xmlns:a16="http://schemas.microsoft.com/office/drawing/2014/main" xmlns="" id="{BA01F010-9DE4-41CD-9CA3-9623B55DFDF4}"/>
+                <a16:creationId xmlns="" xmlns:a16="http://schemas.microsoft.com/office/drawing/2014/main" id="{BA01F010-9DE4-41CD-9CA3-9623B55DFDF4}"/>
               </a:ext>
             </a:extLst>
           </p:cNvPr>
@@ -2915,7 +2916,7 @@
           <a:p>
             <a:fld id="{98721B90-EA1F-4164-9F70-3DC63C567694}" type="datetimeFigureOut">
               <a:rPr lang="en-US" smtClean="0"/>
-              <a:t>7/25/2020</a:t>
+              <a:t>8/4/2020</a:t>
             </a:fld>
             <a:endParaRPr lang="en-US"/>
           </a:p>
@@ -2926,7 +2927,7 @@
           <p:cNvPr id="5" name="Footer Placeholder 4">
             <a:extLst>
               <a:ext uri="{FF2B5EF4-FFF2-40B4-BE49-F238E27FC236}">
-                <a16:creationId xmlns:a16="http://schemas.microsoft.com/office/drawing/2014/main" xmlns="" id="{E3717DAA-4644-4DFC-85F9-B076D447B9DC}"/>
+                <a16:creationId xmlns="" xmlns:a16="http://schemas.microsoft.com/office/drawing/2014/main" id="{E3717DAA-4644-4DFC-85F9-B076D447B9DC}"/>
               </a:ext>
             </a:extLst>
           </p:cNvPr>
@@ -2969,7 +2970,7 @@
           <p:cNvPr id="6" name="Slide Number Placeholder 5">
             <a:extLst>
               <a:ext uri="{FF2B5EF4-FFF2-40B4-BE49-F238E27FC236}">
-                <a16:creationId xmlns:a16="http://schemas.microsoft.com/office/drawing/2014/main" xmlns="" id="{F7903408-9FEF-457A-87C5-414240E813D2}"/>
+                <a16:creationId xmlns="" xmlns:a16="http://schemas.microsoft.com/office/drawing/2014/main" id="{F7903408-9FEF-457A-87C5-414240E813D2}"/>
               </a:ext>
             </a:extLst>
           </p:cNvPr>
@@ -3337,7 +3338,7 @@
           <p:cNvPr id="2" name="Title 1">
             <a:extLst>
               <a:ext uri="{FF2B5EF4-FFF2-40B4-BE49-F238E27FC236}">
-                <a16:creationId xmlns:a16="http://schemas.microsoft.com/office/drawing/2014/main" xmlns="" id="{8497210B-1188-4DD5-B09F-8F373C037484}"/>
+                <a16:creationId xmlns="" xmlns:a16="http://schemas.microsoft.com/office/drawing/2014/main" id="{8497210B-1188-4DD5-B09F-8F373C037484}"/>
               </a:ext>
             </a:extLst>
           </p:cNvPr>
@@ -3370,7 +3371,7 @@
           <p:cNvPr id="3" name="Subtitle 2">
             <a:extLst>
               <a:ext uri="{FF2B5EF4-FFF2-40B4-BE49-F238E27FC236}">
-                <a16:creationId xmlns:a16="http://schemas.microsoft.com/office/drawing/2014/main" xmlns="" id="{5C1518D1-C4B3-48DE-819C-4D7971D44132}"/>
+                <a16:creationId xmlns="" xmlns:a16="http://schemas.microsoft.com/office/drawing/2014/main" id="{5C1518D1-C4B3-48DE-819C-4D7971D44132}"/>
               </a:ext>
             </a:extLst>
           </p:cNvPr>
@@ -3429,10 +3430,557 @@
       </p:grpSpPr>
       <p:sp>
         <p:nvSpPr>
+          <p:cNvPr id="4" name="Rectangle 3">
+            <a:extLst>
+              <a:ext uri="{FF2B5EF4-FFF2-40B4-BE49-F238E27FC236}">
+                <a16:creationId xmlns="" xmlns:a16="http://schemas.microsoft.com/office/drawing/2014/main" id="{ADD27894-02D3-4F7D-8500-723F9874850D}"/>
+              </a:ext>
+            </a:extLst>
+          </p:cNvPr>
+          <p:cNvSpPr/>
+          <p:nvPr/>
+        </p:nvSpPr>
+        <p:spPr>
+          <a:xfrm>
+            <a:off x="5157227" y="1158660"/>
+            <a:ext cx="2831909" cy="3972140"/>
+          </a:xfrm>
+          <a:prstGeom prst="rect">
+            <a:avLst/>
+          </a:prstGeom>
+          <a:noFill/>
+        </p:spPr>
+        <p:style>
+          <a:lnRef idx="2">
+            <a:schemeClr val="accent1">
+              <a:shade val="50000"/>
+            </a:schemeClr>
+          </a:lnRef>
+          <a:fillRef idx="1">
+            <a:schemeClr val="accent1"/>
+          </a:fillRef>
+          <a:effectRef idx="0">
+            <a:schemeClr val="accent1"/>
+          </a:effectRef>
+          <a:fontRef idx="minor">
+            <a:schemeClr val="lt1"/>
+          </a:fontRef>
+        </p:style>
+        <p:txBody>
+          <a:bodyPr rtlCol="0" anchor="ctr"/>
+          <a:lstStyle/>
+          <a:p>
+            <a:r>
+              <a:rPr lang="en-SG" dirty="0">
+                <a:solidFill>
+                  <a:schemeClr val="tx1"/>
+                </a:solidFill>
+              </a:rPr>
+              <a:t>Trace Node:</a:t>
+            </a:r>
+          </a:p>
+          <a:p>
+            <a:pPr marL="285750" indent="-285750">
+              <a:buFontTx/>
+              <a:buChar char="-"/>
+            </a:pPr>
+            <a:r>
+              <a:rPr lang="en-SG" dirty="0">
+                <a:solidFill>
+                  <a:schemeClr val="tx1"/>
+                </a:solidFill>
+              </a:rPr>
+              <a:t>trace node id (</a:t>
+            </a:r>
+            <a:r>
+              <a:rPr lang="en-SG" dirty="0" err="1">
+                <a:solidFill>
+                  <a:schemeClr val="tx1"/>
+                </a:solidFill>
+              </a:rPr>
+              <a:t>block_file_path+seq_id</a:t>
+            </a:r>
+            <a:r>
+              <a:rPr lang="en-SG" dirty="0">
+                <a:solidFill>
+                  <a:schemeClr val="tx1"/>
+                </a:solidFill>
+              </a:rPr>
+              <a:t>)</a:t>
+            </a:r>
+          </a:p>
+          <a:p>
+            <a:pPr marL="285750" indent="-285750">
+              <a:buFontTx/>
+              <a:buChar char="-"/>
+            </a:pPr>
+            <a:endParaRPr lang="en-SG" dirty="0">
+              <a:solidFill>
+                <a:schemeClr val="tx1"/>
+              </a:solidFill>
+            </a:endParaRPr>
+          </a:p>
+          <a:p>
+            <a:pPr marL="342900" indent="-342900">
+              <a:buAutoNum type="arabicPeriod"/>
+            </a:pPr>
+            <a:r>
+              <a:rPr lang="en-SG" dirty="0">
+                <a:solidFill>
+                  <a:schemeClr val="tx1"/>
+                </a:solidFill>
+              </a:rPr>
+              <a:t>ref to read/written variables</a:t>
+            </a:r>
+          </a:p>
+          <a:p>
+            <a:pPr marL="342900" indent="-342900">
+              <a:buAutoNum type="arabicPeriod"/>
+            </a:pPr>
+            <a:r>
+              <a:rPr lang="en-SG" dirty="0">
+                <a:solidFill>
+                  <a:schemeClr val="tx1"/>
+                </a:solidFill>
+              </a:rPr>
+              <a:t>Ref to data/control dependency</a:t>
+            </a:r>
+          </a:p>
+          <a:p>
+            <a:pPr marL="342900" indent="-342900">
+              <a:buAutoNum type="arabicPeriod"/>
+            </a:pPr>
+            <a:r>
+              <a:rPr lang="en-SG" dirty="0">
+                <a:solidFill>
+                  <a:schemeClr val="tx1"/>
+                </a:solidFill>
+              </a:rPr>
+              <a:t>Ref to Hierarchical Children (invocation/loop children)</a:t>
+            </a:r>
+            <a:br>
+              <a:rPr lang="en-SG" dirty="0">
+                <a:solidFill>
+                  <a:schemeClr val="tx1"/>
+                </a:solidFill>
+              </a:rPr>
+            </a:br>
+            <a:endParaRPr lang="en-US" dirty="0">
+              <a:solidFill>
+                <a:schemeClr val="tx1"/>
+              </a:solidFill>
+            </a:endParaRPr>
+          </a:p>
+        </p:txBody>
+      </p:sp>
+      <p:sp>
+        <p:nvSpPr>
+          <p:cNvPr id="5" name="Rectangle 4">
+            <a:extLst>
+              <a:ext uri="{FF2B5EF4-FFF2-40B4-BE49-F238E27FC236}">
+                <a16:creationId xmlns="" xmlns:a16="http://schemas.microsoft.com/office/drawing/2014/main" id="{E3C7068E-D01A-4E3E-B8C1-55FF8AFF3342}"/>
+              </a:ext>
+            </a:extLst>
+          </p:cNvPr>
+          <p:cNvSpPr/>
+          <p:nvPr/>
+        </p:nvSpPr>
+        <p:spPr>
+          <a:xfrm>
+            <a:off x="9477828" y="2091989"/>
+            <a:ext cx="1724054" cy="378415"/>
+          </a:xfrm>
+          <a:prstGeom prst="rect">
+            <a:avLst/>
+          </a:prstGeom>
+          <a:noFill/>
+        </p:spPr>
+        <p:style>
+          <a:lnRef idx="2">
+            <a:schemeClr val="accent1">
+              <a:shade val="50000"/>
+            </a:schemeClr>
+          </a:lnRef>
+          <a:fillRef idx="1">
+            <a:schemeClr val="accent1"/>
+          </a:fillRef>
+          <a:effectRef idx="0">
+            <a:schemeClr val="accent1"/>
+          </a:effectRef>
+          <a:fontRef idx="minor">
+            <a:schemeClr val="lt1"/>
+          </a:fontRef>
+        </p:style>
+        <p:txBody>
+          <a:bodyPr rot="0" spcFirstLastPara="0" vertOverflow="overflow" horzOverflow="overflow" vert="horz" wrap="square" lIns="91440" tIns="45720" rIns="91440" bIns="45720" numCol="1" spcCol="0" rtlCol="0" fromWordArt="0" anchor="ctr" anchorCtr="0" forceAA="0" compatLnSpc="1">
+            <a:prstTxWarp prst="textNoShape">
+              <a:avLst/>
+            </a:prstTxWarp>
+            <a:noAutofit/>
+          </a:bodyPr>
+          <a:lstStyle/>
+          <a:p>
+            <a:r>
+              <a:rPr lang="en-SG" dirty="0">
+                <a:solidFill>
+                  <a:schemeClr val="tx1"/>
+                </a:solidFill>
+              </a:rPr>
+              <a:t>Variable File?</a:t>
+            </a:r>
+            <a:endParaRPr lang="en-US" dirty="0">
+              <a:solidFill>
+                <a:schemeClr val="tx1"/>
+              </a:solidFill>
+            </a:endParaRPr>
+          </a:p>
+        </p:txBody>
+      </p:sp>
+      <p:cxnSp>
+        <p:nvCxnSpPr>
+          <p:cNvPr id="6" name="Connector: Elbow 5">
+            <a:extLst>
+              <a:ext uri="{FF2B5EF4-FFF2-40B4-BE49-F238E27FC236}">
+                <a16:creationId xmlns="" xmlns:a16="http://schemas.microsoft.com/office/drawing/2014/main" id="{1A85D5D1-EC86-416B-82E8-FC836BF31A96}"/>
+              </a:ext>
+            </a:extLst>
+          </p:cNvPr>
+          <p:cNvCxnSpPr>
+            <a:cxnSpLocks/>
+            <a:stCxn id="4" idx="1"/>
+            <a:endCxn id="4" idx="0"/>
+          </p:cNvCxnSpPr>
+          <p:nvPr/>
+        </p:nvCxnSpPr>
+        <p:spPr>
+          <a:xfrm rot="10800000" flipH="1">
+            <a:off x="5157226" y="1158660"/>
+            <a:ext cx="1415955" cy="1986070"/>
+          </a:xfrm>
+          <a:prstGeom prst="bentConnector4">
+            <a:avLst>
+              <a:gd name="adj1" fmla="val -16145"/>
+              <a:gd name="adj2" fmla="val 111510"/>
+            </a:avLst>
+          </a:prstGeom>
+          <a:ln>
+            <a:tailEnd type="triangle" w="lg" len="lg"/>
+          </a:ln>
+        </p:spPr>
+        <p:style>
+          <a:lnRef idx="1">
+            <a:schemeClr val="accent1"/>
+          </a:lnRef>
+          <a:fillRef idx="0">
+            <a:schemeClr val="accent1"/>
+          </a:fillRef>
+          <a:effectRef idx="0">
+            <a:schemeClr val="accent1"/>
+          </a:effectRef>
+          <a:fontRef idx="minor">
+            <a:schemeClr val="tx1"/>
+          </a:fontRef>
+        </p:style>
+      </p:cxnSp>
+      <p:cxnSp>
+        <p:nvCxnSpPr>
+          <p:cNvPr id="7" name="Connector: Elbow 6">
+            <a:extLst>
+              <a:ext uri="{FF2B5EF4-FFF2-40B4-BE49-F238E27FC236}">
+                <a16:creationId xmlns="" xmlns:a16="http://schemas.microsoft.com/office/drawing/2014/main" id="{72A2CCAF-75C7-40E9-A607-135FCD5BDE61}"/>
+              </a:ext>
+            </a:extLst>
+          </p:cNvPr>
+          <p:cNvCxnSpPr>
+            <a:cxnSpLocks/>
+            <a:stCxn id="4" idx="3"/>
+            <a:endCxn id="5" idx="1"/>
+          </p:cNvCxnSpPr>
+          <p:nvPr/>
+        </p:nvCxnSpPr>
+        <p:spPr>
+          <a:xfrm flipV="1">
+            <a:off x="7989136" y="2281197"/>
+            <a:ext cx="1488692" cy="863533"/>
+          </a:xfrm>
+          <a:prstGeom prst="bentConnector3">
+            <a:avLst/>
+          </a:prstGeom>
+          <a:ln>
+            <a:tailEnd type="triangle"/>
+          </a:ln>
+        </p:spPr>
+        <p:style>
+          <a:lnRef idx="1">
+            <a:schemeClr val="accent1"/>
+          </a:lnRef>
+          <a:fillRef idx="0">
+            <a:schemeClr val="accent1"/>
+          </a:fillRef>
+          <a:effectRef idx="0">
+            <a:schemeClr val="accent1"/>
+          </a:effectRef>
+          <a:fontRef idx="minor">
+            <a:schemeClr val="tx1"/>
+          </a:fontRef>
+        </p:style>
+      </p:cxnSp>
+      <p:sp>
+        <p:nvSpPr>
+          <p:cNvPr id="8" name="Rectangle 7">
+            <a:extLst>
+              <a:ext uri="{FF2B5EF4-FFF2-40B4-BE49-F238E27FC236}">
+                <a16:creationId xmlns="" xmlns:a16="http://schemas.microsoft.com/office/drawing/2014/main" id="{81E41073-32BA-4270-B734-E8DD14034463}"/>
+              </a:ext>
+            </a:extLst>
+          </p:cNvPr>
+          <p:cNvSpPr/>
+          <p:nvPr/>
+        </p:nvSpPr>
+        <p:spPr>
+          <a:xfrm>
+            <a:off x="1306340" y="3589879"/>
+            <a:ext cx="1724054" cy="671587"/>
+          </a:xfrm>
+          <a:prstGeom prst="rect">
+            <a:avLst/>
+          </a:prstGeom>
+          <a:noFill/>
+        </p:spPr>
+        <p:style>
+          <a:lnRef idx="2">
+            <a:schemeClr val="accent1">
+              <a:shade val="50000"/>
+            </a:schemeClr>
+          </a:lnRef>
+          <a:fillRef idx="1">
+            <a:schemeClr val="accent1"/>
+          </a:fillRef>
+          <a:effectRef idx="0">
+            <a:schemeClr val="accent1"/>
+          </a:effectRef>
+          <a:fontRef idx="minor">
+            <a:schemeClr val="lt1"/>
+          </a:fontRef>
+        </p:style>
+        <p:txBody>
+          <a:bodyPr rot="0" spcFirstLastPara="0" vertOverflow="overflow" horzOverflow="overflow" vert="horz" wrap="square" lIns="91440" tIns="45720" rIns="91440" bIns="45720" numCol="1" spcCol="0" rtlCol="0" fromWordArt="0" anchor="ctr" anchorCtr="0" forceAA="0" compatLnSpc="1">
+            <a:prstTxWarp prst="textNoShape">
+              <a:avLst/>
+            </a:prstTxWarp>
+            <a:noAutofit/>
+          </a:bodyPr>
+          <a:lstStyle/>
+          <a:p>
+            <a:r>
+              <a:rPr lang="en-SG" dirty="0">
+                <a:solidFill>
+                  <a:schemeClr val="tx1"/>
+                </a:solidFill>
+              </a:rPr>
+              <a:t>Trace Header file (execution)</a:t>
+            </a:r>
+            <a:endParaRPr lang="en-US" dirty="0">
+              <a:solidFill>
+                <a:schemeClr val="tx1"/>
+              </a:solidFill>
+            </a:endParaRPr>
+          </a:p>
+        </p:txBody>
+      </p:sp>
+      <p:sp>
+        <p:nvSpPr>
+          <p:cNvPr id="9" name="Rectangle 8">
+            <a:extLst>
+              <a:ext uri="{FF2B5EF4-FFF2-40B4-BE49-F238E27FC236}">
+                <a16:creationId xmlns="" xmlns:a16="http://schemas.microsoft.com/office/drawing/2014/main" id="{41CFAC0D-FF55-41D2-8215-966C18F9A802}"/>
+              </a:ext>
+            </a:extLst>
+          </p:cNvPr>
+          <p:cNvSpPr/>
+          <p:nvPr/>
+        </p:nvSpPr>
+        <p:spPr>
+          <a:xfrm>
+            <a:off x="1306340" y="1362237"/>
+            <a:ext cx="1724054" cy="416257"/>
+          </a:xfrm>
+          <a:prstGeom prst="rect">
+            <a:avLst/>
+          </a:prstGeom>
+          <a:noFill/>
+        </p:spPr>
+        <p:style>
+          <a:lnRef idx="2">
+            <a:schemeClr val="accent1">
+              <a:shade val="50000"/>
+            </a:schemeClr>
+          </a:lnRef>
+          <a:fillRef idx="1">
+            <a:schemeClr val="accent1"/>
+          </a:fillRef>
+          <a:effectRef idx="0">
+            <a:schemeClr val="accent1"/>
+          </a:effectRef>
+          <a:fontRef idx="minor">
+            <a:schemeClr val="lt1"/>
+          </a:fontRef>
+        </p:style>
+        <p:txBody>
+          <a:bodyPr rot="0" spcFirstLastPara="0" vertOverflow="overflow" horzOverflow="overflow" vert="horz" wrap="square" lIns="91440" tIns="45720" rIns="91440" bIns="45720" numCol="1" spcCol="0" rtlCol="0" fromWordArt="0" anchor="ctr" anchorCtr="0" forceAA="0" compatLnSpc="1">
+            <a:prstTxWarp prst="textNoShape">
+              <a:avLst/>
+            </a:prstTxWarp>
+            <a:noAutofit/>
+          </a:bodyPr>
+          <a:lstStyle/>
+          <a:p>
+            <a:r>
+              <a:rPr lang="en-SG" dirty="0">
+                <a:solidFill>
+                  <a:schemeClr val="tx1"/>
+                </a:solidFill>
+              </a:rPr>
+              <a:t>Block File</a:t>
+            </a:r>
+            <a:endParaRPr lang="en-US" dirty="0">
+              <a:solidFill>
+                <a:schemeClr val="tx1"/>
+              </a:solidFill>
+            </a:endParaRPr>
+          </a:p>
+        </p:txBody>
+      </p:sp>
+      <p:cxnSp>
+        <p:nvCxnSpPr>
+          <p:cNvPr id="10" name="Connector: Elbow 9">
+            <a:extLst>
+              <a:ext uri="{FF2B5EF4-FFF2-40B4-BE49-F238E27FC236}">
+                <a16:creationId xmlns="" xmlns:a16="http://schemas.microsoft.com/office/drawing/2014/main" id="{12CA1A67-9A30-4B64-8A54-7B9115C60266}"/>
+              </a:ext>
+            </a:extLst>
+          </p:cNvPr>
+          <p:cNvCxnSpPr>
+            <a:cxnSpLocks/>
+            <a:stCxn id="9" idx="2"/>
+          </p:cNvCxnSpPr>
+          <p:nvPr/>
+        </p:nvCxnSpPr>
+        <p:spPr>
+          <a:xfrm rot="16200000" flipH="1">
+            <a:off x="2895277" y="1051584"/>
+            <a:ext cx="1522338" cy="2976158"/>
+          </a:xfrm>
+          <a:prstGeom prst="bentConnector2">
+            <a:avLst/>
+          </a:prstGeom>
+          <a:ln>
+            <a:tailEnd type="triangle" w="lg" len="lg"/>
+          </a:ln>
+        </p:spPr>
+        <p:style>
+          <a:lnRef idx="1">
+            <a:schemeClr val="accent1"/>
+          </a:lnRef>
+          <a:fillRef idx="0">
+            <a:schemeClr val="accent1"/>
+          </a:fillRef>
+          <a:effectRef idx="0">
+            <a:schemeClr val="accent1"/>
+          </a:effectRef>
+          <a:fontRef idx="minor">
+            <a:schemeClr val="tx1"/>
+          </a:fontRef>
+        </p:style>
+      </p:cxnSp>
+      <p:cxnSp>
+        <p:nvCxnSpPr>
+          <p:cNvPr id="11" name="Connector: Elbow 10">
+            <a:extLst>
+              <a:ext uri="{FF2B5EF4-FFF2-40B4-BE49-F238E27FC236}">
+                <a16:creationId xmlns="" xmlns:a16="http://schemas.microsoft.com/office/drawing/2014/main" id="{EC0728E9-347A-43CF-B5F4-1645B132EABB}"/>
+              </a:ext>
+            </a:extLst>
+          </p:cNvPr>
+          <p:cNvCxnSpPr>
+            <a:cxnSpLocks/>
+            <a:stCxn id="8" idx="1"/>
+            <a:endCxn id="9" idx="1"/>
+          </p:cNvCxnSpPr>
+          <p:nvPr/>
+        </p:nvCxnSpPr>
+        <p:spPr>
+          <a:xfrm rot="10800000">
+            <a:off x="1306340" y="1570367"/>
+            <a:ext cx="12700" cy="2355307"/>
+          </a:xfrm>
+          <a:prstGeom prst="bentConnector3">
+            <a:avLst>
+              <a:gd name="adj1" fmla="val 6371425"/>
+            </a:avLst>
+          </a:prstGeom>
+          <a:ln>
+            <a:tailEnd type="triangle" w="lg" len="lg"/>
+          </a:ln>
+        </p:spPr>
+        <p:style>
+          <a:lnRef idx="1">
+            <a:schemeClr val="accent1"/>
+          </a:lnRef>
+          <a:fillRef idx="0">
+            <a:schemeClr val="accent1"/>
+          </a:fillRef>
+          <a:effectRef idx="0">
+            <a:schemeClr val="accent1"/>
+          </a:effectRef>
+          <a:fontRef idx="minor">
+            <a:schemeClr val="tx1"/>
+          </a:fontRef>
+        </p:style>
+      </p:cxnSp>
+    </p:spTree>
+    <p:extLst>
+      <p:ext uri="{BB962C8B-B14F-4D97-AF65-F5344CB8AC3E}">
+        <p14:creationId xmlns:p14="http://schemas.microsoft.com/office/powerpoint/2010/main" val="3444824109"/>
+      </p:ext>
+    </p:extLst>
+  </p:cSld>
+  <p:clrMapOvr>
+    <a:masterClrMapping/>
+  </p:clrMapOvr>
+  <p:timing>
+    <p:tnLst>
+      <p:par>
+        <p:cTn id="1" dur="indefinite" restart="never" nodeType="tmRoot"/>
+      </p:par>
+    </p:tnLst>
+  </p:timing>
+</p:sld>
+</file>
+
+<file path=ppt/slides/slide11.xml><?xml version="1.0" encoding="utf-8"?>
+<p:sld xmlns:a="http://schemas.openxmlformats.org/drawingml/2006/main" xmlns:r="http://schemas.openxmlformats.org/officeDocument/2006/relationships" xmlns:p="http://schemas.openxmlformats.org/presentationml/2006/main">
+  <p:cSld>
+    <p:spTree>
+      <p:nvGrpSpPr>
+        <p:cNvPr id="1" name=""/>
+        <p:cNvGrpSpPr/>
+        <p:nvPr/>
+      </p:nvGrpSpPr>
+      <p:grpSpPr>
+        <a:xfrm>
+          <a:off x="0" y="0"/>
+          <a:ext cx="0" cy="0"/>
+          <a:chOff x="0" y="0"/>
+          <a:chExt cx="0" cy="0"/>
+        </a:xfrm>
+      </p:grpSpPr>
+      <p:sp>
+        <p:nvSpPr>
           <p:cNvPr id="2" name="Title 1">
             <a:extLst>
               <a:ext uri="{FF2B5EF4-FFF2-40B4-BE49-F238E27FC236}">
-                <a16:creationId xmlns:a16="http://schemas.microsoft.com/office/drawing/2014/main" xmlns="" id="{CBBE3911-BB22-47FF-8FD9-8F5EC5E7C107}"/>
+                <a16:creationId xmlns="" xmlns:a16="http://schemas.microsoft.com/office/drawing/2014/main" id="{CBBE3911-BB22-47FF-8FD9-8F5EC5E7C107}"/>
               </a:ext>
             </a:extLst>
           </p:cNvPr>
@@ -3461,7 +4009,7 @@
           <p:cNvPr id="4" name="TextBox 3">
             <a:extLst>
               <a:ext uri="{FF2B5EF4-FFF2-40B4-BE49-F238E27FC236}">
-                <a16:creationId xmlns:a16="http://schemas.microsoft.com/office/drawing/2014/main" xmlns="" id="{8D950D3D-24C6-4F48-B63E-470E8435C0EB}"/>
+                <a16:creationId xmlns="" xmlns:a16="http://schemas.microsoft.com/office/drawing/2014/main" id="{8D950D3D-24C6-4F48-B63E-470E8435C0EB}"/>
               </a:ext>
             </a:extLst>
           </p:cNvPr>
@@ -3529,7 +4077,7 @@
           <p:cNvPr id="5" name="TextBox 4">
             <a:extLst>
               <a:ext uri="{FF2B5EF4-FFF2-40B4-BE49-F238E27FC236}">
-                <a16:creationId xmlns:a16="http://schemas.microsoft.com/office/drawing/2014/main" xmlns="" id="{57746609-CDBA-43F7-9225-AD83C7B115CD}"/>
+                <a16:creationId xmlns="" xmlns:a16="http://schemas.microsoft.com/office/drawing/2014/main" id="{57746609-CDBA-43F7-9225-AD83C7B115CD}"/>
               </a:ext>
             </a:extLst>
           </p:cNvPr>
@@ -3631,7 +4179,7 @@
           <p:cNvPr id="6" name="TextBox 5">
             <a:extLst>
               <a:ext uri="{FF2B5EF4-FFF2-40B4-BE49-F238E27FC236}">
-                <a16:creationId xmlns:a16="http://schemas.microsoft.com/office/drawing/2014/main" xmlns="" id="{D062C7BB-55BD-4EB5-AAE9-66B0BB77DEDB}"/>
+                <a16:creationId xmlns="" xmlns:a16="http://schemas.microsoft.com/office/drawing/2014/main" id="{D062C7BB-55BD-4EB5-AAE9-66B0BB77DEDB}"/>
               </a:ext>
             </a:extLst>
           </p:cNvPr>
@@ -3764,7 +4312,7 @@
           <p:cNvPr id="8" name="TextBox 7">
             <a:extLst>
               <a:ext uri="{FF2B5EF4-FFF2-40B4-BE49-F238E27FC236}">
-                <a16:creationId xmlns:a16="http://schemas.microsoft.com/office/drawing/2014/main" xmlns="" id="{A0892BC8-514A-4FF2-8DEA-7E24B4FD32B3}"/>
+                <a16:creationId xmlns="" xmlns:a16="http://schemas.microsoft.com/office/drawing/2014/main" id="{A0892BC8-514A-4FF2-8DEA-7E24B4FD32B3}"/>
               </a:ext>
             </a:extLst>
           </p:cNvPr>
@@ -3821,7 +4369,7 @@
           <p:cNvPr id="9" name="Connector: Elbow 8">
             <a:extLst>
               <a:ext uri="{FF2B5EF4-FFF2-40B4-BE49-F238E27FC236}">
-                <a16:creationId xmlns:a16="http://schemas.microsoft.com/office/drawing/2014/main" xmlns="" id="{F7E466F1-162D-4A4F-80B9-CA6F12A1DA47}"/>
+                <a16:creationId xmlns="" xmlns:a16="http://schemas.microsoft.com/office/drawing/2014/main" id="{F7E466F1-162D-4A4F-80B9-CA6F12A1DA47}"/>
               </a:ext>
             </a:extLst>
           </p:cNvPr>
@@ -3866,7 +4414,7 @@
           <p:cNvPr id="17" name="Connector: Elbow 16">
             <a:extLst>
               <a:ext uri="{FF2B5EF4-FFF2-40B4-BE49-F238E27FC236}">
-                <a16:creationId xmlns:a16="http://schemas.microsoft.com/office/drawing/2014/main" xmlns="" id="{651518F2-BB22-4628-8296-6CFB31EDC1BC}"/>
+                <a16:creationId xmlns="" xmlns:a16="http://schemas.microsoft.com/office/drawing/2014/main" id="{651518F2-BB22-4628-8296-6CFB31EDC1BC}"/>
               </a:ext>
             </a:extLst>
           </p:cNvPr>
@@ -3911,7 +4459,7 @@
           <p:cNvPr id="21" name="TextBox 20">
             <a:extLst>
               <a:ext uri="{FF2B5EF4-FFF2-40B4-BE49-F238E27FC236}">
-                <a16:creationId xmlns:a16="http://schemas.microsoft.com/office/drawing/2014/main" xmlns="" id="{965AD791-640E-468F-B0CB-A1816EFA8DEE}"/>
+                <a16:creationId xmlns="" xmlns:a16="http://schemas.microsoft.com/office/drawing/2014/main" id="{965AD791-640E-468F-B0CB-A1816EFA8DEE}"/>
               </a:ext>
             </a:extLst>
           </p:cNvPr>
@@ -3964,548 +4512,6 @@
     <p:extLst>
       <p:ext uri="{BB962C8B-B14F-4D97-AF65-F5344CB8AC3E}">
         <p14:creationId xmlns:p14="http://schemas.microsoft.com/office/powerpoint/2010/main" val="2388796992"/>
-      </p:ext>
-    </p:extLst>
-  </p:cSld>
-  <p:clrMapOvr>
-    <a:masterClrMapping/>
-  </p:clrMapOvr>
-  <p:timing>
-    <p:tnLst>
-      <p:par>
-        <p:cTn id="1" dur="indefinite" restart="never" nodeType="tmRoot"/>
-      </p:par>
-    </p:tnLst>
-  </p:timing>
-</p:sld>
-</file>
-
-<file path=ppt/slides/slide11.xml><?xml version="1.0" encoding="utf-8"?>
-<p:sld xmlns:a="http://schemas.openxmlformats.org/drawingml/2006/main" xmlns:r="http://schemas.openxmlformats.org/officeDocument/2006/relationships" xmlns:p="http://schemas.openxmlformats.org/presentationml/2006/main">
-  <p:cSld>
-    <p:spTree>
-      <p:nvGrpSpPr>
-        <p:cNvPr id="1" name=""/>
-        <p:cNvGrpSpPr/>
-        <p:nvPr/>
-      </p:nvGrpSpPr>
-      <p:grpSpPr>
-        <a:xfrm>
-          <a:off x="0" y="0"/>
-          <a:ext cx="0" cy="0"/>
-          <a:chOff x="0" y="0"/>
-          <a:chExt cx="0" cy="0"/>
-        </a:xfrm>
-      </p:grpSpPr>
-      <p:sp>
-        <p:nvSpPr>
-          <p:cNvPr id="4" name="Rectangle 3">
-            <a:extLst>
-              <a:ext uri="{FF2B5EF4-FFF2-40B4-BE49-F238E27FC236}">
-                <a16:creationId xmlns:a16="http://schemas.microsoft.com/office/drawing/2014/main" xmlns="" id="{E3C7068E-D01A-4E3E-B8C1-55FF8AFF3342}"/>
-              </a:ext>
-            </a:extLst>
-          </p:cNvPr>
-          <p:cNvSpPr/>
-          <p:nvPr/>
-        </p:nvSpPr>
-        <p:spPr>
-          <a:xfrm>
-            <a:off x="3333868" y="643333"/>
-            <a:ext cx="2399112" cy="5408146"/>
-          </a:xfrm>
-          <a:prstGeom prst="rect">
-            <a:avLst/>
-          </a:prstGeom>
-          <a:noFill/>
-        </p:spPr>
-        <p:style>
-          <a:lnRef idx="2">
-            <a:schemeClr val="accent1">
-              <a:shade val="50000"/>
-            </a:schemeClr>
-          </a:lnRef>
-          <a:fillRef idx="1">
-            <a:schemeClr val="accent1"/>
-          </a:fillRef>
-          <a:effectRef idx="0">
-            <a:schemeClr val="accent1"/>
-          </a:effectRef>
-          <a:fontRef idx="minor">
-            <a:schemeClr val="lt1"/>
-          </a:fontRef>
-        </p:style>
-        <p:txBody>
-          <a:bodyPr rot="0" spcFirstLastPara="0" vertOverflow="overflow" horzOverflow="overflow" vert="horz" wrap="square" lIns="91440" tIns="45720" rIns="91440" bIns="45720" numCol="1" spcCol="0" rtlCol="0" fromWordArt="0" anchor="t" anchorCtr="0" forceAA="0" compatLnSpc="1">
-            <a:prstTxWarp prst="textNoShape">
-              <a:avLst/>
-            </a:prstTxWarp>
-            <a:noAutofit/>
-          </a:bodyPr>
-          <a:lstStyle/>
-          <a:p>
-            <a:r>
-              <a:rPr lang="en-SG" dirty="0">
-                <a:solidFill>
-                  <a:schemeClr val="tx1"/>
-                </a:solidFill>
-              </a:rPr>
-              <a:t>Variable </a:t>
-            </a:r>
-            <a:r>
-              <a:rPr lang="en-SG" dirty="0" smtClean="0">
-                <a:solidFill>
-                  <a:schemeClr val="tx1"/>
-                </a:solidFill>
-              </a:rPr>
-              <a:t>- Node</a:t>
-            </a:r>
-          </a:p>
-          <a:p>
-            <a:r>
-              <a:rPr lang="en-SG" dirty="0" smtClean="0">
-                <a:solidFill>
-                  <a:schemeClr val="tx1"/>
-                </a:solidFill>
-              </a:rPr>
-              <a:t>------------------------------</a:t>
-            </a:r>
-          </a:p>
-          <a:p>
-            <a:r>
-              <a:rPr lang="en-SG" dirty="0" smtClean="0">
-                <a:solidFill>
-                  <a:schemeClr val="tx1"/>
-                </a:solidFill>
-              </a:rPr>
-              <a:t>Node – PR </a:t>
-            </a:r>
-          </a:p>
-          <a:p>
-            <a:r>
-              <a:rPr lang="en-SG" dirty="0" smtClean="0">
-                <a:solidFill>
-                  <a:schemeClr val="tx1"/>
-                </a:solidFill>
-              </a:rPr>
-              <a:t>Node – CO</a:t>
-            </a:r>
-          </a:p>
-          <a:p>
-            <a:r>
-              <a:rPr lang="en-SG" dirty="0" smtClean="0">
-                <a:solidFill>
-                  <a:schemeClr val="tx1"/>
-                </a:solidFill>
-              </a:rPr>
-              <a:t>Node – DEF</a:t>
-            </a:r>
-          </a:p>
-          <a:p>
-            <a:endParaRPr lang="en-SG" dirty="0" smtClean="0">
-              <a:solidFill>
-                <a:schemeClr val="tx1"/>
-              </a:solidFill>
-            </a:endParaRPr>
-          </a:p>
-          <a:p>
-            <a:endParaRPr lang="en-US" dirty="0">
-              <a:solidFill>
-                <a:schemeClr val="tx1"/>
-              </a:solidFill>
-            </a:endParaRPr>
-          </a:p>
-        </p:txBody>
-      </p:sp>
-      <p:sp>
-        <p:nvSpPr>
-          <p:cNvPr id="5" name="Rectangle 4">
-            <a:extLst>
-              <a:ext uri="{FF2B5EF4-FFF2-40B4-BE49-F238E27FC236}">
-                <a16:creationId xmlns:a16="http://schemas.microsoft.com/office/drawing/2014/main" xmlns="" id="{E3C7068E-D01A-4E3E-B8C1-55FF8AFF3342}"/>
-              </a:ext>
-            </a:extLst>
-          </p:cNvPr>
-          <p:cNvSpPr/>
-          <p:nvPr/>
-        </p:nvSpPr>
-        <p:spPr>
-          <a:xfrm>
-            <a:off x="522104" y="643333"/>
-            <a:ext cx="2477950" cy="5408146"/>
-          </a:xfrm>
-          <a:prstGeom prst="rect">
-            <a:avLst/>
-          </a:prstGeom>
-          <a:noFill/>
-        </p:spPr>
-        <p:style>
-          <a:lnRef idx="2">
-            <a:schemeClr val="accent1">
-              <a:shade val="50000"/>
-            </a:schemeClr>
-          </a:lnRef>
-          <a:fillRef idx="1">
-            <a:schemeClr val="accent1"/>
-          </a:fillRef>
-          <a:effectRef idx="0">
-            <a:schemeClr val="accent1"/>
-          </a:effectRef>
-          <a:fontRef idx="minor">
-            <a:schemeClr val="lt1"/>
-          </a:fontRef>
-        </p:style>
-        <p:txBody>
-          <a:bodyPr rot="0" spcFirstLastPara="0" vertOverflow="overflow" horzOverflow="overflow" vert="horz" wrap="square" lIns="91440" tIns="45720" rIns="91440" bIns="45720" numCol="1" spcCol="0" rtlCol="0" fromWordArt="0" anchor="t" anchorCtr="0" forceAA="0" compatLnSpc="1">
-            <a:prstTxWarp prst="textNoShape">
-              <a:avLst/>
-            </a:prstTxWarp>
-            <a:noAutofit/>
-          </a:bodyPr>
-          <a:lstStyle/>
-          <a:p>
-            <a:r>
-              <a:rPr lang="en-SG" dirty="0" smtClean="0">
-                <a:solidFill>
-                  <a:schemeClr val="tx1"/>
-                </a:solidFill>
-              </a:rPr>
-              <a:t>Node - Variable</a:t>
-            </a:r>
-          </a:p>
-          <a:p>
-            <a:r>
-              <a:rPr lang="en-SG" dirty="0" smtClean="0">
-                <a:solidFill>
-                  <a:schemeClr val="tx1"/>
-                </a:solidFill>
-              </a:rPr>
-              <a:t>------------------------------</a:t>
-            </a:r>
-          </a:p>
-          <a:p>
-            <a:r>
-              <a:rPr lang="en-SG" dirty="0" err="1" smtClean="0">
-                <a:solidFill>
-                  <a:schemeClr val="tx1"/>
-                </a:solidFill>
-              </a:rPr>
-              <a:t>Var</a:t>
-            </a:r>
-            <a:r>
-              <a:rPr lang="en-SG" dirty="0" smtClean="0">
-                <a:solidFill>
-                  <a:schemeClr val="tx1"/>
-                </a:solidFill>
-              </a:rPr>
-              <a:t> – PR</a:t>
-            </a:r>
-          </a:p>
-          <a:p>
-            <a:r>
-              <a:rPr lang="en-SG" dirty="0" err="1" smtClean="0">
-                <a:solidFill>
-                  <a:schemeClr val="tx1"/>
-                </a:solidFill>
-              </a:rPr>
-              <a:t>Var</a:t>
-            </a:r>
-            <a:r>
-              <a:rPr lang="en-SG" dirty="0" smtClean="0">
-                <a:solidFill>
-                  <a:schemeClr val="tx1"/>
-                </a:solidFill>
-              </a:rPr>
-              <a:t> – CO</a:t>
-            </a:r>
-          </a:p>
-          <a:p>
-            <a:r>
-              <a:rPr lang="en-SG" dirty="0" err="1" smtClean="0">
-                <a:solidFill>
-                  <a:schemeClr val="tx1"/>
-                </a:solidFill>
-              </a:rPr>
-              <a:t>Var</a:t>
-            </a:r>
-            <a:r>
-              <a:rPr lang="en-SG" dirty="0" smtClean="0">
-                <a:solidFill>
-                  <a:schemeClr val="tx1"/>
-                </a:solidFill>
-              </a:rPr>
-              <a:t> – DEF</a:t>
-            </a:r>
-          </a:p>
-          <a:p>
-            <a:endParaRPr lang="en-SG" dirty="0" smtClean="0">
-              <a:solidFill>
-                <a:schemeClr val="tx1"/>
-              </a:solidFill>
-            </a:endParaRPr>
-          </a:p>
-          <a:p>
-            <a:endParaRPr lang="en-US" dirty="0">
-              <a:solidFill>
-                <a:schemeClr val="tx1"/>
-              </a:solidFill>
-            </a:endParaRPr>
-          </a:p>
-        </p:txBody>
-      </p:sp>
-      <p:sp>
-        <p:nvSpPr>
-          <p:cNvPr id="6" name="Rectangle 5">
-            <a:extLst>
-              <a:ext uri="{FF2B5EF4-FFF2-40B4-BE49-F238E27FC236}">
-                <a16:creationId xmlns:a16="http://schemas.microsoft.com/office/drawing/2014/main" xmlns="" id="{E3C7068E-D01A-4E3E-B8C1-55FF8AFF3342}"/>
-              </a:ext>
-            </a:extLst>
-          </p:cNvPr>
-          <p:cNvSpPr/>
-          <p:nvPr/>
-        </p:nvSpPr>
-        <p:spPr>
-          <a:xfrm>
-            <a:off x="6149000" y="608572"/>
-            <a:ext cx="2471017" cy="5408146"/>
-          </a:xfrm>
-          <a:prstGeom prst="rect">
-            <a:avLst/>
-          </a:prstGeom>
-          <a:noFill/>
-        </p:spPr>
-        <p:style>
-          <a:lnRef idx="2">
-            <a:schemeClr val="accent1">
-              <a:shade val="50000"/>
-            </a:schemeClr>
-          </a:lnRef>
-          <a:fillRef idx="1">
-            <a:schemeClr val="accent1"/>
-          </a:fillRef>
-          <a:effectRef idx="0">
-            <a:schemeClr val="accent1"/>
-          </a:effectRef>
-          <a:fontRef idx="minor">
-            <a:schemeClr val="lt1"/>
-          </a:fontRef>
-        </p:style>
-        <p:txBody>
-          <a:bodyPr rot="0" spcFirstLastPara="0" vertOverflow="overflow" horzOverflow="overflow" vert="horz" wrap="square" lIns="91440" tIns="45720" rIns="91440" bIns="45720" numCol="1" spcCol="0" rtlCol="0" fromWordArt="0" anchor="t" anchorCtr="0" forceAA="0" compatLnSpc="1">
-            <a:prstTxWarp prst="textNoShape">
-              <a:avLst/>
-            </a:prstTxWarp>
-            <a:noAutofit/>
-          </a:bodyPr>
-          <a:lstStyle/>
-          <a:p>
-            <a:r>
-              <a:rPr lang="en-SG" dirty="0" smtClean="0">
-                <a:solidFill>
-                  <a:schemeClr val="tx1"/>
-                </a:solidFill>
-              </a:rPr>
-              <a:t>Value</a:t>
-            </a:r>
-          </a:p>
-          <a:p>
-            <a:r>
-              <a:rPr lang="en-SG" dirty="0" smtClean="0">
-                <a:solidFill>
-                  <a:schemeClr val="tx1"/>
-                </a:solidFill>
-              </a:rPr>
-              <a:t>------------------------------</a:t>
-            </a:r>
-          </a:p>
-          <a:p>
-            <a:r>
-              <a:rPr lang="en-US" dirty="0" smtClean="0">
-                <a:solidFill>
-                  <a:schemeClr val="tx1"/>
-                </a:solidFill>
-              </a:rPr>
-              <a:t>Offset</a:t>
-            </a:r>
-          </a:p>
-          <a:p>
-            <a:r>
-              <a:rPr lang="en-US" dirty="0" smtClean="0">
-                <a:solidFill>
-                  <a:schemeClr val="tx1"/>
-                </a:solidFill>
-              </a:rPr>
-              <a:t>String </a:t>
-            </a:r>
-            <a:r>
-              <a:rPr lang="en-US" dirty="0" err="1" smtClean="0">
-                <a:solidFill>
-                  <a:schemeClr val="tx1"/>
-                </a:solidFill>
-              </a:rPr>
-              <a:t>varId</a:t>
-            </a:r>
-            <a:endParaRPr lang="en-US" dirty="0" smtClean="0">
-              <a:solidFill>
-                <a:schemeClr val="tx1"/>
-              </a:solidFill>
-            </a:endParaRPr>
-          </a:p>
-          <a:p>
-            <a:r>
-              <a:rPr lang="en-US" dirty="0" smtClean="0">
-                <a:solidFill>
-                  <a:schemeClr val="tx1"/>
-                </a:solidFill>
-              </a:rPr>
-              <a:t>Parent</a:t>
-            </a:r>
-          </a:p>
-          <a:p>
-            <a:endParaRPr lang="en-US" dirty="0">
-              <a:solidFill>
-                <a:schemeClr val="tx1"/>
-              </a:solidFill>
-            </a:endParaRPr>
-          </a:p>
-        </p:txBody>
-      </p:sp>
-      <p:sp>
-        <p:nvSpPr>
-          <p:cNvPr id="7" name="Rectangle 6">
-            <a:extLst>
-              <a:ext uri="{FF2B5EF4-FFF2-40B4-BE49-F238E27FC236}">
-                <a16:creationId xmlns:a16="http://schemas.microsoft.com/office/drawing/2014/main" xmlns="" id="{E3C7068E-D01A-4E3E-B8C1-55FF8AFF3342}"/>
-              </a:ext>
-            </a:extLst>
-          </p:cNvPr>
-          <p:cNvSpPr/>
-          <p:nvPr/>
-        </p:nvSpPr>
-        <p:spPr>
-          <a:xfrm>
-            <a:off x="9106246" y="608572"/>
-            <a:ext cx="2471017" cy="5408146"/>
-          </a:xfrm>
-          <a:prstGeom prst="rect">
-            <a:avLst/>
-          </a:prstGeom>
-          <a:noFill/>
-        </p:spPr>
-        <p:style>
-          <a:lnRef idx="2">
-            <a:schemeClr val="accent1">
-              <a:shade val="50000"/>
-            </a:schemeClr>
-          </a:lnRef>
-          <a:fillRef idx="1">
-            <a:schemeClr val="accent1"/>
-          </a:fillRef>
-          <a:effectRef idx="0">
-            <a:schemeClr val="accent1"/>
-          </a:effectRef>
-          <a:fontRef idx="minor">
-            <a:schemeClr val="lt1"/>
-          </a:fontRef>
-        </p:style>
-        <p:txBody>
-          <a:bodyPr rot="0" spcFirstLastPara="0" vertOverflow="overflow" horzOverflow="overflow" vert="horz" wrap="square" lIns="91440" tIns="45720" rIns="91440" bIns="45720" numCol="1" spcCol="0" rtlCol="0" fromWordArt="0" anchor="t" anchorCtr="0" forceAA="0" compatLnSpc="1">
-            <a:prstTxWarp prst="textNoShape">
-              <a:avLst/>
-            </a:prstTxWarp>
-            <a:noAutofit/>
-          </a:bodyPr>
-          <a:lstStyle/>
-          <a:p>
-            <a:r>
-              <a:rPr lang="en-SG" dirty="0" smtClean="0">
-                <a:solidFill>
-                  <a:schemeClr val="tx1"/>
-                </a:solidFill>
-              </a:rPr>
-              <a:t>Node – Value</a:t>
-            </a:r>
-          </a:p>
-          <a:p>
-            <a:r>
-              <a:rPr lang="en-SG" dirty="0" smtClean="0">
-                <a:solidFill>
-                  <a:schemeClr val="tx1"/>
-                </a:solidFill>
-              </a:rPr>
-              <a:t>Written value</a:t>
-            </a:r>
-          </a:p>
-          <a:p>
-            <a:r>
-              <a:rPr lang="en-SG" dirty="0" smtClean="0">
-                <a:solidFill>
-                  <a:schemeClr val="tx1"/>
-                </a:solidFill>
-              </a:rPr>
-              <a:t>Id – offset, offset, offset</a:t>
-            </a:r>
-          </a:p>
-          <a:p>
-            <a:endParaRPr lang="en-SG" dirty="0">
-              <a:solidFill>
-                <a:schemeClr val="tx1"/>
-              </a:solidFill>
-            </a:endParaRPr>
-          </a:p>
-          <a:p>
-            <a:endParaRPr lang="en-SG" dirty="0" smtClean="0">
-              <a:solidFill>
-                <a:schemeClr val="tx1"/>
-              </a:solidFill>
-            </a:endParaRPr>
-          </a:p>
-          <a:p>
-            <a:endParaRPr lang="en-SG" dirty="0">
-              <a:solidFill>
-                <a:schemeClr val="tx1"/>
-              </a:solidFill>
-            </a:endParaRPr>
-          </a:p>
-          <a:p>
-            <a:endParaRPr lang="en-SG" dirty="0" smtClean="0">
-              <a:solidFill>
-                <a:schemeClr val="tx1"/>
-              </a:solidFill>
-            </a:endParaRPr>
-          </a:p>
-          <a:p>
-            <a:r>
-              <a:rPr lang="en-SG" dirty="0" smtClean="0">
-                <a:solidFill>
-                  <a:schemeClr val="tx1"/>
-                </a:solidFill>
-              </a:rPr>
-              <a:t>------------------------------</a:t>
-            </a:r>
-          </a:p>
-          <a:p>
-            <a:r>
-              <a:rPr lang="en-US" dirty="0" smtClean="0">
-                <a:solidFill>
-                  <a:schemeClr val="tx1"/>
-                </a:solidFill>
-              </a:rPr>
-              <a:t> offset</a:t>
-            </a:r>
-            <a:endParaRPr lang="en-US" dirty="0">
-              <a:solidFill>
-                <a:schemeClr val="tx1"/>
-              </a:solidFill>
-            </a:endParaRPr>
-          </a:p>
-        </p:txBody>
-      </p:sp>
-    </p:spTree>
-    <p:extLst>
-      <p:ext uri="{BB962C8B-B14F-4D97-AF65-F5344CB8AC3E}">
-        <p14:creationId xmlns:p14="http://schemas.microsoft.com/office/powerpoint/2010/main" val="593825188"/>
       </p:ext>
     </p:extLst>
   </p:cSld>
@@ -4541,10 +4547,130 @@
       </p:grpSpPr>
       <p:sp>
         <p:nvSpPr>
+          <p:cNvPr id="4" name="Rectangle 3">
+            <a:extLst>
+              <a:ext uri="{FF2B5EF4-FFF2-40B4-BE49-F238E27FC236}">
+                <a16:creationId xmlns="" xmlns:a16="http://schemas.microsoft.com/office/drawing/2014/main" id="{E3C7068E-D01A-4E3E-B8C1-55FF8AFF3342}"/>
+              </a:ext>
+            </a:extLst>
+          </p:cNvPr>
+          <p:cNvSpPr/>
+          <p:nvPr/>
+        </p:nvSpPr>
+        <p:spPr>
+          <a:xfrm>
+            <a:off x="3333868" y="643333"/>
+            <a:ext cx="2399112" cy="5408146"/>
+          </a:xfrm>
+          <a:prstGeom prst="rect">
+            <a:avLst/>
+          </a:prstGeom>
+          <a:noFill/>
+        </p:spPr>
+        <p:style>
+          <a:lnRef idx="2">
+            <a:schemeClr val="accent1">
+              <a:shade val="50000"/>
+            </a:schemeClr>
+          </a:lnRef>
+          <a:fillRef idx="1">
+            <a:schemeClr val="accent1"/>
+          </a:fillRef>
+          <a:effectRef idx="0">
+            <a:schemeClr val="accent1"/>
+          </a:effectRef>
+          <a:fontRef idx="minor">
+            <a:schemeClr val="lt1"/>
+          </a:fontRef>
+        </p:style>
+        <p:txBody>
+          <a:bodyPr rot="0" spcFirstLastPara="0" vertOverflow="overflow" horzOverflow="overflow" vert="horz" wrap="square" lIns="91440" tIns="45720" rIns="91440" bIns="45720" numCol="1" spcCol="0" rtlCol="0" fromWordArt="0" anchor="t" anchorCtr="0" forceAA="0" compatLnSpc="1">
+            <a:prstTxWarp prst="textNoShape">
+              <a:avLst/>
+            </a:prstTxWarp>
+            <a:noAutofit/>
+          </a:bodyPr>
+          <a:lstStyle/>
+          <a:p>
+            <a:r>
+              <a:rPr lang="en-SG" dirty="0">
+                <a:solidFill>
+                  <a:schemeClr val="tx1"/>
+                </a:solidFill>
+              </a:rPr>
+              <a:t>Variable </a:t>
+            </a:r>
+            <a:r>
+              <a:rPr lang="en-SG" dirty="0" smtClean="0">
+                <a:solidFill>
+                  <a:schemeClr val="tx1"/>
+                </a:solidFill>
+              </a:rPr>
+              <a:t>- Node</a:t>
+            </a:r>
+          </a:p>
+          <a:p>
+            <a:r>
+              <a:rPr lang="en-SG" dirty="0" smtClean="0">
+                <a:solidFill>
+                  <a:schemeClr val="tx1"/>
+                </a:solidFill>
+              </a:rPr>
+              <a:t>------------------------------</a:t>
+            </a:r>
+          </a:p>
+          <a:p>
+            <a:r>
+              <a:rPr lang="en-SG" dirty="0" smtClean="0">
+                <a:solidFill>
+                  <a:schemeClr val="tx1"/>
+                </a:solidFill>
+              </a:rPr>
+              <a:t>Node – PR </a:t>
+            </a:r>
+          </a:p>
+          <a:p>
+            <a:r>
+              <a:rPr lang="en-SG" dirty="0" smtClean="0">
+                <a:solidFill>
+                  <a:schemeClr val="tx1"/>
+                </a:solidFill>
+              </a:rPr>
+              <a:t>Node – CO</a:t>
+            </a:r>
+          </a:p>
+          <a:p>
+            <a:r>
+              <a:rPr lang="en-SG" dirty="0" smtClean="0">
+                <a:solidFill>
+                  <a:schemeClr val="tx1"/>
+                </a:solidFill>
+              </a:rPr>
+              <a:t>Node – DEF</a:t>
+            </a:r>
+          </a:p>
+          <a:p>
+            <a:endParaRPr lang="en-SG" dirty="0" smtClean="0">
+              <a:solidFill>
+                <a:schemeClr val="tx1"/>
+              </a:solidFill>
+            </a:endParaRPr>
+          </a:p>
+          <a:p>
+            <a:endParaRPr lang="en-US" dirty="0">
+              <a:solidFill>
+                <a:schemeClr val="tx1"/>
+              </a:solidFill>
+            </a:endParaRPr>
+          </a:p>
+        </p:txBody>
+      </p:sp>
+      <p:sp>
+        <p:nvSpPr>
           <p:cNvPr id="5" name="Rectangle 4">
             <a:extLst>
               <a:ext uri="{FF2B5EF4-FFF2-40B4-BE49-F238E27FC236}">
-                <a16:creationId xmlns:a16="http://schemas.microsoft.com/office/drawing/2014/main" xmlns="" id="{E3C7068E-D01A-4E3E-B8C1-55FF8AFF3342}"/>
+                <a16:creationId xmlns="" xmlns:a16="http://schemas.microsoft.com/office/drawing/2014/main" id="{E3C7068E-D01A-4E3E-B8C1-55FF8AFF3342}"/>
               </a:ext>
             </a:extLst>
           </p:cNvPr>
@@ -4587,13 +4713,79 @@
           <a:lstStyle/>
           <a:p>
             <a:r>
+              <a:rPr lang="en-SG" dirty="0" smtClean="0">
+                <a:solidFill>
+                  <a:schemeClr val="tx1"/>
+                </a:solidFill>
+              </a:rPr>
+              <a:t>Node - Variable</a:t>
+            </a:r>
+          </a:p>
+          <a:p>
+            <a:r>
+              <a:rPr lang="en-SG" dirty="0" smtClean="0">
+                <a:solidFill>
+                  <a:schemeClr val="tx1"/>
+                </a:solidFill>
+              </a:rPr>
+              <a:t>------------------------------</a:t>
+            </a:r>
+          </a:p>
+          <a:p>
+            <a:r>
               <a:rPr lang="en-SG" dirty="0" err="1" smtClean="0">
                 <a:solidFill>
                   <a:schemeClr val="tx1"/>
                 </a:solidFill>
               </a:rPr>
-              <a:t>VariableStore</a:t>
-            </a:r>
+              <a:t>Var</a:t>
+            </a:r>
+            <a:r>
+              <a:rPr lang="en-SG" dirty="0" smtClean="0">
+                <a:solidFill>
+                  <a:schemeClr val="tx1"/>
+                </a:solidFill>
+              </a:rPr>
+              <a:t> – PR</a:t>
+            </a:r>
+          </a:p>
+          <a:p>
+            <a:r>
+              <a:rPr lang="en-SG" dirty="0" err="1" smtClean="0">
+                <a:solidFill>
+                  <a:schemeClr val="tx1"/>
+                </a:solidFill>
+              </a:rPr>
+              <a:t>Var</a:t>
+            </a:r>
+            <a:r>
+              <a:rPr lang="en-SG" dirty="0" smtClean="0">
+                <a:solidFill>
+                  <a:schemeClr val="tx1"/>
+                </a:solidFill>
+              </a:rPr>
+              <a:t> – CO</a:t>
+            </a:r>
+          </a:p>
+          <a:p>
+            <a:r>
+              <a:rPr lang="en-SG" dirty="0" err="1" smtClean="0">
+                <a:solidFill>
+                  <a:schemeClr val="tx1"/>
+                </a:solidFill>
+              </a:rPr>
+              <a:t>Var</a:t>
+            </a:r>
+            <a:r>
+              <a:rPr lang="en-SG" dirty="0" smtClean="0">
+                <a:solidFill>
+                  <a:schemeClr val="tx1"/>
+                </a:solidFill>
+              </a:rPr>
+              <a:t> – DEF</a:t>
+            </a:r>
+          </a:p>
+          <a:p>
             <a:endParaRPr lang="en-SG" dirty="0" smtClean="0">
               <a:solidFill>
                 <a:schemeClr val="tx1"/>
@@ -4601,39 +4793,196 @@
             </a:endParaRPr>
           </a:p>
           <a:p>
+            <a:endParaRPr lang="en-US" dirty="0">
+              <a:solidFill>
+                <a:schemeClr val="tx1"/>
+              </a:solidFill>
+            </a:endParaRPr>
+          </a:p>
+        </p:txBody>
+      </p:sp>
+      <p:sp>
+        <p:nvSpPr>
+          <p:cNvPr id="6" name="Rectangle 5">
+            <a:extLst>
+              <a:ext uri="{FF2B5EF4-FFF2-40B4-BE49-F238E27FC236}">
+                <a16:creationId xmlns="" xmlns:a16="http://schemas.microsoft.com/office/drawing/2014/main" id="{E3C7068E-D01A-4E3E-B8C1-55FF8AFF3342}"/>
+              </a:ext>
+            </a:extLst>
+          </p:cNvPr>
+          <p:cNvSpPr/>
+          <p:nvPr/>
+        </p:nvSpPr>
+        <p:spPr>
+          <a:xfrm>
+            <a:off x="6149000" y="608572"/>
+            <a:ext cx="2471017" cy="5408146"/>
+          </a:xfrm>
+          <a:prstGeom prst="rect">
+            <a:avLst/>
+          </a:prstGeom>
+          <a:noFill/>
+        </p:spPr>
+        <p:style>
+          <a:lnRef idx="2">
+            <a:schemeClr val="accent1">
+              <a:shade val="50000"/>
+            </a:schemeClr>
+          </a:lnRef>
+          <a:fillRef idx="1">
+            <a:schemeClr val="accent1"/>
+          </a:fillRef>
+          <a:effectRef idx="0">
+            <a:schemeClr val="accent1"/>
+          </a:effectRef>
+          <a:fontRef idx="minor">
+            <a:schemeClr val="lt1"/>
+          </a:fontRef>
+        </p:style>
+        <p:txBody>
+          <a:bodyPr rot="0" spcFirstLastPara="0" vertOverflow="overflow" horzOverflow="overflow" vert="horz" wrap="square" lIns="91440" tIns="45720" rIns="91440" bIns="45720" numCol="1" spcCol="0" rtlCol="0" fromWordArt="0" anchor="t" anchorCtr="0" forceAA="0" compatLnSpc="1">
+            <a:prstTxWarp prst="textNoShape">
+              <a:avLst/>
+            </a:prstTxWarp>
+            <a:noAutofit/>
+          </a:bodyPr>
+          <a:lstStyle/>
+          <a:p>
             <a:r>
               <a:rPr lang="en-SG" dirty="0" smtClean="0">
                 <a:solidFill>
                   <a:schemeClr val="tx1"/>
                 </a:solidFill>
               </a:rPr>
+              <a:t>Value</a:t>
+            </a:r>
+          </a:p>
+          <a:p>
+            <a:r>
+              <a:rPr lang="en-SG" dirty="0" smtClean="0">
+                <a:solidFill>
+                  <a:schemeClr val="tx1"/>
+                </a:solidFill>
+              </a:rPr>
               <a:t>------------------------------</a:t>
             </a:r>
           </a:p>
           <a:p>
             <a:r>
+              <a:rPr lang="en-US" dirty="0" smtClean="0">
+                <a:solidFill>
+                  <a:schemeClr val="tx1"/>
+                </a:solidFill>
+              </a:rPr>
+              <a:t>Offset</a:t>
+            </a:r>
+          </a:p>
+          <a:p>
+            <a:r>
+              <a:rPr lang="en-US" dirty="0" smtClean="0">
+                <a:solidFill>
+                  <a:schemeClr val="tx1"/>
+                </a:solidFill>
+              </a:rPr>
+              <a:t>String </a:t>
+            </a:r>
+            <a:r>
+              <a:rPr lang="en-US" dirty="0" err="1" smtClean="0">
+                <a:solidFill>
+                  <a:schemeClr val="tx1"/>
+                </a:solidFill>
+              </a:rPr>
+              <a:t>varId</a:t>
+            </a:r>
+            <a:endParaRPr lang="en-US" dirty="0" smtClean="0">
+              <a:solidFill>
+                <a:schemeClr val="tx1"/>
+              </a:solidFill>
+            </a:endParaRPr>
+          </a:p>
+          <a:p>
+            <a:r>
+              <a:rPr lang="en-US" dirty="0" smtClean="0">
+                <a:solidFill>
+                  <a:schemeClr val="tx1"/>
+                </a:solidFill>
+              </a:rPr>
+              <a:t>Parent</a:t>
+            </a:r>
+          </a:p>
+          <a:p>
+            <a:endParaRPr lang="en-US" dirty="0">
+              <a:solidFill>
+                <a:schemeClr val="tx1"/>
+              </a:solidFill>
+            </a:endParaRPr>
+          </a:p>
+        </p:txBody>
+      </p:sp>
+      <p:sp>
+        <p:nvSpPr>
+          <p:cNvPr id="7" name="Rectangle 6">
+            <a:extLst>
+              <a:ext uri="{FF2B5EF4-FFF2-40B4-BE49-F238E27FC236}">
+                <a16:creationId xmlns="" xmlns:a16="http://schemas.microsoft.com/office/drawing/2014/main" id="{E3C7068E-D01A-4E3E-B8C1-55FF8AFF3342}"/>
+              </a:ext>
+            </a:extLst>
+          </p:cNvPr>
+          <p:cNvSpPr/>
+          <p:nvPr/>
+        </p:nvSpPr>
+        <p:spPr>
+          <a:xfrm>
+            <a:off x="9106246" y="608572"/>
+            <a:ext cx="2471017" cy="5408146"/>
+          </a:xfrm>
+          <a:prstGeom prst="rect">
+            <a:avLst/>
+          </a:prstGeom>
+          <a:noFill/>
+        </p:spPr>
+        <p:style>
+          <a:lnRef idx="2">
+            <a:schemeClr val="accent1">
+              <a:shade val="50000"/>
+            </a:schemeClr>
+          </a:lnRef>
+          <a:fillRef idx="1">
+            <a:schemeClr val="accent1"/>
+          </a:fillRef>
+          <a:effectRef idx="0">
+            <a:schemeClr val="accent1"/>
+          </a:effectRef>
+          <a:fontRef idx="minor">
+            <a:schemeClr val="lt1"/>
+          </a:fontRef>
+        </p:style>
+        <p:txBody>
+          <a:bodyPr rot="0" spcFirstLastPara="0" vertOverflow="overflow" horzOverflow="overflow" vert="horz" wrap="square" lIns="91440" tIns="45720" rIns="91440" bIns="45720" numCol="1" spcCol="0" rtlCol="0" fromWordArt="0" anchor="t" anchorCtr="0" forceAA="0" compatLnSpc="1">
+            <a:prstTxWarp prst="textNoShape">
+              <a:avLst/>
+            </a:prstTxWarp>
+            <a:noAutofit/>
+          </a:bodyPr>
+          <a:lstStyle/>
+          <a:p>
+            <a:r>
               <a:rPr lang="en-SG" dirty="0" smtClean="0">
                 <a:solidFill>
                   <a:schemeClr val="tx1"/>
                 </a:solidFill>
               </a:rPr>
-              <a:t>Map&lt;</a:t>
-            </a:r>
-            <a:r>
-              <a:rPr lang="en-SG" dirty="0" err="1" smtClean="0">
-                <a:solidFill>
-                  <a:schemeClr val="tx1"/>
-                </a:solidFill>
-              </a:rPr>
-              <a:t>VarId</a:t>
-            </a:r>
+              <a:t>Node – Value</a:t>
+            </a:r>
+          </a:p>
+          <a:p>
             <a:r>
               <a:rPr lang="en-SG" dirty="0" smtClean="0">
                 <a:solidFill>
                   <a:schemeClr val="tx1"/>
                 </a:solidFill>
               </a:rPr>
-              <a:t>, Variable&gt;</a:t>
+              <a:t>Written value</a:t>
             </a:r>
           </a:p>
           <a:p>
@@ -4643,8 +4992,15 @@
                   <a:schemeClr val="tx1"/>
                 </a:solidFill>
               </a:rPr>
-              <a:t>Variable</a:t>
-            </a:r>
+              <a:t>Id – offset, offset, offset</a:t>
+            </a:r>
+          </a:p>
+          <a:p>
+            <a:endParaRPr lang="en-SG" dirty="0">
+              <a:solidFill>
+                <a:schemeClr val="tx1"/>
+              </a:solidFill>
+            </a:endParaRPr>
           </a:p>
           <a:p>
             <a:endParaRPr lang="en-SG" dirty="0" smtClean="0">
@@ -4654,22 +5010,6 @@
             </a:endParaRPr>
           </a:p>
           <a:p>
-            <a:r>
-              <a:rPr lang="en-SG" dirty="0">
-                <a:solidFill>
-                  <a:schemeClr val="tx1"/>
-                </a:solidFill>
-              </a:rPr>
-              <a:t>//get or </a:t>
-            </a:r>
-            <a:r>
-              <a:rPr lang="en-SG" dirty="0" smtClean="0">
-                <a:solidFill>
-                  <a:schemeClr val="tx1"/>
-                </a:solidFill>
-              </a:rPr>
-              <a:t>create</a:t>
-            </a:r>
             <a:endParaRPr lang="en-SG" dirty="0">
               <a:solidFill>
                 <a:schemeClr val="tx1"/>
@@ -4677,40 +5017,6 @@
             </a:endParaRPr>
           </a:p>
           <a:p>
-            <a:r>
-              <a:rPr lang="en-SG" dirty="0" err="1" smtClean="0">
-                <a:solidFill>
-                  <a:schemeClr val="tx1"/>
-                </a:solidFill>
-              </a:rPr>
-              <a:t>loadVariable</a:t>
-            </a:r>
-            <a:r>
-              <a:rPr lang="en-SG" dirty="0" smtClean="0">
-                <a:solidFill>
-                  <a:schemeClr val="tx1"/>
-                </a:solidFill>
-              </a:rPr>
-              <a:t>(</a:t>
-            </a:r>
-            <a:r>
-              <a:rPr lang="en-SG" dirty="0" err="1" smtClean="0">
-                <a:solidFill>
-                  <a:schemeClr val="tx1"/>
-                </a:solidFill>
-              </a:rPr>
-              <a:t>VarId</a:t>
-            </a:r>
-            <a:r>
-              <a:rPr lang="en-SG" dirty="0" smtClean="0">
-                <a:solidFill>
-                  <a:schemeClr val="tx1"/>
-                </a:solidFill>
-              </a:rPr>
-              <a:t>)</a:t>
-            </a:r>
-          </a:p>
-          <a:p>
             <a:endParaRPr lang="en-SG" dirty="0" smtClean="0">
               <a:solidFill>
                 <a:schemeClr val="tx1"/>
@@ -4718,6 +5024,124 @@
             </a:endParaRPr>
           </a:p>
           <a:p>
+            <a:r>
+              <a:rPr lang="en-SG" dirty="0" smtClean="0">
+                <a:solidFill>
+                  <a:schemeClr val="tx1"/>
+                </a:solidFill>
+              </a:rPr>
+              <a:t>------------------------------</a:t>
+            </a:r>
+          </a:p>
+          <a:p>
+            <a:r>
+              <a:rPr lang="en-US" dirty="0" smtClean="0">
+                <a:solidFill>
+                  <a:schemeClr val="tx1"/>
+                </a:solidFill>
+              </a:rPr>
+              <a:t> offset</a:t>
+            </a:r>
+            <a:endParaRPr lang="en-US" dirty="0">
+              <a:solidFill>
+                <a:schemeClr val="tx1"/>
+              </a:solidFill>
+            </a:endParaRPr>
+          </a:p>
+        </p:txBody>
+      </p:sp>
+    </p:spTree>
+    <p:extLst>
+      <p:ext uri="{BB962C8B-B14F-4D97-AF65-F5344CB8AC3E}">
+        <p14:creationId xmlns:p14="http://schemas.microsoft.com/office/powerpoint/2010/main" val="593825188"/>
+      </p:ext>
+    </p:extLst>
+  </p:cSld>
+  <p:clrMapOvr>
+    <a:masterClrMapping/>
+  </p:clrMapOvr>
+  <p:timing>
+    <p:tnLst>
+      <p:par>
+        <p:cTn id="1" dur="indefinite" restart="never" nodeType="tmRoot"/>
+      </p:par>
+    </p:tnLst>
+  </p:timing>
+</p:sld>
+</file>
+
+<file path=ppt/slides/slide13.xml><?xml version="1.0" encoding="utf-8"?>
+<p:sld xmlns:a="http://schemas.openxmlformats.org/drawingml/2006/main" xmlns:r="http://schemas.openxmlformats.org/officeDocument/2006/relationships" xmlns:p="http://schemas.openxmlformats.org/presentationml/2006/main">
+  <p:cSld>
+    <p:spTree>
+      <p:nvGrpSpPr>
+        <p:cNvPr id="1" name=""/>
+        <p:cNvGrpSpPr/>
+        <p:nvPr/>
+      </p:nvGrpSpPr>
+      <p:grpSpPr>
+        <a:xfrm>
+          <a:off x="0" y="0"/>
+          <a:ext cx="0" cy="0"/>
+          <a:chOff x="0" y="0"/>
+          <a:chExt cx="0" cy="0"/>
+        </a:xfrm>
+      </p:grpSpPr>
+      <p:sp>
+        <p:nvSpPr>
+          <p:cNvPr id="5" name="Rectangle 4">
+            <a:extLst>
+              <a:ext uri="{FF2B5EF4-FFF2-40B4-BE49-F238E27FC236}">
+                <a16:creationId xmlns="" xmlns:a16="http://schemas.microsoft.com/office/drawing/2014/main" id="{E3C7068E-D01A-4E3E-B8C1-55FF8AFF3342}"/>
+              </a:ext>
+            </a:extLst>
+          </p:cNvPr>
+          <p:cNvSpPr/>
+          <p:nvPr/>
+        </p:nvSpPr>
+        <p:spPr>
+          <a:xfrm>
+            <a:off x="522104" y="643333"/>
+            <a:ext cx="2477950" cy="5408146"/>
+          </a:xfrm>
+          <a:prstGeom prst="rect">
+            <a:avLst/>
+          </a:prstGeom>
+          <a:noFill/>
+        </p:spPr>
+        <p:style>
+          <a:lnRef idx="2">
+            <a:schemeClr val="accent1">
+              <a:shade val="50000"/>
+            </a:schemeClr>
+          </a:lnRef>
+          <a:fillRef idx="1">
+            <a:schemeClr val="accent1"/>
+          </a:fillRef>
+          <a:effectRef idx="0">
+            <a:schemeClr val="accent1"/>
+          </a:effectRef>
+          <a:fontRef idx="minor">
+            <a:schemeClr val="lt1"/>
+          </a:fontRef>
+        </p:style>
+        <p:txBody>
+          <a:bodyPr rot="0" spcFirstLastPara="0" vertOverflow="overflow" horzOverflow="overflow" vert="horz" wrap="square" lIns="91440" tIns="45720" rIns="91440" bIns="45720" numCol="1" spcCol="0" rtlCol="0" fromWordArt="0" anchor="t" anchorCtr="0" forceAA="0" compatLnSpc="1">
+            <a:prstTxWarp prst="textNoShape">
+              <a:avLst/>
+            </a:prstTxWarp>
+            <a:noAutofit/>
+          </a:bodyPr>
+          <a:lstStyle/>
+          <a:p>
+            <a:r>
+              <a:rPr lang="en-SG" dirty="0" err="1" smtClean="0">
+                <a:solidFill>
+                  <a:schemeClr val="tx1"/>
+                </a:solidFill>
+              </a:rPr>
+              <a:t>VariableStore</a:t>
+            </a:r>
             <a:endParaRPr lang="en-SG" dirty="0" smtClean="0">
               <a:solidFill>
                 <a:schemeClr val="tx1"/>
@@ -4725,6 +5149,130 @@
             </a:endParaRPr>
           </a:p>
           <a:p>
+            <a:r>
+              <a:rPr lang="en-SG" dirty="0" smtClean="0">
+                <a:solidFill>
+                  <a:schemeClr val="tx1"/>
+                </a:solidFill>
+              </a:rPr>
+              <a:t>------------------------------</a:t>
+            </a:r>
+          </a:p>
+          <a:p>
+            <a:r>
+              <a:rPr lang="en-SG" dirty="0" smtClean="0">
+                <a:solidFill>
+                  <a:schemeClr val="tx1"/>
+                </a:solidFill>
+              </a:rPr>
+              <a:t>Map&lt;</a:t>
+            </a:r>
+            <a:r>
+              <a:rPr lang="en-SG" dirty="0" err="1" smtClean="0">
+                <a:solidFill>
+                  <a:schemeClr val="tx1"/>
+                </a:solidFill>
+              </a:rPr>
+              <a:t>VarId</a:t>
+            </a:r>
+            <a:r>
+              <a:rPr lang="en-SG" dirty="0" smtClean="0">
+                <a:solidFill>
+                  <a:schemeClr val="tx1"/>
+                </a:solidFill>
+              </a:rPr>
+              <a:t>, Variable&gt;</a:t>
+            </a:r>
+          </a:p>
+          <a:p>
+            <a:r>
+              <a:rPr lang="en-SG" dirty="0" smtClean="0">
+                <a:solidFill>
+                  <a:schemeClr val="tx1"/>
+                </a:solidFill>
+              </a:rPr>
+              <a:t>Variable</a:t>
+            </a:r>
+          </a:p>
+          <a:p>
+            <a:endParaRPr lang="en-SG" dirty="0" smtClean="0">
+              <a:solidFill>
+                <a:schemeClr val="tx1"/>
+              </a:solidFill>
+            </a:endParaRPr>
+          </a:p>
+          <a:p>
+            <a:r>
+              <a:rPr lang="en-SG" dirty="0">
+                <a:solidFill>
+                  <a:schemeClr val="tx1"/>
+                </a:solidFill>
+              </a:rPr>
+              <a:t>//get or </a:t>
+            </a:r>
+            <a:r>
+              <a:rPr lang="en-SG" dirty="0" smtClean="0">
+                <a:solidFill>
+                  <a:schemeClr val="tx1"/>
+                </a:solidFill>
+              </a:rPr>
+              <a:t>create</a:t>
+            </a:r>
+            <a:endParaRPr lang="en-SG" dirty="0">
+              <a:solidFill>
+                <a:schemeClr val="tx1"/>
+              </a:solidFill>
+            </a:endParaRPr>
+          </a:p>
+          <a:p>
+            <a:r>
+              <a:rPr lang="en-SG" dirty="0" err="1" smtClean="0">
+                <a:solidFill>
+                  <a:schemeClr val="tx1"/>
+                </a:solidFill>
+              </a:rPr>
+              <a:t>loadVariable</a:t>
+            </a:r>
+            <a:r>
+              <a:rPr lang="en-SG" dirty="0" smtClean="0">
+                <a:solidFill>
+                  <a:schemeClr val="tx1"/>
+                </a:solidFill>
+              </a:rPr>
+              <a:t>(</a:t>
+            </a:r>
+            <a:r>
+              <a:rPr lang="en-SG" dirty="0" err="1" smtClean="0">
+                <a:solidFill>
+                  <a:schemeClr val="tx1"/>
+                </a:solidFill>
+              </a:rPr>
+              <a:t>VarId</a:t>
+            </a:r>
+            <a:r>
+              <a:rPr lang="en-SG" dirty="0" smtClean="0">
+                <a:solidFill>
+                  <a:schemeClr val="tx1"/>
+                </a:solidFill>
+              </a:rPr>
+              <a:t>)</a:t>
+            </a:r>
+          </a:p>
+          <a:p>
+            <a:endParaRPr lang="en-SG" dirty="0" smtClean="0">
+              <a:solidFill>
+                <a:schemeClr val="tx1"/>
+              </a:solidFill>
+            </a:endParaRPr>
+          </a:p>
+          <a:p>
+            <a:endParaRPr lang="en-SG" dirty="0" smtClean="0">
+              <a:solidFill>
+                <a:schemeClr val="tx1"/>
+              </a:solidFill>
+            </a:endParaRPr>
+          </a:p>
+          <a:p>
             <a:endParaRPr lang="en-US" dirty="0">
               <a:solidFill>
                 <a:schemeClr val="tx1"/>
@@ -4738,7 +5286,7 @@
           <p:cNvPr id="6" name="Rectangle 5">
             <a:extLst>
               <a:ext uri="{FF2B5EF4-FFF2-40B4-BE49-F238E27FC236}">
-                <a16:creationId xmlns:a16="http://schemas.microsoft.com/office/drawing/2014/main" xmlns="" id="{E3C7068E-D01A-4E3E-B8C1-55FF8AFF3342}"/>
+                <a16:creationId xmlns="" xmlns:a16="http://schemas.microsoft.com/office/drawing/2014/main" id="{E3C7068E-D01A-4E3E-B8C1-55FF8AFF3342}"/>
               </a:ext>
             </a:extLst>
           </p:cNvPr>
@@ -4856,7 +5404,7 @@
           <p:cNvPr id="7" name="Rectangle 6">
             <a:extLst>
               <a:ext uri="{FF2B5EF4-FFF2-40B4-BE49-F238E27FC236}">
-                <a16:creationId xmlns:a16="http://schemas.microsoft.com/office/drawing/2014/main" xmlns="" id="{E3C7068E-D01A-4E3E-B8C1-55FF8AFF3342}"/>
+                <a16:creationId xmlns="" xmlns:a16="http://schemas.microsoft.com/office/drawing/2014/main" id="{E3C7068E-D01A-4E3E-B8C1-55FF8AFF3342}"/>
               </a:ext>
             </a:extLst>
           </p:cNvPr>
@@ -5288,7 +5836,7 @@
           <p:cNvPr id="2" name="Title 1">
             <a:extLst>
               <a:ext uri="{FF2B5EF4-FFF2-40B4-BE49-F238E27FC236}">
-                <a16:creationId xmlns:a16="http://schemas.microsoft.com/office/drawing/2014/main" xmlns="" id="{12BA8C6B-F366-4C78-8506-30A422E36420}"/>
+                <a16:creationId xmlns="" xmlns:a16="http://schemas.microsoft.com/office/drawing/2014/main" id="{12BA8C6B-F366-4C78-8506-30A422E36420}"/>
               </a:ext>
             </a:extLst>
           </p:cNvPr>
@@ -5317,7 +5865,7 @@
           <p:cNvPr id="3" name="Content Placeholder 2">
             <a:extLst>
               <a:ext uri="{FF2B5EF4-FFF2-40B4-BE49-F238E27FC236}">
-                <a16:creationId xmlns:a16="http://schemas.microsoft.com/office/drawing/2014/main" xmlns="" id="{7D57C60D-D46C-4886-B681-BA9FD0A42C1A}"/>
+                <a16:creationId xmlns="" xmlns:a16="http://schemas.microsoft.com/office/drawing/2014/main" id="{7D57C60D-D46C-4886-B681-BA9FD0A42C1A}"/>
               </a:ext>
             </a:extLst>
           </p:cNvPr>
@@ -6591,13 +7139,7 @@
       </p:grpSpPr>
       <p:sp>
         <p:nvSpPr>
-          <p:cNvPr id="2" name="Title 1">
-            <a:extLst>
-              <a:ext uri="{FF2B5EF4-FFF2-40B4-BE49-F238E27FC236}">
-                <a16:creationId xmlns:a16="http://schemas.microsoft.com/office/drawing/2014/main" xmlns="" id="{F05026DD-7683-43F6-B478-BE4834E5B2E4}"/>
-              </a:ext>
-            </a:extLst>
-          </p:cNvPr>
+          <p:cNvPr id="2" name="Title 1"/>
           <p:cNvSpPr>
             <a:spLocks noGrp="1"/>
           </p:cNvSpPr>
@@ -6610,23 +7152,13 @@
           <a:bodyPr/>
           <a:lstStyle/>
           <a:p>
-            <a:r>
-              <a:rPr lang="en-SG" dirty="0"/>
-              <a:t>Technical Details on Trace Storage	</a:t>
-            </a:r>
-            <a:endParaRPr lang="en-US" dirty="0"/>
-          </a:p>
-        </p:txBody>
-      </p:sp>
-      <p:sp>
-        <p:nvSpPr>
-          <p:cNvPr id="3" name="Content Placeholder 2">
-            <a:extLst>
-              <a:ext uri="{FF2B5EF4-FFF2-40B4-BE49-F238E27FC236}">
-                <a16:creationId xmlns:a16="http://schemas.microsoft.com/office/drawing/2014/main" xmlns="" id="{71F4E548-C7D9-49BB-AC24-E3B6E7F8C0F0}"/>
-              </a:ext>
-            </a:extLst>
-          </p:cNvPr>
+            <a:endParaRPr lang="en-US"/>
+          </a:p>
+        </p:txBody>
+      </p:sp>
+      <p:sp>
+        <p:nvSpPr>
+          <p:cNvPr id="3" name="Content Placeholder 2"/>
           <p:cNvSpPr>
             <a:spLocks noGrp="1"/>
           </p:cNvSpPr>
@@ -6634,6 +7166,164 @@
             <p:ph idx="1"/>
           </p:nvPr>
         </p:nvSpPr>
+        <p:spPr/>
+        <p:txBody>
+          <a:bodyPr/>
+          <a:lstStyle/>
+          <a:p>
+            <a:r>
+              <a:rPr lang="en-US" dirty="0"/>
+              <a:t>@</a:t>
+            </a:r>
+            <a:r>
+              <a:rPr lang="en-US" dirty="0" err="1"/>
+              <a:t>lylytran</a:t>
+            </a:r>
+            <a:r>
+              <a:rPr lang="en-US" dirty="0"/>
+              <a:t> hi </a:t>
+            </a:r>
+            <a:r>
+              <a:rPr lang="en-US" dirty="0" err="1"/>
+              <a:t>lyly</a:t>
+            </a:r>
+            <a:r>
+              <a:rPr lang="en-US" dirty="0"/>
+              <a:t>, thanks a lot for your design on </a:t>
+            </a:r>
+            <a:r>
+              <a:rPr lang="en-US" dirty="0" err="1"/>
+              <a:t>microbat</a:t>
+            </a:r>
+            <a:r>
+              <a:rPr lang="en-US" dirty="0"/>
+              <a:t>, we went through you slides. I agree that we should reconstruct data/control/call relations after execution. The *on-demand* construction may also be an option</a:t>
+            </a:r>
+            <a:r>
+              <a:rPr lang="en-US" dirty="0" smtClean="0"/>
+              <a:t>.</a:t>
+            </a:r>
+          </a:p>
+          <a:p>
+            <a:r>
+              <a:rPr lang="en-US" dirty="0" smtClean="0"/>
+              <a:t>however</a:t>
+            </a:r>
+            <a:r>
+              <a:rPr lang="en-US" dirty="0"/>
+              <a:t>, we have some confusion on your concept like </a:t>
+            </a:r>
+            <a:r>
+              <a:rPr lang="en-US" dirty="0" err="1"/>
+              <a:t>tracebridge</a:t>
+            </a:r>
+            <a:r>
+              <a:rPr lang="en-US" dirty="0"/>
+              <a:t>. moreover, our design should conform to potential partial recording, this challenges call relation. once some trace execution is missing, how can we recover the call </a:t>
+            </a:r>
+            <a:r>
+              <a:rPr lang="en-US"/>
+              <a:t>relation</a:t>
+            </a:r>
+            <a:r>
+              <a:rPr lang="en-US" smtClean="0"/>
+              <a:t>.</a:t>
+            </a:r>
+          </a:p>
+          <a:p>
+            <a:r>
+              <a:rPr lang="en-US" smtClean="0"/>
+              <a:t>do </a:t>
+            </a:r>
+            <a:r>
+              <a:rPr lang="en-US" dirty="0"/>
+              <a:t>you have time tomorrow 1pm? please kindly let me know if you would like to discuss on a more convenient time for you.</a:t>
+            </a:r>
+          </a:p>
+        </p:txBody>
+      </p:sp>
+    </p:spTree>
+    <p:extLst>
+      <p:ext uri="{BB962C8B-B14F-4D97-AF65-F5344CB8AC3E}">
+        <p14:creationId xmlns:p14="http://schemas.microsoft.com/office/powerpoint/2010/main" val="491231535"/>
+      </p:ext>
+    </p:extLst>
+  </p:cSld>
+  <p:clrMapOvr>
+    <a:masterClrMapping/>
+  </p:clrMapOvr>
+  <p:timing>
+    <p:tnLst>
+      <p:par>
+        <p:cTn id="1" dur="indefinite" restart="never" nodeType="tmRoot"/>
+      </p:par>
+    </p:tnLst>
+  </p:timing>
+</p:sld>
+</file>
+
+<file path=ppt/slides/slide8.xml><?xml version="1.0" encoding="utf-8"?>
+<p:sld xmlns:a="http://schemas.openxmlformats.org/drawingml/2006/main" xmlns:r="http://schemas.openxmlformats.org/officeDocument/2006/relationships" xmlns:p="http://schemas.openxmlformats.org/presentationml/2006/main">
+  <p:cSld>
+    <p:spTree>
+      <p:nvGrpSpPr>
+        <p:cNvPr id="1" name=""/>
+        <p:cNvGrpSpPr/>
+        <p:nvPr/>
+      </p:nvGrpSpPr>
+      <p:grpSpPr>
+        <a:xfrm>
+          <a:off x="0" y="0"/>
+          <a:ext cx="0" cy="0"/>
+          <a:chOff x="0" y="0"/>
+          <a:chExt cx="0" cy="0"/>
+        </a:xfrm>
+      </p:grpSpPr>
+      <p:sp>
+        <p:nvSpPr>
+          <p:cNvPr id="2" name="Title 1">
+            <a:extLst>
+              <a:ext uri="{FF2B5EF4-FFF2-40B4-BE49-F238E27FC236}">
+                <a16:creationId xmlns="" xmlns:a16="http://schemas.microsoft.com/office/drawing/2014/main" id="{F05026DD-7683-43F6-B478-BE4834E5B2E4}"/>
+              </a:ext>
+            </a:extLst>
+          </p:cNvPr>
+          <p:cNvSpPr>
+            <a:spLocks noGrp="1"/>
+          </p:cNvSpPr>
+          <p:nvPr>
+            <p:ph type="title"/>
+          </p:nvPr>
+        </p:nvSpPr>
+        <p:spPr/>
+        <p:txBody>
+          <a:bodyPr/>
+          <a:lstStyle/>
+          <a:p>
+            <a:r>
+              <a:rPr lang="en-SG" dirty="0"/>
+              <a:t>Technical Details on Trace Storage	</a:t>
+            </a:r>
+            <a:endParaRPr lang="en-US" dirty="0"/>
+          </a:p>
+        </p:txBody>
+      </p:sp>
+      <p:sp>
+        <p:nvSpPr>
+          <p:cNvPr id="3" name="Content Placeholder 2">
+            <a:extLst>
+              <a:ext uri="{FF2B5EF4-FFF2-40B4-BE49-F238E27FC236}">
+                <a16:creationId xmlns="" xmlns:a16="http://schemas.microsoft.com/office/drawing/2014/main" id="{71F4E548-C7D9-49BB-AC24-E3B6E7F8C0F0}"/>
+              </a:ext>
+            </a:extLst>
+          </p:cNvPr>
+          <p:cNvSpPr>
+            <a:spLocks noGrp="1"/>
+          </p:cNvSpPr>
+          <p:nvPr>
+            <p:ph idx="1"/>
+          </p:nvPr>
+        </p:nvSpPr>
         <p:spPr>
           <a:xfrm>
             <a:off x="838200" y="1825625"/>
@@ -6663,7 +7353,7 @@
           <p:cNvPr id="4" name="Rectangle 3">
             <a:extLst>
               <a:ext uri="{FF2B5EF4-FFF2-40B4-BE49-F238E27FC236}">
-                <a16:creationId xmlns:a16="http://schemas.microsoft.com/office/drawing/2014/main" xmlns="" id="{BEAB10B3-74A6-4337-BD4C-C747B3A40788}"/>
+                <a16:creationId xmlns="" xmlns:a16="http://schemas.microsoft.com/office/drawing/2014/main" id="{BEAB10B3-74A6-4337-BD4C-C747B3A40788}"/>
               </a:ext>
             </a:extLst>
           </p:cNvPr>
@@ -6780,7 +7470,7 @@
           <p:cNvPr id="5" name="Rectangle 4">
             <a:extLst>
               <a:ext uri="{FF2B5EF4-FFF2-40B4-BE49-F238E27FC236}">
-                <a16:creationId xmlns:a16="http://schemas.microsoft.com/office/drawing/2014/main" xmlns="" id="{6F4BACC1-A20A-4997-8C50-E7C376D47B4D}"/>
+                <a16:creationId xmlns="" xmlns:a16="http://schemas.microsoft.com/office/drawing/2014/main" id="{6F4BACC1-A20A-4997-8C50-E7C376D47B4D}"/>
               </a:ext>
             </a:extLst>
           </p:cNvPr>
@@ -6843,7 +7533,7 @@
           <p:cNvPr id="7" name="Connector: Elbow 6">
             <a:extLst>
               <a:ext uri="{FF2B5EF4-FFF2-40B4-BE49-F238E27FC236}">
-                <a16:creationId xmlns:a16="http://schemas.microsoft.com/office/drawing/2014/main" xmlns="" id="{53260257-8C45-4C2E-B87D-8456DF9805B9}"/>
+                <a16:creationId xmlns="" xmlns:a16="http://schemas.microsoft.com/office/drawing/2014/main" id="{53260257-8C45-4C2E-B87D-8456DF9805B9}"/>
               </a:ext>
             </a:extLst>
           </p:cNvPr>
@@ -6889,7 +7579,7 @@
           <p:cNvPr id="17" name="Connector: Elbow 16">
             <a:extLst>
               <a:ext uri="{FF2B5EF4-FFF2-40B4-BE49-F238E27FC236}">
-                <a16:creationId xmlns:a16="http://schemas.microsoft.com/office/drawing/2014/main" xmlns="" id="{3F48239D-1ADB-4A1B-8F4F-1899FF5A8138}"/>
+                <a16:creationId xmlns="" xmlns:a16="http://schemas.microsoft.com/office/drawing/2014/main" id="{3F48239D-1ADB-4A1B-8F4F-1899FF5A8138}"/>
               </a:ext>
             </a:extLst>
           </p:cNvPr>
@@ -6932,7 +7622,7 @@
           <p:cNvPr id="40" name="Rectangle 39">
             <a:extLst>
               <a:ext uri="{FF2B5EF4-FFF2-40B4-BE49-F238E27FC236}">
-                <a16:creationId xmlns:a16="http://schemas.microsoft.com/office/drawing/2014/main" xmlns="" id="{179CC4DA-78CB-428B-B8AF-AF0272B5F844}"/>
+                <a16:creationId xmlns="" xmlns:a16="http://schemas.microsoft.com/office/drawing/2014/main" id="{179CC4DA-78CB-428B-B8AF-AF0272B5F844}"/>
               </a:ext>
             </a:extLst>
           </p:cNvPr>
@@ -6995,7 +7685,7 @@
           <p:cNvPr id="41" name="Rectangle 40">
             <a:extLst>
               <a:ext uri="{FF2B5EF4-FFF2-40B4-BE49-F238E27FC236}">
-                <a16:creationId xmlns:a16="http://schemas.microsoft.com/office/drawing/2014/main" xmlns="" id="{47E3F4DF-73C6-4F84-87A9-F71FE55F6DC5}"/>
+                <a16:creationId xmlns="" xmlns:a16="http://schemas.microsoft.com/office/drawing/2014/main" id="{47E3F4DF-73C6-4F84-87A9-F71FE55F6DC5}"/>
               </a:ext>
             </a:extLst>
           </p:cNvPr>
@@ -7058,7 +7748,7 @@
           <p:cNvPr id="42" name="Connector: Elbow 41">
             <a:extLst>
               <a:ext uri="{FF2B5EF4-FFF2-40B4-BE49-F238E27FC236}">
-                <a16:creationId xmlns:a16="http://schemas.microsoft.com/office/drawing/2014/main" xmlns="" id="{AB6EF1D0-8B87-48F3-8E28-FF3B19C25365}"/>
+                <a16:creationId xmlns="" xmlns:a16="http://schemas.microsoft.com/office/drawing/2014/main" id="{AB6EF1D0-8B87-48F3-8E28-FF3B19C25365}"/>
               </a:ext>
             </a:extLst>
           </p:cNvPr>
@@ -7100,7 +7790,7 @@
           <p:cNvPr id="45" name="Connector: Elbow 44">
             <a:extLst>
               <a:ext uri="{FF2B5EF4-FFF2-40B4-BE49-F238E27FC236}">
-                <a16:creationId xmlns:a16="http://schemas.microsoft.com/office/drawing/2014/main" xmlns="" id="{3F68FB00-90E7-4BC1-9110-2152CE9454A9}"/>
+                <a16:creationId xmlns="" xmlns:a16="http://schemas.microsoft.com/office/drawing/2014/main" id="{3F68FB00-90E7-4BC1-9110-2152CE9454A9}"/>
               </a:ext>
             </a:extLst>
           </p:cNvPr>
@@ -7160,114 +7850,6 @@
 </p:sld>
 </file>
 
-<file path=ppt/slides/slide8.xml><?xml version="1.0" encoding="utf-8"?>
-<p:sld xmlns:a="http://schemas.openxmlformats.org/drawingml/2006/main" xmlns:r="http://schemas.openxmlformats.org/officeDocument/2006/relationships" xmlns:p="http://schemas.openxmlformats.org/presentationml/2006/main">
-  <p:cSld>
-    <p:spTree>
-      <p:nvGrpSpPr>
-        <p:cNvPr id="1" name=""/>
-        <p:cNvGrpSpPr/>
-        <p:nvPr/>
-      </p:nvGrpSpPr>
-      <p:grpSpPr>
-        <a:xfrm>
-          <a:off x="0" y="0"/>
-          <a:ext cx="0" cy="0"/>
-          <a:chOff x="0" y="0"/>
-          <a:chExt cx="0" cy="0"/>
-        </a:xfrm>
-      </p:grpSpPr>
-      <p:sp>
-        <p:nvSpPr>
-          <p:cNvPr id="2" name="Title 1">
-            <a:extLst>
-              <a:ext uri="{FF2B5EF4-FFF2-40B4-BE49-F238E27FC236}">
-                <a16:creationId xmlns:a16="http://schemas.microsoft.com/office/drawing/2014/main" xmlns="" id="{6319BB65-3B68-4164-B74A-EDFAEC25D32D}"/>
-              </a:ext>
-            </a:extLst>
-          </p:cNvPr>
-          <p:cNvSpPr>
-            <a:spLocks noGrp="1"/>
-          </p:cNvSpPr>
-          <p:nvPr>
-            <p:ph type="title"/>
-          </p:nvPr>
-        </p:nvSpPr>
-        <p:spPr/>
-        <p:txBody>
-          <a:bodyPr/>
-          <a:lstStyle/>
-          <a:p>
-            <a:endParaRPr lang="en-US" dirty="0"/>
-          </a:p>
-        </p:txBody>
-      </p:sp>
-      <p:sp>
-        <p:nvSpPr>
-          <p:cNvPr id="3" name="Content Placeholder 2">
-            <a:extLst>
-              <a:ext uri="{FF2B5EF4-FFF2-40B4-BE49-F238E27FC236}">
-                <a16:creationId xmlns:a16="http://schemas.microsoft.com/office/drawing/2014/main" xmlns="" id="{DD77E9E4-0954-434C-955E-5B4820BD17E8}"/>
-              </a:ext>
-            </a:extLst>
-          </p:cNvPr>
-          <p:cNvSpPr>
-            <a:spLocks noGrp="1"/>
-          </p:cNvSpPr>
-          <p:nvPr>
-            <p:ph idx="1"/>
-          </p:nvPr>
-        </p:nvSpPr>
-        <p:spPr/>
-        <p:txBody>
-          <a:bodyPr/>
-          <a:lstStyle/>
-          <a:p>
-            <a:r>
-              <a:rPr lang="en-SG" dirty="0"/>
-              <a:t>Java API (lib) to index and search in file-based database</a:t>
-            </a:r>
-          </a:p>
-          <a:p>
-            <a:pPr lvl="1"/>
-            <a:r>
-              <a:rPr lang="en-SG" dirty="0"/>
-              <a:t>Lucene? </a:t>
-            </a:r>
-          </a:p>
-          <a:p>
-            <a:r>
-              <a:rPr lang="en-US" dirty="0" err="1" smtClean="0"/>
-              <a:t>Mapdb</a:t>
-            </a:r>
-            <a:r>
-              <a:rPr lang="en-US" smtClean="0"/>
-              <a:t> version 2</a:t>
-            </a:r>
-            <a:endParaRPr lang="en-US" dirty="0"/>
-          </a:p>
-        </p:txBody>
-      </p:sp>
-    </p:spTree>
-    <p:extLst>
-      <p:ext uri="{BB962C8B-B14F-4D97-AF65-F5344CB8AC3E}">
-        <p14:creationId xmlns:p14="http://schemas.microsoft.com/office/powerpoint/2010/main" val="2650207242"/>
-      </p:ext>
-    </p:extLst>
-  </p:cSld>
-  <p:clrMapOvr>
-    <a:masterClrMapping/>
-  </p:clrMapOvr>
-  <p:timing>
-    <p:tnLst>
-      <p:par>
-        <p:cTn id="1" dur="indefinite" restart="never" nodeType="tmRoot"/>
-      </p:par>
-    </p:tnLst>
-  </p:timing>
-</p:sld>
-</file>
-
 <file path=ppt/slides/slide9.xml><?xml version="1.0" encoding="utf-8"?>
 <p:sld xmlns:a="http://schemas.openxmlformats.org/drawingml/2006/main" xmlns:r="http://schemas.openxmlformats.org/officeDocument/2006/relationships" xmlns:p="http://schemas.openxmlformats.org/presentationml/2006/main">
   <p:cSld>
@@ -7287,518 +7869,79 @@
       </p:grpSpPr>
       <p:sp>
         <p:nvSpPr>
-          <p:cNvPr id="4" name="Rectangle 3">
-            <a:extLst>
-              <a:ext uri="{FF2B5EF4-FFF2-40B4-BE49-F238E27FC236}">
-                <a16:creationId xmlns:a16="http://schemas.microsoft.com/office/drawing/2014/main" xmlns="" id="{ADD27894-02D3-4F7D-8500-723F9874850D}"/>
-              </a:ext>
-            </a:extLst>
-          </p:cNvPr>
-          <p:cNvSpPr/>
-          <p:nvPr/>
-        </p:nvSpPr>
-        <p:spPr>
-          <a:xfrm>
-            <a:off x="5157227" y="1158660"/>
-            <a:ext cx="2831909" cy="3972140"/>
-          </a:xfrm>
-          <a:prstGeom prst="rect">
-            <a:avLst/>
-          </a:prstGeom>
-          <a:noFill/>
-        </p:spPr>
-        <p:style>
-          <a:lnRef idx="2">
-            <a:schemeClr val="accent1">
-              <a:shade val="50000"/>
-            </a:schemeClr>
-          </a:lnRef>
-          <a:fillRef idx="1">
-            <a:schemeClr val="accent1"/>
-          </a:fillRef>
-          <a:effectRef idx="0">
-            <a:schemeClr val="accent1"/>
-          </a:effectRef>
-          <a:fontRef idx="minor">
-            <a:schemeClr val="lt1"/>
-          </a:fontRef>
-        </p:style>
-        <p:txBody>
-          <a:bodyPr rtlCol="0" anchor="ctr"/>
-          <a:lstStyle/>
-          <a:p>
-            <a:r>
-              <a:rPr lang="en-SG" dirty="0">
-                <a:solidFill>
-                  <a:schemeClr val="tx1"/>
-                </a:solidFill>
-              </a:rPr>
-              <a:t>Trace Node:</a:t>
-            </a:r>
-          </a:p>
-          <a:p>
-            <a:pPr marL="285750" indent="-285750">
-              <a:buFontTx/>
-              <a:buChar char="-"/>
-            </a:pPr>
-            <a:r>
-              <a:rPr lang="en-SG" dirty="0">
-                <a:solidFill>
-                  <a:schemeClr val="tx1"/>
-                </a:solidFill>
-              </a:rPr>
-              <a:t>trace node id (</a:t>
-            </a:r>
-            <a:r>
-              <a:rPr lang="en-SG" dirty="0" err="1">
-                <a:solidFill>
-                  <a:schemeClr val="tx1"/>
-                </a:solidFill>
-              </a:rPr>
-              <a:t>block_file_path+seq_id</a:t>
-            </a:r>
-            <a:r>
-              <a:rPr lang="en-SG" dirty="0">
-                <a:solidFill>
-                  <a:schemeClr val="tx1"/>
-                </a:solidFill>
-              </a:rPr>
-              <a:t>)</a:t>
-            </a:r>
-          </a:p>
-          <a:p>
-            <a:pPr marL="285750" indent="-285750">
-              <a:buFontTx/>
-              <a:buChar char="-"/>
-            </a:pPr>
-            <a:endParaRPr lang="en-SG" dirty="0">
-              <a:solidFill>
-                <a:schemeClr val="tx1"/>
-              </a:solidFill>
-            </a:endParaRPr>
-          </a:p>
-          <a:p>
-            <a:pPr marL="342900" indent="-342900">
-              <a:buAutoNum type="arabicPeriod"/>
-            </a:pPr>
-            <a:r>
-              <a:rPr lang="en-SG" dirty="0">
-                <a:solidFill>
-                  <a:schemeClr val="tx1"/>
-                </a:solidFill>
-              </a:rPr>
-              <a:t>ref to read/written variables</a:t>
-            </a:r>
-          </a:p>
-          <a:p>
-            <a:pPr marL="342900" indent="-342900">
-              <a:buAutoNum type="arabicPeriod"/>
-            </a:pPr>
-            <a:r>
-              <a:rPr lang="en-SG" dirty="0">
-                <a:solidFill>
-                  <a:schemeClr val="tx1"/>
-                </a:solidFill>
-              </a:rPr>
-              <a:t>Ref to data/control dependency</a:t>
-            </a:r>
-          </a:p>
-          <a:p>
-            <a:pPr marL="342900" indent="-342900">
-              <a:buAutoNum type="arabicPeriod"/>
-            </a:pPr>
-            <a:r>
-              <a:rPr lang="en-SG" dirty="0">
-                <a:solidFill>
-                  <a:schemeClr val="tx1"/>
-                </a:solidFill>
-              </a:rPr>
-              <a:t>Ref to Hierarchical Children (invocation/loop children)</a:t>
-            </a:r>
-            <a:br>
-              <a:rPr lang="en-SG" dirty="0">
-                <a:solidFill>
-                  <a:schemeClr val="tx1"/>
-                </a:solidFill>
-              </a:rPr>
-            </a:br>
-            <a:endParaRPr lang="en-US" dirty="0">
-              <a:solidFill>
-                <a:schemeClr val="tx1"/>
-              </a:solidFill>
-            </a:endParaRPr>
-          </a:p>
-        </p:txBody>
-      </p:sp>
-      <p:sp>
-        <p:nvSpPr>
-          <p:cNvPr id="5" name="Rectangle 4">
-            <a:extLst>
-              <a:ext uri="{FF2B5EF4-FFF2-40B4-BE49-F238E27FC236}">
-                <a16:creationId xmlns:a16="http://schemas.microsoft.com/office/drawing/2014/main" xmlns="" id="{E3C7068E-D01A-4E3E-B8C1-55FF8AFF3342}"/>
-              </a:ext>
-            </a:extLst>
-          </p:cNvPr>
-          <p:cNvSpPr/>
-          <p:nvPr/>
-        </p:nvSpPr>
-        <p:spPr>
-          <a:xfrm>
-            <a:off x="9477828" y="2091989"/>
-            <a:ext cx="1724054" cy="378415"/>
-          </a:xfrm>
-          <a:prstGeom prst="rect">
-            <a:avLst/>
-          </a:prstGeom>
-          <a:noFill/>
-        </p:spPr>
-        <p:style>
-          <a:lnRef idx="2">
-            <a:schemeClr val="accent1">
-              <a:shade val="50000"/>
-            </a:schemeClr>
-          </a:lnRef>
-          <a:fillRef idx="1">
-            <a:schemeClr val="accent1"/>
-          </a:fillRef>
-          <a:effectRef idx="0">
-            <a:schemeClr val="accent1"/>
-          </a:effectRef>
-          <a:fontRef idx="minor">
-            <a:schemeClr val="lt1"/>
-          </a:fontRef>
-        </p:style>
-        <p:txBody>
-          <a:bodyPr rot="0" spcFirstLastPara="0" vertOverflow="overflow" horzOverflow="overflow" vert="horz" wrap="square" lIns="91440" tIns="45720" rIns="91440" bIns="45720" numCol="1" spcCol="0" rtlCol="0" fromWordArt="0" anchor="ctr" anchorCtr="0" forceAA="0" compatLnSpc="1">
-            <a:prstTxWarp prst="textNoShape">
-              <a:avLst/>
-            </a:prstTxWarp>
-            <a:noAutofit/>
-          </a:bodyPr>
-          <a:lstStyle/>
-          <a:p>
-            <a:r>
-              <a:rPr lang="en-SG" dirty="0">
-                <a:solidFill>
-                  <a:schemeClr val="tx1"/>
-                </a:solidFill>
-              </a:rPr>
-              <a:t>Variable File?</a:t>
-            </a:r>
-            <a:endParaRPr lang="en-US" dirty="0">
-              <a:solidFill>
-                <a:schemeClr val="tx1"/>
-              </a:solidFill>
-            </a:endParaRPr>
-          </a:p>
-        </p:txBody>
-      </p:sp>
-      <p:cxnSp>
-        <p:nvCxnSpPr>
-          <p:cNvPr id="6" name="Connector: Elbow 5">
-            <a:extLst>
-              <a:ext uri="{FF2B5EF4-FFF2-40B4-BE49-F238E27FC236}">
-                <a16:creationId xmlns:a16="http://schemas.microsoft.com/office/drawing/2014/main" xmlns="" id="{1A85D5D1-EC86-416B-82E8-FC836BF31A96}"/>
-              </a:ext>
-            </a:extLst>
-          </p:cNvPr>
-          <p:cNvCxnSpPr>
-            <a:cxnSpLocks/>
-            <a:stCxn id="4" idx="1"/>
-            <a:endCxn id="4" idx="0"/>
-          </p:cNvCxnSpPr>
-          <p:nvPr/>
-        </p:nvCxnSpPr>
-        <p:spPr>
-          <a:xfrm rot="10800000" flipH="1">
-            <a:off x="5157226" y="1158660"/>
-            <a:ext cx="1415955" cy="1986070"/>
-          </a:xfrm>
-          <a:prstGeom prst="bentConnector4">
-            <a:avLst>
-              <a:gd name="adj1" fmla="val -16145"/>
-              <a:gd name="adj2" fmla="val 111510"/>
-            </a:avLst>
-          </a:prstGeom>
-          <a:ln>
-            <a:tailEnd type="triangle" w="lg" len="lg"/>
-          </a:ln>
-        </p:spPr>
-        <p:style>
-          <a:lnRef idx="1">
-            <a:schemeClr val="accent1"/>
-          </a:lnRef>
-          <a:fillRef idx="0">
-            <a:schemeClr val="accent1"/>
-          </a:fillRef>
-          <a:effectRef idx="0">
-            <a:schemeClr val="accent1"/>
-          </a:effectRef>
-          <a:fontRef idx="minor">
-            <a:schemeClr val="tx1"/>
-          </a:fontRef>
-        </p:style>
-      </p:cxnSp>
-      <p:cxnSp>
-        <p:nvCxnSpPr>
-          <p:cNvPr id="7" name="Connector: Elbow 6">
-            <a:extLst>
-              <a:ext uri="{FF2B5EF4-FFF2-40B4-BE49-F238E27FC236}">
-                <a16:creationId xmlns:a16="http://schemas.microsoft.com/office/drawing/2014/main" xmlns="" id="{72A2CCAF-75C7-40E9-A607-135FCD5BDE61}"/>
-              </a:ext>
-            </a:extLst>
-          </p:cNvPr>
-          <p:cNvCxnSpPr>
-            <a:cxnSpLocks/>
-            <a:stCxn id="4" idx="3"/>
-            <a:endCxn id="5" idx="1"/>
-          </p:cNvCxnSpPr>
-          <p:nvPr/>
-        </p:nvCxnSpPr>
-        <p:spPr>
-          <a:xfrm flipV="1">
-            <a:off x="7989136" y="2281197"/>
-            <a:ext cx="1488692" cy="863533"/>
-          </a:xfrm>
-          <a:prstGeom prst="bentConnector3">
-            <a:avLst/>
-          </a:prstGeom>
-          <a:ln>
-            <a:tailEnd type="triangle"/>
-          </a:ln>
-        </p:spPr>
-        <p:style>
-          <a:lnRef idx="1">
-            <a:schemeClr val="accent1"/>
-          </a:lnRef>
-          <a:fillRef idx="0">
-            <a:schemeClr val="accent1"/>
-          </a:fillRef>
-          <a:effectRef idx="0">
-            <a:schemeClr val="accent1"/>
-          </a:effectRef>
-          <a:fontRef idx="minor">
-            <a:schemeClr val="tx1"/>
-          </a:fontRef>
-        </p:style>
-      </p:cxnSp>
-      <p:sp>
-        <p:nvSpPr>
-          <p:cNvPr id="8" name="Rectangle 7">
-            <a:extLst>
-              <a:ext uri="{FF2B5EF4-FFF2-40B4-BE49-F238E27FC236}">
-                <a16:creationId xmlns:a16="http://schemas.microsoft.com/office/drawing/2014/main" xmlns="" id="{81E41073-32BA-4270-B734-E8DD14034463}"/>
-              </a:ext>
-            </a:extLst>
-          </p:cNvPr>
-          <p:cNvSpPr/>
-          <p:nvPr/>
-        </p:nvSpPr>
-        <p:spPr>
-          <a:xfrm>
-            <a:off x="1306340" y="3589879"/>
-            <a:ext cx="1724054" cy="671587"/>
-          </a:xfrm>
-          <a:prstGeom prst="rect">
-            <a:avLst/>
-          </a:prstGeom>
-          <a:noFill/>
-        </p:spPr>
-        <p:style>
-          <a:lnRef idx="2">
-            <a:schemeClr val="accent1">
-              <a:shade val="50000"/>
-            </a:schemeClr>
-          </a:lnRef>
-          <a:fillRef idx="1">
-            <a:schemeClr val="accent1"/>
-          </a:fillRef>
-          <a:effectRef idx="0">
-            <a:schemeClr val="accent1"/>
-          </a:effectRef>
-          <a:fontRef idx="minor">
-            <a:schemeClr val="lt1"/>
-          </a:fontRef>
-        </p:style>
-        <p:txBody>
-          <a:bodyPr rot="0" spcFirstLastPara="0" vertOverflow="overflow" horzOverflow="overflow" vert="horz" wrap="square" lIns="91440" tIns="45720" rIns="91440" bIns="45720" numCol="1" spcCol="0" rtlCol="0" fromWordArt="0" anchor="ctr" anchorCtr="0" forceAA="0" compatLnSpc="1">
-            <a:prstTxWarp prst="textNoShape">
-              <a:avLst/>
-            </a:prstTxWarp>
-            <a:noAutofit/>
-          </a:bodyPr>
-          <a:lstStyle/>
-          <a:p>
-            <a:r>
-              <a:rPr lang="en-SG" dirty="0">
-                <a:solidFill>
-                  <a:schemeClr val="tx1"/>
-                </a:solidFill>
-              </a:rPr>
-              <a:t>Trace Header file (execution)</a:t>
-            </a:r>
-            <a:endParaRPr lang="en-US" dirty="0">
-              <a:solidFill>
-                <a:schemeClr val="tx1"/>
-              </a:solidFill>
-            </a:endParaRPr>
-          </a:p>
-        </p:txBody>
-      </p:sp>
-      <p:sp>
-        <p:nvSpPr>
-          <p:cNvPr id="9" name="Rectangle 8">
-            <a:extLst>
-              <a:ext uri="{FF2B5EF4-FFF2-40B4-BE49-F238E27FC236}">
-                <a16:creationId xmlns:a16="http://schemas.microsoft.com/office/drawing/2014/main" xmlns="" id="{41CFAC0D-FF55-41D2-8215-966C18F9A802}"/>
-              </a:ext>
-            </a:extLst>
-          </p:cNvPr>
-          <p:cNvSpPr/>
-          <p:nvPr/>
-        </p:nvSpPr>
-        <p:spPr>
-          <a:xfrm>
-            <a:off x="1306340" y="1362237"/>
-            <a:ext cx="1724054" cy="416257"/>
-          </a:xfrm>
-          <a:prstGeom prst="rect">
-            <a:avLst/>
-          </a:prstGeom>
-          <a:noFill/>
-        </p:spPr>
-        <p:style>
-          <a:lnRef idx="2">
-            <a:schemeClr val="accent1">
-              <a:shade val="50000"/>
-            </a:schemeClr>
-          </a:lnRef>
-          <a:fillRef idx="1">
-            <a:schemeClr val="accent1"/>
-          </a:fillRef>
-          <a:effectRef idx="0">
-            <a:schemeClr val="accent1"/>
-          </a:effectRef>
-          <a:fontRef idx="minor">
-            <a:schemeClr val="lt1"/>
-          </a:fontRef>
-        </p:style>
-        <p:txBody>
-          <a:bodyPr rot="0" spcFirstLastPara="0" vertOverflow="overflow" horzOverflow="overflow" vert="horz" wrap="square" lIns="91440" tIns="45720" rIns="91440" bIns="45720" numCol="1" spcCol="0" rtlCol="0" fromWordArt="0" anchor="ctr" anchorCtr="0" forceAA="0" compatLnSpc="1">
-            <a:prstTxWarp prst="textNoShape">
-              <a:avLst/>
-            </a:prstTxWarp>
-            <a:noAutofit/>
-          </a:bodyPr>
-          <a:lstStyle/>
-          <a:p>
-            <a:r>
-              <a:rPr lang="en-SG" dirty="0">
-                <a:solidFill>
-                  <a:schemeClr val="tx1"/>
-                </a:solidFill>
-              </a:rPr>
-              <a:t>Block File</a:t>
-            </a:r>
-            <a:endParaRPr lang="en-US" dirty="0">
-              <a:solidFill>
-                <a:schemeClr val="tx1"/>
-              </a:solidFill>
-            </a:endParaRPr>
-          </a:p>
-        </p:txBody>
-      </p:sp>
-      <p:cxnSp>
-        <p:nvCxnSpPr>
-          <p:cNvPr id="10" name="Connector: Elbow 9">
-            <a:extLst>
-              <a:ext uri="{FF2B5EF4-FFF2-40B4-BE49-F238E27FC236}">
-                <a16:creationId xmlns:a16="http://schemas.microsoft.com/office/drawing/2014/main" xmlns="" id="{12CA1A67-9A30-4B64-8A54-7B9115C60266}"/>
-              </a:ext>
-            </a:extLst>
-          </p:cNvPr>
-          <p:cNvCxnSpPr>
-            <a:cxnSpLocks/>
-            <a:stCxn id="9" idx="2"/>
-          </p:cNvCxnSpPr>
-          <p:nvPr/>
-        </p:nvCxnSpPr>
-        <p:spPr>
-          <a:xfrm rot="16200000" flipH="1">
-            <a:off x="2895277" y="1051584"/>
-            <a:ext cx="1522338" cy="2976158"/>
-          </a:xfrm>
-          <a:prstGeom prst="bentConnector2">
-            <a:avLst/>
-          </a:prstGeom>
-          <a:ln>
-            <a:tailEnd type="triangle" w="lg" len="lg"/>
-          </a:ln>
-        </p:spPr>
-        <p:style>
-          <a:lnRef idx="1">
-            <a:schemeClr val="accent1"/>
-          </a:lnRef>
-          <a:fillRef idx="0">
-            <a:schemeClr val="accent1"/>
-          </a:fillRef>
-          <a:effectRef idx="0">
-            <a:schemeClr val="accent1"/>
-          </a:effectRef>
-          <a:fontRef idx="minor">
-            <a:schemeClr val="tx1"/>
-          </a:fontRef>
-        </p:style>
-      </p:cxnSp>
-      <p:cxnSp>
-        <p:nvCxnSpPr>
-          <p:cNvPr id="11" name="Connector: Elbow 10">
-            <a:extLst>
-              <a:ext uri="{FF2B5EF4-FFF2-40B4-BE49-F238E27FC236}">
-                <a16:creationId xmlns:a16="http://schemas.microsoft.com/office/drawing/2014/main" xmlns="" id="{EC0728E9-347A-43CF-B5F4-1645B132EABB}"/>
-              </a:ext>
-            </a:extLst>
-          </p:cNvPr>
-          <p:cNvCxnSpPr>
-            <a:cxnSpLocks/>
-            <a:stCxn id="8" idx="1"/>
-            <a:endCxn id="9" idx="1"/>
-          </p:cNvCxnSpPr>
-          <p:nvPr/>
-        </p:nvCxnSpPr>
-        <p:spPr>
-          <a:xfrm rot="10800000">
-            <a:off x="1306340" y="1570367"/>
-            <a:ext cx="12700" cy="2355307"/>
-          </a:xfrm>
-          <a:prstGeom prst="bentConnector3">
-            <a:avLst>
-              <a:gd name="adj1" fmla="val 6371425"/>
-            </a:avLst>
-          </a:prstGeom>
-          <a:ln>
-            <a:tailEnd type="triangle" w="lg" len="lg"/>
-          </a:ln>
-        </p:spPr>
-        <p:style>
-          <a:lnRef idx="1">
-            <a:schemeClr val="accent1"/>
-          </a:lnRef>
-          <a:fillRef idx="0">
-            <a:schemeClr val="accent1"/>
-          </a:fillRef>
-          <a:effectRef idx="0">
-            <a:schemeClr val="accent1"/>
-          </a:effectRef>
-          <a:fontRef idx="minor">
-            <a:schemeClr val="tx1"/>
-          </a:fontRef>
-        </p:style>
-      </p:cxnSp>
+          <p:cNvPr id="2" name="Title 1">
+            <a:extLst>
+              <a:ext uri="{FF2B5EF4-FFF2-40B4-BE49-F238E27FC236}">
+                <a16:creationId xmlns="" xmlns:a16="http://schemas.microsoft.com/office/drawing/2014/main" id="{6319BB65-3B68-4164-B74A-EDFAEC25D32D}"/>
+              </a:ext>
+            </a:extLst>
+          </p:cNvPr>
+          <p:cNvSpPr>
+            <a:spLocks noGrp="1"/>
+          </p:cNvSpPr>
+          <p:nvPr>
+            <p:ph type="title"/>
+          </p:nvPr>
+        </p:nvSpPr>
+        <p:spPr/>
+        <p:txBody>
+          <a:bodyPr/>
+          <a:lstStyle/>
+          <a:p>
+            <a:endParaRPr lang="en-US" dirty="0"/>
+          </a:p>
+        </p:txBody>
+      </p:sp>
+      <p:sp>
+        <p:nvSpPr>
+          <p:cNvPr id="3" name="Content Placeholder 2">
+            <a:extLst>
+              <a:ext uri="{FF2B5EF4-FFF2-40B4-BE49-F238E27FC236}">
+                <a16:creationId xmlns="" xmlns:a16="http://schemas.microsoft.com/office/drawing/2014/main" id="{DD77E9E4-0954-434C-955E-5B4820BD17E8}"/>
+              </a:ext>
+            </a:extLst>
+          </p:cNvPr>
+          <p:cNvSpPr>
+            <a:spLocks noGrp="1"/>
+          </p:cNvSpPr>
+          <p:nvPr>
+            <p:ph idx="1"/>
+          </p:nvPr>
+        </p:nvSpPr>
+        <p:spPr/>
+        <p:txBody>
+          <a:bodyPr/>
+          <a:lstStyle/>
+          <a:p>
+            <a:r>
+              <a:rPr lang="en-SG" dirty="0"/>
+              <a:t>Java API (lib) to index and search in file-based database</a:t>
+            </a:r>
+          </a:p>
+          <a:p>
+            <a:pPr lvl="1"/>
+            <a:r>
+              <a:rPr lang="en-SG" dirty="0"/>
+              <a:t>Lucene? </a:t>
+            </a:r>
+          </a:p>
+          <a:p>
+            <a:r>
+              <a:rPr lang="en-US" dirty="0" err="1" smtClean="0"/>
+              <a:t>Mapdb</a:t>
+            </a:r>
+            <a:r>
+              <a:rPr lang="en-US" smtClean="0"/>
+              <a:t> version 2</a:t>
+            </a:r>
+            <a:endParaRPr lang="en-US" dirty="0"/>
+          </a:p>
+        </p:txBody>
+      </p:sp>
     </p:spTree>
     <p:extLst>
       <p:ext uri="{BB962C8B-B14F-4D97-AF65-F5344CB8AC3E}">
-        <p14:creationId xmlns:p14="http://schemas.microsoft.com/office/powerpoint/2010/main" val="3444824109"/>
+        <p14:creationId xmlns:p14="http://schemas.microsoft.com/office/powerpoint/2010/main" val="2650207242"/>
       </p:ext>
     </p:extLst>
   </p:cSld>
@@ -8104,7 +8247,7 @@
   <a:extraClrSchemeLst/>
   <a:extLst>
     <a:ext uri="{05A4C25C-085E-4340-85A3-A5531E510DB2}">
-      <thm15:themeFamily xmlns:thm15="http://schemas.microsoft.com/office/thememl/2012/main" xmlns="" name="Office Theme" id="{62F939B6-93AF-4DB8-9C6B-D6C7DFDC589F}" vid="{4A3C46E8-61CC-4603-A589-7422A47A8E4A}"/>
+      <thm15:themeFamily xmlns="" xmlns:thm15="http://schemas.microsoft.com/office/thememl/2012/main" name="Office Theme" id="{62F939B6-93AF-4DB8-9C6B-D6C7DFDC589F}" vid="{4A3C46E8-61CC-4603-A589-7422A47A8E4A}"/>
     </a:ext>
   </a:extLst>
 </a:theme>

--- a/etc/Microbat Design for Trace Storage.pptx
+++ b/etc/Microbat Design for Trace Storage.pptx
@@ -6,18 +6,20 @@
   </p:sldMasterIdLst>
   <p:sldIdLst>
     <p:sldId id="256" r:id="rId2"/>
-    <p:sldId id="257" r:id="rId3"/>
-    <p:sldId id="264" r:id="rId4"/>
-    <p:sldId id="267" r:id="rId5"/>
-    <p:sldId id="265" r:id="rId6"/>
-    <p:sldId id="268" r:id="rId7"/>
-    <p:sldId id="269" r:id="rId8"/>
-    <p:sldId id="258" r:id="rId9"/>
-    <p:sldId id="259" r:id="rId10"/>
-    <p:sldId id="260" r:id="rId11"/>
-    <p:sldId id="261" r:id="rId12"/>
-    <p:sldId id="262" r:id="rId13"/>
-    <p:sldId id="263" r:id="rId14"/>
+    <p:sldId id="270" r:id="rId3"/>
+    <p:sldId id="271" r:id="rId4"/>
+    <p:sldId id="257" r:id="rId5"/>
+    <p:sldId id="264" r:id="rId6"/>
+    <p:sldId id="267" r:id="rId7"/>
+    <p:sldId id="265" r:id="rId8"/>
+    <p:sldId id="268" r:id="rId9"/>
+    <p:sldId id="269" r:id="rId10"/>
+    <p:sldId id="258" r:id="rId11"/>
+    <p:sldId id="259" r:id="rId12"/>
+    <p:sldId id="260" r:id="rId13"/>
+    <p:sldId id="261" r:id="rId14"/>
+    <p:sldId id="262" r:id="rId15"/>
+    <p:sldId id="263" r:id="rId16"/>
   </p:sldIdLst>
   <p:sldSz cx="12192000" cy="6858000"/>
   <p:notesSz cx="6858000" cy="9144000"/>
@@ -116,6 +118,22 @@
       </a:defRPr>
     </a:lvl9pPr>
   </p:defaultTextStyle>
+  <p:extLst>
+    <p:ext uri="{EFAFB233-063F-42B5-8137-9DF3F51BA10A}">
+      <p15:sldGuideLst xmlns:p15="http://schemas.microsoft.com/office/powerpoint/2012/main">
+        <p15:guide id="1" orient="horz" pos="2160">
+          <p15:clr>
+            <a:srgbClr val="A4A3A4"/>
+          </p15:clr>
+        </p15:guide>
+        <p15:guide id="2" pos="3840">
+          <p15:clr>
+            <a:srgbClr val="A4A3A4"/>
+          </p15:clr>
+        </p15:guide>
+      </p15:sldGuideLst>
+    </p:ext>
+  </p:extLst>
 </p:presentation>
 </file>
 
@@ -141,7 +159,7 @@
           <p:cNvPr id="2" name="Title 1">
             <a:extLst>
               <a:ext uri="{FF2B5EF4-FFF2-40B4-BE49-F238E27FC236}">
-                <a16:creationId xmlns="" xmlns:a16="http://schemas.microsoft.com/office/drawing/2014/main" id="{00802045-A1DE-4CDA-87F0-12BCEF7F64EA}"/>
+                <a16:creationId xmlns:a16="http://schemas.microsoft.com/office/drawing/2014/main" id="{00802045-A1DE-4CDA-87F0-12BCEF7F64EA}"/>
               </a:ext>
             </a:extLst>
           </p:cNvPr>
@@ -178,7 +196,7 @@
           <p:cNvPr id="3" name="Subtitle 2">
             <a:extLst>
               <a:ext uri="{FF2B5EF4-FFF2-40B4-BE49-F238E27FC236}">
-                <a16:creationId xmlns="" xmlns:a16="http://schemas.microsoft.com/office/drawing/2014/main" id="{F2DD4DA3-3DCD-4852-9C96-CC215F64AC2C}"/>
+                <a16:creationId xmlns:a16="http://schemas.microsoft.com/office/drawing/2014/main" id="{F2DD4DA3-3DCD-4852-9C96-CC215F64AC2C}"/>
               </a:ext>
             </a:extLst>
           </p:cNvPr>
@@ -248,7 +266,7 @@
           <p:cNvPr id="4" name="Date Placeholder 3">
             <a:extLst>
               <a:ext uri="{FF2B5EF4-FFF2-40B4-BE49-F238E27FC236}">
-                <a16:creationId xmlns="" xmlns:a16="http://schemas.microsoft.com/office/drawing/2014/main" id="{11152C3B-634A-48D2-B6DF-5596A028CAA0}"/>
+                <a16:creationId xmlns:a16="http://schemas.microsoft.com/office/drawing/2014/main" id="{11152C3B-634A-48D2-B6DF-5596A028CAA0}"/>
               </a:ext>
             </a:extLst>
           </p:cNvPr>
@@ -266,7 +284,7 @@
           <a:p>
             <a:fld id="{98721B90-EA1F-4164-9F70-3DC63C567694}" type="datetimeFigureOut">
               <a:rPr lang="en-US" smtClean="0"/>
-              <a:t>8/4/2020</a:t>
+              <a:t>8/10/2020</a:t>
             </a:fld>
             <a:endParaRPr lang="en-US"/>
           </a:p>
@@ -277,7 +295,7 @@
           <p:cNvPr id="5" name="Footer Placeholder 4">
             <a:extLst>
               <a:ext uri="{FF2B5EF4-FFF2-40B4-BE49-F238E27FC236}">
-                <a16:creationId xmlns="" xmlns:a16="http://schemas.microsoft.com/office/drawing/2014/main" id="{79308A7B-55F7-4229-BC1F-DABDBDFCF0B1}"/>
+                <a16:creationId xmlns:a16="http://schemas.microsoft.com/office/drawing/2014/main" id="{79308A7B-55F7-4229-BC1F-DABDBDFCF0B1}"/>
               </a:ext>
             </a:extLst>
           </p:cNvPr>
@@ -302,7 +320,7 @@
           <p:cNvPr id="6" name="Slide Number Placeholder 5">
             <a:extLst>
               <a:ext uri="{FF2B5EF4-FFF2-40B4-BE49-F238E27FC236}">
-                <a16:creationId xmlns="" xmlns:a16="http://schemas.microsoft.com/office/drawing/2014/main" id="{B24CA24E-49EE-4932-ABFA-E8491C2018EB}"/>
+                <a16:creationId xmlns:a16="http://schemas.microsoft.com/office/drawing/2014/main" id="{B24CA24E-49EE-4932-ABFA-E8491C2018EB}"/>
               </a:ext>
             </a:extLst>
           </p:cNvPr>
@@ -361,7 +379,7 @@
           <p:cNvPr id="2" name="Title 1">
             <a:extLst>
               <a:ext uri="{FF2B5EF4-FFF2-40B4-BE49-F238E27FC236}">
-                <a16:creationId xmlns="" xmlns:a16="http://schemas.microsoft.com/office/drawing/2014/main" id="{93EFFE67-8288-45C8-82C8-AA331CD4BE94}"/>
+                <a16:creationId xmlns:a16="http://schemas.microsoft.com/office/drawing/2014/main" id="{93EFFE67-8288-45C8-82C8-AA331CD4BE94}"/>
               </a:ext>
             </a:extLst>
           </p:cNvPr>
@@ -389,7 +407,7 @@
           <p:cNvPr id="3" name="Vertical Text Placeholder 2">
             <a:extLst>
               <a:ext uri="{FF2B5EF4-FFF2-40B4-BE49-F238E27FC236}">
-                <a16:creationId xmlns="" xmlns:a16="http://schemas.microsoft.com/office/drawing/2014/main" id="{20F16110-122C-4E45-B4EC-D36E47C1D4EC}"/>
+                <a16:creationId xmlns:a16="http://schemas.microsoft.com/office/drawing/2014/main" id="{20F16110-122C-4E45-B4EC-D36E47C1D4EC}"/>
               </a:ext>
             </a:extLst>
           </p:cNvPr>
@@ -446,7 +464,7 @@
           <p:cNvPr id="4" name="Date Placeholder 3">
             <a:extLst>
               <a:ext uri="{FF2B5EF4-FFF2-40B4-BE49-F238E27FC236}">
-                <a16:creationId xmlns="" xmlns:a16="http://schemas.microsoft.com/office/drawing/2014/main" id="{FABCBC66-3E15-4A1C-A412-19F994EF945F}"/>
+                <a16:creationId xmlns:a16="http://schemas.microsoft.com/office/drawing/2014/main" id="{FABCBC66-3E15-4A1C-A412-19F994EF945F}"/>
               </a:ext>
             </a:extLst>
           </p:cNvPr>
@@ -464,7 +482,7 @@
           <a:p>
             <a:fld id="{98721B90-EA1F-4164-9F70-3DC63C567694}" type="datetimeFigureOut">
               <a:rPr lang="en-US" smtClean="0"/>
-              <a:t>8/4/2020</a:t>
+              <a:t>8/10/2020</a:t>
             </a:fld>
             <a:endParaRPr lang="en-US"/>
           </a:p>
@@ -475,7 +493,7 @@
           <p:cNvPr id="5" name="Footer Placeholder 4">
             <a:extLst>
               <a:ext uri="{FF2B5EF4-FFF2-40B4-BE49-F238E27FC236}">
-                <a16:creationId xmlns="" xmlns:a16="http://schemas.microsoft.com/office/drawing/2014/main" id="{1A86EDFC-EFA9-4073-A878-E3B11E55537C}"/>
+                <a16:creationId xmlns:a16="http://schemas.microsoft.com/office/drawing/2014/main" id="{1A86EDFC-EFA9-4073-A878-E3B11E55537C}"/>
               </a:ext>
             </a:extLst>
           </p:cNvPr>
@@ -500,7 +518,7 @@
           <p:cNvPr id="6" name="Slide Number Placeholder 5">
             <a:extLst>
               <a:ext uri="{FF2B5EF4-FFF2-40B4-BE49-F238E27FC236}">
-                <a16:creationId xmlns="" xmlns:a16="http://schemas.microsoft.com/office/drawing/2014/main" id="{16F4C5EE-7C05-4BA6-B2BE-740A6154EDB5}"/>
+                <a16:creationId xmlns:a16="http://schemas.microsoft.com/office/drawing/2014/main" id="{16F4C5EE-7C05-4BA6-B2BE-740A6154EDB5}"/>
               </a:ext>
             </a:extLst>
           </p:cNvPr>
@@ -559,7 +577,7 @@
           <p:cNvPr id="2" name="Vertical Title 1">
             <a:extLst>
               <a:ext uri="{FF2B5EF4-FFF2-40B4-BE49-F238E27FC236}">
-                <a16:creationId xmlns="" xmlns:a16="http://schemas.microsoft.com/office/drawing/2014/main" id="{4B20CCDF-3EB6-4E8F-A109-73DBE5DBB9FF}"/>
+                <a16:creationId xmlns:a16="http://schemas.microsoft.com/office/drawing/2014/main" id="{4B20CCDF-3EB6-4E8F-A109-73DBE5DBB9FF}"/>
               </a:ext>
             </a:extLst>
           </p:cNvPr>
@@ -592,7 +610,7 @@
           <p:cNvPr id="3" name="Vertical Text Placeholder 2">
             <a:extLst>
               <a:ext uri="{FF2B5EF4-FFF2-40B4-BE49-F238E27FC236}">
-                <a16:creationId xmlns="" xmlns:a16="http://schemas.microsoft.com/office/drawing/2014/main" id="{E658D0CC-AE4B-4DD6-9F10-1A21B6EBC301}"/>
+                <a16:creationId xmlns:a16="http://schemas.microsoft.com/office/drawing/2014/main" id="{E658D0CC-AE4B-4DD6-9F10-1A21B6EBC301}"/>
               </a:ext>
             </a:extLst>
           </p:cNvPr>
@@ -654,7 +672,7 @@
           <p:cNvPr id="4" name="Date Placeholder 3">
             <a:extLst>
               <a:ext uri="{FF2B5EF4-FFF2-40B4-BE49-F238E27FC236}">
-                <a16:creationId xmlns="" xmlns:a16="http://schemas.microsoft.com/office/drawing/2014/main" id="{046D18A2-6E3F-4E51-BDCE-427FE957BA73}"/>
+                <a16:creationId xmlns:a16="http://schemas.microsoft.com/office/drawing/2014/main" id="{046D18A2-6E3F-4E51-BDCE-427FE957BA73}"/>
               </a:ext>
             </a:extLst>
           </p:cNvPr>
@@ -672,7 +690,7 @@
           <a:p>
             <a:fld id="{98721B90-EA1F-4164-9F70-3DC63C567694}" type="datetimeFigureOut">
               <a:rPr lang="en-US" smtClean="0"/>
-              <a:t>8/4/2020</a:t>
+              <a:t>8/10/2020</a:t>
             </a:fld>
             <a:endParaRPr lang="en-US"/>
           </a:p>
@@ -683,7 +701,7 @@
           <p:cNvPr id="5" name="Footer Placeholder 4">
             <a:extLst>
               <a:ext uri="{FF2B5EF4-FFF2-40B4-BE49-F238E27FC236}">
-                <a16:creationId xmlns="" xmlns:a16="http://schemas.microsoft.com/office/drawing/2014/main" id="{B24B1093-61F2-4162-B5C9-B1834AFC4080}"/>
+                <a16:creationId xmlns:a16="http://schemas.microsoft.com/office/drawing/2014/main" id="{B24B1093-61F2-4162-B5C9-B1834AFC4080}"/>
               </a:ext>
             </a:extLst>
           </p:cNvPr>
@@ -708,7 +726,7 @@
           <p:cNvPr id="6" name="Slide Number Placeholder 5">
             <a:extLst>
               <a:ext uri="{FF2B5EF4-FFF2-40B4-BE49-F238E27FC236}">
-                <a16:creationId xmlns="" xmlns:a16="http://schemas.microsoft.com/office/drawing/2014/main" id="{3372C2E7-DA5F-476F-8484-AD2BF46F27DE}"/>
+                <a16:creationId xmlns:a16="http://schemas.microsoft.com/office/drawing/2014/main" id="{3372C2E7-DA5F-476F-8484-AD2BF46F27DE}"/>
               </a:ext>
             </a:extLst>
           </p:cNvPr>
@@ -767,7 +785,7 @@
           <p:cNvPr id="2" name="Title 1">
             <a:extLst>
               <a:ext uri="{FF2B5EF4-FFF2-40B4-BE49-F238E27FC236}">
-                <a16:creationId xmlns="" xmlns:a16="http://schemas.microsoft.com/office/drawing/2014/main" id="{D2586A5F-142A-43F1-B362-25F21C41EA22}"/>
+                <a16:creationId xmlns:a16="http://schemas.microsoft.com/office/drawing/2014/main" id="{D2586A5F-142A-43F1-B362-25F21C41EA22}"/>
               </a:ext>
             </a:extLst>
           </p:cNvPr>
@@ -795,7 +813,7 @@
           <p:cNvPr id="3" name="Content Placeholder 2">
             <a:extLst>
               <a:ext uri="{FF2B5EF4-FFF2-40B4-BE49-F238E27FC236}">
-                <a16:creationId xmlns="" xmlns:a16="http://schemas.microsoft.com/office/drawing/2014/main" id="{57CA4218-5F43-42E1-969D-256A6C1B4992}"/>
+                <a16:creationId xmlns:a16="http://schemas.microsoft.com/office/drawing/2014/main" id="{57CA4218-5F43-42E1-969D-256A6C1B4992}"/>
               </a:ext>
             </a:extLst>
           </p:cNvPr>
@@ -852,7 +870,7 @@
           <p:cNvPr id="4" name="Date Placeholder 3">
             <a:extLst>
               <a:ext uri="{FF2B5EF4-FFF2-40B4-BE49-F238E27FC236}">
-                <a16:creationId xmlns="" xmlns:a16="http://schemas.microsoft.com/office/drawing/2014/main" id="{DFC4C97E-AC9D-4EBE-B21E-ED505F7CCF24}"/>
+                <a16:creationId xmlns:a16="http://schemas.microsoft.com/office/drawing/2014/main" id="{DFC4C97E-AC9D-4EBE-B21E-ED505F7CCF24}"/>
               </a:ext>
             </a:extLst>
           </p:cNvPr>
@@ -870,7 +888,7 @@
           <a:p>
             <a:fld id="{98721B90-EA1F-4164-9F70-3DC63C567694}" type="datetimeFigureOut">
               <a:rPr lang="en-US" smtClean="0"/>
-              <a:t>8/4/2020</a:t>
+              <a:t>8/10/2020</a:t>
             </a:fld>
             <a:endParaRPr lang="en-US"/>
           </a:p>
@@ -881,7 +899,7 @@
           <p:cNvPr id="5" name="Footer Placeholder 4">
             <a:extLst>
               <a:ext uri="{FF2B5EF4-FFF2-40B4-BE49-F238E27FC236}">
-                <a16:creationId xmlns="" xmlns:a16="http://schemas.microsoft.com/office/drawing/2014/main" id="{DAA1A8E5-F4FA-4F85-906D-BC344585FDDD}"/>
+                <a16:creationId xmlns:a16="http://schemas.microsoft.com/office/drawing/2014/main" id="{DAA1A8E5-F4FA-4F85-906D-BC344585FDDD}"/>
               </a:ext>
             </a:extLst>
           </p:cNvPr>
@@ -906,7 +924,7 @@
           <p:cNvPr id="6" name="Slide Number Placeholder 5">
             <a:extLst>
               <a:ext uri="{FF2B5EF4-FFF2-40B4-BE49-F238E27FC236}">
-                <a16:creationId xmlns="" xmlns:a16="http://schemas.microsoft.com/office/drawing/2014/main" id="{062DB39F-B273-40CD-A187-3AE49EAE98D1}"/>
+                <a16:creationId xmlns:a16="http://schemas.microsoft.com/office/drawing/2014/main" id="{062DB39F-B273-40CD-A187-3AE49EAE98D1}"/>
               </a:ext>
             </a:extLst>
           </p:cNvPr>
@@ -965,7 +983,7 @@
           <p:cNvPr id="2" name="Title 1">
             <a:extLst>
               <a:ext uri="{FF2B5EF4-FFF2-40B4-BE49-F238E27FC236}">
-                <a16:creationId xmlns="" xmlns:a16="http://schemas.microsoft.com/office/drawing/2014/main" id="{8B8F6BCE-4485-4E3F-9E08-807EDADCD82D}"/>
+                <a16:creationId xmlns:a16="http://schemas.microsoft.com/office/drawing/2014/main" id="{8B8F6BCE-4485-4E3F-9E08-807EDADCD82D}"/>
               </a:ext>
             </a:extLst>
           </p:cNvPr>
@@ -1002,7 +1020,7 @@
           <p:cNvPr id="3" name="Text Placeholder 2">
             <a:extLst>
               <a:ext uri="{FF2B5EF4-FFF2-40B4-BE49-F238E27FC236}">
-                <a16:creationId xmlns="" xmlns:a16="http://schemas.microsoft.com/office/drawing/2014/main" id="{AEA9A362-4BE6-4A00-B9EB-6BD235439CD0}"/>
+                <a16:creationId xmlns:a16="http://schemas.microsoft.com/office/drawing/2014/main" id="{AEA9A362-4BE6-4A00-B9EB-6BD235439CD0}"/>
               </a:ext>
             </a:extLst>
           </p:cNvPr>
@@ -1127,7 +1145,7 @@
           <p:cNvPr id="4" name="Date Placeholder 3">
             <a:extLst>
               <a:ext uri="{FF2B5EF4-FFF2-40B4-BE49-F238E27FC236}">
-                <a16:creationId xmlns="" xmlns:a16="http://schemas.microsoft.com/office/drawing/2014/main" id="{44A9D58A-9F76-43E7-8576-4FE14D23392F}"/>
+                <a16:creationId xmlns:a16="http://schemas.microsoft.com/office/drawing/2014/main" id="{44A9D58A-9F76-43E7-8576-4FE14D23392F}"/>
               </a:ext>
             </a:extLst>
           </p:cNvPr>
@@ -1145,7 +1163,7 @@
           <a:p>
             <a:fld id="{98721B90-EA1F-4164-9F70-3DC63C567694}" type="datetimeFigureOut">
               <a:rPr lang="en-US" smtClean="0"/>
-              <a:t>8/4/2020</a:t>
+              <a:t>8/10/2020</a:t>
             </a:fld>
             <a:endParaRPr lang="en-US"/>
           </a:p>
@@ -1156,7 +1174,7 @@
           <p:cNvPr id="5" name="Footer Placeholder 4">
             <a:extLst>
               <a:ext uri="{FF2B5EF4-FFF2-40B4-BE49-F238E27FC236}">
-                <a16:creationId xmlns="" xmlns:a16="http://schemas.microsoft.com/office/drawing/2014/main" id="{59DBFA34-4CE4-4192-BAD0-B2CF1E3C79FC}"/>
+                <a16:creationId xmlns:a16="http://schemas.microsoft.com/office/drawing/2014/main" id="{59DBFA34-4CE4-4192-BAD0-B2CF1E3C79FC}"/>
               </a:ext>
             </a:extLst>
           </p:cNvPr>
@@ -1181,7 +1199,7 @@
           <p:cNvPr id="6" name="Slide Number Placeholder 5">
             <a:extLst>
               <a:ext uri="{FF2B5EF4-FFF2-40B4-BE49-F238E27FC236}">
-                <a16:creationId xmlns="" xmlns:a16="http://schemas.microsoft.com/office/drawing/2014/main" id="{174F47B2-436D-44BA-A1B9-CB4A7CA83773}"/>
+                <a16:creationId xmlns:a16="http://schemas.microsoft.com/office/drawing/2014/main" id="{174F47B2-436D-44BA-A1B9-CB4A7CA83773}"/>
               </a:ext>
             </a:extLst>
           </p:cNvPr>
@@ -1240,7 +1258,7 @@
           <p:cNvPr id="2" name="Title 1">
             <a:extLst>
               <a:ext uri="{FF2B5EF4-FFF2-40B4-BE49-F238E27FC236}">
-                <a16:creationId xmlns="" xmlns:a16="http://schemas.microsoft.com/office/drawing/2014/main" id="{209CE975-4C4F-4636-83DA-FBB305A6709F}"/>
+                <a16:creationId xmlns:a16="http://schemas.microsoft.com/office/drawing/2014/main" id="{209CE975-4C4F-4636-83DA-FBB305A6709F}"/>
               </a:ext>
             </a:extLst>
           </p:cNvPr>
@@ -1268,7 +1286,7 @@
           <p:cNvPr id="3" name="Content Placeholder 2">
             <a:extLst>
               <a:ext uri="{FF2B5EF4-FFF2-40B4-BE49-F238E27FC236}">
-                <a16:creationId xmlns="" xmlns:a16="http://schemas.microsoft.com/office/drawing/2014/main" id="{748ED7E4-95D8-45F9-A98F-739238B42883}"/>
+                <a16:creationId xmlns:a16="http://schemas.microsoft.com/office/drawing/2014/main" id="{748ED7E4-95D8-45F9-A98F-739238B42883}"/>
               </a:ext>
             </a:extLst>
           </p:cNvPr>
@@ -1330,7 +1348,7 @@
           <p:cNvPr id="4" name="Content Placeholder 3">
             <a:extLst>
               <a:ext uri="{FF2B5EF4-FFF2-40B4-BE49-F238E27FC236}">
-                <a16:creationId xmlns="" xmlns:a16="http://schemas.microsoft.com/office/drawing/2014/main" id="{071E4969-66D6-4DEA-838A-45A6B5907A48}"/>
+                <a16:creationId xmlns:a16="http://schemas.microsoft.com/office/drawing/2014/main" id="{071E4969-66D6-4DEA-838A-45A6B5907A48}"/>
               </a:ext>
             </a:extLst>
           </p:cNvPr>
@@ -1392,7 +1410,7 @@
           <p:cNvPr id="5" name="Date Placeholder 4">
             <a:extLst>
               <a:ext uri="{FF2B5EF4-FFF2-40B4-BE49-F238E27FC236}">
-                <a16:creationId xmlns="" xmlns:a16="http://schemas.microsoft.com/office/drawing/2014/main" id="{05CE8E8C-ED65-427C-848B-C7A2042DC571}"/>
+                <a16:creationId xmlns:a16="http://schemas.microsoft.com/office/drawing/2014/main" id="{05CE8E8C-ED65-427C-848B-C7A2042DC571}"/>
               </a:ext>
             </a:extLst>
           </p:cNvPr>
@@ -1410,7 +1428,7 @@
           <a:p>
             <a:fld id="{98721B90-EA1F-4164-9F70-3DC63C567694}" type="datetimeFigureOut">
               <a:rPr lang="en-US" smtClean="0"/>
-              <a:t>8/4/2020</a:t>
+              <a:t>8/10/2020</a:t>
             </a:fld>
             <a:endParaRPr lang="en-US"/>
           </a:p>
@@ -1421,7 +1439,7 @@
           <p:cNvPr id="6" name="Footer Placeholder 5">
             <a:extLst>
               <a:ext uri="{FF2B5EF4-FFF2-40B4-BE49-F238E27FC236}">
-                <a16:creationId xmlns="" xmlns:a16="http://schemas.microsoft.com/office/drawing/2014/main" id="{02FC0DA0-0F2C-4E15-BEA0-111ABAC67023}"/>
+                <a16:creationId xmlns:a16="http://schemas.microsoft.com/office/drawing/2014/main" id="{02FC0DA0-0F2C-4E15-BEA0-111ABAC67023}"/>
               </a:ext>
             </a:extLst>
           </p:cNvPr>
@@ -1446,7 +1464,7 @@
           <p:cNvPr id="7" name="Slide Number Placeholder 6">
             <a:extLst>
               <a:ext uri="{FF2B5EF4-FFF2-40B4-BE49-F238E27FC236}">
-                <a16:creationId xmlns="" xmlns:a16="http://schemas.microsoft.com/office/drawing/2014/main" id="{55175AF4-6F5C-4DA1-81BF-055F41B03CD0}"/>
+                <a16:creationId xmlns:a16="http://schemas.microsoft.com/office/drawing/2014/main" id="{55175AF4-6F5C-4DA1-81BF-055F41B03CD0}"/>
               </a:ext>
             </a:extLst>
           </p:cNvPr>
@@ -1505,7 +1523,7 @@
           <p:cNvPr id="2" name="Title 1">
             <a:extLst>
               <a:ext uri="{FF2B5EF4-FFF2-40B4-BE49-F238E27FC236}">
-                <a16:creationId xmlns="" xmlns:a16="http://schemas.microsoft.com/office/drawing/2014/main" id="{0CFE13B7-ED31-4F1B-9A75-D2CBCB791007}"/>
+                <a16:creationId xmlns:a16="http://schemas.microsoft.com/office/drawing/2014/main" id="{0CFE13B7-ED31-4F1B-9A75-D2CBCB791007}"/>
               </a:ext>
             </a:extLst>
           </p:cNvPr>
@@ -1538,7 +1556,7 @@
           <p:cNvPr id="3" name="Text Placeholder 2">
             <a:extLst>
               <a:ext uri="{FF2B5EF4-FFF2-40B4-BE49-F238E27FC236}">
-                <a16:creationId xmlns="" xmlns:a16="http://schemas.microsoft.com/office/drawing/2014/main" id="{77468C93-F011-404A-BEB3-8C113F941B96}"/>
+                <a16:creationId xmlns:a16="http://schemas.microsoft.com/office/drawing/2014/main" id="{77468C93-F011-404A-BEB3-8C113F941B96}"/>
               </a:ext>
             </a:extLst>
           </p:cNvPr>
@@ -1609,7 +1627,7 @@
           <p:cNvPr id="4" name="Content Placeholder 3">
             <a:extLst>
               <a:ext uri="{FF2B5EF4-FFF2-40B4-BE49-F238E27FC236}">
-                <a16:creationId xmlns="" xmlns:a16="http://schemas.microsoft.com/office/drawing/2014/main" id="{05BDAC80-2836-40DA-A33E-2C7AF754BD85}"/>
+                <a16:creationId xmlns:a16="http://schemas.microsoft.com/office/drawing/2014/main" id="{05BDAC80-2836-40DA-A33E-2C7AF754BD85}"/>
               </a:ext>
             </a:extLst>
           </p:cNvPr>
@@ -1671,7 +1689,7 @@
           <p:cNvPr id="5" name="Text Placeholder 4">
             <a:extLst>
               <a:ext uri="{FF2B5EF4-FFF2-40B4-BE49-F238E27FC236}">
-                <a16:creationId xmlns="" xmlns:a16="http://schemas.microsoft.com/office/drawing/2014/main" id="{0CE1BE67-846E-4CB4-9B35-A71C930AF1DD}"/>
+                <a16:creationId xmlns:a16="http://schemas.microsoft.com/office/drawing/2014/main" id="{0CE1BE67-846E-4CB4-9B35-A71C930AF1DD}"/>
               </a:ext>
             </a:extLst>
           </p:cNvPr>
@@ -1742,7 +1760,7 @@
           <p:cNvPr id="6" name="Content Placeholder 5">
             <a:extLst>
               <a:ext uri="{FF2B5EF4-FFF2-40B4-BE49-F238E27FC236}">
-                <a16:creationId xmlns="" xmlns:a16="http://schemas.microsoft.com/office/drawing/2014/main" id="{DD55E3F7-2248-45FE-B764-597D5AE4D9A6}"/>
+                <a16:creationId xmlns:a16="http://schemas.microsoft.com/office/drawing/2014/main" id="{DD55E3F7-2248-45FE-B764-597D5AE4D9A6}"/>
               </a:ext>
             </a:extLst>
           </p:cNvPr>
@@ -1804,7 +1822,7 @@
           <p:cNvPr id="7" name="Date Placeholder 6">
             <a:extLst>
               <a:ext uri="{FF2B5EF4-FFF2-40B4-BE49-F238E27FC236}">
-                <a16:creationId xmlns="" xmlns:a16="http://schemas.microsoft.com/office/drawing/2014/main" id="{1C5DED99-6D6E-4A58-AFE7-4663BF0CA280}"/>
+                <a16:creationId xmlns:a16="http://schemas.microsoft.com/office/drawing/2014/main" id="{1C5DED99-6D6E-4A58-AFE7-4663BF0CA280}"/>
               </a:ext>
             </a:extLst>
           </p:cNvPr>
@@ -1822,7 +1840,7 @@
           <a:p>
             <a:fld id="{98721B90-EA1F-4164-9F70-3DC63C567694}" type="datetimeFigureOut">
               <a:rPr lang="en-US" smtClean="0"/>
-              <a:t>8/4/2020</a:t>
+              <a:t>8/10/2020</a:t>
             </a:fld>
             <a:endParaRPr lang="en-US"/>
           </a:p>
@@ -1833,7 +1851,7 @@
           <p:cNvPr id="8" name="Footer Placeholder 7">
             <a:extLst>
               <a:ext uri="{FF2B5EF4-FFF2-40B4-BE49-F238E27FC236}">
-                <a16:creationId xmlns="" xmlns:a16="http://schemas.microsoft.com/office/drawing/2014/main" id="{6FF79411-2211-4BA9-A90B-D1CDB0D71FC4}"/>
+                <a16:creationId xmlns:a16="http://schemas.microsoft.com/office/drawing/2014/main" id="{6FF79411-2211-4BA9-A90B-D1CDB0D71FC4}"/>
               </a:ext>
             </a:extLst>
           </p:cNvPr>
@@ -1858,7 +1876,7 @@
           <p:cNvPr id="9" name="Slide Number Placeholder 8">
             <a:extLst>
               <a:ext uri="{FF2B5EF4-FFF2-40B4-BE49-F238E27FC236}">
-                <a16:creationId xmlns="" xmlns:a16="http://schemas.microsoft.com/office/drawing/2014/main" id="{57DED464-3392-45EB-B1ED-A033C3E0A112}"/>
+                <a16:creationId xmlns:a16="http://schemas.microsoft.com/office/drawing/2014/main" id="{57DED464-3392-45EB-B1ED-A033C3E0A112}"/>
               </a:ext>
             </a:extLst>
           </p:cNvPr>
@@ -1917,7 +1935,7 @@
           <p:cNvPr id="2" name="Title 1">
             <a:extLst>
               <a:ext uri="{FF2B5EF4-FFF2-40B4-BE49-F238E27FC236}">
-                <a16:creationId xmlns="" xmlns:a16="http://schemas.microsoft.com/office/drawing/2014/main" id="{EF8637D7-C3BB-4217-B85D-B7DBD47CEE2D}"/>
+                <a16:creationId xmlns:a16="http://schemas.microsoft.com/office/drawing/2014/main" id="{EF8637D7-C3BB-4217-B85D-B7DBD47CEE2D}"/>
               </a:ext>
             </a:extLst>
           </p:cNvPr>
@@ -1945,7 +1963,7 @@
           <p:cNvPr id="3" name="Date Placeholder 2">
             <a:extLst>
               <a:ext uri="{FF2B5EF4-FFF2-40B4-BE49-F238E27FC236}">
-                <a16:creationId xmlns="" xmlns:a16="http://schemas.microsoft.com/office/drawing/2014/main" id="{2D7E59C0-595B-4FE4-B924-22189A6D1472}"/>
+                <a16:creationId xmlns:a16="http://schemas.microsoft.com/office/drawing/2014/main" id="{2D7E59C0-595B-4FE4-B924-22189A6D1472}"/>
               </a:ext>
             </a:extLst>
           </p:cNvPr>
@@ -1963,7 +1981,7 @@
           <a:p>
             <a:fld id="{98721B90-EA1F-4164-9F70-3DC63C567694}" type="datetimeFigureOut">
               <a:rPr lang="en-US" smtClean="0"/>
-              <a:t>8/4/2020</a:t>
+              <a:t>8/10/2020</a:t>
             </a:fld>
             <a:endParaRPr lang="en-US"/>
           </a:p>
@@ -1974,7 +1992,7 @@
           <p:cNvPr id="4" name="Footer Placeholder 3">
             <a:extLst>
               <a:ext uri="{FF2B5EF4-FFF2-40B4-BE49-F238E27FC236}">
-                <a16:creationId xmlns="" xmlns:a16="http://schemas.microsoft.com/office/drawing/2014/main" id="{692F5F27-989C-4B58-A7CC-95BED303EACA}"/>
+                <a16:creationId xmlns:a16="http://schemas.microsoft.com/office/drawing/2014/main" id="{692F5F27-989C-4B58-A7CC-95BED303EACA}"/>
               </a:ext>
             </a:extLst>
           </p:cNvPr>
@@ -1999,7 +2017,7 @@
           <p:cNvPr id="5" name="Slide Number Placeholder 4">
             <a:extLst>
               <a:ext uri="{FF2B5EF4-FFF2-40B4-BE49-F238E27FC236}">
-                <a16:creationId xmlns="" xmlns:a16="http://schemas.microsoft.com/office/drawing/2014/main" id="{DA7B9EC8-BB64-4DA0-BDE8-6CCF317279FD}"/>
+                <a16:creationId xmlns:a16="http://schemas.microsoft.com/office/drawing/2014/main" id="{DA7B9EC8-BB64-4DA0-BDE8-6CCF317279FD}"/>
               </a:ext>
             </a:extLst>
           </p:cNvPr>
@@ -2058,7 +2076,7 @@
           <p:cNvPr id="2" name="Date Placeholder 1">
             <a:extLst>
               <a:ext uri="{FF2B5EF4-FFF2-40B4-BE49-F238E27FC236}">
-                <a16:creationId xmlns="" xmlns:a16="http://schemas.microsoft.com/office/drawing/2014/main" id="{59DE5FC8-94B3-44B2-BDBF-A6BC9C9DF3CF}"/>
+                <a16:creationId xmlns:a16="http://schemas.microsoft.com/office/drawing/2014/main" id="{59DE5FC8-94B3-44B2-BDBF-A6BC9C9DF3CF}"/>
               </a:ext>
             </a:extLst>
           </p:cNvPr>
@@ -2076,7 +2094,7 @@
           <a:p>
             <a:fld id="{98721B90-EA1F-4164-9F70-3DC63C567694}" type="datetimeFigureOut">
               <a:rPr lang="en-US" smtClean="0"/>
-              <a:t>8/4/2020</a:t>
+              <a:t>8/10/2020</a:t>
             </a:fld>
             <a:endParaRPr lang="en-US"/>
           </a:p>
@@ -2087,7 +2105,7 @@
           <p:cNvPr id="3" name="Footer Placeholder 2">
             <a:extLst>
               <a:ext uri="{FF2B5EF4-FFF2-40B4-BE49-F238E27FC236}">
-                <a16:creationId xmlns="" xmlns:a16="http://schemas.microsoft.com/office/drawing/2014/main" id="{F5982889-7D00-4A19-97C1-98DC2CA71483}"/>
+                <a16:creationId xmlns:a16="http://schemas.microsoft.com/office/drawing/2014/main" id="{F5982889-7D00-4A19-97C1-98DC2CA71483}"/>
               </a:ext>
             </a:extLst>
           </p:cNvPr>
@@ -2112,7 +2130,7 @@
           <p:cNvPr id="4" name="Slide Number Placeholder 3">
             <a:extLst>
               <a:ext uri="{FF2B5EF4-FFF2-40B4-BE49-F238E27FC236}">
-                <a16:creationId xmlns="" xmlns:a16="http://schemas.microsoft.com/office/drawing/2014/main" id="{B59478C4-AE87-4EBE-ABB3-31E53037E87C}"/>
+                <a16:creationId xmlns:a16="http://schemas.microsoft.com/office/drawing/2014/main" id="{B59478C4-AE87-4EBE-ABB3-31E53037E87C}"/>
               </a:ext>
             </a:extLst>
           </p:cNvPr>
@@ -2171,7 +2189,7 @@
           <p:cNvPr id="2" name="Title 1">
             <a:extLst>
               <a:ext uri="{FF2B5EF4-FFF2-40B4-BE49-F238E27FC236}">
-                <a16:creationId xmlns="" xmlns:a16="http://schemas.microsoft.com/office/drawing/2014/main" id="{B79336E2-0D5F-44BB-821A-E25C0B667256}"/>
+                <a16:creationId xmlns:a16="http://schemas.microsoft.com/office/drawing/2014/main" id="{B79336E2-0D5F-44BB-821A-E25C0B667256}"/>
               </a:ext>
             </a:extLst>
           </p:cNvPr>
@@ -2208,7 +2226,7 @@
           <p:cNvPr id="3" name="Content Placeholder 2">
             <a:extLst>
               <a:ext uri="{FF2B5EF4-FFF2-40B4-BE49-F238E27FC236}">
-                <a16:creationId xmlns="" xmlns:a16="http://schemas.microsoft.com/office/drawing/2014/main" id="{2CA87049-E14C-431A-9832-2850179E953F}"/>
+                <a16:creationId xmlns:a16="http://schemas.microsoft.com/office/drawing/2014/main" id="{2CA87049-E14C-431A-9832-2850179E953F}"/>
               </a:ext>
             </a:extLst>
           </p:cNvPr>
@@ -2298,7 +2316,7 @@
           <p:cNvPr id="4" name="Text Placeholder 3">
             <a:extLst>
               <a:ext uri="{FF2B5EF4-FFF2-40B4-BE49-F238E27FC236}">
-                <a16:creationId xmlns="" xmlns:a16="http://schemas.microsoft.com/office/drawing/2014/main" id="{F131DA67-55A3-4233-A5F8-847AC2A4B66D}"/>
+                <a16:creationId xmlns:a16="http://schemas.microsoft.com/office/drawing/2014/main" id="{F131DA67-55A3-4233-A5F8-847AC2A4B66D}"/>
               </a:ext>
             </a:extLst>
           </p:cNvPr>
@@ -2369,7 +2387,7 @@
           <p:cNvPr id="5" name="Date Placeholder 4">
             <a:extLst>
               <a:ext uri="{FF2B5EF4-FFF2-40B4-BE49-F238E27FC236}">
-                <a16:creationId xmlns="" xmlns:a16="http://schemas.microsoft.com/office/drawing/2014/main" id="{3D31B9B8-EE4F-4265-857F-E45D6DD659D5}"/>
+                <a16:creationId xmlns:a16="http://schemas.microsoft.com/office/drawing/2014/main" id="{3D31B9B8-EE4F-4265-857F-E45D6DD659D5}"/>
               </a:ext>
             </a:extLst>
           </p:cNvPr>
@@ -2387,7 +2405,7 @@
           <a:p>
             <a:fld id="{98721B90-EA1F-4164-9F70-3DC63C567694}" type="datetimeFigureOut">
               <a:rPr lang="en-US" smtClean="0"/>
-              <a:t>8/4/2020</a:t>
+              <a:t>8/10/2020</a:t>
             </a:fld>
             <a:endParaRPr lang="en-US"/>
           </a:p>
@@ -2398,7 +2416,7 @@
           <p:cNvPr id="6" name="Footer Placeholder 5">
             <a:extLst>
               <a:ext uri="{FF2B5EF4-FFF2-40B4-BE49-F238E27FC236}">
-                <a16:creationId xmlns="" xmlns:a16="http://schemas.microsoft.com/office/drawing/2014/main" id="{FE960BD5-CB2F-4D40-A230-6672B5363789}"/>
+                <a16:creationId xmlns:a16="http://schemas.microsoft.com/office/drawing/2014/main" id="{FE960BD5-CB2F-4D40-A230-6672B5363789}"/>
               </a:ext>
             </a:extLst>
           </p:cNvPr>
@@ -2423,7 +2441,7 @@
           <p:cNvPr id="7" name="Slide Number Placeholder 6">
             <a:extLst>
               <a:ext uri="{FF2B5EF4-FFF2-40B4-BE49-F238E27FC236}">
-                <a16:creationId xmlns="" xmlns:a16="http://schemas.microsoft.com/office/drawing/2014/main" id="{CD806A20-3807-49AD-AD54-AB27A45AEE12}"/>
+                <a16:creationId xmlns:a16="http://schemas.microsoft.com/office/drawing/2014/main" id="{CD806A20-3807-49AD-AD54-AB27A45AEE12}"/>
               </a:ext>
             </a:extLst>
           </p:cNvPr>
@@ -2482,7 +2500,7 @@
           <p:cNvPr id="2" name="Title 1">
             <a:extLst>
               <a:ext uri="{FF2B5EF4-FFF2-40B4-BE49-F238E27FC236}">
-                <a16:creationId xmlns="" xmlns:a16="http://schemas.microsoft.com/office/drawing/2014/main" id="{FD420917-2D91-444D-8E26-B9556A194718}"/>
+                <a16:creationId xmlns:a16="http://schemas.microsoft.com/office/drawing/2014/main" id="{FD420917-2D91-444D-8E26-B9556A194718}"/>
               </a:ext>
             </a:extLst>
           </p:cNvPr>
@@ -2519,7 +2537,7 @@
           <p:cNvPr id="3" name="Picture Placeholder 2">
             <a:extLst>
               <a:ext uri="{FF2B5EF4-FFF2-40B4-BE49-F238E27FC236}">
-                <a16:creationId xmlns="" xmlns:a16="http://schemas.microsoft.com/office/drawing/2014/main" id="{73CB466E-64E2-4926-9497-6A9F215E8502}"/>
+                <a16:creationId xmlns:a16="http://schemas.microsoft.com/office/drawing/2014/main" id="{73CB466E-64E2-4926-9497-6A9F215E8502}"/>
               </a:ext>
             </a:extLst>
           </p:cNvPr>
@@ -2586,7 +2604,7 @@
           <p:cNvPr id="4" name="Text Placeholder 3">
             <a:extLst>
               <a:ext uri="{FF2B5EF4-FFF2-40B4-BE49-F238E27FC236}">
-                <a16:creationId xmlns="" xmlns:a16="http://schemas.microsoft.com/office/drawing/2014/main" id="{7C795F0B-18B0-492B-8EB0-C08372CCCFED}"/>
+                <a16:creationId xmlns:a16="http://schemas.microsoft.com/office/drawing/2014/main" id="{7C795F0B-18B0-492B-8EB0-C08372CCCFED}"/>
               </a:ext>
             </a:extLst>
           </p:cNvPr>
@@ -2657,7 +2675,7 @@
           <p:cNvPr id="5" name="Date Placeholder 4">
             <a:extLst>
               <a:ext uri="{FF2B5EF4-FFF2-40B4-BE49-F238E27FC236}">
-                <a16:creationId xmlns="" xmlns:a16="http://schemas.microsoft.com/office/drawing/2014/main" id="{7708FA5F-C914-4F70-9CDA-8F1A60A802D1}"/>
+                <a16:creationId xmlns:a16="http://schemas.microsoft.com/office/drawing/2014/main" id="{7708FA5F-C914-4F70-9CDA-8F1A60A802D1}"/>
               </a:ext>
             </a:extLst>
           </p:cNvPr>
@@ -2675,7 +2693,7 @@
           <a:p>
             <a:fld id="{98721B90-EA1F-4164-9F70-3DC63C567694}" type="datetimeFigureOut">
               <a:rPr lang="en-US" smtClean="0"/>
-              <a:t>8/4/2020</a:t>
+              <a:t>8/10/2020</a:t>
             </a:fld>
             <a:endParaRPr lang="en-US"/>
           </a:p>
@@ -2686,7 +2704,7 @@
           <p:cNvPr id="6" name="Footer Placeholder 5">
             <a:extLst>
               <a:ext uri="{FF2B5EF4-FFF2-40B4-BE49-F238E27FC236}">
-                <a16:creationId xmlns="" xmlns:a16="http://schemas.microsoft.com/office/drawing/2014/main" id="{A93A763D-23E8-4D78-8323-972E46D49395}"/>
+                <a16:creationId xmlns:a16="http://schemas.microsoft.com/office/drawing/2014/main" id="{A93A763D-23E8-4D78-8323-972E46D49395}"/>
               </a:ext>
             </a:extLst>
           </p:cNvPr>
@@ -2711,7 +2729,7 @@
           <p:cNvPr id="7" name="Slide Number Placeholder 6">
             <a:extLst>
               <a:ext uri="{FF2B5EF4-FFF2-40B4-BE49-F238E27FC236}">
-                <a16:creationId xmlns="" xmlns:a16="http://schemas.microsoft.com/office/drawing/2014/main" id="{D1685C9B-E5E2-4B08-A7FC-56C4D1BB6974}"/>
+                <a16:creationId xmlns:a16="http://schemas.microsoft.com/office/drawing/2014/main" id="{D1685C9B-E5E2-4B08-A7FC-56C4D1BB6974}"/>
               </a:ext>
             </a:extLst>
           </p:cNvPr>
@@ -2775,7 +2793,7 @@
           <p:cNvPr id="2" name="Title Placeholder 1">
             <a:extLst>
               <a:ext uri="{FF2B5EF4-FFF2-40B4-BE49-F238E27FC236}">
-                <a16:creationId xmlns="" xmlns:a16="http://schemas.microsoft.com/office/drawing/2014/main" id="{63E96A8E-7487-41FD-A45E-3D23FA78CED7}"/>
+                <a16:creationId xmlns:a16="http://schemas.microsoft.com/office/drawing/2014/main" id="{63E96A8E-7487-41FD-A45E-3D23FA78CED7}"/>
               </a:ext>
             </a:extLst>
           </p:cNvPr>
@@ -2813,7 +2831,7 @@
           <p:cNvPr id="3" name="Text Placeholder 2">
             <a:extLst>
               <a:ext uri="{FF2B5EF4-FFF2-40B4-BE49-F238E27FC236}">
-                <a16:creationId xmlns="" xmlns:a16="http://schemas.microsoft.com/office/drawing/2014/main" id="{968260CC-7F53-4C99-9A0A-EB4F8D8FC608}"/>
+                <a16:creationId xmlns:a16="http://schemas.microsoft.com/office/drawing/2014/main" id="{968260CC-7F53-4C99-9A0A-EB4F8D8FC608}"/>
               </a:ext>
             </a:extLst>
           </p:cNvPr>
@@ -2880,7 +2898,7 @@
           <p:cNvPr id="4" name="Date Placeholder 3">
             <a:extLst>
               <a:ext uri="{FF2B5EF4-FFF2-40B4-BE49-F238E27FC236}">
-                <a16:creationId xmlns="" xmlns:a16="http://schemas.microsoft.com/office/drawing/2014/main" id="{BA01F010-9DE4-41CD-9CA3-9623B55DFDF4}"/>
+                <a16:creationId xmlns:a16="http://schemas.microsoft.com/office/drawing/2014/main" id="{BA01F010-9DE4-41CD-9CA3-9623B55DFDF4}"/>
               </a:ext>
             </a:extLst>
           </p:cNvPr>
@@ -2916,7 +2934,7 @@
           <a:p>
             <a:fld id="{98721B90-EA1F-4164-9F70-3DC63C567694}" type="datetimeFigureOut">
               <a:rPr lang="en-US" smtClean="0"/>
-              <a:t>8/4/2020</a:t>
+              <a:t>8/10/2020</a:t>
             </a:fld>
             <a:endParaRPr lang="en-US"/>
           </a:p>
@@ -2927,7 +2945,7 @@
           <p:cNvPr id="5" name="Footer Placeholder 4">
             <a:extLst>
               <a:ext uri="{FF2B5EF4-FFF2-40B4-BE49-F238E27FC236}">
-                <a16:creationId xmlns="" xmlns:a16="http://schemas.microsoft.com/office/drawing/2014/main" id="{E3717DAA-4644-4DFC-85F9-B076D447B9DC}"/>
+                <a16:creationId xmlns:a16="http://schemas.microsoft.com/office/drawing/2014/main" id="{E3717DAA-4644-4DFC-85F9-B076D447B9DC}"/>
               </a:ext>
             </a:extLst>
           </p:cNvPr>
@@ -2970,7 +2988,7 @@
           <p:cNvPr id="6" name="Slide Number Placeholder 5">
             <a:extLst>
               <a:ext uri="{FF2B5EF4-FFF2-40B4-BE49-F238E27FC236}">
-                <a16:creationId xmlns="" xmlns:a16="http://schemas.microsoft.com/office/drawing/2014/main" id="{F7903408-9FEF-457A-87C5-414240E813D2}"/>
+                <a16:creationId xmlns:a16="http://schemas.microsoft.com/office/drawing/2014/main" id="{F7903408-9FEF-457A-87C5-414240E813D2}"/>
               </a:ext>
             </a:extLst>
           </p:cNvPr>
@@ -3338,7 +3356,7 @@
           <p:cNvPr id="2" name="Title 1">
             <a:extLst>
               <a:ext uri="{FF2B5EF4-FFF2-40B4-BE49-F238E27FC236}">
-                <a16:creationId xmlns="" xmlns:a16="http://schemas.microsoft.com/office/drawing/2014/main" id="{8497210B-1188-4DD5-B09F-8F373C037484}"/>
+                <a16:creationId xmlns:a16="http://schemas.microsoft.com/office/drawing/2014/main" id="{8497210B-1188-4DD5-B09F-8F373C037484}"/>
               </a:ext>
             </a:extLst>
           </p:cNvPr>
@@ -3371,7 +3389,7 @@
           <p:cNvPr id="3" name="Subtitle 2">
             <a:extLst>
               <a:ext uri="{FF2B5EF4-FFF2-40B4-BE49-F238E27FC236}">
-                <a16:creationId xmlns="" xmlns:a16="http://schemas.microsoft.com/office/drawing/2014/main" id="{5C1518D1-C4B3-48DE-819C-4D7971D44132}"/>
+                <a16:creationId xmlns:a16="http://schemas.microsoft.com/office/drawing/2014/main" id="{5C1518D1-C4B3-48DE-819C-4D7971D44132}"/>
               </a:ext>
             </a:extLst>
           </p:cNvPr>
@@ -3401,13 +3419,6 @@
   <p:clrMapOvr>
     <a:masterClrMapping/>
   </p:clrMapOvr>
-  <p:timing>
-    <p:tnLst>
-      <p:par>
-        <p:cTn id="1" dur="indefinite" restart="never" nodeType="tmRoot"/>
-      </p:par>
-    </p:tnLst>
-  </p:timing>
 </p:sld>
 </file>
 
@@ -3430,10 +3441,79 @@
       </p:grpSpPr>
       <p:sp>
         <p:nvSpPr>
+          <p:cNvPr id="2" name="Title 1">
+            <a:extLst>
+              <a:ext uri="{FF2B5EF4-FFF2-40B4-BE49-F238E27FC236}">
+                <a16:creationId xmlns:a16="http://schemas.microsoft.com/office/drawing/2014/main" id="{F05026DD-7683-43F6-B478-BE4834E5B2E4}"/>
+              </a:ext>
+            </a:extLst>
+          </p:cNvPr>
+          <p:cNvSpPr>
+            <a:spLocks noGrp="1"/>
+          </p:cNvSpPr>
+          <p:nvPr>
+            <p:ph type="title"/>
+          </p:nvPr>
+        </p:nvSpPr>
+        <p:spPr/>
+        <p:txBody>
+          <a:bodyPr/>
+          <a:lstStyle/>
+          <a:p>
+            <a:r>
+              <a:rPr lang="en-SG" dirty="0"/>
+              <a:t>Technical Details on Trace Storage	</a:t>
+            </a:r>
+            <a:endParaRPr lang="en-US" dirty="0"/>
+          </a:p>
+        </p:txBody>
+      </p:sp>
+      <p:sp>
+        <p:nvSpPr>
+          <p:cNvPr id="3" name="Content Placeholder 2">
+            <a:extLst>
+              <a:ext uri="{FF2B5EF4-FFF2-40B4-BE49-F238E27FC236}">
+                <a16:creationId xmlns:a16="http://schemas.microsoft.com/office/drawing/2014/main" id="{71F4E548-C7D9-49BB-AC24-E3B6E7F8C0F0}"/>
+              </a:ext>
+            </a:extLst>
+          </p:cNvPr>
+          <p:cNvSpPr>
+            <a:spLocks noGrp="1"/>
+          </p:cNvSpPr>
+          <p:nvPr>
+            <p:ph idx="1"/>
+          </p:nvPr>
+        </p:nvSpPr>
+        <p:spPr>
+          <a:xfrm>
+            <a:off x="838200" y="1825625"/>
+            <a:ext cx="10515600" cy="1449837"/>
+          </a:xfrm>
+        </p:spPr>
+        <p:txBody>
+          <a:bodyPr/>
+          <a:lstStyle/>
+          <a:p>
+            <a:r>
+              <a:rPr lang="en-SG" dirty="0"/>
+              <a:t>Does the serialization good enough for us to store all the trace?</a:t>
+            </a:r>
+          </a:p>
+          <a:p>
+            <a:r>
+              <a:rPr lang="en-SG" dirty="0"/>
+              <a:t>Do we need to record trace step and its read/written variables in the same file?</a:t>
+            </a:r>
+            <a:endParaRPr lang="en-US" dirty="0"/>
+          </a:p>
+        </p:txBody>
+      </p:sp>
+      <p:sp>
+        <p:nvSpPr>
           <p:cNvPr id="4" name="Rectangle 3">
             <a:extLst>
               <a:ext uri="{FF2B5EF4-FFF2-40B4-BE49-F238E27FC236}">
-                <a16:creationId xmlns="" xmlns:a16="http://schemas.microsoft.com/office/drawing/2014/main" id="{ADD27894-02D3-4F7D-8500-723F9874850D}"/>
+                <a16:creationId xmlns:a16="http://schemas.microsoft.com/office/drawing/2014/main" id="{BEAB10B3-74A6-4337-BD4C-C747B3A40788}"/>
               </a:ext>
             </a:extLst>
           </p:cNvPr>
@@ -3442,8 +3522,8 @@
         </p:nvSpPr>
         <p:spPr>
           <a:xfrm>
-            <a:off x="5157227" y="1158660"/>
-            <a:ext cx="2831909" cy="3972140"/>
+            <a:off x="5186256" y="3901860"/>
+            <a:ext cx="2831909" cy="2252058"/>
           </a:xfrm>
           <a:prstGeom prst="rect">
             <a:avLst/>
@@ -3480,17 +3560,13 @@
             </a:r>
           </a:p>
           <a:p>
-            <a:pPr marL="285750" indent="-285750">
-              <a:buFontTx/>
-              <a:buChar char="-"/>
-            </a:pPr>
             <a:r>
               <a:rPr lang="en-SG" dirty="0">
                 <a:solidFill>
                   <a:schemeClr val="tx1"/>
                 </a:solidFill>
               </a:rPr>
-              <a:t>trace node id (</a:t>
+              <a:t>0.  trace node id (</a:t>
             </a:r>
             <a:r>
               <a:rPr lang="en-SG" dirty="0" err="1">
@@ -3498,7 +3574,7 @@
                   <a:schemeClr val="tx1"/>
                 </a:solidFill>
               </a:rPr>
-              <a:t>block_file_path+seq_id</a:t>
+              <a:t>block_file+trace_node_id</a:t>
             </a:r>
             <a:r>
               <a:rPr lang="en-SG" dirty="0">
@@ -3508,17 +3584,6 @@
               </a:rPr>
               <a:t>)</a:t>
             </a:r>
-          </a:p>
-          <a:p>
-            <a:pPr marL="285750" indent="-285750">
-              <a:buFontTx/>
-              <a:buChar char="-"/>
-            </a:pPr>
-            <a:endParaRPr lang="en-SG" dirty="0">
-              <a:solidFill>
-                <a:schemeClr val="tx1"/>
-              </a:solidFill>
-            </a:endParaRPr>
           </a:p>
           <a:p>
             <a:pPr marL="342900" indent="-342900">
@@ -3544,19 +3609,6 @@
                 </a:solidFill>
               </a:rPr>
               <a:t>Ref to data/control dependency</a:t>
-            </a:r>
-          </a:p>
-          <a:p>
-            <a:pPr marL="342900" indent="-342900">
-              <a:buAutoNum type="arabicPeriod"/>
-            </a:pPr>
-            <a:r>
-              <a:rPr lang="en-SG" dirty="0">
-                <a:solidFill>
-                  <a:schemeClr val="tx1"/>
-                </a:solidFill>
-              </a:rPr>
-              <a:t>Ref to Hierarchical Children (invocation/loop children)</a:t>
             </a:r>
             <a:br>
               <a:rPr lang="en-SG" dirty="0">
@@ -3578,7 +3630,7 @@
           <p:cNvPr id="5" name="Rectangle 4">
             <a:extLst>
               <a:ext uri="{FF2B5EF4-FFF2-40B4-BE49-F238E27FC236}">
-                <a16:creationId xmlns="" xmlns:a16="http://schemas.microsoft.com/office/drawing/2014/main" id="{E3C7068E-D01A-4E3E-B8C1-55FF8AFF3342}"/>
+                <a16:creationId xmlns:a16="http://schemas.microsoft.com/office/drawing/2014/main" id="{6F4BACC1-A20A-4997-8C50-E7C376D47B4D}"/>
               </a:ext>
             </a:extLst>
           </p:cNvPr>
@@ -3587,8 +3639,8 @@
         </p:nvSpPr>
         <p:spPr>
           <a:xfrm>
-            <a:off x="9477828" y="2091989"/>
-            <a:ext cx="1724054" cy="378415"/>
+            <a:off x="9506857" y="4649357"/>
+            <a:ext cx="1724054" cy="416257"/>
           </a:xfrm>
           <a:prstGeom prst="rect">
             <a:avLst/>
@@ -3638,10 +3690,10 @@
       </p:sp>
       <p:cxnSp>
         <p:nvCxnSpPr>
-          <p:cNvPr id="6" name="Connector: Elbow 5">
-            <a:extLst>
-              <a:ext uri="{FF2B5EF4-FFF2-40B4-BE49-F238E27FC236}">
-                <a16:creationId xmlns="" xmlns:a16="http://schemas.microsoft.com/office/drawing/2014/main" id="{1A85D5D1-EC86-416B-82E8-FC836BF31A96}"/>
+          <p:cNvPr id="7" name="Connector: Elbow 6">
+            <a:extLst>
+              <a:ext uri="{FF2B5EF4-FFF2-40B4-BE49-F238E27FC236}">
+                <a16:creationId xmlns:a16="http://schemas.microsoft.com/office/drawing/2014/main" id="{53260257-8C45-4C2E-B87D-8456DF9805B9}"/>
               </a:ext>
             </a:extLst>
           </p:cNvPr>
@@ -3654,13 +3706,13 @@
         </p:nvCxnSpPr>
         <p:spPr>
           <a:xfrm rot="10800000" flipH="1">
-            <a:off x="5157226" y="1158660"/>
-            <a:ext cx="1415955" cy="1986070"/>
+            <a:off x="5186255" y="3901861"/>
+            <a:ext cx="1415955" cy="1126029"/>
           </a:xfrm>
           <a:prstGeom prst="bentConnector4">
             <a:avLst>
-              <a:gd name="adj1" fmla="val -16145"/>
-              <a:gd name="adj2" fmla="val 111510"/>
+              <a:gd name="adj1" fmla="val -47922"/>
+              <a:gd name="adj2" fmla="val 159615"/>
             </a:avLst>
           </a:prstGeom>
           <a:ln>
@@ -3684,10 +3736,10 @@
       </p:cxnSp>
       <p:cxnSp>
         <p:nvCxnSpPr>
-          <p:cNvPr id="7" name="Connector: Elbow 6">
-            <a:extLst>
-              <a:ext uri="{FF2B5EF4-FFF2-40B4-BE49-F238E27FC236}">
-                <a16:creationId xmlns="" xmlns:a16="http://schemas.microsoft.com/office/drawing/2014/main" id="{72A2CCAF-75C7-40E9-A607-135FCD5BDE61}"/>
+          <p:cNvPr id="17" name="Connector: Elbow 16">
+            <a:extLst>
+              <a:ext uri="{FF2B5EF4-FFF2-40B4-BE49-F238E27FC236}">
+                <a16:creationId xmlns:a16="http://schemas.microsoft.com/office/drawing/2014/main" id="{3F48239D-1ADB-4A1B-8F4F-1899FF5A8138}"/>
               </a:ext>
             </a:extLst>
           </p:cNvPr>
@@ -3700,8 +3752,8 @@
         </p:nvCxnSpPr>
         <p:spPr>
           <a:xfrm flipV="1">
-            <a:off x="7989136" y="2281197"/>
-            <a:ext cx="1488692" cy="863533"/>
+            <a:off x="8018165" y="4857486"/>
+            <a:ext cx="1488692" cy="170403"/>
           </a:xfrm>
           <a:prstGeom prst="bentConnector3">
             <a:avLst/>
@@ -3727,10 +3779,10 @@
       </p:cxnSp>
       <p:sp>
         <p:nvSpPr>
-          <p:cNvPr id="8" name="Rectangle 7">
-            <a:extLst>
-              <a:ext uri="{FF2B5EF4-FFF2-40B4-BE49-F238E27FC236}">
-                <a16:creationId xmlns="" xmlns:a16="http://schemas.microsoft.com/office/drawing/2014/main" id="{81E41073-32BA-4270-B734-E8DD14034463}"/>
+          <p:cNvPr id="40" name="Rectangle 39">
+            <a:extLst>
+              <a:ext uri="{FF2B5EF4-FFF2-40B4-BE49-F238E27FC236}">
+                <a16:creationId xmlns:a16="http://schemas.microsoft.com/office/drawing/2014/main" id="{179CC4DA-78CB-428B-B8AF-AF0272B5F844}"/>
               </a:ext>
             </a:extLst>
           </p:cNvPr>
@@ -3739,7 +3791,7 @@
         </p:nvSpPr>
         <p:spPr>
           <a:xfrm>
-            <a:off x="1306340" y="3589879"/>
+            <a:off x="1335369" y="5818123"/>
             <a:ext cx="1724054" cy="671587"/>
           </a:xfrm>
           <a:prstGeom prst="rect">
@@ -3778,7 +3830,7 @@
                   <a:schemeClr val="tx1"/>
                 </a:solidFill>
               </a:rPr>
-              <a:t>Trace Header file (execution)</a:t>
+              <a:t>Trace Header file</a:t>
             </a:r>
             <a:endParaRPr lang="en-US" dirty="0">
               <a:solidFill>
@@ -3790,10 +3842,10 @@
       </p:sp>
       <p:sp>
         <p:nvSpPr>
-          <p:cNvPr id="9" name="Rectangle 8">
-            <a:extLst>
-              <a:ext uri="{FF2B5EF4-FFF2-40B4-BE49-F238E27FC236}">
-                <a16:creationId xmlns="" xmlns:a16="http://schemas.microsoft.com/office/drawing/2014/main" id="{41CFAC0D-FF55-41D2-8215-966C18F9A802}"/>
+          <p:cNvPr id="41" name="Rectangle 40">
+            <a:extLst>
+              <a:ext uri="{FF2B5EF4-FFF2-40B4-BE49-F238E27FC236}">
+                <a16:creationId xmlns:a16="http://schemas.microsoft.com/office/drawing/2014/main" id="{47E3F4DF-73C6-4F84-87A9-F71FE55F6DC5}"/>
               </a:ext>
             </a:extLst>
           </p:cNvPr>
@@ -3802,7 +3854,7 @@
         </p:nvSpPr>
         <p:spPr>
           <a:xfrm>
-            <a:off x="1306340" y="1362237"/>
+            <a:off x="1335369" y="4105437"/>
             <a:ext cx="1724054" cy="416257"/>
           </a:xfrm>
           <a:prstGeom prst="rect">
@@ -3853,23 +3905,23 @@
       </p:sp>
       <p:cxnSp>
         <p:nvCxnSpPr>
-          <p:cNvPr id="10" name="Connector: Elbow 9">
-            <a:extLst>
-              <a:ext uri="{FF2B5EF4-FFF2-40B4-BE49-F238E27FC236}">
-                <a16:creationId xmlns="" xmlns:a16="http://schemas.microsoft.com/office/drawing/2014/main" id="{12CA1A67-9A30-4B64-8A54-7B9115C60266}"/>
+          <p:cNvPr id="42" name="Connector: Elbow 41">
+            <a:extLst>
+              <a:ext uri="{FF2B5EF4-FFF2-40B4-BE49-F238E27FC236}">
+                <a16:creationId xmlns:a16="http://schemas.microsoft.com/office/drawing/2014/main" id="{AB6EF1D0-8B87-48F3-8E28-FF3B19C25365}"/>
               </a:ext>
             </a:extLst>
           </p:cNvPr>
           <p:cNvCxnSpPr>
             <a:cxnSpLocks/>
-            <a:stCxn id="9" idx="2"/>
+            <a:stCxn id="41" idx="2"/>
           </p:cNvCxnSpPr>
           <p:nvPr/>
         </p:nvCxnSpPr>
         <p:spPr>
           <a:xfrm rot="16200000" flipH="1">
-            <a:off x="2895277" y="1051584"/>
-            <a:ext cx="1522338" cy="2976158"/>
+            <a:off x="3356033" y="3363057"/>
+            <a:ext cx="671586" cy="2988860"/>
           </a:xfrm>
           <a:prstGeom prst="bentConnector2">
             <a:avLst/>
@@ -3895,28 +3947,28 @@
       </p:cxnSp>
       <p:cxnSp>
         <p:nvCxnSpPr>
-          <p:cNvPr id="11" name="Connector: Elbow 10">
-            <a:extLst>
-              <a:ext uri="{FF2B5EF4-FFF2-40B4-BE49-F238E27FC236}">
-                <a16:creationId xmlns="" xmlns:a16="http://schemas.microsoft.com/office/drawing/2014/main" id="{EC0728E9-347A-43CF-B5F4-1645B132EABB}"/>
+          <p:cNvPr id="45" name="Connector: Elbow 44">
+            <a:extLst>
+              <a:ext uri="{FF2B5EF4-FFF2-40B4-BE49-F238E27FC236}">
+                <a16:creationId xmlns:a16="http://schemas.microsoft.com/office/drawing/2014/main" id="{3F68FB00-90E7-4BC1-9110-2152CE9454A9}"/>
               </a:ext>
             </a:extLst>
           </p:cNvPr>
           <p:cNvCxnSpPr>
             <a:cxnSpLocks/>
-            <a:stCxn id="8" idx="1"/>
-            <a:endCxn id="9" idx="1"/>
+            <a:stCxn id="40" idx="1"/>
+            <a:endCxn id="41" idx="1"/>
           </p:cNvCxnSpPr>
           <p:nvPr/>
         </p:nvCxnSpPr>
         <p:spPr>
           <a:xfrm rot="10800000">
-            <a:off x="1306340" y="1570367"/>
-            <a:ext cx="12700" cy="2355307"/>
+            <a:off x="1335369" y="4313567"/>
+            <a:ext cx="12700" cy="1840351"/>
           </a:xfrm>
           <a:prstGeom prst="bentConnector3">
             <a:avLst>
-              <a:gd name="adj1" fmla="val 6371425"/>
+              <a:gd name="adj1" fmla="val 4885709"/>
             </a:avLst>
           </a:prstGeom>
           <a:ln>
@@ -3941,20 +3993,13 @@
     </p:spTree>
     <p:extLst>
       <p:ext uri="{BB962C8B-B14F-4D97-AF65-F5344CB8AC3E}">
-        <p14:creationId xmlns:p14="http://schemas.microsoft.com/office/powerpoint/2010/main" val="3444824109"/>
+        <p14:creationId xmlns:p14="http://schemas.microsoft.com/office/powerpoint/2010/main" val="2204689046"/>
       </p:ext>
     </p:extLst>
   </p:cSld>
   <p:clrMapOvr>
     <a:masterClrMapping/>
   </p:clrMapOvr>
-  <p:timing>
-    <p:tnLst>
-      <p:par>
-        <p:cTn id="1" dur="indefinite" restart="never" nodeType="tmRoot"/>
-      </p:par>
-    </p:tnLst>
-  </p:timing>
 </p:sld>
 </file>
 
@@ -3980,7 +4025,7 @@
           <p:cNvPr id="2" name="Title 1">
             <a:extLst>
               <a:ext uri="{FF2B5EF4-FFF2-40B4-BE49-F238E27FC236}">
-                <a16:creationId xmlns="" xmlns:a16="http://schemas.microsoft.com/office/drawing/2014/main" id="{CBBE3911-BB22-47FF-8FD9-8F5EC5E7C107}"/>
+                <a16:creationId xmlns:a16="http://schemas.microsoft.com/office/drawing/2014/main" id="{6319BB65-3B68-4164-B74A-EDFAEC25D32D}"/>
               </a:ext>
             </a:extLst>
           </p:cNvPr>
@@ -3996,514 +4041,51 @@
           <a:bodyPr/>
           <a:lstStyle/>
           <a:p>
+            <a:endParaRPr lang="en-US" dirty="0"/>
+          </a:p>
+        </p:txBody>
+      </p:sp>
+      <p:sp>
+        <p:nvSpPr>
+          <p:cNvPr id="3" name="Content Placeholder 2">
+            <a:extLst>
+              <a:ext uri="{FF2B5EF4-FFF2-40B4-BE49-F238E27FC236}">
+                <a16:creationId xmlns:a16="http://schemas.microsoft.com/office/drawing/2014/main" id="{DD77E9E4-0954-434C-955E-5B4820BD17E8}"/>
+              </a:ext>
+            </a:extLst>
+          </p:cNvPr>
+          <p:cNvSpPr>
+            <a:spLocks noGrp="1"/>
+          </p:cNvSpPr>
+          <p:nvPr>
+            <p:ph idx="1"/>
+          </p:nvPr>
+        </p:nvSpPr>
+        <p:spPr/>
+        <p:txBody>
+          <a:bodyPr/>
+          <a:lstStyle/>
+          <a:p>
             <a:r>
               <a:rPr lang="en-SG" dirty="0"/>
-              <a:t>Example</a:t>
-            </a:r>
-            <a:endParaRPr lang="en-US" dirty="0"/>
-          </a:p>
-        </p:txBody>
-      </p:sp>
-      <p:sp>
-        <p:nvSpPr>
-          <p:cNvPr id="4" name="TextBox 3">
-            <a:extLst>
-              <a:ext uri="{FF2B5EF4-FFF2-40B4-BE49-F238E27FC236}">
-                <a16:creationId xmlns="" xmlns:a16="http://schemas.microsoft.com/office/drawing/2014/main" id="{8D950D3D-24C6-4F48-B63E-470E8435C0EB}"/>
-              </a:ext>
-            </a:extLst>
-          </p:cNvPr>
-          <p:cNvSpPr txBox="1"/>
-          <p:nvPr/>
-        </p:nvSpPr>
-        <p:spPr>
-          <a:xfrm>
-            <a:off x="587829" y="2690336"/>
-            <a:ext cx="2307771" cy="1477328"/>
-          </a:xfrm>
-          <a:prstGeom prst="rect">
-            <a:avLst/>
-          </a:prstGeom>
-          <a:noFill/>
-          <a:ln>
-            <a:solidFill>
-              <a:schemeClr val="accent1">
-                <a:shade val="50000"/>
-              </a:schemeClr>
-            </a:solidFill>
-          </a:ln>
-        </p:spPr>
-        <p:txBody>
-          <a:bodyPr wrap="square" rtlCol="0">
-            <a:spAutoFit/>
-          </a:bodyPr>
-          <a:lstStyle/>
-          <a:p>
-            <a:r>
-              <a:rPr lang="en-SG" b="1" dirty="0"/>
-              <a:t>Trace Header File:</a:t>
-            </a:r>
-          </a:p>
-          <a:p>
-            <a:endParaRPr lang="en-SG" b="1" dirty="0"/>
-          </a:p>
-          <a:p>
+              <a:t>Java API (lib) to index and search in file-based database</a:t>
+            </a:r>
+          </a:p>
+          <a:p>
+            <a:pPr lvl="1"/>
             <a:r>
               <a:rPr lang="en-SG" dirty="0"/>
-              <a:t>D:\user1\doc\1.blk;</a:t>
-            </a:r>
-          </a:p>
-          <a:p>
-            <a:r>
-              <a:rPr lang="en-SG" dirty="0"/>
-              <a:t>D:\user1\doc\2.blk;</a:t>
-            </a:r>
-          </a:p>
-          <a:p>
-            <a:r>
-              <a:rPr lang="en-SG" dirty="0"/>
-              <a:t>D:\user1\doc\3.blk</a:t>
+              <a:t>Lucene? </a:t>
+            </a:r>
+          </a:p>
+          <a:p>
+            <a:r>
+              <a:rPr lang="en-US" dirty="0" err="1"/>
+              <a:t>Mapdb</a:t>
             </a:r>
             <a:r>
               <a:rPr lang="en-US" dirty="0"/>
-              <a:t>;</a:t>
-            </a:r>
-            <a:endParaRPr lang="en-SG" dirty="0"/>
-          </a:p>
-        </p:txBody>
-      </p:sp>
-      <p:sp>
-        <p:nvSpPr>
-          <p:cNvPr id="5" name="TextBox 4">
-            <a:extLst>
-              <a:ext uri="{FF2B5EF4-FFF2-40B4-BE49-F238E27FC236}">
-                <a16:creationId xmlns="" xmlns:a16="http://schemas.microsoft.com/office/drawing/2014/main" id="{57746609-CDBA-43F7-9225-AD83C7B115CD}"/>
-              </a:ext>
-            </a:extLst>
-          </p:cNvPr>
-          <p:cNvSpPr txBox="1"/>
-          <p:nvPr/>
-        </p:nvSpPr>
-        <p:spPr>
-          <a:xfrm>
-            <a:off x="3585030" y="708084"/>
-            <a:ext cx="3302000" cy="5909310"/>
-          </a:xfrm>
-          <a:prstGeom prst="rect">
-            <a:avLst/>
-          </a:prstGeom>
-          <a:noFill/>
-          <a:ln>
-            <a:solidFill>
-              <a:schemeClr val="accent1">
-                <a:shade val="50000"/>
-              </a:schemeClr>
-            </a:solidFill>
-          </a:ln>
-        </p:spPr>
-        <p:txBody>
-          <a:bodyPr wrap="square" rtlCol="0">
-            <a:spAutoFit/>
-          </a:bodyPr>
-          <a:lstStyle/>
-          <a:p>
-            <a:r>
-              <a:rPr lang="en-SG" b="1" dirty="0"/>
-              <a:t>D:\user1\doc\1.blk :</a:t>
-            </a:r>
-          </a:p>
-          <a:p>
-            <a:endParaRPr lang="en-SG" b="1" dirty="0"/>
-          </a:p>
-          <a:p>
-            <a:endParaRPr lang="en-SG" b="1" dirty="0"/>
-          </a:p>
-          <a:p>
-            <a:endParaRPr lang="en-SG" b="1" dirty="0"/>
-          </a:p>
-          <a:p>
-            <a:endParaRPr lang="en-SG" b="1" dirty="0"/>
-          </a:p>
-          <a:p>
-            <a:endParaRPr lang="en-SG" b="1" dirty="0"/>
-          </a:p>
-          <a:p>
-            <a:endParaRPr lang="en-SG" b="1" dirty="0"/>
-          </a:p>
-          <a:p>
-            <a:endParaRPr lang="en-SG" b="1" dirty="0"/>
-          </a:p>
-          <a:p>
-            <a:endParaRPr lang="en-SG" b="1" dirty="0"/>
-          </a:p>
-          <a:p>
-            <a:endParaRPr lang="en-SG" b="1" dirty="0"/>
-          </a:p>
-          <a:p>
-            <a:endParaRPr lang="en-SG" b="1" dirty="0"/>
-          </a:p>
-          <a:p>
-            <a:endParaRPr lang="en-SG" b="1" dirty="0"/>
-          </a:p>
-          <a:p>
-            <a:endParaRPr lang="en-SG" b="1" dirty="0"/>
-          </a:p>
-          <a:p>
-            <a:endParaRPr lang="en-SG" b="1" dirty="0"/>
-          </a:p>
-          <a:p>
-            <a:endParaRPr lang="en-SG" b="1" dirty="0"/>
-          </a:p>
-          <a:p>
-            <a:endParaRPr lang="en-SG" b="1" dirty="0"/>
-          </a:p>
-          <a:p>
-            <a:endParaRPr lang="en-SG" b="1" dirty="0"/>
-          </a:p>
-          <a:p>
-            <a:endParaRPr lang="en-SG" dirty="0"/>
-          </a:p>
-          <a:p>
-            <a:endParaRPr lang="en-SG" dirty="0"/>
-          </a:p>
-          <a:p>
-            <a:endParaRPr lang="en-SG" dirty="0"/>
-          </a:p>
-          <a:p>
-            <a:endParaRPr lang="en-SG" dirty="0"/>
-          </a:p>
-        </p:txBody>
-      </p:sp>
-      <p:sp>
-        <p:nvSpPr>
-          <p:cNvPr id="6" name="TextBox 5">
-            <a:extLst>
-              <a:ext uri="{FF2B5EF4-FFF2-40B4-BE49-F238E27FC236}">
-                <a16:creationId xmlns="" xmlns:a16="http://schemas.microsoft.com/office/drawing/2014/main" id="{D062C7BB-55BD-4EB5-AAE9-66B0BB77DEDB}"/>
-              </a:ext>
-            </a:extLst>
-          </p:cNvPr>
-          <p:cNvSpPr txBox="1"/>
-          <p:nvPr/>
-        </p:nvSpPr>
-        <p:spPr>
-          <a:xfrm>
-            <a:off x="3942444" y="1262081"/>
-            <a:ext cx="2587172" cy="3970318"/>
-          </a:xfrm>
-          <a:prstGeom prst="rect">
-            <a:avLst/>
-          </a:prstGeom>
-          <a:noFill/>
-          <a:ln>
-            <a:solidFill>
-              <a:schemeClr val="accent1">
-                <a:shade val="50000"/>
-              </a:schemeClr>
-            </a:solidFill>
-          </a:ln>
-        </p:spPr>
-        <p:txBody>
-          <a:bodyPr wrap="square" rtlCol="0">
-            <a:spAutoFit/>
-          </a:bodyPr>
-          <a:lstStyle/>
-          <a:p>
-            <a:r>
-              <a:rPr lang="en-SG" b="1" dirty="0"/>
-              <a:t>Trace node 1:</a:t>
-            </a:r>
-          </a:p>
-          <a:p>
-            <a:r>
-              <a:rPr lang="en-SG" dirty="0"/>
-              <a:t>Id: 0000001</a:t>
-            </a:r>
-          </a:p>
-          <a:p>
-            <a:r>
-              <a:rPr lang="en-SG" dirty="0"/>
-              <a:t>Read variable:</a:t>
-            </a:r>
-          </a:p>
-          <a:p>
-            <a:r>
-              <a:rPr lang="en-SG" dirty="0"/>
-              <a:t>- Variable-file1</a:t>
-            </a:r>
-          </a:p>
-          <a:p>
-            <a:r>
-              <a:rPr lang="en-SG" dirty="0"/>
-              <a:t>Written variable:</a:t>
-            </a:r>
-          </a:p>
-          <a:p>
-            <a:r>
-              <a:rPr lang="en-SG" dirty="0"/>
-              <a:t>- Variable-file1</a:t>
-            </a:r>
-          </a:p>
-          <a:p>
-            <a:r>
-              <a:rPr lang="en-SG" dirty="0"/>
-              <a:t>Data dependency:</a:t>
-            </a:r>
-          </a:p>
-          <a:p>
-            <a:r>
-              <a:rPr lang="en-SG" dirty="0"/>
-              <a:t>- block-file-path + id</a:t>
-            </a:r>
-          </a:p>
-          <a:p>
-            <a:r>
-              <a:rPr lang="en-SG" dirty="0"/>
-              <a:t>Control </a:t>
-            </a:r>
-            <a:r>
-              <a:rPr lang="en-SG" dirty="0" err="1"/>
-              <a:t>depdendency</a:t>
-            </a:r>
-            <a:endParaRPr lang="en-SG" dirty="0"/>
-          </a:p>
-          <a:p>
-            <a:pPr marL="285750" indent="-285750">
-              <a:buFontTx/>
-              <a:buChar char="-"/>
-            </a:pPr>
-            <a:r>
-              <a:rPr lang="en-SG" dirty="0"/>
-              <a:t>block-file-path + id</a:t>
-            </a:r>
-          </a:p>
-          <a:p>
-            <a:r>
-              <a:rPr lang="en-SG" dirty="0"/>
-              <a:t>Next Sibling</a:t>
-            </a:r>
-          </a:p>
-          <a:p>
-            <a:r>
-              <a:rPr lang="en-SG" dirty="0"/>
-              <a:t>-  block-file-path + id</a:t>
-            </a:r>
-          </a:p>
-          <a:p>
-            <a:r>
-              <a:rPr lang="en-SG" dirty="0"/>
-              <a:t>Previous sibling</a:t>
-            </a:r>
-          </a:p>
-          <a:p>
-            <a:pPr marL="285750" indent="-285750">
-              <a:buFontTx/>
-              <a:buChar char="-"/>
-            </a:pPr>
-            <a:r>
-              <a:rPr lang="en-SG" dirty="0"/>
-              <a:t>block-file-path + id</a:t>
-            </a:r>
-          </a:p>
-        </p:txBody>
-      </p:sp>
-      <p:sp>
-        <p:nvSpPr>
-          <p:cNvPr id="8" name="TextBox 7">
-            <a:extLst>
-              <a:ext uri="{FF2B5EF4-FFF2-40B4-BE49-F238E27FC236}">
-                <a16:creationId xmlns="" xmlns:a16="http://schemas.microsoft.com/office/drawing/2014/main" id="{A0892BC8-514A-4FF2-8DEA-7E24B4FD32B3}"/>
-              </a:ext>
-            </a:extLst>
-          </p:cNvPr>
-          <p:cNvSpPr txBox="1"/>
-          <p:nvPr/>
-        </p:nvSpPr>
-        <p:spPr>
-          <a:xfrm>
-            <a:off x="7714346" y="734814"/>
-            <a:ext cx="2307771" cy="1200329"/>
-          </a:xfrm>
-          <a:prstGeom prst="rect">
-            <a:avLst/>
-          </a:prstGeom>
-          <a:noFill/>
-          <a:ln>
-            <a:solidFill>
-              <a:schemeClr val="accent1">
-                <a:shade val="50000"/>
-              </a:schemeClr>
-            </a:solidFill>
-          </a:ln>
-        </p:spPr>
-        <p:txBody>
-          <a:bodyPr wrap="square" rtlCol="0">
-            <a:spAutoFit/>
-          </a:bodyPr>
-          <a:lstStyle/>
-          <a:p>
-            <a:r>
-              <a:rPr lang="en-SG" b="1" dirty="0"/>
-              <a:t>Variable File:</a:t>
-            </a:r>
-          </a:p>
-          <a:p>
-            <a:endParaRPr lang="en-SG" b="1" dirty="0"/>
-          </a:p>
-          <a:p>
-            <a:r>
-              <a:rPr lang="en-SG" dirty="0"/>
-              <a:t>Trace node 0000001</a:t>
-            </a:r>
-          </a:p>
-          <a:p>
-            <a:r>
-              <a:rPr lang="en-SG" dirty="0"/>
-              <a:t>Variable name/value</a:t>
-            </a:r>
-          </a:p>
-        </p:txBody>
-      </p:sp>
-      <p:cxnSp>
-        <p:nvCxnSpPr>
-          <p:cNvPr id="9" name="Connector: Elbow 8">
-            <a:extLst>
-              <a:ext uri="{FF2B5EF4-FFF2-40B4-BE49-F238E27FC236}">
-                <a16:creationId xmlns="" xmlns:a16="http://schemas.microsoft.com/office/drawing/2014/main" id="{F7E466F1-162D-4A4F-80B9-CA6F12A1DA47}"/>
-              </a:ext>
-            </a:extLst>
-          </p:cNvPr>
-          <p:cNvCxnSpPr>
-            <a:cxnSpLocks/>
-            <a:stCxn id="6" idx="3"/>
-            <a:endCxn id="8" idx="1"/>
-          </p:cNvCxnSpPr>
-          <p:nvPr/>
-        </p:nvCxnSpPr>
-        <p:spPr>
-          <a:xfrm flipV="1">
-            <a:off x="6529616" y="1334979"/>
-            <a:ext cx="1184730" cy="1912261"/>
-          </a:xfrm>
-          <a:prstGeom prst="bentConnector3">
-            <a:avLst>
-              <a:gd name="adj1" fmla="val 50000"/>
-            </a:avLst>
-          </a:prstGeom>
-          <a:ln>
-            <a:tailEnd type="triangle"/>
-          </a:ln>
-        </p:spPr>
-        <p:style>
-          <a:lnRef idx="1">
-            <a:schemeClr val="accent1"/>
-          </a:lnRef>
-          <a:fillRef idx="0">
-            <a:schemeClr val="accent1"/>
-          </a:fillRef>
-          <a:effectRef idx="0">
-            <a:schemeClr val="accent1"/>
-          </a:effectRef>
-          <a:fontRef idx="minor">
-            <a:schemeClr val="tx1"/>
-          </a:fontRef>
-        </p:style>
-      </p:cxnSp>
-      <p:cxnSp>
-        <p:nvCxnSpPr>
-          <p:cNvPr id="17" name="Connector: Elbow 16">
-            <a:extLst>
-              <a:ext uri="{FF2B5EF4-FFF2-40B4-BE49-F238E27FC236}">
-                <a16:creationId xmlns="" xmlns:a16="http://schemas.microsoft.com/office/drawing/2014/main" id="{651518F2-BB22-4628-8296-6CFB31EDC1BC}"/>
-              </a:ext>
-            </a:extLst>
-          </p:cNvPr>
-          <p:cNvCxnSpPr>
-            <a:cxnSpLocks/>
-            <a:stCxn id="4" idx="3"/>
-            <a:endCxn id="5" idx="1"/>
-          </p:cNvCxnSpPr>
-          <p:nvPr/>
-        </p:nvCxnSpPr>
-        <p:spPr>
-          <a:xfrm>
-            <a:off x="2895600" y="3429000"/>
-            <a:ext cx="689430" cy="233739"/>
-          </a:xfrm>
-          <a:prstGeom prst="bentConnector3">
-            <a:avLst>
-              <a:gd name="adj1" fmla="val 50000"/>
-            </a:avLst>
-          </a:prstGeom>
-          <a:ln>
-            <a:tailEnd type="triangle"/>
-          </a:ln>
-        </p:spPr>
-        <p:style>
-          <a:lnRef idx="1">
-            <a:schemeClr val="accent1"/>
-          </a:lnRef>
-          <a:fillRef idx="0">
-            <a:schemeClr val="accent1"/>
-          </a:fillRef>
-          <a:effectRef idx="0">
-            <a:schemeClr val="accent1"/>
-          </a:effectRef>
-          <a:fontRef idx="minor">
-            <a:schemeClr val="tx1"/>
-          </a:fontRef>
-        </p:style>
-      </p:cxnSp>
-      <p:sp>
-        <p:nvSpPr>
-          <p:cNvPr id="21" name="TextBox 20">
-            <a:extLst>
-              <a:ext uri="{FF2B5EF4-FFF2-40B4-BE49-F238E27FC236}">
-                <a16:creationId xmlns="" xmlns:a16="http://schemas.microsoft.com/office/drawing/2014/main" id="{965AD791-640E-468F-B0CB-A1816EFA8DEE}"/>
-              </a:ext>
-            </a:extLst>
-          </p:cNvPr>
-          <p:cNvSpPr txBox="1"/>
-          <p:nvPr/>
-        </p:nvSpPr>
-        <p:spPr>
-          <a:xfrm>
-            <a:off x="3942444" y="5397629"/>
-            <a:ext cx="2587172" cy="923330"/>
-          </a:xfrm>
-          <a:prstGeom prst="rect">
-            <a:avLst/>
-          </a:prstGeom>
-          <a:noFill/>
-          <a:ln>
-            <a:solidFill>
-              <a:schemeClr val="accent1">
-                <a:shade val="50000"/>
-              </a:schemeClr>
-            </a:solidFill>
-          </a:ln>
-        </p:spPr>
-        <p:txBody>
-          <a:bodyPr wrap="square" rtlCol="0">
-            <a:spAutoFit/>
-          </a:bodyPr>
-          <a:lstStyle/>
-          <a:p>
-            <a:r>
-              <a:rPr lang="en-SG" b="1" dirty="0"/>
-              <a:t>Trace node 1:</a:t>
-            </a:r>
-          </a:p>
-          <a:p>
-            <a:r>
-              <a:rPr lang="en-SG" dirty="0"/>
-              <a:t>Id: 0000002</a:t>
-            </a:r>
-          </a:p>
-          <a:p>
-            <a:r>
-              <a:rPr lang="en-SG" dirty="0"/>
-              <a:t>…</a:t>
+              <a:t> version 2</a:t>
             </a:r>
           </a:p>
         </p:txBody>
@@ -4511,20 +4093,13 @@
     </p:spTree>
     <p:extLst>
       <p:ext uri="{BB962C8B-B14F-4D97-AF65-F5344CB8AC3E}">
-        <p14:creationId xmlns:p14="http://schemas.microsoft.com/office/powerpoint/2010/main" val="2388796992"/>
+        <p14:creationId xmlns:p14="http://schemas.microsoft.com/office/powerpoint/2010/main" val="2650207242"/>
       </p:ext>
     </p:extLst>
   </p:cSld>
   <p:clrMapOvr>
     <a:masterClrMapping/>
   </p:clrMapOvr>
-  <p:timing>
-    <p:tnLst>
-      <p:par>
-        <p:cTn id="1" dur="indefinite" restart="never" nodeType="tmRoot"/>
-      </p:par>
-    </p:tnLst>
-  </p:timing>
 </p:sld>
 </file>
 
@@ -4550,7 +4125,7 @@
           <p:cNvPr id="4" name="Rectangle 3">
             <a:extLst>
               <a:ext uri="{FF2B5EF4-FFF2-40B4-BE49-F238E27FC236}">
-                <a16:creationId xmlns="" xmlns:a16="http://schemas.microsoft.com/office/drawing/2014/main" id="{E3C7068E-D01A-4E3E-B8C1-55FF8AFF3342}"/>
+                <a16:creationId xmlns:a16="http://schemas.microsoft.com/office/drawing/2014/main" id="{ADD27894-02D3-4F7D-8500-723F9874850D}"/>
               </a:ext>
             </a:extLst>
           </p:cNvPr>
@@ -4559,8 +4134,8 @@
         </p:nvSpPr>
         <p:spPr>
           <a:xfrm>
-            <a:off x="3333868" y="643333"/>
-            <a:ext cx="2399112" cy="5408146"/>
+            <a:off x="5157227" y="1158660"/>
+            <a:ext cx="2831909" cy="3972140"/>
           </a:xfrm>
           <a:prstGeom prst="rect">
             <a:avLst/>
@@ -4584,12 +4159,7 @@
           </a:fontRef>
         </p:style>
         <p:txBody>
-          <a:bodyPr rot="0" spcFirstLastPara="0" vertOverflow="overflow" horzOverflow="overflow" vert="horz" wrap="square" lIns="91440" tIns="45720" rIns="91440" bIns="45720" numCol="1" spcCol="0" rtlCol="0" fromWordArt="0" anchor="t" anchorCtr="0" forceAA="0" compatLnSpc="1">
-            <a:prstTxWarp prst="textNoShape">
-              <a:avLst/>
-            </a:prstTxWarp>
-            <a:noAutofit/>
-          </a:bodyPr>
+          <a:bodyPr rtlCol="0" anchor="ctr"/>
           <a:lstStyle/>
           <a:p>
             <a:r>
@@ -4598,65 +4168,95 @@
                   <a:schemeClr val="tx1"/>
                 </a:solidFill>
               </a:rPr>
-              <a:t>Variable </a:t>
-            </a:r>
-            <a:r>
-              <a:rPr lang="en-SG" dirty="0" smtClean="0">
+              <a:t>Trace Node:</a:t>
+            </a:r>
+          </a:p>
+          <a:p>
+            <a:pPr marL="285750" indent="-285750">
+              <a:buFontTx/>
+              <a:buChar char="-"/>
+            </a:pPr>
+            <a:r>
+              <a:rPr lang="en-SG" dirty="0">
                 <a:solidFill>
                   <a:schemeClr val="tx1"/>
                 </a:solidFill>
               </a:rPr>
-              <a:t>- Node</a:t>
-            </a:r>
-          </a:p>
-          <a:p>
-            <a:r>
-              <a:rPr lang="en-SG" dirty="0" smtClean="0">
+              <a:t>trace node id (</a:t>
+            </a:r>
+            <a:r>
+              <a:rPr lang="en-SG" dirty="0" err="1">
                 <a:solidFill>
                   <a:schemeClr val="tx1"/>
                 </a:solidFill>
               </a:rPr>
-              <a:t>------------------------------</a:t>
-            </a:r>
-          </a:p>
-          <a:p>
-            <a:r>
-              <a:rPr lang="en-SG" dirty="0" smtClean="0">
+              <a:t>block_file_path+seq_id</a:t>
+            </a:r>
+            <a:r>
+              <a:rPr lang="en-SG" dirty="0">
                 <a:solidFill>
                   <a:schemeClr val="tx1"/>
                 </a:solidFill>
               </a:rPr>
-              <a:t>Node – PR </a:t>
-            </a:r>
-          </a:p>
-          <a:p>
-            <a:r>
-              <a:rPr lang="en-SG" dirty="0" smtClean="0">
-                <a:solidFill>
-                  <a:schemeClr val="tx1"/>
-                </a:solidFill>
-              </a:rPr>
-              <a:t>Node – CO</a:t>
-            </a:r>
-          </a:p>
-          <a:p>
-            <a:r>
-              <a:rPr lang="en-SG" dirty="0" smtClean="0">
-                <a:solidFill>
-                  <a:schemeClr val="tx1"/>
-                </a:solidFill>
-              </a:rPr>
-              <a:t>Node – DEF</a:t>
-            </a:r>
-          </a:p>
-          <a:p>
-            <a:endParaRPr lang="en-SG" dirty="0" smtClean="0">
+              <a:t>)</a:t>
+            </a:r>
+          </a:p>
+          <a:p>
+            <a:pPr marL="285750" indent="-285750">
+              <a:buFontTx/>
+              <a:buChar char="-"/>
+            </a:pPr>
+            <a:endParaRPr lang="en-SG" dirty="0">
               <a:solidFill>
                 <a:schemeClr val="tx1"/>
               </a:solidFill>
             </a:endParaRPr>
           </a:p>
           <a:p>
+            <a:pPr marL="342900" indent="-342900">
+              <a:buAutoNum type="arabicPeriod"/>
+            </a:pPr>
+            <a:r>
+              <a:rPr lang="en-SG" dirty="0">
+                <a:solidFill>
+                  <a:schemeClr val="tx1"/>
+                </a:solidFill>
+              </a:rPr>
+              <a:t>ref to read/written variables</a:t>
+            </a:r>
+          </a:p>
+          <a:p>
+            <a:pPr marL="342900" indent="-342900">
+              <a:buAutoNum type="arabicPeriod"/>
+            </a:pPr>
+            <a:r>
+              <a:rPr lang="en-SG" dirty="0">
+                <a:solidFill>
+                  <a:schemeClr val="tx1"/>
+                </a:solidFill>
+              </a:rPr>
+              <a:t>Ref to data/control dependency</a:t>
+            </a:r>
+          </a:p>
+          <a:p>
+            <a:pPr marL="342900" indent="-342900">
+              <a:buAutoNum type="arabicPeriod"/>
+            </a:pPr>
+            <a:r>
+              <a:rPr lang="en-SG" dirty="0">
+                <a:solidFill>
+                  <a:schemeClr val="tx1"/>
+                </a:solidFill>
+              </a:rPr>
+              <a:t>Ref to Hierarchical Children (invocation/loop children)</a:t>
+            </a:r>
+            <a:br>
+              <a:rPr lang="en-SG" dirty="0">
+                <a:solidFill>
+                  <a:schemeClr val="tx1"/>
+                </a:solidFill>
+              </a:rPr>
+            </a:br>
             <a:endParaRPr lang="en-US" dirty="0">
               <a:solidFill>
                 <a:schemeClr val="tx1"/>
@@ -4670,7 +4270,7 @@
           <p:cNvPr id="5" name="Rectangle 4">
             <a:extLst>
               <a:ext uri="{FF2B5EF4-FFF2-40B4-BE49-F238E27FC236}">
-                <a16:creationId xmlns="" xmlns:a16="http://schemas.microsoft.com/office/drawing/2014/main" id="{E3C7068E-D01A-4E3E-B8C1-55FF8AFF3342}"/>
+                <a16:creationId xmlns:a16="http://schemas.microsoft.com/office/drawing/2014/main" id="{E3C7068E-D01A-4E3E-B8C1-55FF8AFF3342}"/>
               </a:ext>
             </a:extLst>
           </p:cNvPr>
@@ -4679,8 +4279,8 @@
         </p:nvSpPr>
         <p:spPr>
           <a:xfrm>
-            <a:off x="522104" y="643333"/>
-            <a:ext cx="2477950" cy="5408146"/>
+            <a:off x="9477828" y="2091989"/>
+            <a:ext cx="1724054" cy="378415"/>
           </a:xfrm>
           <a:prstGeom prst="rect">
             <a:avLst/>
@@ -4704,7 +4304,7 @@
           </a:fontRef>
         </p:style>
         <p:txBody>
-          <a:bodyPr rot="0" spcFirstLastPara="0" vertOverflow="overflow" horzOverflow="overflow" vert="horz" wrap="square" lIns="91440" tIns="45720" rIns="91440" bIns="45720" numCol="1" spcCol="0" rtlCol="0" fromWordArt="0" anchor="t" anchorCtr="0" forceAA="0" compatLnSpc="1">
+          <a:bodyPr rot="0" spcFirstLastPara="0" vertOverflow="overflow" horzOverflow="overflow" vert="horz" wrap="square" lIns="91440" tIns="45720" rIns="91440" bIns="45720" numCol="1" spcCol="0" rtlCol="0" fromWordArt="0" anchor="ctr" anchorCtr="0" forceAA="0" compatLnSpc="1">
             <a:prstTxWarp prst="textNoShape">
               <a:avLst/>
             </a:prstTxWarp>
@@ -4713,86 +4313,13 @@
           <a:lstStyle/>
           <a:p>
             <a:r>
-              <a:rPr lang="en-SG" dirty="0" smtClean="0">
+              <a:rPr lang="en-SG" dirty="0">
                 <a:solidFill>
                   <a:schemeClr val="tx1"/>
                 </a:solidFill>
               </a:rPr>
-              <a:t>Node - Variable</a:t>
-            </a:r>
-          </a:p>
-          <a:p>
-            <a:r>
-              <a:rPr lang="en-SG" dirty="0" smtClean="0">
-                <a:solidFill>
-                  <a:schemeClr val="tx1"/>
-                </a:solidFill>
-              </a:rPr>
-              <a:t>------------------------------</a:t>
-            </a:r>
-          </a:p>
-          <a:p>
-            <a:r>
-              <a:rPr lang="en-SG" dirty="0" err="1" smtClean="0">
-                <a:solidFill>
-                  <a:schemeClr val="tx1"/>
-                </a:solidFill>
-              </a:rPr>
-              <a:t>Var</a:t>
-            </a:r>
-            <a:r>
-              <a:rPr lang="en-SG" dirty="0" smtClean="0">
-                <a:solidFill>
-                  <a:schemeClr val="tx1"/>
-                </a:solidFill>
-              </a:rPr>
-              <a:t> – PR</a:t>
-            </a:r>
-          </a:p>
-          <a:p>
-            <a:r>
-              <a:rPr lang="en-SG" dirty="0" err="1" smtClean="0">
-                <a:solidFill>
-                  <a:schemeClr val="tx1"/>
-                </a:solidFill>
-              </a:rPr>
-              <a:t>Var</a:t>
-            </a:r>
-            <a:r>
-              <a:rPr lang="en-SG" dirty="0" smtClean="0">
-                <a:solidFill>
-                  <a:schemeClr val="tx1"/>
-                </a:solidFill>
-              </a:rPr>
-              <a:t> – CO</a:t>
-            </a:r>
-          </a:p>
-          <a:p>
-            <a:r>
-              <a:rPr lang="en-SG" dirty="0" err="1" smtClean="0">
-                <a:solidFill>
-                  <a:schemeClr val="tx1"/>
-                </a:solidFill>
-              </a:rPr>
-              <a:t>Var</a:t>
-            </a:r>
-            <a:r>
-              <a:rPr lang="en-SG" dirty="0" smtClean="0">
-                <a:solidFill>
-                  <a:schemeClr val="tx1"/>
-                </a:solidFill>
-              </a:rPr>
-              <a:t> – DEF</a:t>
-            </a:r>
-          </a:p>
-          <a:p>
-            <a:endParaRPr lang="en-SG" dirty="0" smtClean="0">
-              <a:solidFill>
-                <a:schemeClr val="tx1"/>
-              </a:solidFill>
-            </a:endParaRPr>
-          </a:p>
-          <a:p>
+              <a:t>Variable File?</a:t>
+            </a:r>
             <a:endParaRPr lang="en-US" dirty="0">
               <a:solidFill>
                 <a:schemeClr val="tx1"/>
@@ -4801,12 +4328,101 @@
           </a:p>
         </p:txBody>
       </p:sp>
-      <p:sp>
-        <p:nvSpPr>
-          <p:cNvPr id="6" name="Rectangle 5">
-            <a:extLst>
-              <a:ext uri="{FF2B5EF4-FFF2-40B4-BE49-F238E27FC236}">
-                <a16:creationId xmlns="" xmlns:a16="http://schemas.microsoft.com/office/drawing/2014/main" id="{E3C7068E-D01A-4E3E-B8C1-55FF8AFF3342}"/>
+      <p:cxnSp>
+        <p:nvCxnSpPr>
+          <p:cNvPr id="6" name="Connector: Elbow 5">
+            <a:extLst>
+              <a:ext uri="{FF2B5EF4-FFF2-40B4-BE49-F238E27FC236}">
+                <a16:creationId xmlns:a16="http://schemas.microsoft.com/office/drawing/2014/main" id="{1A85D5D1-EC86-416B-82E8-FC836BF31A96}"/>
+              </a:ext>
+            </a:extLst>
+          </p:cNvPr>
+          <p:cNvCxnSpPr>
+            <a:cxnSpLocks/>
+            <a:stCxn id="4" idx="1"/>
+            <a:endCxn id="4" idx="0"/>
+          </p:cNvCxnSpPr>
+          <p:nvPr/>
+        </p:nvCxnSpPr>
+        <p:spPr>
+          <a:xfrm rot="10800000" flipH="1">
+            <a:off x="5157226" y="1158660"/>
+            <a:ext cx="1415955" cy="1986070"/>
+          </a:xfrm>
+          <a:prstGeom prst="bentConnector4">
+            <a:avLst>
+              <a:gd name="adj1" fmla="val -16145"/>
+              <a:gd name="adj2" fmla="val 111510"/>
+            </a:avLst>
+          </a:prstGeom>
+          <a:ln>
+            <a:tailEnd type="triangle" w="lg" len="lg"/>
+          </a:ln>
+        </p:spPr>
+        <p:style>
+          <a:lnRef idx="1">
+            <a:schemeClr val="accent1"/>
+          </a:lnRef>
+          <a:fillRef idx="0">
+            <a:schemeClr val="accent1"/>
+          </a:fillRef>
+          <a:effectRef idx="0">
+            <a:schemeClr val="accent1"/>
+          </a:effectRef>
+          <a:fontRef idx="minor">
+            <a:schemeClr val="tx1"/>
+          </a:fontRef>
+        </p:style>
+      </p:cxnSp>
+      <p:cxnSp>
+        <p:nvCxnSpPr>
+          <p:cNvPr id="7" name="Connector: Elbow 6">
+            <a:extLst>
+              <a:ext uri="{FF2B5EF4-FFF2-40B4-BE49-F238E27FC236}">
+                <a16:creationId xmlns:a16="http://schemas.microsoft.com/office/drawing/2014/main" id="{72A2CCAF-75C7-40E9-A607-135FCD5BDE61}"/>
+              </a:ext>
+            </a:extLst>
+          </p:cNvPr>
+          <p:cNvCxnSpPr>
+            <a:cxnSpLocks/>
+            <a:stCxn id="4" idx="3"/>
+            <a:endCxn id="5" idx="1"/>
+          </p:cNvCxnSpPr>
+          <p:nvPr/>
+        </p:nvCxnSpPr>
+        <p:spPr>
+          <a:xfrm flipV="1">
+            <a:off x="7989136" y="2281197"/>
+            <a:ext cx="1488692" cy="863533"/>
+          </a:xfrm>
+          <a:prstGeom prst="bentConnector3">
+            <a:avLst/>
+          </a:prstGeom>
+          <a:ln>
+            <a:tailEnd type="triangle"/>
+          </a:ln>
+        </p:spPr>
+        <p:style>
+          <a:lnRef idx="1">
+            <a:schemeClr val="accent1"/>
+          </a:lnRef>
+          <a:fillRef idx="0">
+            <a:schemeClr val="accent1"/>
+          </a:fillRef>
+          <a:effectRef idx="0">
+            <a:schemeClr val="accent1"/>
+          </a:effectRef>
+          <a:fontRef idx="minor">
+            <a:schemeClr val="tx1"/>
+          </a:fontRef>
+        </p:style>
+      </p:cxnSp>
+      <p:sp>
+        <p:nvSpPr>
+          <p:cNvPr id="8" name="Rectangle 7">
+            <a:extLst>
+              <a:ext uri="{FF2B5EF4-FFF2-40B4-BE49-F238E27FC236}">
+                <a16:creationId xmlns:a16="http://schemas.microsoft.com/office/drawing/2014/main" id="{81E41073-32BA-4270-B734-E8DD14034463}"/>
               </a:ext>
             </a:extLst>
           </p:cNvPr>
@@ -4815,8 +4431,8 @@
         </p:nvSpPr>
         <p:spPr>
           <a:xfrm>
-            <a:off x="6149000" y="608572"/>
-            <a:ext cx="2471017" cy="5408146"/>
+            <a:off x="1306340" y="3589879"/>
+            <a:ext cx="1724054" cy="671587"/>
           </a:xfrm>
           <a:prstGeom prst="rect">
             <a:avLst/>
@@ -4840,7 +4456,7 @@
           </a:fontRef>
         </p:style>
         <p:txBody>
-          <a:bodyPr rot="0" spcFirstLastPara="0" vertOverflow="overflow" horzOverflow="overflow" vert="horz" wrap="square" lIns="91440" tIns="45720" rIns="91440" bIns="45720" numCol="1" spcCol="0" rtlCol="0" fromWordArt="0" anchor="t" anchorCtr="0" forceAA="0" compatLnSpc="1">
+          <a:bodyPr rot="0" spcFirstLastPara="0" vertOverflow="overflow" horzOverflow="overflow" vert="horz" wrap="square" lIns="91440" tIns="45720" rIns="91440" bIns="45720" numCol="1" spcCol="0" rtlCol="0" fromWordArt="0" anchor="ctr" anchorCtr="0" forceAA="0" compatLnSpc="1">
             <a:prstTxWarp prst="textNoShape">
               <a:avLst/>
             </a:prstTxWarp>
@@ -4849,68 +4465,13 @@
           <a:lstStyle/>
           <a:p>
             <a:r>
-              <a:rPr lang="en-SG" dirty="0" smtClean="0">
+              <a:rPr lang="en-SG" dirty="0">
                 <a:solidFill>
                   <a:schemeClr val="tx1"/>
                 </a:solidFill>
               </a:rPr>
-              <a:t>Value</a:t>
-            </a:r>
-          </a:p>
-          <a:p>
-            <a:r>
-              <a:rPr lang="en-SG" dirty="0" smtClean="0">
-                <a:solidFill>
-                  <a:schemeClr val="tx1"/>
-                </a:solidFill>
-              </a:rPr>
-              <a:t>------------------------------</a:t>
-            </a:r>
-          </a:p>
-          <a:p>
-            <a:r>
-              <a:rPr lang="en-US" dirty="0" smtClean="0">
-                <a:solidFill>
-                  <a:schemeClr val="tx1"/>
-                </a:solidFill>
-              </a:rPr>
-              <a:t>Offset</a:t>
-            </a:r>
-          </a:p>
-          <a:p>
-            <a:r>
-              <a:rPr lang="en-US" dirty="0" smtClean="0">
-                <a:solidFill>
-                  <a:schemeClr val="tx1"/>
-                </a:solidFill>
-              </a:rPr>
-              <a:t>String </a:t>
-            </a:r>
-            <a:r>
-              <a:rPr lang="en-US" dirty="0" err="1" smtClean="0">
-                <a:solidFill>
-                  <a:schemeClr val="tx1"/>
-                </a:solidFill>
-              </a:rPr>
-              <a:t>varId</a:t>
-            </a:r>
-            <a:endParaRPr lang="en-US" dirty="0" smtClean="0">
-              <a:solidFill>
-                <a:schemeClr val="tx1"/>
-              </a:solidFill>
-            </a:endParaRPr>
-          </a:p>
-          <a:p>
-            <a:r>
-              <a:rPr lang="en-US" dirty="0" smtClean="0">
-                <a:solidFill>
-                  <a:schemeClr val="tx1"/>
-                </a:solidFill>
-              </a:rPr>
-              <a:t>Parent</a:t>
-            </a:r>
-          </a:p>
-          <a:p>
+              <a:t>Trace Header file (execution)</a:t>
+            </a:r>
             <a:endParaRPr lang="en-US" dirty="0">
               <a:solidFill>
                 <a:schemeClr val="tx1"/>
@@ -4921,10 +4482,10 @@
       </p:sp>
       <p:sp>
         <p:nvSpPr>
-          <p:cNvPr id="7" name="Rectangle 6">
-            <a:extLst>
-              <a:ext uri="{FF2B5EF4-FFF2-40B4-BE49-F238E27FC236}">
-                <a16:creationId xmlns="" xmlns:a16="http://schemas.microsoft.com/office/drawing/2014/main" id="{E3C7068E-D01A-4E3E-B8C1-55FF8AFF3342}"/>
+          <p:cNvPr id="9" name="Rectangle 8">
+            <a:extLst>
+              <a:ext uri="{FF2B5EF4-FFF2-40B4-BE49-F238E27FC236}">
+                <a16:creationId xmlns:a16="http://schemas.microsoft.com/office/drawing/2014/main" id="{41CFAC0D-FF55-41D2-8215-966C18F9A802}"/>
               </a:ext>
             </a:extLst>
           </p:cNvPr>
@@ -4933,8 +4494,8 @@
         </p:nvSpPr>
         <p:spPr>
           <a:xfrm>
-            <a:off x="9106246" y="608572"/>
-            <a:ext cx="2471017" cy="5408146"/>
+            <a:off x="1306340" y="1362237"/>
+            <a:ext cx="1724054" cy="416257"/>
           </a:xfrm>
           <a:prstGeom prst="rect">
             <a:avLst/>
@@ -4958,7 +4519,7 @@
           </a:fontRef>
         </p:style>
         <p:txBody>
-          <a:bodyPr rot="0" spcFirstLastPara="0" vertOverflow="overflow" horzOverflow="overflow" vert="horz" wrap="square" lIns="91440" tIns="45720" rIns="91440" bIns="45720" numCol="1" spcCol="0" rtlCol="0" fromWordArt="0" anchor="t" anchorCtr="0" forceAA="0" compatLnSpc="1">
+          <a:bodyPr rot="0" spcFirstLastPara="0" vertOverflow="overflow" horzOverflow="overflow" vert="horz" wrap="square" lIns="91440" tIns="45720" rIns="91440" bIns="45720" numCol="1" spcCol="0" rtlCol="0" fromWordArt="0" anchor="ctr" anchorCtr="0" forceAA="0" compatLnSpc="1">
             <a:prstTxWarp prst="textNoShape">
               <a:avLst/>
             </a:prstTxWarp>
@@ -4967,80 +4528,12 @@
           <a:lstStyle/>
           <a:p>
             <a:r>
-              <a:rPr lang="en-SG" dirty="0" smtClean="0">
+              <a:rPr lang="en-SG" dirty="0">
                 <a:solidFill>
                   <a:schemeClr val="tx1"/>
                 </a:solidFill>
               </a:rPr>
-              <a:t>Node – Value</a:t>
-            </a:r>
-          </a:p>
-          <a:p>
-            <a:r>
-              <a:rPr lang="en-SG" dirty="0" smtClean="0">
-                <a:solidFill>
-                  <a:schemeClr val="tx1"/>
-                </a:solidFill>
-              </a:rPr>
-              <a:t>Written value</a:t>
-            </a:r>
-          </a:p>
-          <a:p>
-            <a:r>
-              <a:rPr lang="en-SG" dirty="0" smtClean="0">
-                <a:solidFill>
-                  <a:schemeClr val="tx1"/>
-                </a:solidFill>
-              </a:rPr>
-              <a:t>Id – offset, offset, offset</a:t>
-            </a:r>
-          </a:p>
-          <a:p>
-            <a:endParaRPr lang="en-SG" dirty="0">
-              <a:solidFill>
-                <a:schemeClr val="tx1"/>
-              </a:solidFill>
-            </a:endParaRPr>
-          </a:p>
-          <a:p>
-            <a:endParaRPr lang="en-SG" dirty="0" smtClean="0">
-              <a:solidFill>
-                <a:schemeClr val="tx1"/>
-              </a:solidFill>
-            </a:endParaRPr>
-          </a:p>
-          <a:p>
-            <a:endParaRPr lang="en-SG" dirty="0">
-              <a:solidFill>
-                <a:schemeClr val="tx1"/>
-              </a:solidFill>
-            </a:endParaRPr>
-          </a:p>
-          <a:p>
-            <a:endParaRPr lang="en-SG" dirty="0" smtClean="0">
-              <a:solidFill>
-                <a:schemeClr val="tx1"/>
-              </a:solidFill>
-            </a:endParaRPr>
-          </a:p>
-          <a:p>
-            <a:r>
-              <a:rPr lang="en-SG" dirty="0" smtClean="0">
-                <a:solidFill>
-                  <a:schemeClr val="tx1"/>
-                </a:solidFill>
-              </a:rPr>
-              <a:t>------------------------------</a:t>
-            </a:r>
-          </a:p>
-          <a:p>
-            <a:r>
-              <a:rPr lang="en-US" dirty="0" smtClean="0">
-                <a:solidFill>
-                  <a:schemeClr val="tx1"/>
-                </a:solidFill>
-              </a:rPr>
-              <a:t> offset</a:t>
+              <a:t>Block File</a:t>
             </a:r>
             <a:endParaRPr lang="en-US" dirty="0">
               <a:solidFill>
@@ -5050,23 +4543,103 @@
           </a:p>
         </p:txBody>
       </p:sp>
+      <p:cxnSp>
+        <p:nvCxnSpPr>
+          <p:cNvPr id="10" name="Connector: Elbow 9">
+            <a:extLst>
+              <a:ext uri="{FF2B5EF4-FFF2-40B4-BE49-F238E27FC236}">
+                <a16:creationId xmlns:a16="http://schemas.microsoft.com/office/drawing/2014/main" id="{12CA1A67-9A30-4B64-8A54-7B9115C60266}"/>
+              </a:ext>
+            </a:extLst>
+          </p:cNvPr>
+          <p:cNvCxnSpPr>
+            <a:cxnSpLocks/>
+            <a:stCxn id="9" idx="2"/>
+          </p:cNvCxnSpPr>
+          <p:nvPr/>
+        </p:nvCxnSpPr>
+        <p:spPr>
+          <a:xfrm rot="16200000" flipH="1">
+            <a:off x="2895277" y="1051584"/>
+            <a:ext cx="1522338" cy="2976158"/>
+          </a:xfrm>
+          <a:prstGeom prst="bentConnector2">
+            <a:avLst/>
+          </a:prstGeom>
+          <a:ln>
+            <a:tailEnd type="triangle" w="lg" len="lg"/>
+          </a:ln>
+        </p:spPr>
+        <p:style>
+          <a:lnRef idx="1">
+            <a:schemeClr val="accent1"/>
+          </a:lnRef>
+          <a:fillRef idx="0">
+            <a:schemeClr val="accent1"/>
+          </a:fillRef>
+          <a:effectRef idx="0">
+            <a:schemeClr val="accent1"/>
+          </a:effectRef>
+          <a:fontRef idx="minor">
+            <a:schemeClr val="tx1"/>
+          </a:fontRef>
+        </p:style>
+      </p:cxnSp>
+      <p:cxnSp>
+        <p:nvCxnSpPr>
+          <p:cNvPr id="11" name="Connector: Elbow 10">
+            <a:extLst>
+              <a:ext uri="{FF2B5EF4-FFF2-40B4-BE49-F238E27FC236}">
+                <a16:creationId xmlns:a16="http://schemas.microsoft.com/office/drawing/2014/main" id="{EC0728E9-347A-43CF-B5F4-1645B132EABB}"/>
+              </a:ext>
+            </a:extLst>
+          </p:cNvPr>
+          <p:cNvCxnSpPr>
+            <a:cxnSpLocks/>
+            <a:stCxn id="8" idx="1"/>
+            <a:endCxn id="9" idx="1"/>
+          </p:cNvCxnSpPr>
+          <p:nvPr/>
+        </p:nvCxnSpPr>
+        <p:spPr>
+          <a:xfrm rot="10800000">
+            <a:off x="1306340" y="1570367"/>
+            <a:ext cx="12700" cy="2355307"/>
+          </a:xfrm>
+          <a:prstGeom prst="bentConnector3">
+            <a:avLst>
+              <a:gd name="adj1" fmla="val 6371425"/>
+            </a:avLst>
+          </a:prstGeom>
+          <a:ln>
+            <a:tailEnd type="triangle" w="lg" len="lg"/>
+          </a:ln>
+        </p:spPr>
+        <p:style>
+          <a:lnRef idx="1">
+            <a:schemeClr val="accent1"/>
+          </a:lnRef>
+          <a:fillRef idx="0">
+            <a:schemeClr val="accent1"/>
+          </a:fillRef>
+          <a:effectRef idx="0">
+            <a:schemeClr val="accent1"/>
+          </a:effectRef>
+          <a:fontRef idx="minor">
+            <a:schemeClr val="tx1"/>
+          </a:fontRef>
+        </p:style>
+      </p:cxnSp>
     </p:spTree>
     <p:extLst>
       <p:ext uri="{BB962C8B-B14F-4D97-AF65-F5344CB8AC3E}">
-        <p14:creationId xmlns:p14="http://schemas.microsoft.com/office/powerpoint/2010/main" val="593825188"/>
+        <p14:creationId xmlns:p14="http://schemas.microsoft.com/office/powerpoint/2010/main" val="3444824109"/>
       </p:ext>
     </p:extLst>
   </p:cSld>
   <p:clrMapOvr>
     <a:masterClrMapping/>
   </p:clrMapOvr>
-  <p:timing>
-    <p:tnLst>
-      <p:par>
-        <p:cTn id="1" dur="indefinite" restart="never" nodeType="tmRoot"/>
-      </p:par>
-    </p:tnLst>
-  </p:timing>
 </p:sld>
 </file>
 
@@ -5089,10 +4662,573 @@
       </p:grpSpPr>
       <p:sp>
         <p:nvSpPr>
-          <p:cNvPr id="5" name="Rectangle 4">
-            <a:extLst>
-              <a:ext uri="{FF2B5EF4-FFF2-40B4-BE49-F238E27FC236}">
-                <a16:creationId xmlns="" xmlns:a16="http://schemas.microsoft.com/office/drawing/2014/main" id="{E3C7068E-D01A-4E3E-B8C1-55FF8AFF3342}"/>
+          <p:cNvPr id="2" name="Title 1">
+            <a:extLst>
+              <a:ext uri="{FF2B5EF4-FFF2-40B4-BE49-F238E27FC236}">
+                <a16:creationId xmlns:a16="http://schemas.microsoft.com/office/drawing/2014/main" id="{CBBE3911-BB22-47FF-8FD9-8F5EC5E7C107}"/>
+              </a:ext>
+            </a:extLst>
+          </p:cNvPr>
+          <p:cNvSpPr>
+            <a:spLocks noGrp="1"/>
+          </p:cNvSpPr>
+          <p:nvPr>
+            <p:ph type="title"/>
+          </p:nvPr>
+        </p:nvSpPr>
+        <p:spPr/>
+        <p:txBody>
+          <a:bodyPr/>
+          <a:lstStyle/>
+          <a:p>
+            <a:r>
+              <a:rPr lang="en-SG" dirty="0"/>
+              <a:t>Example</a:t>
+            </a:r>
+            <a:endParaRPr lang="en-US" dirty="0"/>
+          </a:p>
+        </p:txBody>
+      </p:sp>
+      <p:sp>
+        <p:nvSpPr>
+          <p:cNvPr id="4" name="TextBox 3">
+            <a:extLst>
+              <a:ext uri="{FF2B5EF4-FFF2-40B4-BE49-F238E27FC236}">
+                <a16:creationId xmlns:a16="http://schemas.microsoft.com/office/drawing/2014/main" id="{8D950D3D-24C6-4F48-B63E-470E8435C0EB}"/>
+              </a:ext>
+            </a:extLst>
+          </p:cNvPr>
+          <p:cNvSpPr txBox="1"/>
+          <p:nvPr/>
+        </p:nvSpPr>
+        <p:spPr>
+          <a:xfrm>
+            <a:off x="587829" y="2690336"/>
+            <a:ext cx="2307771" cy="1477328"/>
+          </a:xfrm>
+          <a:prstGeom prst="rect">
+            <a:avLst/>
+          </a:prstGeom>
+          <a:noFill/>
+          <a:ln>
+            <a:solidFill>
+              <a:schemeClr val="accent1">
+                <a:shade val="50000"/>
+              </a:schemeClr>
+            </a:solidFill>
+          </a:ln>
+        </p:spPr>
+        <p:txBody>
+          <a:bodyPr wrap="square" rtlCol="0">
+            <a:spAutoFit/>
+          </a:bodyPr>
+          <a:lstStyle/>
+          <a:p>
+            <a:r>
+              <a:rPr lang="en-SG" b="1" dirty="0"/>
+              <a:t>Trace Header File:</a:t>
+            </a:r>
+          </a:p>
+          <a:p>
+            <a:endParaRPr lang="en-SG" b="1" dirty="0"/>
+          </a:p>
+          <a:p>
+            <a:r>
+              <a:rPr lang="en-SG" dirty="0"/>
+              <a:t>D:\user1\doc\1.blk;</a:t>
+            </a:r>
+          </a:p>
+          <a:p>
+            <a:r>
+              <a:rPr lang="en-SG" dirty="0"/>
+              <a:t>D:\user1\doc\2.blk;</a:t>
+            </a:r>
+          </a:p>
+          <a:p>
+            <a:r>
+              <a:rPr lang="en-SG" dirty="0"/>
+              <a:t>D:\user1\doc\3.blk</a:t>
+            </a:r>
+            <a:r>
+              <a:rPr lang="en-US" dirty="0"/>
+              <a:t>;</a:t>
+            </a:r>
+            <a:endParaRPr lang="en-SG" dirty="0"/>
+          </a:p>
+        </p:txBody>
+      </p:sp>
+      <p:sp>
+        <p:nvSpPr>
+          <p:cNvPr id="5" name="TextBox 4">
+            <a:extLst>
+              <a:ext uri="{FF2B5EF4-FFF2-40B4-BE49-F238E27FC236}">
+                <a16:creationId xmlns:a16="http://schemas.microsoft.com/office/drawing/2014/main" id="{57746609-CDBA-43F7-9225-AD83C7B115CD}"/>
+              </a:ext>
+            </a:extLst>
+          </p:cNvPr>
+          <p:cNvSpPr txBox="1"/>
+          <p:nvPr/>
+        </p:nvSpPr>
+        <p:spPr>
+          <a:xfrm>
+            <a:off x="3585030" y="708084"/>
+            <a:ext cx="3302000" cy="5909310"/>
+          </a:xfrm>
+          <a:prstGeom prst="rect">
+            <a:avLst/>
+          </a:prstGeom>
+          <a:noFill/>
+          <a:ln>
+            <a:solidFill>
+              <a:schemeClr val="accent1">
+                <a:shade val="50000"/>
+              </a:schemeClr>
+            </a:solidFill>
+          </a:ln>
+        </p:spPr>
+        <p:txBody>
+          <a:bodyPr wrap="square" rtlCol="0">
+            <a:spAutoFit/>
+          </a:bodyPr>
+          <a:lstStyle/>
+          <a:p>
+            <a:r>
+              <a:rPr lang="en-SG" b="1" dirty="0"/>
+              <a:t>D:\user1\doc\1.blk :</a:t>
+            </a:r>
+          </a:p>
+          <a:p>
+            <a:endParaRPr lang="en-SG" b="1" dirty="0"/>
+          </a:p>
+          <a:p>
+            <a:endParaRPr lang="en-SG" b="1" dirty="0"/>
+          </a:p>
+          <a:p>
+            <a:endParaRPr lang="en-SG" b="1" dirty="0"/>
+          </a:p>
+          <a:p>
+            <a:endParaRPr lang="en-SG" b="1" dirty="0"/>
+          </a:p>
+          <a:p>
+            <a:endParaRPr lang="en-SG" b="1" dirty="0"/>
+          </a:p>
+          <a:p>
+            <a:endParaRPr lang="en-SG" b="1" dirty="0"/>
+          </a:p>
+          <a:p>
+            <a:endParaRPr lang="en-SG" b="1" dirty="0"/>
+          </a:p>
+          <a:p>
+            <a:endParaRPr lang="en-SG" b="1" dirty="0"/>
+          </a:p>
+          <a:p>
+            <a:endParaRPr lang="en-SG" b="1" dirty="0"/>
+          </a:p>
+          <a:p>
+            <a:endParaRPr lang="en-SG" b="1" dirty="0"/>
+          </a:p>
+          <a:p>
+            <a:endParaRPr lang="en-SG" b="1" dirty="0"/>
+          </a:p>
+          <a:p>
+            <a:endParaRPr lang="en-SG" b="1" dirty="0"/>
+          </a:p>
+          <a:p>
+            <a:endParaRPr lang="en-SG" b="1" dirty="0"/>
+          </a:p>
+          <a:p>
+            <a:endParaRPr lang="en-SG" b="1" dirty="0"/>
+          </a:p>
+          <a:p>
+            <a:endParaRPr lang="en-SG" b="1" dirty="0"/>
+          </a:p>
+          <a:p>
+            <a:endParaRPr lang="en-SG" b="1" dirty="0"/>
+          </a:p>
+          <a:p>
+            <a:endParaRPr lang="en-SG" dirty="0"/>
+          </a:p>
+          <a:p>
+            <a:endParaRPr lang="en-SG" dirty="0"/>
+          </a:p>
+          <a:p>
+            <a:endParaRPr lang="en-SG" dirty="0"/>
+          </a:p>
+          <a:p>
+            <a:endParaRPr lang="en-SG" dirty="0"/>
+          </a:p>
+        </p:txBody>
+      </p:sp>
+      <p:sp>
+        <p:nvSpPr>
+          <p:cNvPr id="6" name="TextBox 5">
+            <a:extLst>
+              <a:ext uri="{FF2B5EF4-FFF2-40B4-BE49-F238E27FC236}">
+                <a16:creationId xmlns:a16="http://schemas.microsoft.com/office/drawing/2014/main" id="{D062C7BB-55BD-4EB5-AAE9-66B0BB77DEDB}"/>
+              </a:ext>
+            </a:extLst>
+          </p:cNvPr>
+          <p:cNvSpPr txBox="1"/>
+          <p:nvPr/>
+        </p:nvSpPr>
+        <p:spPr>
+          <a:xfrm>
+            <a:off x="3942444" y="1262081"/>
+            <a:ext cx="2587172" cy="3970318"/>
+          </a:xfrm>
+          <a:prstGeom prst="rect">
+            <a:avLst/>
+          </a:prstGeom>
+          <a:noFill/>
+          <a:ln>
+            <a:solidFill>
+              <a:schemeClr val="accent1">
+                <a:shade val="50000"/>
+              </a:schemeClr>
+            </a:solidFill>
+          </a:ln>
+        </p:spPr>
+        <p:txBody>
+          <a:bodyPr wrap="square" rtlCol="0">
+            <a:spAutoFit/>
+          </a:bodyPr>
+          <a:lstStyle/>
+          <a:p>
+            <a:r>
+              <a:rPr lang="en-SG" b="1" dirty="0"/>
+              <a:t>Trace node 1:</a:t>
+            </a:r>
+          </a:p>
+          <a:p>
+            <a:r>
+              <a:rPr lang="en-SG" dirty="0"/>
+              <a:t>Id: 0000001</a:t>
+            </a:r>
+          </a:p>
+          <a:p>
+            <a:r>
+              <a:rPr lang="en-SG" dirty="0"/>
+              <a:t>Read variable:</a:t>
+            </a:r>
+          </a:p>
+          <a:p>
+            <a:r>
+              <a:rPr lang="en-SG" dirty="0"/>
+              <a:t>- Variable-file1</a:t>
+            </a:r>
+          </a:p>
+          <a:p>
+            <a:r>
+              <a:rPr lang="en-SG" dirty="0"/>
+              <a:t>Written variable:</a:t>
+            </a:r>
+          </a:p>
+          <a:p>
+            <a:r>
+              <a:rPr lang="en-SG" dirty="0"/>
+              <a:t>- Variable-file1</a:t>
+            </a:r>
+          </a:p>
+          <a:p>
+            <a:r>
+              <a:rPr lang="en-SG" dirty="0"/>
+              <a:t>Data dependency:</a:t>
+            </a:r>
+          </a:p>
+          <a:p>
+            <a:r>
+              <a:rPr lang="en-SG" dirty="0"/>
+              <a:t>- block-file-path + id</a:t>
+            </a:r>
+          </a:p>
+          <a:p>
+            <a:r>
+              <a:rPr lang="en-SG" dirty="0"/>
+              <a:t>Control </a:t>
+            </a:r>
+            <a:r>
+              <a:rPr lang="en-SG" dirty="0" err="1"/>
+              <a:t>depdendency</a:t>
+            </a:r>
+            <a:endParaRPr lang="en-SG" dirty="0"/>
+          </a:p>
+          <a:p>
+            <a:pPr marL="285750" indent="-285750">
+              <a:buFontTx/>
+              <a:buChar char="-"/>
+            </a:pPr>
+            <a:r>
+              <a:rPr lang="en-SG" dirty="0"/>
+              <a:t>block-file-path + id</a:t>
+            </a:r>
+          </a:p>
+          <a:p>
+            <a:r>
+              <a:rPr lang="en-SG" dirty="0"/>
+              <a:t>Next Sibling</a:t>
+            </a:r>
+          </a:p>
+          <a:p>
+            <a:r>
+              <a:rPr lang="en-SG" dirty="0"/>
+              <a:t>-  block-file-path + id</a:t>
+            </a:r>
+          </a:p>
+          <a:p>
+            <a:r>
+              <a:rPr lang="en-SG" dirty="0"/>
+              <a:t>Previous sibling</a:t>
+            </a:r>
+          </a:p>
+          <a:p>
+            <a:pPr marL="285750" indent="-285750">
+              <a:buFontTx/>
+              <a:buChar char="-"/>
+            </a:pPr>
+            <a:r>
+              <a:rPr lang="en-SG" dirty="0"/>
+              <a:t>block-file-path + id</a:t>
+            </a:r>
+          </a:p>
+        </p:txBody>
+      </p:sp>
+      <p:sp>
+        <p:nvSpPr>
+          <p:cNvPr id="8" name="TextBox 7">
+            <a:extLst>
+              <a:ext uri="{FF2B5EF4-FFF2-40B4-BE49-F238E27FC236}">
+                <a16:creationId xmlns:a16="http://schemas.microsoft.com/office/drawing/2014/main" id="{A0892BC8-514A-4FF2-8DEA-7E24B4FD32B3}"/>
+              </a:ext>
+            </a:extLst>
+          </p:cNvPr>
+          <p:cNvSpPr txBox="1"/>
+          <p:nvPr/>
+        </p:nvSpPr>
+        <p:spPr>
+          <a:xfrm>
+            <a:off x="7714346" y="734814"/>
+            <a:ext cx="2307771" cy="1200329"/>
+          </a:xfrm>
+          <a:prstGeom prst="rect">
+            <a:avLst/>
+          </a:prstGeom>
+          <a:noFill/>
+          <a:ln>
+            <a:solidFill>
+              <a:schemeClr val="accent1">
+                <a:shade val="50000"/>
+              </a:schemeClr>
+            </a:solidFill>
+          </a:ln>
+        </p:spPr>
+        <p:txBody>
+          <a:bodyPr wrap="square" rtlCol="0">
+            <a:spAutoFit/>
+          </a:bodyPr>
+          <a:lstStyle/>
+          <a:p>
+            <a:r>
+              <a:rPr lang="en-SG" b="1" dirty="0"/>
+              <a:t>Variable File:</a:t>
+            </a:r>
+          </a:p>
+          <a:p>
+            <a:endParaRPr lang="en-SG" b="1" dirty="0"/>
+          </a:p>
+          <a:p>
+            <a:r>
+              <a:rPr lang="en-SG" dirty="0"/>
+              <a:t>Trace node 0000001</a:t>
+            </a:r>
+          </a:p>
+          <a:p>
+            <a:r>
+              <a:rPr lang="en-SG" dirty="0"/>
+              <a:t>Variable name/value</a:t>
+            </a:r>
+          </a:p>
+        </p:txBody>
+      </p:sp>
+      <p:cxnSp>
+        <p:nvCxnSpPr>
+          <p:cNvPr id="9" name="Connector: Elbow 8">
+            <a:extLst>
+              <a:ext uri="{FF2B5EF4-FFF2-40B4-BE49-F238E27FC236}">
+                <a16:creationId xmlns:a16="http://schemas.microsoft.com/office/drawing/2014/main" id="{F7E466F1-162D-4A4F-80B9-CA6F12A1DA47}"/>
+              </a:ext>
+            </a:extLst>
+          </p:cNvPr>
+          <p:cNvCxnSpPr>
+            <a:cxnSpLocks/>
+            <a:stCxn id="6" idx="3"/>
+            <a:endCxn id="8" idx="1"/>
+          </p:cNvCxnSpPr>
+          <p:nvPr/>
+        </p:nvCxnSpPr>
+        <p:spPr>
+          <a:xfrm flipV="1">
+            <a:off x="6529616" y="1334979"/>
+            <a:ext cx="1184730" cy="1912261"/>
+          </a:xfrm>
+          <a:prstGeom prst="bentConnector3">
+            <a:avLst>
+              <a:gd name="adj1" fmla="val 50000"/>
+            </a:avLst>
+          </a:prstGeom>
+          <a:ln>
+            <a:tailEnd type="triangle"/>
+          </a:ln>
+        </p:spPr>
+        <p:style>
+          <a:lnRef idx="1">
+            <a:schemeClr val="accent1"/>
+          </a:lnRef>
+          <a:fillRef idx="0">
+            <a:schemeClr val="accent1"/>
+          </a:fillRef>
+          <a:effectRef idx="0">
+            <a:schemeClr val="accent1"/>
+          </a:effectRef>
+          <a:fontRef idx="minor">
+            <a:schemeClr val="tx1"/>
+          </a:fontRef>
+        </p:style>
+      </p:cxnSp>
+      <p:cxnSp>
+        <p:nvCxnSpPr>
+          <p:cNvPr id="17" name="Connector: Elbow 16">
+            <a:extLst>
+              <a:ext uri="{FF2B5EF4-FFF2-40B4-BE49-F238E27FC236}">
+                <a16:creationId xmlns:a16="http://schemas.microsoft.com/office/drawing/2014/main" id="{651518F2-BB22-4628-8296-6CFB31EDC1BC}"/>
+              </a:ext>
+            </a:extLst>
+          </p:cNvPr>
+          <p:cNvCxnSpPr>
+            <a:cxnSpLocks/>
+            <a:stCxn id="4" idx="3"/>
+            <a:endCxn id="5" idx="1"/>
+          </p:cNvCxnSpPr>
+          <p:nvPr/>
+        </p:nvCxnSpPr>
+        <p:spPr>
+          <a:xfrm>
+            <a:off x="2895600" y="3429000"/>
+            <a:ext cx="689430" cy="233739"/>
+          </a:xfrm>
+          <a:prstGeom prst="bentConnector3">
+            <a:avLst>
+              <a:gd name="adj1" fmla="val 50000"/>
+            </a:avLst>
+          </a:prstGeom>
+          <a:ln>
+            <a:tailEnd type="triangle"/>
+          </a:ln>
+        </p:spPr>
+        <p:style>
+          <a:lnRef idx="1">
+            <a:schemeClr val="accent1"/>
+          </a:lnRef>
+          <a:fillRef idx="0">
+            <a:schemeClr val="accent1"/>
+          </a:fillRef>
+          <a:effectRef idx="0">
+            <a:schemeClr val="accent1"/>
+          </a:effectRef>
+          <a:fontRef idx="minor">
+            <a:schemeClr val="tx1"/>
+          </a:fontRef>
+        </p:style>
+      </p:cxnSp>
+      <p:sp>
+        <p:nvSpPr>
+          <p:cNvPr id="21" name="TextBox 20">
+            <a:extLst>
+              <a:ext uri="{FF2B5EF4-FFF2-40B4-BE49-F238E27FC236}">
+                <a16:creationId xmlns:a16="http://schemas.microsoft.com/office/drawing/2014/main" id="{965AD791-640E-468F-B0CB-A1816EFA8DEE}"/>
+              </a:ext>
+            </a:extLst>
+          </p:cNvPr>
+          <p:cNvSpPr txBox="1"/>
+          <p:nvPr/>
+        </p:nvSpPr>
+        <p:spPr>
+          <a:xfrm>
+            <a:off x="3942444" y="5397629"/>
+            <a:ext cx="2587172" cy="923330"/>
+          </a:xfrm>
+          <a:prstGeom prst="rect">
+            <a:avLst/>
+          </a:prstGeom>
+          <a:noFill/>
+          <a:ln>
+            <a:solidFill>
+              <a:schemeClr val="accent1">
+                <a:shade val="50000"/>
+              </a:schemeClr>
+            </a:solidFill>
+          </a:ln>
+        </p:spPr>
+        <p:txBody>
+          <a:bodyPr wrap="square" rtlCol="0">
+            <a:spAutoFit/>
+          </a:bodyPr>
+          <a:lstStyle/>
+          <a:p>
+            <a:r>
+              <a:rPr lang="en-SG" b="1" dirty="0"/>
+              <a:t>Trace node 1:</a:t>
+            </a:r>
+          </a:p>
+          <a:p>
+            <a:r>
+              <a:rPr lang="en-SG" dirty="0"/>
+              <a:t>Id: 0000002</a:t>
+            </a:r>
+          </a:p>
+          <a:p>
+            <a:r>
+              <a:rPr lang="en-SG" dirty="0"/>
+              <a:t>…</a:t>
+            </a:r>
+          </a:p>
+        </p:txBody>
+      </p:sp>
+    </p:spTree>
+    <p:extLst>
+      <p:ext uri="{BB962C8B-B14F-4D97-AF65-F5344CB8AC3E}">
+        <p14:creationId xmlns:p14="http://schemas.microsoft.com/office/powerpoint/2010/main" val="2388796992"/>
+      </p:ext>
+    </p:extLst>
+  </p:cSld>
+  <p:clrMapOvr>
+    <a:masterClrMapping/>
+  </p:clrMapOvr>
+</p:sld>
+</file>
+
+<file path=ppt/slides/slide14.xml><?xml version="1.0" encoding="utf-8"?>
+<p:sld xmlns:a="http://schemas.openxmlformats.org/drawingml/2006/main" xmlns:r="http://schemas.openxmlformats.org/officeDocument/2006/relationships" xmlns:p="http://schemas.openxmlformats.org/presentationml/2006/main">
+  <p:cSld>
+    <p:spTree>
+      <p:nvGrpSpPr>
+        <p:cNvPr id="1" name=""/>
+        <p:cNvGrpSpPr/>
+        <p:nvPr/>
+      </p:nvGrpSpPr>
+      <p:grpSpPr>
+        <a:xfrm>
+          <a:off x="0" y="0"/>
+          <a:ext cx="0" cy="0"/>
+          <a:chOff x="0" y="0"/>
+          <a:chExt cx="0" cy="0"/>
+        </a:xfrm>
+      </p:grpSpPr>
+      <p:sp>
+        <p:nvSpPr>
+          <p:cNvPr id="4" name="Rectangle 3">
+            <a:extLst>
+              <a:ext uri="{FF2B5EF4-FFF2-40B4-BE49-F238E27FC236}">
+                <a16:creationId xmlns:a16="http://schemas.microsoft.com/office/drawing/2014/main" id="{E3C7068E-D01A-4E3E-B8C1-55FF8AFF3342}"/>
               </a:ext>
             </a:extLst>
           </p:cNvPr>
@@ -5101,8 +5237,8 @@
         </p:nvSpPr>
         <p:spPr>
           <a:xfrm>
-            <a:off x="522104" y="643333"/>
-            <a:ext cx="2477950" cy="5408146"/>
+            <a:off x="3333868" y="643333"/>
+            <a:ext cx="2399112" cy="5408146"/>
           </a:xfrm>
           <a:prstGeom prst="rect">
             <a:avLst/>
@@ -5135,22 +5271,17 @@
           <a:lstStyle/>
           <a:p>
             <a:r>
-              <a:rPr lang="en-SG" dirty="0" err="1" smtClean="0">
+              <a:rPr lang="en-SG" dirty="0">
                 <a:solidFill>
                   <a:schemeClr val="tx1"/>
                 </a:solidFill>
               </a:rPr>
-              <a:t>VariableStore</a:t>
-            </a:r>
-            <a:endParaRPr lang="en-SG" dirty="0" smtClean="0">
-              <a:solidFill>
-                <a:schemeClr val="tx1"/>
-              </a:solidFill>
-            </a:endParaRPr>
-          </a:p>
-          <a:p>
-            <a:r>
-              <a:rPr lang="en-SG" dirty="0" smtClean="0">
+              <a:t>Variable - Node</a:t>
+            </a:r>
+          </a:p>
+          <a:p>
+            <a:r>
+              <a:rPr lang="en-SG" dirty="0">
                 <a:solidFill>
                   <a:schemeClr val="tx1"/>
                 </a:solidFill>
@@ -5160,64 +5291,35 @@
           </a:p>
           <a:p>
             <a:r>
-              <a:rPr lang="en-SG" dirty="0" smtClean="0">
+              <a:rPr lang="en-SG" dirty="0">
                 <a:solidFill>
                   <a:schemeClr val="tx1"/>
                 </a:solidFill>
               </a:rPr>
-              <a:t>Map&lt;</a:t>
-            </a:r>
-            <a:r>
-              <a:rPr lang="en-SG" dirty="0" err="1" smtClean="0">
+              <a:t>Node – PR </a:t>
+            </a:r>
+          </a:p>
+          <a:p>
+            <a:r>
+              <a:rPr lang="en-SG" dirty="0">
                 <a:solidFill>
                   <a:schemeClr val="tx1"/>
                 </a:solidFill>
               </a:rPr>
-              <a:t>VarId</a:t>
-            </a:r>
-            <a:r>
-              <a:rPr lang="en-SG" dirty="0" smtClean="0">
+              <a:t>Node – CO</a:t>
+            </a:r>
+          </a:p>
+          <a:p>
+            <a:r>
+              <a:rPr lang="en-SG" dirty="0">
                 <a:solidFill>
                   <a:schemeClr val="tx1"/>
                 </a:solidFill>
               </a:rPr>
-              <a:t>, Variable&gt;</a:t>
-            </a:r>
-          </a:p>
-          <a:p>
-            <a:r>
-              <a:rPr lang="en-SG" dirty="0" smtClean="0">
-                <a:solidFill>
-                  <a:schemeClr val="tx1"/>
-                </a:solidFill>
-              </a:rPr>
-              <a:t>Variable</a:t>
-            </a:r>
-          </a:p>
-          <a:p>
-            <a:endParaRPr lang="en-SG" dirty="0" smtClean="0">
-              <a:solidFill>
-                <a:schemeClr val="tx1"/>
-              </a:solidFill>
-            </a:endParaRPr>
-          </a:p>
-          <a:p>
-            <a:r>
-              <a:rPr lang="en-SG" dirty="0">
-                <a:solidFill>
-                  <a:schemeClr val="tx1"/>
-                </a:solidFill>
-              </a:rPr>
-              <a:t>//get or </a:t>
-            </a:r>
-            <a:r>
-              <a:rPr lang="en-SG" dirty="0" smtClean="0">
-                <a:solidFill>
-                  <a:schemeClr val="tx1"/>
-                </a:solidFill>
-              </a:rPr>
-              <a:t>create</a:t>
-            </a:r>
+              <a:t>Node – DEF</a:t>
+            </a:r>
+          </a:p>
+          <a:p>
             <a:endParaRPr lang="en-SG" dirty="0">
               <a:solidFill>
                 <a:schemeClr val="tx1"/>
@@ -5225,54 +5327,6 @@
             </a:endParaRPr>
           </a:p>
           <a:p>
-            <a:r>
-              <a:rPr lang="en-SG" dirty="0" err="1" smtClean="0">
-                <a:solidFill>
-                  <a:schemeClr val="tx1"/>
-                </a:solidFill>
-              </a:rPr>
-              <a:t>loadVariable</a:t>
-            </a:r>
-            <a:r>
-              <a:rPr lang="en-SG" dirty="0" smtClean="0">
-                <a:solidFill>
-                  <a:schemeClr val="tx1"/>
-                </a:solidFill>
-              </a:rPr>
-              <a:t>(</a:t>
-            </a:r>
-            <a:r>
-              <a:rPr lang="en-SG" dirty="0" err="1" smtClean="0">
-                <a:solidFill>
-                  <a:schemeClr val="tx1"/>
-                </a:solidFill>
-              </a:rPr>
-              <a:t>VarId</a:t>
-            </a:r>
-            <a:r>
-              <a:rPr lang="en-SG" dirty="0" smtClean="0">
-                <a:solidFill>
-                  <a:schemeClr val="tx1"/>
-                </a:solidFill>
-              </a:rPr>
-              <a:t>)</a:t>
-            </a:r>
-          </a:p>
-          <a:p>
-            <a:endParaRPr lang="en-SG" dirty="0" smtClean="0">
-              <a:solidFill>
-                <a:schemeClr val="tx1"/>
-              </a:solidFill>
-            </a:endParaRPr>
-          </a:p>
-          <a:p>
-            <a:endParaRPr lang="en-SG" dirty="0" smtClean="0">
-              <a:solidFill>
-                <a:schemeClr val="tx1"/>
-              </a:solidFill>
-            </a:endParaRPr>
-          </a:p>
-          <a:p>
             <a:endParaRPr lang="en-US" dirty="0">
               <a:solidFill>
                 <a:schemeClr val="tx1"/>
@@ -5283,10 +5337,10 @@
       </p:sp>
       <p:sp>
         <p:nvSpPr>
-          <p:cNvPr id="6" name="Rectangle 5">
-            <a:extLst>
-              <a:ext uri="{FF2B5EF4-FFF2-40B4-BE49-F238E27FC236}">
-                <a16:creationId xmlns="" xmlns:a16="http://schemas.microsoft.com/office/drawing/2014/main" id="{E3C7068E-D01A-4E3E-B8C1-55FF8AFF3342}"/>
+          <p:cNvPr id="5" name="Rectangle 4">
+            <a:extLst>
+              <a:ext uri="{FF2B5EF4-FFF2-40B4-BE49-F238E27FC236}">
+                <a16:creationId xmlns:a16="http://schemas.microsoft.com/office/drawing/2014/main" id="{E3C7068E-D01A-4E3E-B8C1-55FF8AFF3342}"/>
               </a:ext>
             </a:extLst>
           </p:cNvPr>
@@ -5295,8 +5349,8 @@
         </p:nvSpPr>
         <p:spPr>
           <a:xfrm>
-            <a:off x="6539419" y="643333"/>
-            <a:ext cx="2471017" cy="5408146"/>
+            <a:off x="522104" y="643333"/>
+            <a:ext cx="2477950" cy="5408146"/>
           </a:xfrm>
           <a:prstGeom prst="rect">
             <a:avLst/>
@@ -5329,17 +5383,17 @@
           <a:lstStyle/>
           <a:p>
             <a:r>
-              <a:rPr lang="en-SG" dirty="0" smtClean="0">
+              <a:rPr lang="en-SG" dirty="0">
                 <a:solidFill>
                   <a:schemeClr val="tx1"/>
                 </a:solidFill>
               </a:rPr>
-              <a:t>Variables</a:t>
-            </a:r>
-          </a:p>
-          <a:p>
-            <a:r>
-              <a:rPr lang="en-SG" dirty="0" smtClean="0">
+              <a:t>Node - Variable</a:t>
+            </a:r>
+          </a:p>
+          <a:p>
+            <a:r>
+              <a:rPr lang="en-SG" dirty="0">
                 <a:solidFill>
                   <a:schemeClr val="tx1"/>
                 </a:solidFill>
@@ -5349,46 +5403,64 @@
           </a:p>
           <a:p>
             <a:r>
-              <a:rPr lang="en-US" dirty="0" smtClean="0">
+              <a:rPr lang="en-SG" dirty="0" err="1">
                 <a:solidFill>
                   <a:schemeClr val="tx1"/>
                 </a:solidFill>
               </a:rPr>
-              <a:t>Offset</a:t>
-            </a:r>
-          </a:p>
-          <a:p>
-            <a:r>
-              <a:rPr lang="en-US" dirty="0" smtClean="0">
+              <a:t>Var</a:t>
+            </a:r>
+            <a:r>
+              <a:rPr lang="en-SG" dirty="0">
                 <a:solidFill>
                   <a:schemeClr val="tx1"/>
                 </a:solidFill>
               </a:rPr>
-              <a:t>String </a:t>
-            </a:r>
-            <a:r>
-              <a:rPr lang="en-US" dirty="0" err="1" smtClean="0">
+              <a:t> – PR</a:t>
+            </a:r>
+          </a:p>
+          <a:p>
+            <a:r>
+              <a:rPr lang="en-SG" dirty="0" err="1">
                 <a:solidFill>
                   <a:schemeClr val="tx1"/>
                 </a:solidFill>
               </a:rPr>
-              <a:t>varId</a:t>
-            </a:r>
-            <a:endParaRPr lang="en-US" dirty="0" smtClean="0">
+              <a:t>Var</a:t>
+            </a:r>
+            <a:r>
+              <a:rPr lang="en-SG" dirty="0">
+                <a:solidFill>
+                  <a:schemeClr val="tx1"/>
+                </a:solidFill>
+              </a:rPr>
+              <a:t> – CO</a:t>
+            </a:r>
+          </a:p>
+          <a:p>
+            <a:r>
+              <a:rPr lang="en-SG" dirty="0" err="1">
+                <a:solidFill>
+                  <a:schemeClr val="tx1"/>
+                </a:solidFill>
+              </a:rPr>
+              <a:t>Var</a:t>
+            </a:r>
+            <a:r>
+              <a:rPr lang="en-SG" dirty="0">
+                <a:solidFill>
+                  <a:schemeClr val="tx1"/>
+                </a:solidFill>
+              </a:rPr>
+              <a:t> – DEF</a:t>
+            </a:r>
+          </a:p>
+          <a:p>
+            <a:endParaRPr lang="en-SG" dirty="0">
               <a:solidFill>
                 <a:schemeClr val="tx1"/>
               </a:solidFill>
             </a:endParaRPr>
-          </a:p>
-          <a:p>
-            <a:r>
-              <a:rPr lang="en-US" dirty="0" smtClean="0">
-                <a:solidFill>
-                  <a:schemeClr val="tx1"/>
-                </a:solidFill>
-              </a:rPr>
-              <a:t>Parent</a:t>
-            </a:r>
           </a:p>
           <a:p>
             <a:endParaRPr lang="en-US" dirty="0">
@@ -5401,10 +5473,10 @@
       </p:sp>
       <p:sp>
         <p:nvSpPr>
-          <p:cNvPr id="7" name="Rectangle 6">
-            <a:extLst>
-              <a:ext uri="{FF2B5EF4-FFF2-40B4-BE49-F238E27FC236}">
-                <a16:creationId xmlns="" xmlns:a16="http://schemas.microsoft.com/office/drawing/2014/main" id="{E3C7068E-D01A-4E3E-B8C1-55FF8AFF3342}"/>
+          <p:cNvPr id="6" name="Rectangle 5">
+            <a:extLst>
+              <a:ext uri="{FF2B5EF4-FFF2-40B4-BE49-F238E27FC236}">
+                <a16:creationId xmlns:a16="http://schemas.microsoft.com/office/drawing/2014/main" id="{E3C7068E-D01A-4E3E-B8C1-55FF8AFF3342}"/>
               </a:ext>
             </a:extLst>
           </p:cNvPr>
@@ -5413,7 +5485,7 @@
         </p:nvSpPr>
         <p:spPr>
           <a:xfrm>
-            <a:off x="3568475" y="654292"/>
+            <a:off x="6149000" y="608572"/>
             <a:ext cx="2471017" cy="5408146"/>
           </a:xfrm>
           <a:prstGeom prst="rect">
@@ -5447,17 +5519,17 @@
           <a:lstStyle/>
           <a:p>
             <a:r>
-              <a:rPr lang="en-SG" dirty="0" smtClean="0">
+              <a:rPr lang="en-SG" dirty="0">
                 <a:solidFill>
                   <a:schemeClr val="tx1"/>
                 </a:solidFill>
               </a:rPr>
-              <a:t>Values</a:t>
-            </a:r>
-          </a:p>
-          <a:p>
-            <a:r>
-              <a:rPr lang="en-SG" dirty="0" smtClean="0">
+              <a:t>Value</a:t>
+            </a:r>
+          </a:p>
+          <a:p>
+            <a:r>
+              <a:rPr lang="en-SG" dirty="0">
                 <a:solidFill>
                   <a:schemeClr val="tx1"/>
                 </a:solidFill>
@@ -5467,7 +5539,7 @@
           </a:p>
           <a:p>
             <a:r>
-              <a:rPr lang="en-US" dirty="0" smtClean="0">
+              <a:rPr lang="en-US" dirty="0">
                 <a:solidFill>
                   <a:schemeClr val="tx1"/>
                 </a:solidFill>
@@ -5477,32 +5549,22 @@
           </a:p>
           <a:p>
             <a:r>
-              <a:rPr lang="en-US" dirty="0" smtClean="0">
+              <a:rPr lang="en-US" dirty="0">
                 <a:solidFill>
                   <a:schemeClr val="tx1"/>
                 </a:solidFill>
               </a:rPr>
-              <a:t>----------------</a:t>
-            </a:r>
-          </a:p>
-          <a:p>
-            <a:r>
-              <a:rPr lang="en-US" dirty="0" smtClean="0">
+              <a:t>String </a:t>
+            </a:r>
+            <a:r>
+              <a:rPr lang="en-US" dirty="0" err="1">
                 <a:solidFill>
                   <a:schemeClr val="tx1"/>
                 </a:solidFill>
               </a:rPr>
-              <a:t>String </a:t>
-            </a:r>
-            <a:r>
-              <a:rPr lang="en-US" dirty="0" err="1" smtClean="0">
-                <a:solidFill>
-                  <a:schemeClr val="tx1"/>
-                </a:solidFill>
-              </a:rPr>
               <a:t>varId</a:t>
             </a:r>
-            <a:endParaRPr lang="en-US" dirty="0" smtClean="0">
+            <a:endParaRPr lang="en-US" dirty="0">
               <a:solidFill>
                 <a:schemeClr val="tx1"/>
               </a:solidFill>
@@ -5510,134 +5572,122 @@
           </a:p>
           <a:p>
             <a:r>
-              <a:rPr lang="en-US" dirty="0" smtClean="0">
+              <a:rPr lang="en-US" dirty="0">
                 <a:solidFill>
                   <a:schemeClr val="tx1"/>
                 </a:solidFill>
               </a:rPr>
-              <a:t>String </a:t>
-            </a:r>
-            <a:r>
-              <a:rPr lang="en-US" dirty="0" err="1" smtClean="0">
-                <a:solidFill>
-                  <a:schemeClr val="tx1"/>
-                </a:solidFill>
-              </a:rPr>
-              <a:t>stringValue</a:t>
-            </a:r>
-            <a:endParaRPr lang="en-US" dirty="0" smtClean="0">
+              <a:t>Parent</a:t>
+            </a:r>
+          </a:p>
+          <a:p>
+            <a:endParaRPr lang="en-US" dirty="0">
               <a:solidFill>
                 <a:schemeClr val="tx1"/>
               </a:solidFill>
             </a:endParaRPr>
           </a:p>
-          <a:p>
-            <a:r>
-              <a:rPr lang="en-US" dirty="0" smtClean="0">
+        </p:txBody>
+      </p:sp>
+      <p:sp>
+        <p:nvSpPr>
+          <p:cNvPr id="7" name="Rectangle 6">
+            <a:extLst>
+              <a:ext uri="{FF2B5EF4-FFF2-40B4-BE49-F238E27FC236}">
+                <a16:creationId xmlns:a16="http://schemas.microsoft.com/office/drawing/2014/main" id="{E3C7068E-D01A-4E3E-B8C1-55FF8AFF3342}"/>
+              </a:ext>
+            </a:extLst>
+          </p:cNvPr>
+          <p:cNvSpPr/>
+          <p:nvPr/>
+        </p:nvSpPr>
+        <p:spPr>
+          <a:xfrm>
+            <a:off x="9106246" y="608572"/>
+            <a:ext cx="2471017" cy="5408146"/>
+          </a:xfrm>
+          <a:prstGeom prst="rect">
+            <a:avLst/>
+          </a:prstGeom>
+          <a:noFill/>
+        </p:spPr>
+        <p:style>
+          <a:lnRef idx="2">
+            <a:schemeClr val="accent1">
+              <a:shade val="50000"/>
+            </a:schemeClr>
+          </a:lnRef>
+          <a:fillRef idx="1">
+            <a:schemeClr val="accent1"/>
+          </a:fillRef>
+          <a:effectRef idx="0">
+            <a:schemeClr val="accent1"/>
+          </a:effectRef>
+          <a:fontRef idx="minor">
+            <a:schemeClr val="lt1"/>
+          </a:fontRef>
+        </p:style>
+        <p:txBody>
+          <a:bodyPr rot="0" spcFirstLastPara="0" vertOverflow="overflow" horzOverflow="overflow" vert="horz" wrap="square" lIns="91440" tIns="45720" rIns="91440" bIns="45720" numCol="1" spcCol="0" rtlCol="0" fromWordArt="0" anchor="t" anchorCtr="0" forceAA="0" compatLnSpc="1">
+            <a:prstTxWarp prst="textNoShape">
+              <a:avLst/>
+            </a:prstTxWarp>
+            <a:noAutofit/>
+          </a:bodyPr>
+          <a:lstStyle/>
+          <a:p>
+            <a:r>
+              <a:rPr lang="en-SG" dirty="0">
                 <a:solidFill>
                   <a:schemeClr val="tx1"/>
                 </a:solidFill>
               </a:rPr>
-              <a:t>P1</a:t>
-            </a:r>
-          </a:p>
-          <a:p>
-            <a:r>
-              <a:rPr lang="en-US" dirty="0" smtClean="0">
+              <a:t>Node – Value</a:t>
+            </a:r>
+          </a:p>
+          <a:p>
+            <a:r>
+              <a:rPr lang="en-SG" dirty="0">
                 <a:solidFill>
                   <a:schemeClr val="tx1"/>
                 </a:solidFill>
               </a:rPr>
-              <a:t> </a:t>
-            </a:r>
-            <a:r>
-              <a:rPr lang="en-US" dirty="0" err="1" smtClean="0">
+              <a:t>Written value</a:t>
+            </a:r>
+          </a:p>
+          <a:p>
+            <a:r>
+              <a:rPr lang="en-SG" dirty="0">
                 <a:solidFill>
                   <a:schemeClr val="tx1"/>
                 </a:solidFill>
               </a:rPr>
-              <a:t>varId</a:t>
-            </a:r>
-            <a:endParaRPr lang="en-US" dirty="0" smtClean="0">
+              <a:t>Id – offset, offset, offset</a:t>
+            </a:r>
+          </a:p>
+          <a:p>
+            <a:endParaRPr lang="en-SG" dirty="0">
               <a:solidFill>
                 <a:schemeClr val="tx1"/>
               </a:solidFill>
             </a:endParaRPr>
           </a:p>
           <a:p>
-            <a:r>
-              <a:rPr lang="en-US" dirty="0" smtClean="0">
-                <a:solidFill>
-                  <a:schemeClr val="tx1"/>
-                </a:solidFill>
-              </a:rPr>
-              <a:t> </a:t>
-            </a:r>
-            <a:r>
-              <a:rPr lang="en-US" dirty="0" err="1" smtClean="0">
-                <a:solidFill>
-                  <a:schemeClr val="tx1"/>
-                </a:solidFill>
-              </a:rPr>
-              <a:t>stringValue</a:t>
-            </a:r>
-            <a:endParaRPr lang="en-US" dirty="0" smtClean="0">
+            <a:endParaRPr lang="en-SG" dirty="0">
               <a:solidFill>
                 <a:schemeClr val="tx1"/>
               </a:solidFill>
             </a:endParaRPr>
           </a:p>
           <a:p>
-            <a:r>
-              <a:rPr lang="en-US" dirty="0" smtClean="0">
-                <a:solidFill>
-                  <a:schemeClr val="tx1"/>
-                </a:solidFill>
-              </a:rPr>
-              <a:t>P12</a:t>
-            </a:r>
-          </a:p>
-          <a:p>
-            <a:r>
-              <a:rPr lang="en-US" dirty="0" smtClean="0">
-                <a:solidFill>
-                  <a:schemeClr val="tx1"/>
-                </a:solidFill>
-              </a:rPr>
-              <a:t> </a:t>
-            </a:r>
-            <a:r>
-              <a:rPr lang="en-US" dirty="0" err="1" smtClean="0">
-                <a:solidFill>
-                  <a:schemeClr val="tx1"/>
-                </a:solidFill>
-              </a:rPr>
-              <a:t>varId</a:t>
-            </a:r>
-            <a:endParaRPr lang="en-US" dirty="0" smtClean="0">
+            <a:endParaRPr lang="en-SG" dirty="0">
               <a:solidFill>
                 <a:schemeClr val="tx1"/>
               </a:solidFill>
             </a:endParaRPr>
           </a:p>
           <a:p>
-            <a:r>
-              <a:rPr lang="en-US" dirty="0" smtClean="0">
-                <a:solidFill>
-                  <a:schemeClr val="tx1"/>
-                </a:solidFill>
-              </a:rPr>
-              <a:t> </a:t>
-            </a:r>
-            <a:r>
-              <a:rPr lang="en-US" dirty="0" err="1" smtClean="0">
-                <a:solidFill>
-                  <a:schemeClr val="tx1"/>
-                </a:solidFill>
-              </a:rPr>
-              <a:t>stringValue</a:t>
-            </a:r>
-            <a:endParaRPr lang="en-US" dirty="0" smtClean="0">
+            <a:endParaRPr lang="en-SG" dirty="0">
               <a:solidFill>
                 <a:schemeClr val="tx1"/>
               </a:solidFill>
@@ -5645,32 +5695,112 @@
           </a:p>
           <a:p>
             <a:r>
-              <a:rPr lang="en-US" dirty="0" smtClean="0">
+              <a:rPr lang="en-SG" dirty="0">
                 <a:solidFill>
                   <a:schemeClr val="tx1"/>
                 </a:solidFill>
               </a:rPr>
-              <a:t>P3</a:t>
-            </a:r>
-          </a:p>
-          <a:p>
-            <a:r>
-              <a:rPr lang="en-US" dirty="0" smtClean="0">
+              <a:t>------------------------------</a:t>
+            </a:r>
+          </a:p>
+          <a:p>
+            <a:r>
+              <a:rPr lang="en-US" dirty="0">
                 <a:solidFill>
                   <a:schemeClr val="tx1"/>
                 </a:solidFill>
               </a:rPr>
-              <a:t> </a:t>
-            </a:r>
-            <a:r>
-              <a:rPr lang="en-US" dirty="0" err="1" smtClean="0">
+              <a:t> offset</a:t>
+            </a:r>
+          </a:p>
+        </p:txBody>
+      </p:sp>
+    </p:spTree>
+    <p:extLst>
+      <p:ext uri="{BB962C8B-B14F-4D97-AF65-F5344CB8AC3E}">
+        <p14:creationId xmlns:p14="http://schemas.microsoft.com/office/powerpoint/2010/main" val="593825188"/>
+      </p:ext>
+    </p:extLst>
+  </p:cSld>
+  <p:clrMapOvr>
+    <a:masterClrMapping/>
+  </p:clrMapOvr>
+</p:sld>
+</file>
+
+<file path=ppt/slides/slide15.xml><?xml version="1.0" encoding="utf-8"?>
+<p:sld xmlns:a="http://schemas.openxmlformats.org/drawingml/2006/main" xmlns:r="http://schemas.openxmlformats.org/officeDocument/2006/relationships" xmlns:p="http://schemas.openxmlformats.org/presentationml/2006/main">
+  <p:cSld>
+    <p:spTree>
+      <p:nvGrpSpPr>
+        <p:cNvPr id="1" name=""/>
+        <p:cNvGrpSpPr/>
+        <p:nvPr/>
+      </p:nvGrpSpPr>
+      <p:grpSpPr>
+        <a:xfrm>
+          <a:off x="0" y="0"/>
+          <a:ext cx="0" cy="0"/>
+          <a:chOff x="0" y="0"/>
+          <a:chExt cx="0" cy="0"/>
+        </a:xfrm>
+      </p:grpSpPr>
+      <p:sp>
+        <p:nvSpPr>
+          <p:cNvPr id="5" name="Rectangle 4">
+            <a:extLst>
+              <a:ext uri="{FF2B5EF4-FFF2-40B4-BE49-F238E27FC236}">
+                <a16:creationId xmlns:a16="http://schemas.microsoft.com/office/drawing/2014/main" id="{E3C7068E-D01A-4E3E-B8C1-55FF8AFF3342}"/>
+              </a:ext>
+            </a:extLst>
+          </p:cNvPr>
+          <p:cNvSpPr/>
+          <p:nvPr/>
+        </p:nvSpPr>
+        <p:spPr>
+          <a:xfrm>
+            <a:off x="522104" y="643333"/>
+            <a:ext cx="2477950" cy="5408146"/>
+          </a:xfrm>
+          <a:prstGeom prst="rect">
+            <a:avLst/>
+          </a:prstGeom>
+          <a:noFill/>
+        </p:spPr>
+        <p:style>
+          <a:lnRef idx="2">
+            <a:schemeClr val="accent1">
+              <a:shade val="50000"/>
+            </a:schemeClr>
+          </a:lnRef>
+          <a:fillRef idx="1">
+            <a:schemeClr val="accent1"/>
+          </a:fillRef>
+          <a:effectRef idx="0">
+            <a:schemeClr val="accent1"/>
+          </a:effectRef>
+          <a:fontRef idx="minor">
+            <a:schemeClr val="lt1"/>
+          </a:fontRef>
+        </p:style>
+        <p:txBody>
+          <a:bodyPr rot="0" spcFirstLastPara="0" vertOverflow="overflow" horzOverflow="overflow" vert="horz" wrap="square" lIns="91440" tIns="45720" rIns="91440" bIns="45720" numCol="1" spcCol="0" rtlCol="0" fromWordArt="0" anchor="t" anchorCtr="0" forceAA="0" compatLnSpc="1">
+            <a:prstTxWarp prst="textNoShape">
+              <a:avLst/>
+            </a:prstTxWarp>
+            <a:noAutofit/>
+          </a:bodyPr>
+          <a:lstStyle/>
+          <a:p>
+            <a:r>
+              <a:rPr lang="en-SG" dirty="0" err="1">
                 <a:solidFill>
                   <a:schemeClr val="tx1"/>
                 </a:solidFill>
               </a:rPr>
-              <a:t>varId</a:t>
-            </a:r>
-            <a:endParaRPr lang="en-US" dirty="0" smtClean="0">
+              <a:t>VariableStore</a:t>
+            </a:r>
+            <a:endParaRPr lang="en-SG" dirty="0">
               <a:solidFill>
                 <a:schemeClr val="tx1"/>
               </a:solidFill>
@@ -5678,22 +5808,52 @@
           </a:p>
           <a:p>
             <a:r>
-              <a:rPr lang="en-US" dirty="0" smtClean="0">
+              <a:rPr lang="en-SG" dirty="0">
                 <a:solidFill>
                   <a:schemeClr val="tx1"/>
                 </a:solidFill>
               </a:rPr>
-              <a:t> </a:t>
-            </a:r>
-            <a:r>
-              <a:rPr lang="en-US" dirty="0" err="1" smtClean="0">
+              <a:t>------------------------------</a:t>
+            </a:r>
+          </a:p>
+          <a:p>
+            <a:r>
+              <a:rPr lang="en-SG" dirty="0">
                 <a:solidFill>
                   <a:schemeClr val="tx1"/>
                 </a:solidFill>
               </a:rPr>
-              <a:t>stringValue</a:t>
-            </a:r>
-            <a:endParaRPr lang="en-US" dirty="0" smtClean="0">
+              <a:t>Map&lt;</a:t>
+            </a:r>
+            <a:r>
+              <a:rPr lang="en-SG" dirty="0" err="1">
+                <a:solidFill>
+                  <a:schemeClr val="tx1"/>
+                </a:solidFill>
+              </a:rPr>
+              <a:t>VarId</a:t>
+            </a:r>
+            <a:r>
+              <a:rPr lang="en-SG" dirty="0">
+                <a:solidFill>
+                  <a:schemeClr val="tx1"/>
+                </a:solidFill>
+              </a:rPr>
+              <a:t>, Variable&gt;</a:t>
+            </a:r>
+          </a:p>
+          <a:p>
+            <a:r>
+              <a:rPr lang="en-SG" dirty="0">
+                <a:solidFill>
+                  <a:schemeClr val="tx1"/>
+                </a:solidFill>
+              </a:rPr>
+              <a:t>Variable</a:t>
+            </a:r>
+          </a:p>
+          <a:p>
+            <a:endParaRPr lang="en-SG" dirty="0">
               <a:solidFill>
                 <a:schemeClr val="tx1"/>
               </a:solidFill>
@@ -5701,73 +5861,558 @@
           </a:p>
           <a:p>
             <a:r>
-              <a:rPr lang="en-US" dirty="0" smtClean="0">
+              <a:rPr lang="en-SG" dirty="0">
                 <a:solidFill>
                   <a:schemeClr val="tx1"/>
                 </a:solidFill>
               </a:rPr>
-              <a:t>C1</a:t>
-            </a:r>
-          </a:p>
-          <a:p>
-            <a:r>
-              <a:rPr lang="en-US" dirty="0" smtClean="0">
+              <a:t>//get or create</a:t>
+            </a:r>
+          </a:p>
+          <a:p>
+            <a:r>
+              <a:rPr lang="en-SG" dirty="0" err="1">
                 <a:solidFill>
                   <a:schemeClr val="tx1"/>
                 </a:solidFill>
               </a:rPr>
-              <a:t> </a:t>
-            </a:r>
-            <a:r>
-              <a:rPr lang="en-US" dirty="0" err="1" smtClean="0">
+              <a:t>loadVariable</a:t>
+            </a:r>
+            <a:r>
+              <a:rPr lang="en-SG" dirty="0">
                 <a:solidFill>
                   <a:schemeClr val="tx1"/>
                 </a:solidFill>
               </a:rPr>
-              <a:t>varId</a:t>
-            </a:r>
-            <a:endParaRPr lang="en-US" dirty="0" smtClean="0">
+              <a:t>(</a:t>
+            </a:r>
+            <a:r>
+              <a:rPr lang="en-SG" dirty="0" err="1">
+                <a:solidFill>
+                  <a:schemeClr val="tx1"/>
+                </a:solidFill>
+              </a:rPr>
+              <a:t>VarId</a:t>
+            </a:r>
+            <a:r>
+              <a:rPr lang="en-SG" dirty="0">
+                <a:solidFill>
+                  <a:schemeClr val="tx1"/>
+                </a:solidFill>
+              </a:rPr>
+              <a:t>)</a:t>
+            </a:r>
+          </a:p>
+          <a:p>
+            <a:endParaRPr lang="en-SG" dirty="0">
               <a:solidFill>
                 <a:schemeClr val="tx1"/>
               </a:solidFill>
             </a:endParaRPr>
           </a:p>
           <a:p>
-            <a:r>
-              <a:rPr lang="en-US" dirty="0" smtClean="0">
-                <a:solidFill>
-                  <a:schemeClr val="tx1"/>
-                </a:solidFill>
-              </a:rPr>
-              <a:t> </a:t>
-            </a:r>
-            <a:r>
-              <a:rPr lang="en-US" dirty="0" err="1" smtClean="0">
-                <a:solidFill>
-                  <a:schemeClr val="tx1"/>
-                </a:solidFill>
-              </a:rPr>
-              <a:t>stringValue</a:t>
-            </a:r>
-            <a:endParaRPr lang="en-US" dirty="0" smtClean="0">
+            <a:endParaRPr lang="en-SG" dirty="0">
               <a:solidFill>
                 <a:schemeClr val="tx1"/>
               </a:solidFill>
             </a:endParaRPr>
           </a:p>
           <a:p>
-            <a:r>
-              <a:rPr lang="en-US" dirty="0" smtClean="0">
+            <a:endParaRPr lang="en-US" dirty="0">
+              <a:solidFill>
+                <a:schemeClr val="tx1"/>
+              </a:solidFill>
+            </a:endParaRPr>
+          </a:p>
+        </p:txBody>
+      </p:sp>
+      <p:sp>
+        <p:nvSpPr>
+          <p:cNvPr id="6" name="Rectangle 5">
+            <a:extLst>
+              <a:ext uri="{FF2B5EF4-FFF2-40B4-BE49-F238E27FC236}">
+                <a16:creationId xmlns:a16="http://schemas.microsoft.com/office/drawing/2014/main" id="{E3C7068E-D01A-4E3E-B8C1-55FF8AFF3342}"/>
+              </a:ext>
+            </a:extLst>
+          </p:cNvPr>
+          <p:cNvSpPr/>
+          <p:nvPr/>
+        </p:nvSpPr>
+        <p:spPr>
+          <a:xfrm>
+            <a:off x="6539419" y="643333"/>
+            <a:ext cx="2471017" cy="5408146"/>
+          </a:xfrm>
+          <a:prstGeom prst="rect">
+            <a:avLst/>
+          </a:prstGeom>
+          <a:noFill/>
+        </p:spPr>
+        <p:style>
+          <a:lnRef idx="2">
+            <a:schemeClr val="accent1">
+              <a:shade val="50000"/>
+            </a:schemeClr>
+          </a:lnRef>
+          <a:fillRef idx="1">
+            <a:schemeClr val="accent1"/>
+          </a:fillRef>
+          <a:effectRef idx="0">
+            <a:schemeClr val="accent1"/>
+          </a:effectRef>
+          <a:fontRef idx="minor">
+            <a:schemeClr val="lt1"/>
+          </a:fontRef>
+        </p:style>
+        <p:txBody>
+          <a:bodyPr rot="0" spcFirstLastPara="0" vertOverflow="overflow" horzOverflow="overflow" vert="horz" wrap="square" lIns="91440" tIns="45720" rIns="91440" bIns="45720" numCol="1" spcCol="0" rtlCol="0" fromWordArt="0" anchor="t" anchorCtr="0" forceAA="0" compatLnSpc="1">
+            <a:prstTxWarp prst="textNoShape">
+              <a:avLst/>
+            </a:prstTxWarp>
+            <a:noAutofit/>
+          </a:bodyPr>
+          <a:lstStyle/>
+          <a:p>
+            <a:r>
+              <a:rPr lang="en-SG" dirty="0">
                 <a:solidFill>
                   <a:schemeClr val="tx1"/>
                 </a:solidFill>
               </a:rPr>
+              <a:t>Variables</a:t>
+            </a:r>
+          </a:p>
+          <a:p>
+            <a:r>
+              <a:rPr lang="en-SG" dirty="0">
+                <a:solidFill>
+                  <a:schemeClr val="tx1"/>
+                </a:solidFill>
+              </a:rPr>
+              <a:t>------------------------------</a:t>
+            </a:r>
+          </a:p>
+          <a:p>
+            <a:r>
+              <a:rPr lang="en-US" dirty="0">
+                <a:solidFill>
+                  <a:schemeClr val="tx1"/>
+                </a:solidFill>
+              </a:rPr>
+              <a:t>Offset</a:t>
+            </a:r>
+          </a:p>
+          <a:p>
+            <a:r>
+              <a:rPr lang="en-US" dirty="0">
+                <a:solidFill>
+                  <a:schemeClr val="tx1"/>
+                </a:solidFill>
+              </a:rPr>
+              <a:t>String </a:t>
+            </a:r>
+            <a:r>
+              <a:rPr lang="en-US" dirty="0" err="1">
+                <a:solidFill>
+                  <a:schemeClr val="tx1"/>
+                </a:solidFill>
+              </a:rPr>
+              <a:t>varId</a:t>
+            </a:r>
+            <a:endParaRPr lang="en-US" dirty="0">
+              <a:solidFill>
+                <a:schemeClr val="tx1"/>
+              </a:solidFill>
+            </a:endParaRPr>
+          </a:p>
+          <a:p>
+            <a:r>
+              <a:rPr lang="en-US" dirty="0">
+                <a:solidFill>
+                  <a:schemeClr val="tx1"/>
+                </a:solidFill>
+              </a:rPr>
+              <a:t>Parent</a:t>
+            </a:r>
+          </a:p>
+          <a:p>
+            <a:endParaRPr lang="en-US" dirty="0">
+              <a:solidFill>
+                <a:schemeClr val="tx1"/>
+              </a:solidFill>
+            </a:endParaRPr>
+          </a:p>
+        </p:txBody>
+      </p:sp>
+      <p:sp>
+        <p:nvSpPr>
+          <p:cNvPr id="7" name="Rectangle 6">
+            <a:extLst>
+              <a:ext uri="{FF2B5EF4-FFF2-40B4-BE49-F238E27FC236}">
+                <a16:creationId xmlns:a16="http://schemas.microsoft.com/office/drawing/2014/main" id="{E3C7068E-D01A-4E3E-B8C1-55FF8AFF3342}"/>
+              </a:ext>
+            </a:extLst>
+          </p:cNvPr>
+          <p:cNvSpPr/>
+          <p:nvPr/>
+        </p:nvSpPr>
+        <p:spPr>
+          <a:xfrm>
+            <a:off x="3568475" y="654292"/>
+            <a:ext cx="2471017" cy="5408146"/>
+          </a:xfrm>
+          <a:prstGeom prst="rect">
+            <a:avLst/>
+          </a:prstGeom>
+          <a:noFill/>
+        </p:spPr>
+        <p:style>
+          <a:lnRef idx="2">
+            <a:schemeClr val="accent1">
+              <a:shade val="50000"/>
+            </a:schemeClr>
+          </a:lnRef>
+          <a:fillRef idx="1">
+            <a:schemeClr val="accent1"/>
+          </a:fillRef>
+          <a:effectRef idx="0">
+            <a:schemeClr val="accent1"/>
+          </a:effectRef>
+          <a:fontRef idx="minor">
+            <a:schemeClr val="lt1"/>
+          </a:fontRef>
+        </p:style>
+        <p:txBody>
+          <a:bodyPr rot="0" spcFirstLastPara="0" vertOverflow="overflow" horzOverflow="overflow" vert="horz" wrap="square" lIns="91440" tIns="45720" rIns="91440" bIns="45720" numCol="1" spcCol="0" rtlCol="0" fromWordArt="0" anchor="t" anchorCtr="0" forceAA="0" compatLnSpc="1">
+            <a:prstTxWarp prst="textNoShape">
+              <a:avLst/>
+            </a:prstTxWarp>
+            <a:noAutofit/>
+          </a:bodyPr>
+          <a:lstStyle/>
+          <a:p>
+            <a:r>
+              <a:rPr lang="en-SG" dirty="0">
+                <a:solidFill>
+                  <a:schemeClr val="tx1"/>
+                </a:solidFill>
+              </a:rPr>
+              <a:t>Values</a:t>
+            </a:r>
+          </a:p>
+          <a:p>
+            <a:r>
+              <a:rPr lang="en-SG" dirty="0">
+                <a:solidFill>
+                  <a:schemeClr val="tx1"/>
+                </a:solidFill>
+              </a:rPr>
+              <a:t>------------------------------</a:t>
+            </a:r>
+          </a:p>
+          <a:p>
+            <a:r>
+              <a:rPr lang="en-US" dirty="0">
+                <a:solidFill>
+                  <a:schemeClr val="tx1"/>
+                </a:solidFill>
+              </a:rPr>
+              <a:t>Offset</a:t>
+            </a:r>
+          </a:p>
+          <a:p>
+            <a:r>
+              <a:rPr lang="en-US" dirty="0">
+                <a:solidFill>
+                  <a:schemeClr val="tx1"/>
+                </a:solidFill>
+              </a:rPr>
+              <a:t>----------------</a:t>
+            </a:r>
+          </a:p>
+          <a:p>
+            <a:r>
+              <a:rPr lang="en-US" dirty="0">
+                <a:solidFill>
+                  <a:schemeClr val="tx1"/>
+                </a:solidFill>
+              </a:rPr>
+              <a:t>String </a:t>
+            </a:r>
+            <a:r>
+              <a:rPr lang="en-US" dirty="0" err="1">
+                <a:solidFill>
+                  <a:schemeClr val="tx1"/>
+                </a:solidFill>
+              </a:rPr>
+              <a:t>varId</a:t>
+            </a:r>
+            <a:endParaRPr lang="en-US" dirty="0">
+              <a:solidFill>
+                <a:schemeClr val="tx1"/>
+              </a:solidFill>
+            </a:endParaRPr>
+          </a:p>
+          <a:p>
+            <a:r>
+              <a:rPr lang="en-US" dirty="0">
+                <a:solidFill>
+                  <a:schemeClr val="tx1"/>
+                </a:solidFill>
+              </a:rPr>
+              <a:t>String </a:t>
+            </a:r>
+            <a:r>
+              <a:rPr lang="en-US" dirty="0" err="1">
+                <a:solidFill>
+                  <a:schemeClr val="tx1"/>
+                </a:solidFill>
+              </a:rPr>
+              <a:t>stringValue</a:t>
+            </a:r>
+            <a:endParaRPr lang="en-US" dirty="0">
+              <a:solidFill>
+                <a:schemeClr val="tx1"/>
+              </a:solidFill>
+            </a:endParaRPr>
+          </a:p>
+          <a:p>
+            <a:r>
+              <a:rPr lang="en-US" dirty="0">
+                <a:solidFill>
+                  <a:schemeClr val="tx1"/>
+                </a:solidFill>
+              </a:rPr>
+              <a:t>P1</a:t>
+            </a:r>
+          </a:p>
+          <a:p>
+            <a:r>
+              <a:rPr lang="en-US" dirty="0">
+                <a:solidFill>
+                  <a:schemeClr val="tx1"/>
+                </a:solidFill>
+              </a:rPr>
+              <a:t> </a:t>
+            </a:r>
+            <a:r>
+              <a:rPr lang="en-US" dirty="0" err="1">
+                <a:solidFill>
+                  <a:schemeClr val="tx1"/>
+                </a:solidFill>
+              </a:rPr>
+              <a:t>varId</a:t>
+            </a:r>
+            <a:endParaRPr lang="en-US" dirty="0">
+              <a:solidFill>
+                <a:schemeClr val="tx1"/>
+              </a:solidFill>
+            </a:endParaRPr>
+          </a:p>
+          <a:p>
+            <a:r>
+              <a:rPr lang="en-US" dirty="0">
+                <a:solidFill>
+                  <a:schemeClr val="tx1"/>
+                </a:solidFill>
+              </a:rPr>
+              <a:t> </a:t>
+            </a:r>
+            <a:r>
+              <a:rPr lang="en-US" dirty="0" err="1">
+                <a:solidFill>
+                  <a:schemeClr val="tx1"/>
+                </a:solidFill>
+              </a:rPr>
+              <a:t>stringValue</a:t>
+            </a:r>
+            <a:endParaRPr lang="en-US" dirty="0">
+              <a:solidFill>
+                <a:schemeClr val="tx1"/>
+              </a:solidFill>
+            </a:endParaRPr>
+          </a:p>
+          <a:p>
+            <a:r>
+              <a:rPr lang="en-US" dirty="0">
+                <a:solidFill>
+                  <a:schemeClr val="tx1"/>
+                </a:solidFill>
+              </a:rPr>
+              <a:t>P12</a:t>
+            </a:r>
+          </a:p>
+          <a:p>
+            <a:r>
+              <a:rPr lang="en-US" dirty="0">
+                <a:solidFill>
+                  <a:schemeClr val="tx1"/>
+                </a:solidFill>
+              </a:rPr>
+              <a:t> </a:t>
+            </a:r>
+            <a:r>
+              <a:rPr lang="en-US" dirty="0" err="1">
+                <a:solidFill>
+                  <a:schemeClr val="tx1"/>
+                </a:solidFill>
+              </a:rPr>
+              <a:t>varId</a:t>
+            </a:r>
+            <a:endParaRPr lang="en-US" dirty="0">
+              <a:solidFill>
+                <a:schemeClr val="tx1"/>
+              </a:solidFill>
+            </a:endParaRPr>
+          </a:p>
+          <a:p>
+            <a:r>
+              <a:rPr lang="en-US" dirty="0">
+                <a:solidFill>
+                  <a:schemeClr val="tx1"/>
+                </a:solidFill>
+              </a:rPr>
+              <a:t> </a:t>
+            </a:r>
+            <a:r>
+              <a:rPr lang="en-US" dirty="0" err="1">
+                <a:solidFill>
+                  <a:schemeClr val="tx1"/>
+                </a:solidFill>
+              </a:rPr>
+              <a:t>stringValue</a:t>
+            </a:r>
+            <a:endParaRPr lang="en-US" dirty="0">
+              <a:solidFill>
+                <a:schemeClr val="tx1"/>
+              </a:solidFill>
+            </a:endParaRPr>
+          </a:p>
+          <a:p>
+            <a:r>
+              <a:rPr lang="en-US" dirty="0">
+                <a:solidFill>
+                  <a:schemeClr val="tx1"/>
+                </a:solidFill>
+              </a:rPr>
+              <a:t>P3</a:t>
+            </a:r>
+          </a:p>
+          <a:p>
+            <a:r>
+              <a:rPr lang="en-US" dirty="0">
+                <a:solidFill>
+                  <a:schemeClr val="tx1"/>
+                </a:solidFill>
+              </a:rPr>
+              <a:t> </a:t>
+            </a:r>
+            <a:r>
+              <a:rPr lang="en-US" dirty="0" err="1">
+                <a:solidFill>
+                  <a:schemeClr val="tx1"/>
+                </a:solidFill>
+              </a:rPr>
+              <a:t>varId</a:t>
+            </a:r>
+            <a:endParaRPr lang="en-US" dirty="0">
+              <a:solidFill>
+                <a:schemeClr val="tx1"/>
+              </a:solidFill>
+            </a:endParaRPr>
+          </a:p>
+          <a:p>
+            <a:r>
+              <a:rPr lang="en-US" dirty="0">
+                <a:solidFill>
+                  <a:schemeClr val="tx1"/>
+                </a:solidFill>
+              </a:rPr>
+              <a:t> </a:t>
+            </a:r>
+            <a:r>
+              <a:rPr lang="en-US" dirty="0" err="1">
+                <a:solidFill>
+                  <a:schemeClr val="tx1"/>
+                </a:solidFill>
+              </a:rPr>
+              <a:t>stringValue</a:t>
+            </a:r>
+            <a:endParaRPr lang="en-US" dirty="0">
+              <a:solidFill>
+                <a:schemeClr val="tx1"/>
+              </a:solidFill>
+            </a:endParaRPr>
+          </a:p>
+          <a:p>
+            <a:r>
+              <a:rPr lang="en-US" dirty="0">
+                <a:solidFill>
+                  <a:schemeClr val="tx1"/>
+                </a:solidFill>
+              </a:rPr>
+              <a:t>C1</a:t>
+            </a:r>
+          </a:p>
+          <a:p>
+            <a:r>
+              <a:rPr lang="en-US" dirty="0">
+                <a:solidFill>
+                  <a:schemeClr val="tx1"/>
+                </a:solidFill>
+              </a:rPr>
+              <a:t> </a:t>
+            </a:r>
+            <a:r>
+              <a:rPr lang="en-US" dirty="0" err="1">
+                <a:solidFill>
+                  <a:schemeClr val="tx1"/>
+                </a:solidFill>
+              </a:rPr>
+              <a:t>varId</a:t>
+            </a:r>
+            <a:endParaRPr lang="en-US" dirty="0">
+              <a:solidFill>
+                <a:schemeClr val="tx1"/>
+              </a:solidFill>
+            </a:endParaRPr>
+          </a:p>
+          <a:p>
+            <a:r>
+              <a:rPr lang="en-US" dirty="0">
+                <a:solidFill>
+                  <a:schemeClr val="tx1"/>
+                </a:solidFill>
+              </a:rPr>
+              <a:t> </a:t>
+            </a:r>
+            <a:r>
+              <a:rPr lang="en-US" dirty="0" err="1">
+                <a:solidFill>
+                  <a:schemeClr val="tx1"/>
+                </a:solidFill>
+              </a:rPr>
+              <a:t>stringValue</a:t>
+            </a:r>
+            <a:endParaRPr lang="en-US" dirty="0">
+              <a:solidFill>
+                <a:schemeClr val="tx1"/>
+              </a:solidFill>
+            </a:endParaRPr>
+          </a:p>
+          <a:p>
+            <a:r>
+              <a:rPr lang="en-US" dirty="0">
+                <a:solidFill>
+                  <a:schemeClr val="tx1"/>
+                </a:solidFill>
+              </a:rPr>
               <a:t>C2</a:t>
             </a:r>
           </a:p>
           <a:p>
             <a:r>
-              <a:rPr lang="en-US" dirty="0" smtClean="0">
+              <a:rPr lang="en-US" dirty="0">
                 <a:solidFill>
                   <a:schemeClr val="tx1"/>
                 </a:solidFill>
@@ -5777,7 +6422,7 @@
           </a:p>
           <a:p>
             <a:r>
-              <a:rPr lang="en-US" dirty="0" smtClean="0">
+              <a:rPr lang="en-US" dirty="0">
                 <a:solidFill>
                   <a:schemeClr val="tx1"/>
                 </a:solidFill>
@@ -5804,13 +6449,6 @@
   <p:clrMapOvr>
     <a:masterClrMapping/>
   </p:clrMapOvr>
-  <p:timing>
-    <p:tnLst>
-      <p:par>
-        <p:cTn id="1" dur="indefinite" restart="never" nodeType="tmRoot"/>
-      </p:par>
-    </p:tnLst>
-  </p:timing>
 </p:sld>
 </file>
 
@@ -5833,112 +6471,2177 @@
       </p:grpSpPr>
       <p:sp>
         <p:nvSpPr>
-          <p:cNvPr id="2" name="Title 1">
-            <a:extLst>
-              <a:ext uri="{FF2B5EF4-FFF2-40B4-BE49-F238E27FC236}">
-                <a16:creationId xmlns="" xmlns:a16="http://schemas.microsoft.com/office/drawing/2014/main" id="{12BA8C6B-F366-4C78-8506-30A422E36420}"/>
-              </a:ext>
-            </a:extLst>
-          </p:cNvPr>
-          <p:cNvSpPr>
-            <a:spLocks noGrp="1"/>
-          </p:cNvSpPr>
-          <p:nvPr>
-            <p:ph type="title"/>
-          </p:nvPr>
-        </p:nvSpPr>
-        <p:spPr/>
-        <p:txBody>
-          <a:bodyPr/>
-          <a:lstStyle/>
-          <a:p>
+          <p:cNvPr id="63" name="Rectangle 62">
+            <a:extLst>
+              <a:ext uri="{FF2B5EF4-FFF2-40B4-BE49-F238E27FC236}">
+                <a16:creationId xmlns:a16="http://schemas.microsoft.com/office/drawing/2014/main" id="{A056B97F-D4D2-4F4F-984E-92BA53E192BC}"/>
+              </a:ext>
+            </a:extLst>
+          </p:cNvPr>
+          <p:cNvSpPr/>
+          <p:nvPr/>
+        </p:nvSpPr>
+        <p:spPr>
+          <a:xfrm>
+            <a:off x="7463335" y="1941392"/>
+            <a:ext cx="4030821" cy="487621"/>
+          </a:xfrm>
+          <a:prstGeom prst="rect">
+            <a:avLst/>
+          </a:prstGeom>
+          <a:solidFill>
+            <a:schemeClr val="accent1">
+              <a:alpha val="10000"/>
+            </a:schemeClr>
+          </a:solidFill>
+        </p:spPr>
+        <p:style>
+          <a:lnRef idx="2">
+            <a:schemeClr val="accent1">
+              <a:shade val="50000"/>
+            </a:schemeClr>
+          </a:lnRef>
+          <a:fillRef idx="1">
+            <a:schemeClr val="accent1"/>
+          </a:fillRef>
+          <a:effectRef idx="0">
+            <a:schemeClr val="accent1"/>
+          </a:effectRef>
+          <a:fontRef idx="minor">
+            <a:schemeClr val="lt1"/>
+          </a:fontRef>
+        </p:style>
+        <p:txBody>
+          <a:bodyPr rtlCol="0" anchor="ctr"/>
+          <a:lstStyle/>
+          <a:p>
+            <a:r>
+              <a:rPr lang="en-SG" sz="1200" dirty="0">
+                <a:solidFill>
+                  <a:schemeClr val="tx1"/>
+                </a:solidFill>
+              </a:rPr>
+              <a:t>Trace</a:t>
+            </a:r>
+          </a:p>
+        </p:txBody>
+      </p:sp>
+      <p:sp>
+        <p:nvSpPr>
+          <p:cNvPr id="4" name="Rectangle 3">
+            <a:extLst>
+              <a:ext uri="{FF2B5EF4-FFF2-40B4-BE49-F238E27FC236}">
+                <a16:creationId xmlns:a16="http://schemas.microsoft.com/office/drawing/2014/main" id="{5665BB87-8D96-40C3-9BA1-A3DC68D7116D}"/>
+              </a:ext>
+            </a:extLst>
+          </p:cNvPr>
+          <p:cNvSpPr/>
+          <p:nvPr/>
+        </p:nvSpPr>
+        <p:spPr>
+          <a:xfrm>
+            <a:off x="8867840" y="3713233"/>
+            <a:ext cx="1174459" cy="536896"/>
+          </a:xfrm>
+          <a:prstGeom prst="rect">
+            <a:avLst/>
+          </a:prstGeom>
+        </p:spPr>
+        <p:style>
+          <a:lnRef idx="2">
+            <a:schemeClr val="accent1">
+              <a:shade val="50000"/>
+            </a:schemeClr>
+          </a:lnRef>
+          <a:fillRef idx="1">
+            <a:schemeClr val="accent1"/>
+          </a:fillRef>
+          <a:effectRef idx="0">
+            <a:schemeClr val="accent1"/>
+          </a:effectRef>
+          <a:fontRef idx="minor">
+            <a:schemeClr val="lt1"/>
+          </a:fontRef>
+        </p:style>
+        <p:txBody>
+          <a:bodyPr rtlCol="0" anchor="ctr"/>
+          <a:lstStyle/>
+          <a:p>
+            <a:pPr algn="ctr"/>
             <a:r>
               <a:rPr lang="en-SG" dirty="0"/>
-              <a:t>Alternative Design</a:t>
-            </a:r>
-            <a:endParaRPr lang="en-US" dirty="0"/>
-          </a:p>
-        </p:txBody>
-      </p:sp>
-      <p:sp>
-        <p:nvSpPr>
-          <p:cNvPr id="3" name="Content Placeholder 2">
-            <a:extLst>
-              <a:ext uri="{FF2B5EF4-FFF2-40B4-BE49-F238E27FC236}">
-                <a16:creationId xmlns="" xmlns:a16="http://schemas.microsoft.com/office/drawing/2014/main" id="{7D57C60D-D46C-4886-B681-BA9FD0A42C1A}"/>
-              </a:ext>
-            </a:extLst>
-          </p:cNvPr>
-          <p:cNvSpPr>
-            <a:spLocks noGrp="1"/>
-          </p:cNvSpPr>
-          <p:nvPr>
-            <p:ph idx="1"/>
-          </p:nvPr>
-        </p:nvSpPr>
-        <p:spPr/>
-        <p:txBody>
-          <a:bodyPr/>
+              <a:t>Trace DB</a:t>
+            </a:r>
+          </a:p>
+        </p:txBody>
+      </p:sp>
+      <p:sp>
+        <p:nvSpPr>
+          <p:cNvPr id="9" name="TextBox 8">
+            <a:extLst>
+              <a:ext uri="{FF2B5EF4-FFF2-40B4-BE49-F238E27FC236}">
+                <a16:creationId xmlns:a16="http://schemas.microsoft.com/office/drawing/2014/main" id="{04D0A6E0-3809-48DA-8FCB-EB6947015A9E}"/>
+              </a:ext>
+            </a:extLst>
+          </p:cNvPr>
+          <p:cNvSpPr txBox="1"/>
+          <p:nvPr/>
+        </p:nvSpPr>
+        <p:spPr>
+          <a:xfrm>
+            <a:off x="544176" y="624801"/>
+            <a:ext cx="2269172" cy="369332"/>
+          </a:xfrm>
+          <a:prstGeom prst="rect">
+            <a:avLst/>
+          </a:prstGeom>
+          <a:noFill/>
+        </p:spPr>
+        <p:txBody>
+          <a:bodyPr wrap="square" rtlCol="0">
+            <a:spAutoFit/>
+          </a:bodyPr>
           <a:lstStyle/>
           <a:p>
             <a:r>
               <a:rPr lang="en-SG" dirty="0"/>
-              <a:t>We need to clear all the relevant information in memory if a trace node is deleted during recording;</a:t>
-            </a:r>
-          </a:p>
-          <a:p>
+              <a:t>UI (Memory, </a:t>
+            </a:r>
+            <a:r>
+              <a:rPr lang="en-SG" i="1" u="sng" dirty="0"/>
+              <a:t>Cache</a:t>
+            </a:r>
             <a:r>
               <a:rPr lang="en-SG" dirty="0"/>
-              <a:t>*Preliminary solution</a:t>
-            </a:r>
-          </a:p>
-          <a:p>
-            <a:pPr lvl="1"/>
+              <a:t>)</a:t>
+            </a:r>
+          </a:p>
+        </p:txBody>
+      </p:sp>
+      <p:sp>
+        <p:nvSpPr>
+          <p:cNvPr id="18" name="Rectangle 17">
+            <a:extLst>
+              <a:ext uri="{FF2B5EF4-FFF2-40B4-BE49-F238E27FC236}">
+                <a16:creationId xmlns:a16="http://schemas.microsoft.com/office/drawing/2014/main" id="{60C1BD00-FAB0-4217-A154-7AEABA89BCA4}"/>
+              </a:ext>
+            </a:extLst>
+          </p:cNvPr>
+          <p:cNvSpPr/>
+          <p:nvPr/>
+        </p:nvSpPr>
+        <p:spPr>
+          <a:xfrm>
+            <a:off x="609212" y="2674221"/>
+            <a:ext cx="1429242" cy="536896"/>
+          </a:xfrm>
+          <a:prstGeom prst="rect">
+            <a:avLst/>
+          </a:prstGeom>
+        </p:spPr>
+        <p:style>
+          <a:lnRef idx="2">
+            <a:schemeClr val="accent1">
+              <a:shade val="50000"/>
+            </a:schemeClr>
+          </a:lnRef>
+          <a:fillRef idx="1">
+            <a:schemeClr val="accent1"/>
+          </a:fillRef>
+          <a:effectRef idx="0">
+            <a:schemeClr val="accent1"/>
+          </a:effectRef>
+          <a:fontRef idx="minor">
+            <a:schemeClr val="lt1"/>
+          </a:fontRef>
+        </p:style>
+        <p:txBody>
+          <a:bodyPr rtlCol="0" anchor="ctr"/>
+          <a:lstStyle/>
+          <a:p>
+            <a:pPr algn="ctr"/>
             <a:r>
               <a:rPr lang="en-SG" dirty="0"/>
-              <a:t>Sequentially record all the trace nodes </a:t>
-            </a:r>
-          </a:p>
-          <a:p>
-            <a:pPr lvl="2"/>
+              <a:t>Step X</a:t>
+            </a:r>
+          </a:p>
+        </p:txBody>
+      </p:sp>
+      <p:sp>
+        <p:nvSpPr>
+          <p:cNvPr id="28" name="Rectangle 27">
+            <a:extLst>
+              <a:ext uri="{FF2B5EF4-FFF2-40B4-BE49-F238E27FC236}">
+                <a16:creationId xmlns:a16="http://schemas.microsoft.com/office/drawing/2014/main" id="{AFD386F6-73AE-42DF-A86A-9FFC8E824550}"/>
+              </a:ext>
+            </a:extLst>
+          </p:cNvPr>
+          <p:cNvSpPr/>
+          <p:nvPr/>
+        </p:nvSpPr>
+        <p:spPr>
+          <a:xfrm>
+            <a:off x="8052318" y="2034697"/>
+            <a:ext cx="111967" cy="282695"/>
+          </a:xfrm>
+          <a:prstGeom prst="rect">
+            <a:avLst/>
+          </a:prstGeom>
+        </p:spPr>
+        <p:style>
+          <a:lnRef idx="2">
+            <a:schemeClr val="accent1">
+              <a:shade val="50000"/>
+            </a:schemeClr>
+          </a:lnRef>
+          <a:fillRef idx="1">
+            <a:schemeClr val="accent1"/>
+          </a:fillRef>
+          <a:effectRef idx="0">
+            <a:schemeClr val="accent1"/>
+          </a:effectRef>
+          <a:fontRef idx="minor">
+            <a:schemeClr val="lt1"/>
+          </a:fontRef>
+        </p:style>
+        <p:txBody>
+          <a:bodyPr rtlCol="0" anchor="ctr"/>
+          <a:lstStyle/>
+          <a:p>
+            <a:pPr algn="ctr"/>
             <a:r>
               <a:rPr lang="en-SG" dirty="0"/>
-              <a:t>We do not build any relation (data and control dependency) between any pair of trace nodes on the runtime.</a:t>
-            </a:r>
-          </a:p>
-          <a:p>
-            <a:pPr lvl="1"/>
+              <a:t>s</a:t>
+            </a:r>
+          </a:p>
+        </p:txBody>
+      </p:sp>
+      <p:sp>
+        <p:nvSpPr>
+          <p:cNvPr id="30" name="Rectangle 29">
+            <a:extLst>
+              <a:ext uri="{FF2B5EF4-FFF2-40B4-BE49-F238E27FC236}">
+                <a16:creationId xmlns:a16="http://schemas.microsoft.com/office/drawing/2014/main" id="{9D4221C5-8A64-4CE9-A752-61198E51AF4C}"/>
+              </a:ext>
+            </a:extLst>
+          </p:cNvPr>
+          <p:cNvSpPr/>
+          <p:nvPr/>
+        </p:nvSpPr>
+        <p:spPr>
+          <a:xfrm>
+            <a:off x="9205856" y="2034696"/>
+            <a:ext cx="111967" cy="282695"/>
+          </a:xfrm>
+          <a:prstGeom prst="rect">
+            <a:avLst/>
+          </a:prstGeom>
+        </p:spPr>
+        <p:style>
+          <a:lnRef idx="2">
+            <a:schemeClr val="accent1">
+              <a:shade val="50000"/>
+            </a:schemeClr>
+          </a:lnRef>
+          <a:fillRef idx="1">
+            <a:schemeClr val="accent1"/>
+          </a:fillRef>
+          <a:effectRef idx="0">
+            <a:schemeClr val="accent1"/>
+          </a:effectRef>
+          <a:fontRef idx="minor">
+            <a:schemeClr val="lt1"/>
+          </a:fontRef>
+        </p:style>
+        <p:txBody>
+          <a:bodyPr rtlCol="0" anchor="ctr"/>
+          <a:lstStyle/>
+          <a:p>
+            <a:pPr algn="ctr"/>
             <a:r>
               <a:rPr lang="en-SG" dirty="0"/>
-              <a:t>Then build data/control/method-call relation on the trace recorded in the file.</a:t>
-            </a:r>
-          </a:p>
-          <a:p>
+              <a:t>s</a:t>
+            </a:r>
+          </a:p>
+        </p:txBody>
+      </p:sp>
+      <p:sp>
+        <p:nvSpPr>
+          <p:cNvPr id="32" name="Rectangle 31">
+            <a:extLst>
+              <a:ext uri="{FF2B5EF4-FFF2-40B4-BE49-F238E27FC236}">
+                <a16:creationId xmlns:a16="http://schemas.microsoft.com/office/drawing/2014/main" id="{BEA4EA6F-463A-4394-97C5-3F80F16B534F}"/>
+              </a:ext>
+            </a:extLst>
+          </p:cNvPr>
+          <p:cNvSpPr/>
+          <p:nvPr/>
+        </p:nvSpPr>
+        <p:spPr>
+          <a:xfrm>
+            <a:off x="8629087" y="2034695"/>
+            <a:ext cx="111967" cy="282695"/>
+          </a:xfrm>
+          <a:prstGeom prst="rect">
+            <a:avLst/>
+          </a:prstGeom>
+        </p:spPr>
+        <p:style>
+          <a:lnRef idx="2">
+            <a:schemeClr val="accent1">
+              <a:shade val="50000"/>
+            </a:schemeClr>
+          </a:lnRef>
+          <a:fillRef idx="1">
+            <a:schemeClr val="accent1"/>
+          </a:fillRef>
+          <a:effectRef idx="0">
+            <a:schemeClr val="accent1"/>
+          </a:effectRef>
+          <a:fontRef idx="minor">
+            <a:schemeClr val="lt1"/>
+          </a:fontRef>
+        </p:style>
+        <p:txBody>
+          <a:bodyPr rtlCol="0" anchor="ctr"/>
+          <a:lstStyle/>
+          <a:p>
+            <a:pPr algn="ctr"/>
             <a:r>
               <a:rPr lang="en-SG" dirty="0"/>
-              <a:t>Query information for us to search and reconstruct a trace node.</a:t>
-            </a:r>
-            <a:endParaRPr lang="en-US" dirty="0"/>
+              <a:t>s</a:t>
+            </a:r>
+          </a:p>
+        </p:txBody>
+      </p:sp>
+      <p:sp>
+        <p:nvSpPr>
+          <p:cNvPr id="34" name="Rectangle 33">
+            <a:extLst>
+              <a:ext uri="{FF2B5EF4-FFF2-40B4-BE49-F238E27FC236}">
+                <a16:creationId xmlns:a16="http://schemas.microsoft.com/office/drawing/2014/main" id="{82348EB6-7459-4E89-8520-A88DA2EAF1F5}"/>
+              </a:ext>
+            </a:extLst>
+          </p:cNvPr>
+          <p:cNvSpPr/>
+          <p:nvPr/>
+        </p:nvSpPr>
+        <p:spPr>
+          <a:xfrm>
+            <a:off x="9767420" y="2034695"/>
+            <a:ext cx="111967" cy="282695"/>
+          </a:xfrm>
+          <a:prstGeom prst="rect">
+            <a:avLst/>
+          </a:prstGeom>
+        </p:spPr>
+        <p:style>
+          <a:lnRef idx="2">
+            <a:schemeClr val="accent1">
+              <a:shade val="50000"/>
+            </a:schemeClr>
+          </a:lnRef>
+          <a:fillRef idx="1">
+            <a:schemeClr val="accent1"/>
+          </a:fillRef>
+          <a:effectRef idx="0">
+            <a:schemeClr val="accent1"/>
+          </a:effectRef>
+          <a:fontRef idx="minor">
+            <a:schemeClr val="lt1"/>
+          </a:fontRef>
+        </p:style>
+        <p:txBody>
+          <a:bodyPr rtlCol="0" anchor="ctr"/>
+          <a:lstStyle/>
+          <a:p>
+            <a:pPr algn="ctr"/>
+            <a:r>
+              <a:rPr lang="en-SG" dirty="0"/>
+              <a:t>s</a:t>
+            </a:r>
+          </a:p>
+        </p:txBody>
+      </p:sp>
+      <p:sp>
+        <p:nvSpPr>
+          <p:cNvPr id="36" name="Rectangle 35">
+            <a:extLst>
+              <a:ext uri="{FF2B5EF4-FFF2-40B4-BE49-F238E27FC236}">
+                <a16:creationId xmlns:a16="http://schemas.microsoft.com/office/drawing/2014/main" id="{F7687B39-99F8-4B86-AFC2-DE155E4A6A8D}"/>
+              </a:ext>
+            </a:extLst>
+          </p:cNvPr>
+          <p:cNvSpPr/>
+          <p:nvPr/>
+        </p:nvSpPr>
+        <p:spPr>
+          <a:xfrm>
+            <a:off x="10395765" y="2053389"/>
+            <a:ext cx="111967" cy="282695"/>
+          </a:xfrm>
+          <a:prstGeom prst="rect">
+            <a:avLst/>
+          </a:prstGeom>
+        </p:spPr>
+        <p:style>
+          <a:lnRef idx="2">
+            <a:schemeClr val="accent1">
+              <a:shade val="50000"/>
+            </a:schemeClr>
+          </a:lnRef>
+          <a:fillRef idx="1">
+            <a:schemeClr val="accent1"/>
+          </a:fillRef>
+          <a:effectRef idx="0">
+            <a:schemeClr val="accent1"/>
+          </a:effectRef>
+          <a:fontRef idx="minor">
+            <a:schemeClr val="lt1"/>
+          </a:fontRef>
+        </p:style>
+        <p:txBody>
+          <a:bodyPr rtlCol="0" anchor="ctr"/>
+          <a:lstStyle/>
+          <a:p>
+            <a:pPr algn="ctr"/>
+            <a:r>
+              <a:rPr lang="en-SG" dirty="0"/>
+              <a:t>s</a:t>
+            </a:r>
+          </a:p>
+        </p:txBody>
+      </p:sp>
+      <p:sp>
+        <p:nvSpPr>
+          <p:cNvPr id="41" name="TextBox 40">
+            <a:extLst>
+              <a:ext uri="{FF2B5EF4-FFF2-40B4-BE49-F238E27FC236}">
+                <a16:creationId xmlns:a16="http://schemas.microsoft.com/office/drawing/2014/main" id="{4FBEE92E-4C19-4CDA-956E-55A04D9161D3}"/>
+              </a:ext>
+            </a:extLst>
+          </p:cNvPr>
+          <p:cNvSpPr txBox="1"/>
+          <p:nvPr/>
+        </p:nvSpPr>
+        <p:spPr>
+          <a:xfrm>
+            <a:off x="7162455" y="346374"/>
+            <a:ext cx="2155368" cy="646331"/>
+          </a:xfrm>
+          <a:prstGeom prst="rect">
+            <a:avLst/>
+          </a:prstGeom>
+          <a:noFill/>
+        </p:spPr>
+        <p:txBody>
+          <a:bodyPr wrap="square" rtlCol="0">
+            <a:spAutoFit/>
+          </a:bodyPr>
+          <a:lstStyle/>
+          <a:p>
+            <a:r>
+              <a:rPr lang="en-SG" dirty="0"/>
+              <a:t>Disk </a:t>
+            </a:r>
+          </a:p>
+          <a:p>
+            <a:r>
+              <a:rPr lang="en-SG" dirty="0"/>
+              <a:t>(</a:t>
+            </a:r>
+            <a:r>
+              <a:rPr lang="en-SG" i="1" u="sng" dirty="0"/>
+              <a:t>way to index?</a:t>
+            </a:r>
+            <a:r>
+              <a:rPr lang="en-SG" dirty="0"/>
+              <a:t>)</a:t>
+            </a:r>
+          </a:p>
+        </p:txBody>
+      </p:sp>
+      <p:cxnSp>
+        <p:nvCxnSpPr>
+          <p:cNvPr id="43" name="Straight Connector 42">
+            <a:extLst>
+              <a:ext uri="{FF2B5EF4-FFF2-40B4-BE49-F238E27FC236}">
+                <a16:creationId xmlns:a16="http://schemas.microsoft.com/office/drawing/2014/main" id="{68B5EEA8-3E63-480E-BBA3-B9C0702D423B}"/>
+              </a:ext>
+            </a:extLst>
+          </p:cNvPr>
+          <p:cNvCxnSpPr/>
+          <p:nvPr/>
+        </p:nvCxnSpPr>
+        <p:spPr>
+          <a:xfrm>
+            <a:off x="6484776" y="176702"/>
+            <a:ext cx="0" cy="5887616"/>
+          </a:xfrm>
+          <a:prstGeom prst="line">
+            <a:avLst/>
+          </a:prstGeom>
+          <a:ln>
+            <a:prstDash val="dash"/>
+          </a:ln>
+        </p:spPr>
+        <p:style>
+          <a:lnRef idx="1">
+            <a:schemeClr val="accent1"/>
+          </a:lnRef>
+          <a:fillRef idx="0">
+            <a:schemeClr val="accent1"/>
+          </a:fillRef>
+          <a:effectRef idx="0">
+            <a:schemeClr val="accent1"/>
+          </a:effectRef>
+          <a:fontRef idx="minor">
+            <a:schemeClr val="tx1"/>
+          </a:fontRef>
+        </p:style>
+      </p:cxnSp>
+      <p:sp>
+        <p:nvSpPr>
+          <p:cNvPr id="2" name="Rectangle 1">
+            <a:extLst>
+              <a:ext uri="{FF2B5EF4-FFF2-40B4-BE49-F238E27FC236}">
+                <a16:creationId xmlns:a16="http://schemas.microsoft.com/office/drawing/2014/main" id="{038BC1BA-3641-445F-9E51-46E4DE980E39}"/>
+              </a:ext>
+            </a:extLst>
+          </p:cNvPr>
+          <p:cNvSpPr/>
+          <p:nvPr/>
+        </p:nvSpPr>
+        <p:spPr>
+          <a:xfrm>
+            <a:off x="609213" y="3485560"/>
+            <a:ext cx="1429242" cy="536896"/>
+          </a:xfrm>
+          <a:prstGeom prst="rect">
+            <a:avLst/>
+          </a:prstGeom>
+          <a:noFill/>
+        </p:spPr>
+        <p:style>
+          <a:lnRef idx="2">
+            <a:schemeClr val="accent1">
+              <a:shade val="50000"/>
+            </a:schemeClr>
+          </a:lnRef>
+          <a:fillRef idx="1">
+            <a:schemeClr val="accent1"/>
+          </a:fillRef>
+          <a:effectRef idx="0">
+            <a:schemeClr val="accent1"/>
+          </a:effectRef>
+          <a:fontRef idx="minor">
+            <a:schemeClr val="lt1"/>
+          </a:fontRef>
+        </p:style>
+        <p:txBody>
+          <a:bodyPr rtlCol="0" anchor="ctr"/>
+          <a:lstStyle/>
+          <a:p>
+            <a:pPr algn="ctr"/>
+            <a:r>
+              <a:rPr lang="en-SG" dirty="0">
+                <a:solidFill>
+                  <a:srgbClr val="FF0000"/>
+                </a:solidFill>
+              </a:rPr>
+              <a:t>Abstract Step</a:t>
+            </a:r>
+          </a:p>
+          <a:p>
+            <a:pPr algn="ctr"/>
+            <a:r>
+              <a:rPr lang="en-SG" dirty="0">
+                <a:solidFill>
+                  <a:srgbClr val="FF0000"/>
+                </a:solidFill>
+              </a:rPr>
+              <a:t>Step </a:t>
+            </a:r>
+            <a:r>
+              <a:rPr lang="en-SG" dirty="0" err="1">
+                <a:solidFill>
+                  <a:srgbClr val="FF0000"/>
+                </a:solidFill>
+              </a:rPr>
+              <a:t>i</a:t>
+            </a:r>
+            <a:r>
+              <a:rPr lang="en-SG" dirty="0">
+                <a:solidFill>
+                  <a:srgbClr val="FF0000"/>
+                </a:solidFill>
+              </a:rPr>
+              <a:t> -- j</a:t>
+            </a:r>
+          </a:p>
+        </p:txBody>
+      </p:sp>
+      <p:sp>
+        <p:nvSpPr>
+          <p:cNvPr id="3" name="Rectangle 2">
+            <a:extLst>
+              <a:ext uri="{FF2B5EF4-FFF2-40B4-BE49-F238E27FC236}">
+                <a16:creationId xmlns:a16="http://schemas.microsoft.com/office/drawing/2014/main" id="{F8321747-A44B-42AE-9026-2E854BEAFE77}"/>
+              </a:ext>
+            </a:extLst>
+          </p:cNvPr>
+          <p:cNvSpPr/>
+          <p:nvPr/>
+        </p:nvSpPr>
+        <p:spPr>
+          <a:xfrm>
+            <a:off x="560531" y="4670399"/>
+            <a:ext cx="1429242" cy="536896"/>
+          </a:xfrm>
+          <a:prstGeom prst="rect">
+            <a:avLst/>
+          </a:prstGeom>
+        </p:spPr>
+        <p:style>
+          <a:lnRef idx="2">
+            <a:schemeClr val="accent1">
+              <a:shade val="50000"/>
+            </a:schemeClr>
+          </a:lnRef>
+          <a:fillRef idx="1">
+            <a:schemeClr val="accent1"/>
+          </a:fillRef>
+          <a:effectRef idx="0">
+            <a:schemeClr val="accent1"/>
+          </a:effectRef>
+          <a:fontRef idx="minor">
+            <a:schemeClr val="lt1"/>
+          </a:fontRef>
+        </p:style>
+        <p:txBody>
+          <a:bodyPr rtlCol="0" anchor="ctr"/>
+          <a:lstStyle/>
+          <a:p>
+            <a:pPr algn="ctr"/>
+            <a:r>
+              <a:rPr lang="en-SG" dirty="0"/>
+              <a:t>Step X+N</a:t>
+            </a:r>
+          </a:p>
+        </p:txBody>
+      </p:sp>
+      <p:cxnSp>
+        <p:nvCxnSpPr>
+          <p:cNvPr id="8" name="Connector: Elbow 7">
+            <a:extLst>
+              <a:ext uri="{FF2B5EF4-FFF2-40B4-BE49-F238E27FC236}">
+                <a16:creationId xmlns:a16="http://schemas.microsoft.com/office/drawing/2014/main" id="{966EC4BB-5D7D-4048-8EA7-332B6C682755}"/>
+              </a:ext>
+            </a:extLst>
+          </p:cNvPr>
+          <p:cNvCxnSpPr>
+            <a:cxnSpLocks/>
+            <a:stCxn id="2" idx="3"/>
+            <a:endCxn id="4" idx="1"/>
+          </p:cNvCxnSpPr>
+          <p:nvPr/>
+        </p:nvCxnSpPr>
+        <p:spPr>
+          <a:xfrm>
+            <a:off x="2038455" y="3754008"/>
+            <a:ext cx="6829385" cy="227673"/>
+          </a:xfrm>
+          <a:prstGeom prst="bentConnector3">
+            <a:avLst/>
+          </a:prstGeom>
+          <a:ln>
+            <a:tailEnd type="triangle"/>
+          </a:ln>
+        </p:spPr>
+        <p:style>
+          <a:lnRef idx="1">
+            <a:schemeClr val="accent1"/>
+          </a:lnRef>
+          <a:fillRef idx="0">
+            <a:schemeClr val="accent1"/>
+          </a:fillRef>
+          <a:effectRef idx="0">
+            <a:schemeClr val="accent1"/>
+          </a:effectRef>
+          <a:fontRef idx="minor">
+            <a:schemeClr val="tx1"/>
+          </a:fontRef>
+        </p:style>
+      </p:cxnSp>
+      <p:sp>
+        <p:nvSpPr>
+          <p:cNvPr id="10" name="TextBox 9">
+            <a:extLst>
+              <a:ext uri="{FF2B5EF4-FFF2-40B4-BE49-F238E27FC236}">
+                <a16:creationId xmlns:a16="http://schemas.microsoft.com/office/drawing/2014/main" id="{6C336E4F-DBCF-476F-ADA0-8CA80EAADDBF}"/>
+              </a:ext>
+            </a:extLst>
+          </p:cNvPr>
+          <p:cNvSpPr txBox="1"/>
+          <p:nvPr/>
+        </p:nvSpPr>
+        <p:spPr>
+          <a:xfrm>
+            <a:off x="6699382" y="3523070"/>
+            <a:ext cx="1621741" cy="461665"/>
+          </a:xfrm>
+          <a:prstGeom prst="rect">
+            <a:avLst/>
+          </a:prstGeom>
+          <a:noFill/>
+        </p:spPr>
+        <p:txBody>
+          <a:bodyPr wrap="square" rtlCol="0">
+            <a:spAutoFit/>
+          </a:bodyPr>
+          <a:lstStyle/>
+          <a:p>
+            <a:r>
+              <a:rPr lang="en-SG" sz="1200" dirty="0"/>
+              <a:t>request (</a:t>
+            </a:r>
+            <a:r>
+              <a:rPr lang="en-SG" sz="1200" i="1" dirty="0"/>
+              <a:t>steps between x and </a:t>
+            </a:r>
+            <a:r>
+              <a:rPr lang="en-SG" sz="1200" i="1" dirty="0" err="1"/>
+              <a:t>x+N</a:t>
+            </a:r>
+            <a:r>
+              <a:rPr lang="en-SG" sz="1200" dirty="0"/>
+              <a:t>)</a:t>
+            </a:r>
+          </a:p>
+        </p:txBody>
+      </p:sp>
+      <p:cxnSp>
+        <p:nvCxnSpPr>
+          <p:cNvPr id="12" name="Connector: Elbow 11">
+            <a:extLst>
+              <a:ext uri="{FF2B5EF4-FFF2-40B4-BE49-F238E27FC236}">
+                <a16:creationId xmlns:a16="http://schemas.microsoft.com/office/drawing/2014/main" id="{F93D6ECE-1894-48E0-903D-3E395EA2E5AC}"/>
+              </a:ext>
+            </a:extLst>
+          </p:cNvPr>
+          <p:cNvCxnSpPr>
+            <a:cxnSpLocks/>
+            <a:stCxn id="4" idx="2"/>
+            <a:endCxn id="2" idx="2"/>
+          </p:cNvCxnSpPr>
+          <p:nvPr/>
+        </p:nvCxnSpPr>
+        <p:spPr>
+          <a:xfrm rot="5400000" flipH="1">
+            <a:off x="5275615" y="70675"/>
+            <a:ext cx="227673" cy="8131236"/>
+          </a:xfrm>
+          <a:prstGeom prst="bentConnector3">
+            <a:avLst>
+              <a:gd name="adj1" fmla="val -100407"/>
+            </a:avLst>
+          </a:prstGeom>
+          <a:ln>
+            <a:tailEnd type="triangle"/>
+          </a:ln>
+        </p:spPr>
+        <p:style>
+          <a:lnRef idx="1">
+            <a:schemeClr val="accent1"/>
+          </a:lnRef>
+          <a:fillRef idx="0">
+            <a:schemeClr val="accent1"/>
+          </a:fillRef>
+          <a:effectRef idx="0">
+            <a:schemeClr val="accent1"/>
+          </a:effectRef>
+          <a:fontRef idx="minor">
+            <a:schemeClr val="tx1"/>
+          </a:fontRef>
+        </p:style>
+      </p:cxnSp>
+      <p:sp>
+        <p:nvSpPr>
+          <p:cNvPr id="14" name="TextBox 13">
+            <a:extLst>
+              <a:ext uri="{FF2B5EF4-FFF2-40B4-BE49-F238E27FC236}">
+                <a16:creationId xmlns:a16="http://schemas.microsoft.com/office/drawing/2014/main" id="{4C216BBC-0EBE-454F-B18F-43352EEE1CE9}"/>
+              </a:ext>
+            </a:extLst>
+          </p:cNvPr>
+          <p:cNvSpPr txBox="1"/>
+          <p:nvPr/>
+        </p:nvSpPr>
+        <p:spPr>
+          <a:xfrm>
+            <a:off x="6699382" y="4594675"/>
+            <a:ext cx="1839927" cy="276999"/>
+          </a:xfrm>
+          <a:prstGeom prst="rect">
+            <a:avLst/>
+          </a:prstGeom>
+          <a:noFill/>
+        </p:spPr>
+        <p:txBody>
+          <a:bodyPr wrap="none" rtlCol="0">
+            <a:spAutoFit/>
+          </a:bodyPr>
+          <a:lstStyle/>
+          <a:p>
+            <a:r>
+              <a:rPr lang="en-SG" sz="1200" dirty="0"/>
+              <a:t>response </a:t>
+            </a:r>
+            <a:r>
+              <a:rPr lang="en-SG" sz="1200" i="1" dirty="0"/>
+              <a:t>((abstract) steps</a:t>
+            </a:r>
+            <a:r>
+              <a:rPr lang="en-SG" sz="1200" dirty="0"/>
+              <a:t>)</a:t>
+            </a:r>
+          </a:p>
+        </p:txBody>
+      </p:sp>
+      <p:sp>
+        <p:nvSpPr>
+          <p:cNvPr id="21" name="TextBox 20">
+            <a:extLst>
+              <a:ext uri="{FF2B5EF4-FFF2-40B4-BE49-F238E27FC236}">
+                <a16:creationId xmlns:a16="http://schemas.microsoft.com/office/drawing/2014/main" id="{A7B050E9-5977-4704-B222-957AB29DF4D7}"/>
+              </a:ext>
+            </a:extLst>
+          </p:cNvPr>
+          <p:cNvSpPr txBox="1"/>
+          <p:nvPr/>
+        </p:nvSpPr>
+        <p:spPr>
+          <a:xfrm>
+            <a:off x="7647301" y="2782669"/>
+            <a:ext cx="4337402" cy="646331"/>
+          </a:xfrm>
+          <a:prstGeom prst="rect">
+            <a:avLst/>
+          </a:prstGeom>
+          <a:noFill/>
+        </p:spPr>
+        <p:txBody>
+          <a:bodyPr wrap="square" rtlCol="0">
+            <a:spAutoFit/>
+          </a:bodyPr>
+          <a:lstStyle/>
+          <a:p>
+            <a:r>
+              <a:rPr lang="en-SG" dirty="0"/>
+              <a:t>Control dependency/data dependency/call/loop relation</a:t>
+            </a:r>
+          </a:p>
+        </p:txBody>
+      </p:sp>
+      <p:sp>
+        <p:nvSpPr>
+          <p:cNvPr id="22" name="Rectangle 21">
+            <a:extLst>
+              <a:ext uri="{FF2B5EF4-FFF2-40B4-BE49-F238E27FC236}">
+                <a16:creationId xmlns:a16="http://schemas.microsoft.com/office/drawing/2014/main" id="{EB21A1AB-5635-48E2-9A14-8FBA9768FD0E}"/>
+              </a:ext>
+            </a:extLst>
+          </p:cNvPr>
+          <p:cNvSpPr/>
+          <p:nvPr/>
+        </p:nvSpPr>
+        <p:spPr>
+          <a:xfrm>
+            <a:off x="8052318" y="1264374"/>
+            <a:ext cx="111967" cy="282695"/>
+          </a:xfrm>
+          <a:prstGeom prst="rect">
+            <a:avLst/>
+          </a:prstGeom>
+        </p:spPr>
+        <p:style>
+          <a:lnRef idx="2">
+            <a:schemeClr val="accent1">
+              <a:shade val="50000"/>
+            </a:schemeClr>
+          </a:lnRef>
+          <a:fillRef idx="1">
+            <a:schemeClr val="accent1"/>
+          </a:fillRef>
+          <a:effectRef idx="0">
+            <a:schemeClr val="accent1"/>
+          </a:effectRef>
+          <a:fontRef idx="minor">
+            <a:schemeClr val="lt1"/>
+          </a:fontRef>
+        </p:style>
+        <p:txBody>
+          <a:bodyPr rtlCol="0" anchor="ctr"/>
+          <a:lstStyle/>
+          <a:p>
+            <a:pPr algn="ctr"/>
+            <a:r>
+              <a:rPr lang="en-SG" dirty="0"/>
+              <a:t>v</a:t>
+            </a:r>
+          </a:p>
+        </p:txBody>
+      </p:sp>
+      <p:sp>
+        <p:nvSpPr>
+          <p:cNvPr id="25" name="Rectangle 24">
+            <a:extLst>
+              <a:ext uri="{FF2B5EF4-FFF2-40B4-BE49-F238E27FC236}">
+                <a16:creationId xmlns:a16="http://schemas.microsoft.com/office/drawing/2014/main" id="{2FC57BB3-CC42-42B3-BE86-FE79329084CC}"/>
+              </a:ext>
+            </a:extLst>
+          </p:cNvPr>
+          <p:cNvSpPr/>
+          <p:nvPr/>
+        </p:nvSpPr>
+        <p:spPr>
+          <a:xfrm>
+            <a:off x="8629087" y="1264372"/>
+            <a:ext cx="111967" cy="282695"/>
+          </a:xfrm>
+          <a:prstGeom prst="rect">
+            <a:avLst/>
+          </a:prstGeom>
+        </p:spPr>
+        <p:style>
+          <a:lnRef idx="2">
+            <a:schemeClr val="accent1">
+              <a:shade val="50000"/>
+            </a:schemeClr>
+          </a:lnRef>
+          <a:fillRef idx="1">
+            <a:schemeClr val="accent1"/>
+          </a:fillRef>
+          <a:effectRef idx="0">
+            <a:schemeClr val="accent1"/>
+          </a:effectRef>
+          <a:fontRef idx="minor">
+            <a:schemeClr val="lt1"/>
+          </a:fontRef>
+        </p:style>
+        <p:txBody>
+          <a:bodyPr rtlCol="0" anchor="ctr"/>
+          <a:lstStyle/>
+          <a:p>
+            <a:pPr algn="ctr"/>
+            <a:r>
+              <a:rPr lang="en-SG" dirty="0"/>
+              <a:t>v</a:t>
+            </a:r>
+          </a:p>
+        </p:txBody>
+      </p:sp>
+      <p:cxnSp>
+        <p:nvCxnSpPr>
+          <p:cNvPr id="44" name="Connector: Elbow 43">
+            <a:extLst>
+              <a:ext uri="{FF2B5EF4-FFF2-40B4-BE49-F238E27FC236}">
+                <a16:creationId xmlns:a16="http://schemas.microsoft.com/office/drawing/2014/main" id="{81793B73-79E0-4157-87B8-B372BDD2196C}"/>
+              </a:ext>
+            </a:extLst>
+          </p:cNvPr>
+          <p:cNvCxnSpPr>
+            <a:cxnSpLocks/>
+            <a:stCxn id="28" idx="0"/>
+            <a:endCxn id="22" idx="2"/>
+          </p:cNvCxnSpPr>
+          <p:nvPr/>
+        </p:nvCxnSpPr>
+        <p:spPr>
+          <a:xfrm rot="5400000" flipH="1" flipV="1">
+            <a:off x="7864488" y="1790883"/>
+            <a:ext cx="487628" cy="12700"/>
+          </a:xfrm>
+          <a:prstGeom prst="bentConnector3">
+            <a:avLst>
+              <a:gd name="adj1" fmla="val 50000"/>
+            </a:avLst>
+          </a:prstGeom>
+          <a:ln>
+            <a:tailEnd type="triangle"/>
+          </a:ln>
+        </p:spPr>
+        <p:style>
+          <a:lnRef idx="1">
+            <a:schemeClr val="accent1"/>
+          </a:lnRef>
+          <a:fillRef idx="0">
+            <a:schemeClr val="accent1"/>
+          </a:fillRef>
+          <a:effectRef idx="0">
+            <a:schemeClr val="accent1"/>
+          </a:effectRef>
+          <a:fontRef idx="minor">
+            <a:schemeClr val="tx1"/>
+          </a:fontRef>
+        </p:style>
+      </p:cxnSp>
+      <p:cxnSp>
+        <p:nvCxnSpPr>
+          <p:cNvPr id="46" name="Connector: Elbow 45">
+            <a:extLst>
+              <a:ext uri="{FF2B5EF4-FFF2-40B4-BE49-F238E27FC236}">
+                <a16:creationId xmlns:a16="http://schemas.microsoft.com/office/drawing/2014/main" id="{EA908E45-6EB2-4B42-B80D-4C93A3BD88F5}"/>
+              </a:ext>
+            </a:extLst>
+          </p:cNvPr>
+          <p:cNvCxnSpPr>
+            <a:cxnSpLocks/>
+            <a:stCxn id="22" idx="3"/>
+            <a:endCxn id="32" idx="1"/>
+          </p:cNvCxnSpPr>
+          <p:nvPr/>
+        </p:nvCxnSpPr>
+        <p:spPr>
+          <a:xfrm>
+            <a:off x="8164285" y="1405722"/>
+            <a:ext cx="464802" cy="770321"/>
+          </a:xfrm>
+          <a:prstGeom prst="bentConnector3">
+            <a:avLst>
+              <a:gd name="adj1" fmla="val 50000"/>
+            </a:avLst>
+          </a:prstGeom>
+          <a:ln>
+            <a:tailEnd type="triangle"/>
+          </a:ln>
+        </p:spPr>
+        <p:style>
+          <a:lnRef idx="1">
+            <a:schemeClr val="accent1"/>
+          </a:lnRef>
+          <a:fillRef idx="0">
+            <a:schemeClr val="accent1"/>
+          </a:fillRef>
+          <a:effectRef idx="0">
+            <a:schemeClr val="accent1"/>
+          </a:effectRef>
+          <a:fontRef idx="minor">
+            <a:schemeClr val="tx1"/>
+          </a:fontRef>
+        </p:style>
+      </p:cxnSp>
+      <p:cxnSp>
+        <p:nvCxnSpPr>
+          <p:cNvPr id="49" name="Connector: Elbow 48">
+            <a:extLst>
+              <a:ext uri="{FF2B5EF4-FFF2-40B4-BE49-F238E27FC236}">
+                <a16:creationId xmlns:a16="http://schemas.microsoft.com/office/drawing/2014/main" id="{6E85CD38-6DE4-4967-9DFF-7E2DFE510DC2}"/>
+              </a:ext>
+            </a:extLst>
+          </p:cNvPr>
+          <p:cNvCxnSpPr>
+            <a:cxnSpLocks/>
+            <a:stCxn id="34" idx="0"/>
+            <a:endCxn id="25" idx="3"/>
+          </p:cNvCxnSpPr>
+          <p:nvPr/>
+        </p:nvCxnSpPr>
+        <p:spPr>
+          <a:xfrm rot="16200000" flipV="1">
+            <a:off x="8967742" y="1179033"/>
+            <a:ext cx="628975" cy="1082350"/>
+          </a:xfrm>
+          <a:prstGeom prst="bentConnector2">
+            <a:avLst/>
+          </a:prstGeom>
+          <a:ln>
+            <a:tailEnd type="triangle"/>
+          </a:ln>
+        </p:spPr>
+        <p:style>
+          <a:lnRef idx="1">
+            <a:schemeClr val="accent1"/>
+          </a:lnRef>
+          <a:fillRef idx="0">
+            <a:schemeClr val="accent1"/>
+          </a:fillRef>
+          <a:effectRef idx="0">
+            <a:schemeClr val="accent1"/>
+          </a:effectRef>
+          <a:fontRef idx="minor">
+            <a:schemeClr val="tx1"/>
+          </a:fontRef>
+        </p:style>
+      </p:cxnSp>
+      <p:cxnSp>
+        <p:nvCxnSpPr>
+          <p:cNvPr id="52" name="Connector: Elbow 51">
+            <a:extLst>
+              <a:ext uri="{FF2B5EF4-FFF2-40B4-BE49-F238E27FC236}">
+                <a16:creationId xmlns:a16="http://schemas.microsoft.com/office/drawing/2014/main" id="{51C72E70-F77F-4BC6-A295-50DF1424A113}"/>
+              </a:ext>
+            </a:extLst>
+          </p:cNvPr>
+          <p:cNvCxnSpPr>
+            <a:cxnSpLocks/>
+            <a:stCxn id="28" idx="2"/>
+            <a:endCxn id="30" idx="2"/>
+          </p:cNvCxnSpPr>
+          <p:nvPr/>
+        </p:nvCxnSpPr>
+        <p:spPr>
+          <a:xfrm rot="5400000" flipH="1" flipV="1">
+            <a:off x="8685070" y="1740623"/>
+            <a:ext cx="1" cy="1153538"/>
+          </a:xfrm>
+          <a:prstGeom prst="bentConnector3">
+            <a:avLst>
+              <a:gd name="adj1" fmla="val -22860000000"/>
+            </a:avLst>
+          </a:prstGeom>
+          <a:ln>
+            <a:tailEnd type="triangle"/>
+          </a:ln>
+        </p:spPr>
+        <p:style>
+          <a:lnRef idx="1">
+            <a:schemeClr val="accent1"/>
+          </a:lnRef>
+          <a:fillRef idx="0">
+            <a:schemeClr val="accent1"/>
+          </a:fillRef>
+          <a:effectRef idx="0">
+            <a:schemeClr val="accent1"/>
+          </a:effectRef>
+          <a:fontRef idx="minor">
+            <a:schemeClr val="tx1"/>
+          </a:fontRef>
+        </p:style>
+      </p:cxnSp>
+      <p:sp>
+        <p:nvSpPr>
+          <p:cNvPr id="56" name="TextBox 55">
+            <a:extLst>
+              <a:ext uri="{FF2B5EF4-FFF2-40B4-BE49-F238E27FC236}">
+                <a16:creationId xmlns:a16="http://schemas.microsoft.com/office/drawing/2014/main" id="{3FD7BFAE-80AF-492A-95B7-491B139E4047}"/>
+              </a:ext>
+            </a:extLst>
+          </p:cNvPr>
+          <p:cNvSpPr txBox="1"/>
+          <p:nvPr/>
+        </p:nvSpPr>
+        <p:spPr>
+          <a:xfrm>
+            <a:off x="7429267" y="1612567"/>
+            <a:ext cx="672685" cy="369332"/>
+          </a:xfrm>
+          <a:prstGeom prst="rect">
+            <a:avLst/>
+          </a:prstGeom>
+          <a:noFill/>
+        </p:spPr>
+        <p:txBody>
+          <a:bodyPr wrap="none" rtlCol="0">
+            <a:spAutoFit/>
+          </a:bodyPr>
+          <a:lstStyle>
+            <a:defPPr>
+              <a:defRPr lang="en-US"/>
+            </a:defPPr>
+            <a:lvl1pPr>
+              <a:defRPr sz="1200">
+                <a:solidFill>
+                  <a:srgbClr val="0070C0"/>
+                </a:solidFill>
+              </a:defRPr>
+            </a:lvl1pPr>
+          </a:lstStyle>
+          <a:p>
+            <a:r>
+              <a:rPr lang="en-SG" dirty="0"/>
+              <a:t>write</a:t>
+            </a:r>
+          </a:p>
+        </p:txBody>
+      </p:sp>
+      <p:sp>
+        <p:nvSpPr>
+          <p:cNvPr id="58" name="TextBox 57">
+            <a:extLst>
+              <a:ext uri="{FF2B5EF4-FFF2-40B4-BE49-F238E27FC236}">
+                <a16:creationId xmlns:a16="http://schemas.microsoft.com/office/drawing/2014/main" id="{D1FD412B-96E5-46EB-862B-F0CCA769BA14}"/>
+              </a:ext>
+            </a:extLst>
+          </p:cNvPr>
+          <p:cNvSpPr txBox="1"/>
+          <p:nvPr/>
+        </p:nvSpPr>
+        <p:spPr>
+          <a:xfrm>
+            <a:off x="9767420" y="1388651"/>
+            <a:ext cx="672685" cy="369332"/>
+          </a:xfrm>
+          <a:prstGeom prst="rect">
+            <a:avLst/>
+          </a:prstGeom>
+          <a:noFill/>
+        </p:spPr>
+        <p:txBody>
+          <a:bodyPr wrap="none" rtlCol="0">
+            <a:spAutoFit/>
+          </a:bodyPr>
+          <a:lstStyle>
+            <a:defPPr>
+              <a:defRPr lang="en-US"/>
+            </a:defPPr>
+            <a:lvl1pPr>
+              <a:defRPr sz="1200">
+                <a:solidFill>
+                  <a:srgbClr val="0070C0"/>
+                </a:solidFill>
+              </a:defRPr>
+            </a:lvl1pPr>
+          </a:lstStyle>
+          <a:p>
+            <a:r>
+              <a:rPr lang="en-SG" dirty="0"/>
+              <a:t>write</a:t>
+            </a:r>
+          </a:p>
+        </p:txBody>
+      </p:sp>
+      <p:sp>
+        <p:nvSpPr>
+          <p:cNvPr id="60" name="TextBox 59">
+            <a:extLst>
+              <a:ext uri="{FF2B5EF4-FFF2-40B4-BE49-F238E27FC236}">
+                <a16:creationId xmlns:a16="http://schemas.microsoft.com/office/drawing/2014/main" id="{505F9CC3-98F4-48D9-A352-FCD6FD99388D}"/>
+              </a:ext>
+            </a:extLst>
+          </p:cNvPr>
+          <p:cNvSpPr txBox="1"/>
+          <p:nvPr/>
+        </p:nvSpPr>
+        <p:spPr>
+          <a:xfrm>
+            <a:off x="8348728" y="1606215"/>
+            <a:ext cx="609654" cy="369332"/>
+          </a:xfrm>
+          <a:prstGeom prst="rect">
+            <a:avLst/>
+          </a:prstGeom>
+          <a:noFill/>
+        </p:spPr>
+        <p:txBody>
+          <a:bodyPr wrap="none" rtlCol="0">
+            <a:spAutoFit/>
+          </a:bodyPr>
+          <a:lstStyle>
+            <a:defPPr>
+              <a:defRPr lang="en-US"/>
+            </a:defPPr>
+            <a:lvl1pPr>
+              <a:defRPr sz="1200">
+                <a:solidFill>
+                  <a:srgbClr val="0070C0"/>
+                </a:solidFill>
+              </a:defRPr>
+            </a:lvl1pPr>
+          </a:lstStyle>
+          <a:p>
+            <a:r>
+              <a:rPr lang="en-SG" dirty="0"/>
+              <a:t>read</a:t>
+            </a:r>
+          </a:p>
+        </p:txBody>
+      </p:sp>
+      <p:sp>
+        <p:nvSpPr>
+          <p:cNvPr id="62" name="TextBox 61">
+            <a:extLst>
+              <a:ext uri="{FF2B5EF4-FFF2-40B4-BE49-F238E27FC236}">
+                <a16:creationId xmlns:a16="http://schemas.microsoft.com/office/drawing/2014/main" id="{454BFDAE-EE42-43DF-8472-0765F5B4C757}"/>
+              </a:ext>
+            </a:extLst>
+          </p:cNvPr>
+          <p:cNvSpPr txBox="1"/>
+          <p:nvPr/>
+        </p:nvSpPr>
+        <p:spPr>
+          <a:xfrm>
+            <a:off x="7837622" y="2498105"/>
+            <a:ext cx="1429815" cy="276999"/>
+          </a:xfrm>
+          <a:prstGeom prst="rect">
+            <a:avLst/>
+          </a:prstGeom>
+          <a:noFill/>
+        </p:spPr>
+        <p:txBody>
+          <a:bodyPr wrap="none" rtlCol="0">
+            <a:spAutoFit/>
+          </a:bodyPr>
+          <a:lstStyle/>
+          <a:p>
+            <a:r>
+              <a:rPr lang="en-SG" sz="1200" dirty="0">
+                <a:solidFill>
+                  <a:srgbClr val="0070C0"/>
+                </a:solidFill>
+              </a:rPr>
+              <a:t>control dependency</a:t>
+            </a:r>
+          </a:p>
+        </p:txBody>
+      </p:sp>
+      <p:sp>
+        <p:nvSpPr>
+          <p:cNvPr id="64" name="TextBox 63">
+            <a:extLst>
+              <a:ext uri="{FF2B5EF4-FFF2-40B4-BE49-F238E27FC236}">
+                <a16:creationId xmlns:a16="http://schemas.microsoft.com/office/drawing/2014/main" id="{C2B403AE-0F90-494B-B2CC-3855994609B5}"/>
+              </a:ext>
+            </a:extLst>
+          </p:cNvPr>
+          <p:cNvSpPr txBox="1"/>
+          <p:nvPr/>
+        </p:nvSpPr>
+        <p:spPr>
+          <a:xfrm>
+            <a:off x="8912766" y="176702"/>
+            <a:ext cx="3027700" cy="1015663"/>
+          </a:xfrm>
+          <a:prstGeom prst="rect">
+            <a:avLst/>
+          </a:prstGeom>
+          <a:noFill/>
+        </p:spPr>
+        <p:txBody>
+          <a:bodyPr wrap="square" rtlCol="0">
+            <a:spAutoFit/>
+          </a:bodyPr>
+          <a:lstStyle/>
+          <a:p>
+            <a:pPr marL="342900" indent="-342900">
+              <a:buAutoNum type="arabicPeriod"/>
+            </a:pPr>
+            <a:r>
+              <a:rPr lang="en-SG" sz="1200" i="1" dirty="0"/>
+              <a:t>What steps read static field f in class C?</a:t>
+            </a:r>
+          </a:p>
+          <a:p>
+            <a:pPr marL="342900" indent="-342900">
+              <a:buAutoNum type="arabicPeriod"/>
+            </a:pPr>
+            <a:r>
+              <a:rPr lang="en-SG" sz="1200" i="1" dirty="0"/>
+              <a:t>What steps write the field f of object O?</a:t>
+            </a:r>
+          </a:p>
+          <a:p>
+            <a:pPr marL="342900" indent="-342900">
+              <a:buAutoNum type="arabicPeriod"/>
+            </a:pPr>
+            <a:r>
+              <a:rPr lang="en-SG" sz="1200" i="1" dirty="0"/>
+              <a:t>What steps visiting line X?</a:t>
+            </a:r>
+          </a:p>
+          <a:p>
+            <a:pPr marL="342900" indent="-342900">
+              <a:buAutoNum type="arabicPeriod"/>
+            </a:pPr>
+            <a:r>
+              <a:rPr lang="en-SG" sz="1200" i="1" dirty="0"/>
+              <a:t>On-demand data/control slicing</a:t>
+            </a:r>
+          </a:p>
+          <a:p>
+            <a:pPr marL="342900" indent="-342900">
+              <a:buAutoNum type="arabicPeriod"/>
+            </a:pPr>
+            <a:r>
+              <a:rPr lang="en-SG" sz="1200" i="1" dirty="0"/>
+              <a:t>Call/loop relations between steps</a:t>
+            </a:r>
+          </a:p>
+        </p:txBody>
+      </p:sp>
+      <p:sp>
+        <p:nvSpPr>
+          <p:cNvPr id="65" name="Rectangle 64">
+            <a:extLst>
+              <a:ext uri="{FF2B5EF4-FFF2-40B4-BE49-F238E27FC236}">
+                <a16:creationId xmlns:a16="http://schemas.microsoft.com/office/drawing/2014/main" id="{24E4631B-D568-45DB-BF14-E5A4DE0828A9}"/>
+              </a:ext>
+            </a:extLst>
+          </p:cNvPr>
+          <p:cNvSpPr/>
+          <p:nvPr/>
+        </p:nvSpPr>
+        <p:spPr>
+          <a:xfrm>
+            <a:off x="6699382" y="1941392"/>
+            <a:ext cx="684214" cy="487621"/>
+          </a:xfrm>
+          <a:prstGeom prst="rect">
+            <a:avLst/>
+          </a:prstGeom>
+        </p:spPr>
+        <p:style>
+          <a:lnRef idx="2">
+            <a:schemeClr val="accent1">
+              <a:shade val="50000"/>
+            </a:schemeClr>
+          </a:lnRef>
+          <a:fillRef idx="1">
+            <a:schemeClr val="accent1"/>
+          </a:fillRef>
+          <a:effectRef idx="0">
+            <a:schemeClr val="accent1"/>
+          </a:effectRef>
+          <a:fontRef idx="minor">
+            <a:schemeClr val="lt1"/>
+          </a:fontRef>
+        </p:style>
+        <p:txBody>
+          <a:bodyPr rtlCol="0" anchor="ctr"/>
+          <a:lstStyle/>
+          <a:p>
+            <a:pPr algn="ctr"/>
+            <a:r>
+              <a:rPr lang="en-SG" sz="1200" dirty="0"/>
+              <a:t>Meta data</a:t>
+            </a:r>
+          </a:p>
+        </p:txBody>
+      </p:sp>
+      <p:sp>
+        <p:nvSpPr>
+          <p:cNvPr id="66" name="Rectangle 65">
+            <a:extLst>
+              <a:ext uri="{FF2B5EF4-FFF2-40B4-BE49-F238E27FC236}">
+                <a16:creationId xmlns:a16="http://schemas.microsoft.com/office/drawing/2014/main" id="{208D6D73-A940-404F-A641-4790C39FD6EA}"/>
+              </a:ext>
+            </a:extLst>
+          </p:cNvPr>
+          <p:cNvSpPr/>
+          <p:nvPr/>
+        </p:nvSpPr>
+        <p:spPr>
+          <a:xfrm>
+            <a:off x="3681457" y="1373370"/>
+            <a:ext cx="2575657" cy="605433"/>
+          </a:xfrm>
+          <a:prstGeom prst="rect">
+            <a:avLst/>
+          </a:prstGeom>
+        </p:spPr>
+        <p:style>
+          <a:lnRef idx="2">
+            <a:schemeClr val="accent1">
+              <a:shade val="50000"/>
+            </a:schemeClr>
+          </a:lnRef>
+          <a:fillRef idx="1">
+            <a:schemeClr val="accent1"/>
+          </a:fillRef>
+          <a:effectRef idx="0">
+            <a:schemeClr val="accent1"/>
+          </a:effectRef>
+          <a:fontRef idx="minor">
+            <a:schemeClr val="lt1"/>
+          </a:fontRef>
+        </p:style>
+        <p:txBody>
+          <a:bodyPr rtlCol="0" anchor="ctr"/>
+          <a:lstStyle/>
+          <a:p>
+            <a:pPr algn="ctr"/>
+            <a:r>
+              <a:rPr lang="en-SG" dirty="0"/>
+              <a:t>Controller (for length limit)</a:t>
+            </a:r>
+          </a:p>
+        </p:txBody>
+      </p:sp>
+      <p:cxnSp>
+        <p:nvCxnSpPr>
+          <p:cNvPr id="67" name="Straight Connector 66">
+            <a:extLst>
+              <a:ext uri="{FF2B5EF4-FFF2-40B4-BE49-F238E27FC236}">
+                <a16:creationId xmlns:a16="http://schemas.microsoft.com/office/drawing/2014/main" id="{A124B780-1114-43FA-B8C8-B25222B65304}"/>
+              </a:ext>
+            </a:extLst>
+          </p:cNvPr>
+          <p:cNvCxnSpPr/>
+          <p:nvPr/>
+        </p:nvCxnSpPr>
+        <p:spPr>
+          <a:xfrm>
+            <a:off x="3278155" y="276844"/>
+            <a:ext cx="0" cy="5887616"/>
+          </a:xfrm>
+          <a:prstGeom prst="line">
+            <a:avLst/>
+          </a:prstGeom>
+          <a:ln>
+            <a:prstDash val="dash"/>
+          </a:ln>
+        </p:spPr>
+        <p:style>
+          <a:lnRef idx="1">
+            <a:schemeClr val="accent1"/>
+          </a:lnRef>
+          <a:fillRef idx="0">
+            <a:schemeClr val="accent1"/>
+          </a:fillRef>
+          <a:effectRef idx="0">
+            <a:schemeClr val="accent1"/>
+          </a:effectRef>
+          <a:fontRef idx="minor">
+            <a:schemeClr val="tx1"/>
+          </a:fontRef>
+        </p:style>
+      </p:cxnSp>
+      <p:sp>
+        <p:nvSpPr>
+          <p:cNvPr id="69" name="TextBox 68">
+            <a:extLst>
+              <a:ext uri="{FF2B5EF4-FFF2-40B4-BE49-F238E27FC236}">
+                <a16:creationId xmlns:a16="http://schemas.microsoft.com/office/drawing/2014/main" id="{AF9637CC-F79D-4F73-B011-07F1F86B943D}"/>
+              </a:ext>
+            </a:extLst>
+          </p:cNvPr>
+          <p:cNvSpPr txBox="1"/>
+          <p:nvPr/>
+        </p:nvSpPr>
+        <p:spPr>
+          <a:xfrm>
+            <a:off x="3386258" y="623373"/>
+            <a:ext cx="2749828" cy="369332"/>
+          </a:xfrm>
+          <a:prstGeom prst="rect">
+            <a:avLst/>
+          </a:prstGeom>
+          <a:noFill/>
+        </p:spPr>
+        <p:txBody>
+          <a:bodyPr wrap="square" rtlCol="0">
+            <a:spAutoFit/>
+          </a:bodyPr>
+          <a:lstStyle/>
+          <a:p>
+            <a:r>
+              <a:rPr lang="en-SG" dirty="0"/>
+              <a:t>Trace Recorder (Memory)</a:t>
+            </a:r>
+          </a:p>
+        </p:txBody>
+      </p:sp>
+      <p:sp>
+        <p:nvSpPr>
+          <p:cNvPr id="72" name="Rectangle 71">
+            <a:extLst>
+              <a:ext uri="{FF2B5EF4-FFF2-40B4-BE49-F238E27FC236}">
+                <a16:creationId xmlns:a16="http://schemas.microsoft.com/office/drawing/2014/main" id="{94918A15-6959-474F-B429-D218865337ED}"/>
+              </a:ext>
+            </a:extLst>
+          </p:cNvPr>
+          <p:cNvSpPr/>
+          <p:nvPr/>
+        </p:nvSpPr>
+        <p:spPr>
+          <a:xfrm>
+            <a:off x="3685213" y="2498559"/>
+            <a:ext cx="1656316" cy="605433"/>
+          </a:xfrm>
+          <a:prstGeom prst="rect">
+            <a:avLst/>
+          </a:prstGeom>
+        </p:spPr>
+        <p:style>
+          <a:lnRef idx="2">
+            <a:schemeClr val="accent1">
+              <a:shade val="50000"/>
+            </a:schemeClr>
+          </a:lnRef>
+          <a:fillRef idx="1">
+            <a:schemeClr val="accent1"/>
+          </a:fillRef>
+          <a:effectRef idx="0">
+            <a:schemeClr val="accent1"/>
+          </a:effectRef>
+          <a:fontRef idx="minor">
+            <a:schemeClr val="lt1"/>
+          </a:fontRef>
+        </p:style>
+        <p:txBody>
+          <a:bodyPr rtlCol="0" anchor="ctr"/>
+          <a:lstStyle/>
+          <a:p>
+            <a:pPr algn="ctr"/>
+            <a:r>
+              <a:rPr lang="en-SG" dirty="0"/>
+              <a:t>Segment</a:t>
+            </a:r>
+          </a:p>
+        </p:txBody>
+      </p:sp>
+      <p:cxnSp>
+        <p:nvCxnSpPr>
+          <p:cNvPr id="73" name="Connector: Elbow 72">
+            <a:extLst>
+              <a:ext uri="{FF2B5EF4-FFF2-40B4-BE49-F238E27FC236}">
+                <a16:creationId xmlns:a16="http://schemas.microsoft.com/office/drawing/2014/main" id="{993EB528-DB11-49B5-B946-7F7BE6845E9C}"/>
+              </a:ext>
+            </a:extLst>
+          </p:cNvPr>
+          <p:cNvCxnSpPr>
+            <a:cxnSpLocks/>
+            <a:stCxn id="72" idx="3"/>
+            <a:endCxn id="63" idx="2"/>
+          </p:cNvCxnSpPr>
+          <p:nvPr/>
+        </p:nvCxnSpPr>
+        <p:spPr>
+          <a:xfrm flipV="1">
+            <a:off x="5341529" y="2429013"/>
+            <a:ext cx="4137217" cy="372263"/>
+          </a:xfrm>
+          <a:prstGeom prst="bentConnector2">
+            <a:avLst/>
+          </a:prstGeom>
+          <a:ln w="25400">
+            <a:solidFill>
+              <a:srgbClr val="FF0000"/>
+            </a:solidFill>
+            <a:tailEnd type="triangle"/>
+          </a:ln>
+        </p:spPr>
+        <p:style>
+          <a:lnRef idx="1">
+            <a:schemeClr val="accent1"/>
+          </a:lnRef>
+          <a:fillRef idx="0">
+            <a:schemeClr val="accent1"/>
+          </a:fillRef>
+          <a:effectRef idx="0">
+            <a:schemeClr val="accent1"/>
+          </a:effectRef>
+          <a:fontRef idx="minor">
+            <a:schemeClr val="tx1"/>
+          </a:fontRef>
+        </p:style>
+      </p:cxnSp>
+      <p:sp>
+        <p:nvSpPr>
+          <p:cNvPr id="77" name="TextBox 76">
+            <a:extLst>
+              <a:ext uri="{FF2B5EF4-FFF2-40B4-BE49-F238E27FC236}">
+                <a16:creationId xmlns:a16="http://schemas.microsoft.com/office/drawing/2014/main" id="{6F5F08B5-9BF3-47D1-A9F3-031972CA33B0}"/>
+              </a:ext>
+            </a:extLst>
+          </p:cNvPr>
+          <p:cNvSpPr txBox="1"/>
+          <p:nvPr/>
+        </p:nvSpPr>
+        <p:spPr>
+          <a:xfrm>
+            <a:off x="5468898" y="2275184"/>
+            <a:ext cx="793743" cy="369332"/>
+          </a:xfrm>
+          <a:prstGeom prst="rect">
+            <a:avLst/>
+          </a:prstGeom>
+          <a:noFill/>
+        </p:spPr>
+        <p:txBody>
+          <a:bodyPr wrap="none" rtlCol="0">
+            <a:spAutoFit/>
+          </a:bodyPr>
+          <a:lstStyle/>
+          <a:p>
+            <a:r>
+              <a:rPr lang="en-SG" dirty="0">
+                <a:solidFill>
+                  <a:srgbClr val="FF0000"/>
+                </a:solidFill>
+              </a:rPr>
+              <a:t>record</a:t>
+            </a:r>
+          </a:p>
+        </p:txBody>
+      </p:sp>
+      <p:cxnSp>
+        <p:nvCxnSpPr>
+          <p:cNvPr id="79" name="Connector: Elbow 78">
+            <a:extLst>
+              <a:ext uri="{FF2B5EF4-FFF2-40B4-BE49-F238E27FC236}">
+                <a16:creationId xmlns:a16="http://schemas.microsoft.com/office/drawing/2014/main" id="{9FAC8C69-F142-4C73-9E07-7F5570D3FD44}"/>
+              </a:ext>
+            </a:extLst>
+          </p:cNvPr>
+          <p:cNvCxnSpPr>
+            <a:stCxn id="66" idx="2"/>
+            <a:endCxn id="72" idx="0"/>
+          </p:cNvCxnSpPr>
+          <p:nvPr/>
+        </p:nvCxnSpPr>
+        <p:spPr>
+          <a:xfrm rot="5400000">
+            <a:off x="4481451" y="2010724"/>
+            <a:ext cx="519756" cy="455915"/>
+          </a:xfrm>
+          <a:prstGeom prst="bentConnector3">
+            <a:avLst/>
+          </a:prstGeom>
+          <a:ln>
+            <a:tailEnd type="triangle"/>
+          </a:ln>
+        </p:spPr>
+        <p:style>
+          <a:lnRef idx="1">
+            <a:schemeClr val="accent1"/>
+          </a:lnRef>
+          <a:fillRef idx="0">
+            <a:schemeClr val="accent1"/>
+          </a:fillRef>
+          <a:effectRef idx="0">
+            <a:schemeClr val="accent1"/>
+          </a:effectRef>
+          <a:fontRef idx="minor">
+            <a:schemeClr val="tx1"/>
+          </a:fontRef>
+        </p:style>
+      </p:cxnSp>
+      <p:cxnSp>
+        <p:nvCxnSpPr>
+          <p:cNvPr id="86" name="Connector: Elbow 85">
+            <a:extLst>
+              <a:ext uri="{FF2B5EF4-FFF2-40B4-BE49-F238E27FC236}">
+                <a16:creationId xmlns:a16="http://schemas.microsoft.com/office/drawing/2014/main" id="{A8236B0E-209F-416B-A01E-96BE300AA440}"/>
+              </a:ext>
+            </a:extLst>
+          </p:cNvPr>
+          <p:cNvCxnSpPr>
+            <a:cxnSpLocks/>
+            <a:stCxn id="34" idx="3"/>
+            <a:endCxn id="36" idx="1"/>
+          </p:cNvCxnSpPr>
+          <p:nvPr/>
+        </p:nvCxnSpPr>
+        <p:spPr>
+          <a:xfrm>
+            <a:off x="9879387" y="2176043"/>
+            <a:ext cx="516378" cy="18694"/>
+          </a:xfrm>
+          <a:prstGeom prst="bentConnector3">
+            <a:avLst>
+              <a:gd name="adj1" fmla="val 50000"/>
+            </a:avLst>
+          </a:prstGeom>
+          <a:ln>
+            <a:tailEnd type="triangle"/>
+          </a:ln>
+        </p:spPr>
+        <p:style>
+          <a:lnRef idx="1">
+            <a:schemeClr val="accent1"/>
+          </a:lnRef>
+          <a:fillRef idx="0">
+            <a:schemeClr val="accent1"/>
+          </a:fillRef>
+          <a:effectRef idx="0">
+            <a:schemeClr val="accent1"/>
+          </a:effectRef>
+          <a:fontRef idx="minor">
+            <a:schemeClr val="tx1"/>
+          </a:fontRef>
+        </p:style>
+      </p:cxnSp>
+      <p:sp>
+        <p:nvSpPr>
+          <p:cNvPr id="93" name="TextBox 92">
+            <a:extLst>
+              <a:ext uri="{FF2B5EF4-FFF2-40B4-BE49-F238E27FC236}">
+                <a16:creationId xmlns:a16="http://schemas.microsoft.com/office/drawing/2014/main" id="{8507B521-5949-419A-8450-67EB55DEEB14}"/>
+              </a:ext>
+            </a:extLst>
+          </p:cNvPr>
+          <p:cNvSpPr txBox="1"/>
+          <p:nvPr/>
+        </p:nvSpPr>
+        <p:spPr>
+          <a:xfrm>
+            <a:off x="9844087" y="1923072"/>
+            <a:ext cx="393377" cy="276999"/>
+          </a:xfrm>
+          <a:prstGeom prst="rect">
+            <a:avLst/>
+          </a:prstGeom>
+          <a:noFill/>
+        </p:spPr>
+        <p:txBody>
+          <a:bodyPr wrap="none" rtlCol="0">
+            <a:spAutoFit/>
+          </a:bodyPr>
+          <a:lstStyle>
+            <a:defPPr>
+              <a:defRPr lang="en-US"/>
+            </a:defPPr>
+            <a:lvl1pPr>
+              <a:defRPr sz="1200">
+                <a:solidFill>
+                  <a:srgbClr val="0070C0"/>
+                </a:solidFill>
+              </a:defRPr>
+            </a:lvl1pPr>
+          </a:lstStyle>
+          <a:p>
+            <a:r>
+              <a:rPr lang="en-SG" dirty="0"/>
+              <a:t>call</a:t>
+            </a:r>
+          </a:p>
+        </p:txBody>
+      </p:sp>
+      <p:sp>
+        <p:nvSpPr>
+          <p:cNvPr id="96" name="TextBox 95">
+            <a:extLst>
+              <a:ext uri="{FF2B5EF4-FFF2-40B4-BE49-F238E27FC236}">
+                <a16:creationId xmlns:a16="http://schemas.microsoft.com/office/drawing/2014/main" id="{4F869804-BE27-4A57-B1CE-6691F5F08757}"/>
+              </a:ext>
+            </a:extLst>
+          </p:cNvPr>
+          <p:cNvSpPr txBox="1"/>
+          <p:nvPr/>
+        </p:nvSpPr>
+        <p:spPr>
+          <a:xfrm>
+            <a:off x="6739720" y="5216219"/>
+            <a:ext cx="3027700" cy="1015663"/>
+          </a:xfrm>
+          <a:prstGeom prst="rect">
+            <a:avLst/>
+          </a:prstGeom>
+          <a:noFill/>
+        </p:spPr>
+        <p:txBody>
+          <a:bodyPr wrap="square" rtlCol="0">
+            <a:spAutoFit/>
+          </a:bodyPr>
+          <a:lstStyle/>
+          <a:p>
+            <a:pPr marL="342900" indent="-342900">
+              <a:buAutoNum type="arabicPeriod"/>
+            </a:pPr>
+            <a:r>
+              <a:rPr lang="en-SG" sz="1200" i="1" dirty="0"/>
+              <a:t>How do we define the index for steps and variables?</a:t>
+            </a:r>
+          </a:p>
+          <a:p>
+            <a:pPr marL="342900" indent="-342900">
+              <a:buAutoNum type="arabicPeriod"/>
+            </a:pPr>
+            <a:r>
+              <a:rPr lang="en-SG" sz="1200" i="1" dirty="0"/>
+              <a:t>Do we need to consider </a:t>
+            </a:r>
+            <a:r>
+              <a:rPr lang="en-SG" sz="1200" b="1" i="1" dirty="0"/>
+              <a:t>concurrency</a:t>
+            </a:r>
+            <a:r>
+              <a:rPr lang="en-SG" sz="1200" i="1" dirty="0"/>
+              <a:t> scenario?</a:t>
+            </a:r>
+          </a:p>
+          <a:p>
+            <a:pPr marL="342900" indent="-342900">
+              <a:buAutoNum type="arabicPeriod"/>
+            </a:pPr>
+            <a:endParaRPr lang="en-SG" sz="1200" i="1" dirty="0"/>
+          </a:p>
+        </p:txBody>
+      </p:sp>
+      <p:sp>
+        <p:nvSpPr>
+          <p:cNvPr id="98" name="Rectangle 97">
+            <a:extLst>
+              <a:ext uri="{FF2B5EF4-FFF2-40B4-BE49-F238E27FC236}">
+                <a16:creationId xmlns:a16="http://schemas.microsoft.com/office/drawing/2014/main" id="{57B4634E-4D4E-4A28-9A22-0B9C2F63B7CC}"/>
+              </a:ext>
+            </a:extLst>
+          </p:cNvPr>
+          <p:cNvSpPr/>
+          <p:nvPr/>
+        </p:nvSpPr>
+        <p:spPr>
+          <a:xfrm>
+            <a:off x="9952692" y="4911049"/>
+            <a:ext cx="1913156" cy="252653"/>
+          </a:xfrm>
+          <a:prstGeom prst="rect">
+            <a:avLst/>
+          </a:prstGeom>
+          <a:solidFill>
+            <a:schemeClr val="accent1">
+              <a:alpha val="10000"/>
+            </a:schemeClr>
+          </a:solidFill>
+        </p:spPr>
+        <p:style>
+          <a:lnRef idx="2">
+            <a:schemeClr val="accent1">
+              <a:shade val="50000"/>
+            </a:schemeClr>
+          </a:lnRef>
+          <a:fillRef idx="1">
+            <a:schemeClr val="accent1"/>
+          </a:fillRef>
+          <a:effectRef idx="0">
+            <a:schemeClr val="accent1"/>
+          </a:effectRef>
+          <a:fontRef idx="minor">
+            <a:schemeClr val="lt1"/>
+          </a:fontRef>
+        </p:style>
+        <p:txBody>
+          <a:bodyPr rtlCol="0" anchor="ctr"/>
+          <a:lstStyle/>
+          <a:p>
+            <a:r>
+              <a:rPr lang="en-SG" sz="1200" dirty="0">
+                <a:solidFill>
+                  <a:schemeClr val="tx1"/>
+                </a:solidFill>
+              </a:rPr>
+              <a:t>T1: Trace</a:t>
+            </a:r>
+          </a:p>
+        </p:txBody>
+      </p:sp>
+      <p:sp>
+        <p:nvSpPr>
+          <p:cNvPr id="100" name="Rectangle 99">
+            <a:extLst>
+              <a:ext uri="{FF2B5EF4-FFF2-40B4-BE49-F238E27FC236}">
+                <a16:creationId xmlns:a16="http://schemas.microsoft.com/office/drawing/2014/main" id="{2B3E4EB3-AEE8-4C34-A4DE-B045B962D8DD}"/>
+              </a:ext>
+            </a:extLst>
+          </p:cNvPr>
+          <p:cNvSpPr/>
+          <p:nvPr/>
+        </p:nvSpPr>
+        <p:spPr>
+          <a:xfrm>
+            <a:off x="9946341" y="5597723"/>
+            <a:ext cx="1913156" cy="252653"/>
+          </a:xfrm>
+          <a:prstGeom prst="rect">
+            <a:avLst/>
+          </a:prstGeom>
+          <a:solidFill>
+            <a:schemeClr val="accent1">
+              <a:alpha val="10000"/>
+            </a:schemeClr>
+          </a:solidFill>
+        </p:spPr>
+        <p:style>
+          <a:lnRef idx="2">
+            <a:schemeClr val="accent1">
+              <a:shade val="50000"/>
+            </a:schemeClr>
+          </a:lnRef>
+          <a:fillRef idx="1">
+            <a:schemeClr val="accent1"/>
+          </a:fillRef>
+          <a:effectRef idx="0">
+            <a:schemeClr val="accent1"/>
+          </a:effectRef>
+          <a:fontRef idx="minor">
+            <a:schemeClr val="lt1"/>
+          </a:fontRef>
+        </p:style>
+        <p:txBody>
+          <a:bodyPr rtlCol="0" anchor="ctr"/>
+          <a:lstStyle/>
+          <a:p>
+            <a:r>
+              <a:rPr lang="en-SG" sz="1200" dirty="0">
+                <a:solidFill>
+                  <a:schemeClr val="tx1"/>
+                </a:solidFill>
+              </a:rPr>
+              <a:t>T2: Trace</a:t>
+            </a:r>
+          </a:p>
+        </p:txBody>
+      </p:sp>
+      <p:sp>
+        <p:nvSpPr>
+          <p:cNvPr id="102" name="Rectangle 101">
+            <a:extLst>
+              <a:ext uri="{FF2B5EF4-FFF2-40B4-BE49-F238E27FC236}">
+                <a16:creationId xmlns:a16="http://schemas.microsoft.com/office/drawing/2014/main" id="{970373D6-4D82-4AC9-9F9C-489D30517E2F}"/>
+              </a:ext>
+            </a:extLst>
+          </p:cNvPr>
+          <p:cNvSpPr/>
+          <p:nvPr/>
+        </p:nvSpPr>
+        <p:spPr>
+          <a:xfrm>
+            <a:off x="9946341" y="5978750"/>
+            <a:ext cx="1913156" cy="252653"/>
+          </a:xfrm>
+          <a:prstGeom prst="rect">
+            <a:avLst/>
+          </a:prstGeom>
+          <a:solidFill>
+            <a:schemeClr val="accent1">
+              <a:alpha val="10000"/>
+            </a:schemeClr>
+          </a:solidFill>
+        </p:spPr>
+        <p:style>
+          <a:lnRef idx="2">
+            <a:schemeClr val="accent1">
+              <a:shade val="50000"/>
+            </a:schemeClr>
+          </a:lnRef>
+          <a:fillRef idx="1">
+            <a:schemeClr val="accent1"/>
+          </a:fillRef>
+          <a:effectRef idx="0">
+            <a:schemeClr val="accent1"/>
+          </a:effectRef>
+          <a:fontRef idx="minor">
+            <a:schemeClr val="lt1"/>
+          </a:fontRef>
+        </p:style>
+        <p:txBody>
+          <a:bodyPr rtlCol="0" anchor="ctr"/>
+          <a:lstStyle/>
+          <a:p>
+            <a:r>
+              <a:rPr lang="en-SG" sz="1200" dirty="0">
+                <a:solidFill>
+                  <a:schemeClr val="tx1"/>
+                </a:solidFill>
+              </a:rPr>
+              <a:t>T3: Trace</a:t>
+            </a:r>
+          </a:p>
+        </p:txBody>
+      </p:sp>
+      <p:cxnSp>
+        <p:nvCxnSpPr>
+          <p:cNvPr id="103" name="Connector: Elbow 102">
+            <a:extLst>
+              <a:ext uri="{FF2B5EF4-FFF2-40B4-BE49-F238E27FC236}">
+                <a16:creationId xmlns:a16="http://schemas.microsoft.com/office/drawing/2014/main" id="{9D0FF577-21F5-4456-9253-412818B61A0D}"/>
+              </a:ext>
+            </a:extLst>
+          </p:cNvPr>
+          <p:cNvCxnSpPr>
+            <a:cxnSpLocks/>
+            <a:stCxn id="98" idx="2"/>
+            <a:endCxn id="100" idx="0"/>
+          </p:cNvCxnSpPr>
+          <p:nvPr/>
+        </p:nvCxnSpPr>
+        <p:spPr>
+          <a:xfrm rot="5400000">
+            <a:off x="10689085" y="5377537"/>
+            <a:ext cx="434021" cy="6351"/>
+          </a:xfrm>
+          <a:prstGeom prst="bentConnector3">
+            <a:avLst>
+              <a:gd name="adj1" fmla="val 50000"/>
+            </a:avLst>
+          </a:prstGeom>
+          <a:ln>
+            <a:tailEnd type="triangle"/>
+          </a:ln>
+        </p:spPr>
+        <p:style>
+          <a:lnRef idx="1">
+            <a:schemeClr val="accent1"/>
+          </a:lnRef>
+          <a:fillRef idx="0">
+            <a:schemeClr val="accent1"/>
+          </a:fillRef>
+          <a:effectRef idx="0">
+            <a:schemeClr val="accent1"/>
+          </a:effectRef>
+          <a:fontRef idx="minor">
+            <a:schemeClr val="tx1"/>
+          </a:fontRef>
+        </p:style>
+      </p:cxnSp>
+      <p:sp>
+        <p:nvSpPr>
+          <p:cNvPr id="107" name="TextBox 106">
+            <a:extLst>
+              <a:ext uri="{FF2B5EF4-FFF2-40B4-BE49-F238E27FC236}">
+                <a16:creationId xmlns:a16="http://schemas.microsoft.com/office/drawing/2014/main" id="{DE2C470E-6932-4975-B8D9-6A817FD90F4B}"/>
+              </a:ext>
+            </a:extLst>
+          </p:cNvPr>
+          <p:cNvSpPr txBox="1"/>
+          <p:nvPr/>
+        </p:nvSpPr>
+        <p:spPr>
+          <a:xfrm>
+            <a:off x="10909271" y="5179050"/>
+            <a:ext cx="1135500" cy="276999"/>
+          </a:xfrm>
+          <a:prstGeom prst="rect">
+            <a:avLst/>
+          </a:prstGeom>
+          <a:noFill/>
+        </p:spPr>
+        <p:txBody>
+          <a:bodyPr wrap="square" rtlCol="0">
+            <a:spAutoFit/>
+          </a:bodyPr>
+          <a:lstStyle>
+            <a:defPPr>
+              <a:defRPr lang="en-US"/>
+            </a:defPPr>
+            <a:lvl1pPr>
+              <a:defRPr sz="1200">
+                <a:solidFill>
+                  <a:srgbClr val="0070C0"/>
+                </a:solidFill>
+              </a:defRPr>
+            </a:lvl1pPr>
+          </a:lstStyle>
+          <a:p>
+            <a:r>
+              <a:rPr lang="en-SG" dirty="0"/>
+              <a:t>create/destroy</a:t>
+            </a:r>
           </a:p>
         </p:txBody>
       </p:sp>
     </p:spTree>
     <p:extLst>
       <p:ext uri="{BB962C8B-B14F-4D97-AF65-F5344CB8AC3E}">
-        <p14:creationId xmlns:p14="http://schemas.microsoft.com/office/powerpoint/2010/main" val="3261398019"/>
+        <p14:creationId xmlns:p14="http://schemas.microsoft.com/office/powerpoint/2010/main" val="1685820876"/>
       </p:ext>
     </p:extLst>
   </p:cSld>
   <p:clrMapOvr>
     <a:masterClrMapping/>
   </p:clrMapOvr>
-  <p:timing>
-    <p:tnLst>
-      <p:par>
-        <p:cTn id="1" dur="indefinite" restart="never" nodeType="tmRoot"/>
-      </p:par>
-    </p:tnLst>
-  </p:timing>
 </p:sld>
 </file>
 
@@ -5961,7 +8664,13 @@
       </p:grpSpPr>
       <p:sp>
         <p:nvSpPr>
-          <p:cNvPr id="2" name="Title 1"/>
+          <p:cNvPr id="2" name="Title 1">
+            <a:extLst>
+              <a:ext uri="{FF2B5EF4-FFF2-40B4-BE49-F238E27FC236}">
+                <a16:creationId xmlns:a16="http://schemas.microsoft.com/office/drawing/2014/main" id="{E8EA1695-94F1-4652-A524-CD158708E30A}"/>
+              </a:ext>
+            </a:extLst>
+          </p:cNvPr>
           <p:cNvSpPr>
             <a:spLocks noGrp="1"/>
           </p:cNvSpPr>
@@ -5975,241 +8684,763 @@
           <a:lstStyle/>
           <a:p>
             <a:r>
-              <a:rPr lang="en-US" dirty="0" smtClean="0">
+              <a:rPr lang="en-SG" dirty="0"/>
+              <a:t>Relational Database (</a:t>
+            </a:r>
+            <a:r>
+              <a:rPr lang="en-SG" b="1" dirty="0" err="1">
                 <a:solidFill>
                   <a:srgbClr val="FF0000"/>
                 </a:solidFill>
               </a:rPr>
-              <a:t>Another solution for long-trace</a:t>
-            </a:r>
-            <a:endParaRPr lang="en-US" dirty="0">
-              <a:solidFill>
-                <a:srgbClr val="FF0000"/>
-              </a:solidFill>
-            </a:endParaRPr>
-          </a:p>
-        </p:txBody>
-      </p:sp>
-      <p:sp>
-        <p:nvSpPr>
-          <p:cNvPr id="3" name="Content Placeholder 2"/>
-          <p:cNvSpPr>
-            <a:spLocks noGrp="1"/>
-          </p:cNvSpPr>
-          <p:nvPr>
-            <p:ph idx="1"/>
-          </p:nvPr>
-        </p:nvSpPr>
-        <p:spPr/>
-        <p:txBody>
-          <a:bodyPr>
-            <a:normAutofit lnSpcReduction="10000"/>
-          </a:bodyPr>
-          <a:lstStyle/>
-          <a:p>
-            <a:pPr marL="0" indent="0">
-              <a:buNone/>
-            </a:pPr>
-            <a:r>
-              <a:rPr lang="en-US" b="1" dirty="0" smtClean="0"/>
-              <a:t>Model</a:t>
-            </a:r>
-          </a:p>
-          <a:p>
-            <a:r>
-              <a:rPr lang="en-US" dirty="0" smtClean="0">
-                <a:solidFill>
-                  <a:srgbClr val="FF0000"/>
-                </a:solidFill>
-              </a:rPr>
-              <a:t>We use </a:t>
-            </a:r>
-            <a:r>
-              <a:rPr lang="en-US" dirty="0" err="1" smtClean="0">
-                <a:solidFill>
-                  <a:srgbClr val="FF0000"/>
-                </a:solidFill>
-              </a:rPr>
-              <a:t>TraceSet</a:t>
-            </a:r>
-            <a:r>
-              <a:rPr lang="en-US" dirty="0" smtClean="0">
-                <a:solidFill>
-                  <a:srgbClr val="FF0000"/>
-                </a:solidFill>
-              </a:rPr>
-              <a:t> model to be an interface for the whole trace.</a:t>
-            </a:r>
-          </a:p>
-          <a:p>
-            <a:r>
-              <a:rPr lang="en-US" dirty="0" smtClean="0">
-                <a:solidFill>
-                  <a:srgbClr val="FF0000"/>
-                </a:solidFill>
-              </a:rPr>
-              <a:t>A Trace now will be a segment in the whole trace, so will be an element of </a:t>
-            </a:r>
-            <a:r>
-              <a:rPr lang="en-US" dirty="0" err="1" smtClean="0">
-                <a:solidFill>
-                  <a:srgbClr val="FF0000"/>
-                </a:solidFill>
-              </a:rPr>
-              <a:t>TraceSet</a:t>
-            </a:r>
-            <a:r>
-              <a:rPr lang="en-US" dirty="0" smtClean="0">
-                <a:solidFill>
-                  <a:srgbClr val="FF0000"/>
-                </a:solidFill>
-              </a:rPr>
-              <a:t>.</a:t>
-            </a:r>
-          </a:p>
-          <a:p>
-            <a:r>
-              <a:rPr lang="en-US" dirty="0" smtClean="0">
-                <a:solidFill>
-                  <a:srgbClr val="FF0000"/>
-                </a:solidFill>
-              </a:rPr>
-              <a:t>General data of the whole trace &amp; bridge data connects traces will be keep in </a:t>
-            </a:r>
-            <a:r>
-              <a:rPr lang="en-US" dirty="0" err="1" smtClean="0">
-                <a:solidFill>
-                  <a:srgbClr val="FF0000"/>
-                </a:solidFill>
-              </a:rPr>
-              <a:t>TraceSet</a:t>
-            </a:r>
-            <a:r>
-              <a:rPr lang="en-US" dirty="0" smtClean="0">
-                <a:solidFill>
-                  <a:srgbClr val="FF0000"/>
-                </a:solidFill>
-              </a:rPr>
-              <a:t> for data query purpose (both from UI services and to </a:t>
-            </a:r>
-            <a:r>
-              <a:rPr lang="en-US" dirty="0" err="1" smtClean="0">
-                <a:solidFill>
-                  <a:srgbClr val="FF0000"/>
-                </a:solidFill>
-              </a:rPr>
-              <a:t>db</a:t>
-            </a:r>
-            <a:r>
-              <a:rPr lang="en-US" dirty="0" smtClean="0">
-                <a:solidFill>
-                  <a:srgbClr val="FF0000"/>
-                </a:solidFill>
-              </a:rPr>
-              <a:t>).</a:t>
-            </a:r>
-          </a:p>
-          <a:p>
-            <a:r>
-              <a:rPr lang="en-US" dirty="0" smtClean="0">
-                <a:solidFill>
-                  <a:srgbClr val="FF0000"/>
-                </a:solidFill>
-              </a:rPr>
-              <a:t>The data structure for </a:t>
-            </a:r>
-            <a:r>
-              <a:rPr lang="en-US" dirty="0" err="1" smtClean="0">
-                <a:solidFill>
-                  <a:srgbClr val="FF0000"/>
-                </a:solidFill>
-              </a:rPr>
-              <a:t>TraceNodes</a:t>
-            </a:r>
-            <a:r>
-              <a:rPr lang="en-US" dirty="0" smtClean="0">
-                <a:solidFill>
-                  <a:srgbClr val="FF0000"/>
-                </a:solidFill>
-              </a:rPr>
-              <a:t> in Trace need to change to be more flexible to adapt to the idea of automatic offload and </a:t>
-            </a:r>
-            <a:r>
-              <a:rPr lang="en-US" dirty="0" err="1" smtClean="0">
-                <a:solidFill>
-                  <a:srgbClr val="FF0000"/>
-                </a:solidFill>
-              </a:rPr>
-              <a:t>onload</a:t>
-            </a:r>
-            <a:r>
-              <a:rPr lang="en-US" dirty="0" smtClean="0">
-                <a:solidFill>
-                  <a:srgbClr val="FF0000"/>
-                </a:solidFill>
-              </a:rPr>
-              <a:t> by demand (will be mentioned in </a:t>
-            </a:r>
-            <a:r>
-              <a:rPr lang="en-US" dirty="0" err="1" smtClean="0"/>
-              <a:t>microbatApp</a:t>
-            </a:r>
-            <a:r>
-              <a:rPr lang="en-US" b="1" dirty="0" smtClean="0"/>
-              <a:t> </a:t>
-            </a:r>
-            <a:r>
-              <a:rPr lang="en-US" dirty="0" smtClean="0">
-                <a:solidFill>
-                  <a:srgbClr val="FF0000"/>
-                </a:solidFill>
-              </a:rPr>
-              <a:t>section)</a:t>
-            </a:r>
-          </a:p>
-          <a:p>
-            <a:pPr marL="0" indent="0">
-              <a:buNone/>
-            </a:pPr>
-            <a:endParaRPr lang="en-US" dirty="0" smtClean="0">
-              <a:solidFill>
-                <a:srgbClr val="FF0000"/>
-              </a:solidFill>
-            </a:endParaRPr>
-          </a:p>
-          <a:p>
-            <a:endParaRPr lang="en-US" dirty="0" smtClean="0">
-              <a:solidFill>
-                <a:srgbClr val="FF0000"/>
-              </a:solidFill>
-            </a:endParaRPr>
-          </a:p>
-          <a:p>
-            <a:endParaRPr lang="en-US" dirty="0">
-              <a:solidFill>
-                <a:srgbClr val="FF0000"/>
-              </a:solidFill>
-            </a:endParaRPr>
-          </a:p>
-        </p:txBody>
-      </p:sp>
+              <a:t>sqlite</a:t>
+            </a:r>
+            <a:r>
+              <a:rPr lang="en-SG" dirty="0"/>
+              <a:t>? </a:t>
+            </a:r>
+            <a:r>
+              <a:rPr lang="en-SG" dirty="0" err="1"/>
+              <a:t>mysql</a:t>
+            </a:r>
+            <a:r>
+              <a:rPr lang="en-SG" dirty="0"/>
+              <a:t>?)</a:t>
+            </a:r>
+          </a:p>
+        </p:txBody>
+      </p:sp>
+      <p:sp>
+        <p:nvSpPr>
+          <p:cNvPr id="5" name="Rectangle 4">
+            <a:extLst>
+              <a:ext uri="{FF2B5EF4-FFF2-40B4-BE49-F238E27FC236}">
+                <a16:creationId xmlns:a16="http://schemas.microsoft.com/office/drawing/2014/main" id="{5508A26B-A694-4772-9F04-82AE033D9BAC}"/>
+              </a:ext>
+            </a:extLst>
+          </p:cNvPr>
+          <p:cNvSpPr/>
+          <p:nvPr/>
+        </p:nvSpPr>
+        <p:spPr>
+          <a:xfrm>
+            <a:off x="5381379" y="2851888"/>
+            <a:ext cx="1429242" cy="536896"/>
+          </a:xfrm>
+          <a:prstGeom prst="rect">
+            <a:avLst/>
+          </a:prstGeom>
+        </p:spPr>
+        <p:style>
+          <a:lnRef idx="2">
+            <a:schemeClr val="accent1">
+              <a:shade val="50000"/>
+            </a:schemeClr>
+          </a:lnRef>
+          <a:fillRef idx="1">
+            <a:schemeClr val="accent1"/>
+          </a:fillRef>
+          <a:effectRef idx="0">
+            <a:schemeClr val="accent1"/>
+          </a:effectRef>
+          <a:fontRef idx="minor">
+            <a:schemeClr val="lt1"/>
+          </a:fontRef>
+        </p:style>
+        <p:txBody>
+          <a:bodyPr rtlCol="0" anchor="ctr"/>
+          <a:lstStyle/>
+          <a:p>
+            <a:pPr algn="ctr"/>
+            <a:r>
+              <a:rPr lang="en-SG" dirty="0"/>
+              <a:t>Trace (Thread)</a:t>
+            </a:r>
+          </a:p>
+        </p:txBody>
+      </p:sp>
+      <p:sp>
+        <p:nvSpPr>
+          <p:cNvPr id="7" name="Rectangle 6">
+            <a:extLst>
+              <a:ext uri="{FF2B5EF4-FFF2-40B4-BE49-F238E27FC236}">
+                <a16:creationId xmlns:a16="http://schemas.microsoft.com/office/drawing/2014/main" id="{F0976EF8-FC8A-450E-A419-DD4BDED16444}"/>
+              </a:ext>
+            </a:extLst>
+          </p:cNvPr>
+          <p:cNvSpPr/>
+          <p:nvPr/>
+        </p:nvSpPr>
+        <p:spPr>
+          <a:xfrm>
+            <a:off x="3575284" y="4224340"/>
+            <a:ext cx="1429242" cy="536896"/>
+          </a:xfrm>
+          <a:prstGeom prst="rect">
+            <a:avLst/>
+          </a:prstGeom>
+        </p:spPr>
+        <p:style>
+          <a:lnRef idx="2">
+            <a:schemeClr val="accent1">
+              <a:shade val="50000"/>
+            </a:schemeClr>
+          </a:lnRef>
+          <a:fillRef idx="1">
+            <a:schemeClr val="accent1"/>
+          </a:fillRef>
+          <a:effectRef idx="0">
+            <a:schemeClr val="accent1"/>
+          </a:effectRef>
+          <a:fontRef idx="minor">
+            <a:schemeClr val="lt1"/>
+          </a:fontRef>
+        </p:style>
+        <p:txBody>
+          <a:bodyPr rtlCol="0" anchor="ctr"/>
+          <a:lstStyle/>
+          <a:p>
+            <a:pPr algn="ctr"/>
+            <a:r>
+              <a:rPr lang="en-SG" dirty="0"/>
+              <a:t>Step</a:t>
+            </a:r>
+          </a:p>
+        </p:txBody>
+      </p:sp>
+      <p:sp>
+        <p:nvSpPr>
+          <p:cNvPr id="9" name="Rectangle 8">
+            <a:extLst>
+              <a:ext uri="{FF2B5EF4-FFF2-40B4-BE49-F238E27FC236}">
+                <a16:creationId xmlns:a16="http://schemas.microsoft.com/office/drawing/2014/main" id="{A85D9C06-E30F-4C6D-907E-0F81D1324A2E}"/>
+              </a:ext>
+            </a:extLst>
+          </p:cNvPr>
+          <p:cNvSpPr/>
+          <p:nvPr/>
+        </p:nvSpPr>
+        <p:spPr>
+          <a:xfrm>
+            <a:off x="7277359" y="4165928"/>
+            <a:ext cx="1429242" cy="536896"/>
+          </a:xfrm>
+          <a:prstGeom prst="rect">
+            <a:avLst/>
+          </a:prstGeom>
+        </p:spPr>
+        <p:style>
+          <a:lnRef idx="2">
+            <a:schemeClr val="accent1">
+              <a:shade val="50000"/>
+            </a:schemeClr>
+          </a:lnRef>
+          <a:fillRef idx="1">
+            <a:schemeClr val="accent1"/>
+          </a:fillRef>
+          <a:effectRef idx="0">
+            <a:schemeClr val="accent1"/>
+          </a:effectRef>
+          <a:fontRef idx="minor">
+            <a:schemeClr val="lt1"/>
+          </a:fontRef>
+        </p:style>
+        <p:txBody>
+          <a:bodyPr rtlCol="0" anchor="ctr"/>
+          <a:lstStyle/>
+          <a:p>
+            <a:pPr algn="ctr"/>
+            <a:r>
+              <a:rPr lang="en-SG" dirty="0"/>
+              <a:t>Variable</a:t>
+            </a:r>
+          </a:p>
+        </p:txBody>
+      </p:sp>
+      <p:sp>
+        <p:nvSpPr>
+          <p:cNvPr id="11" name="Rectangle 10">
+            <a:extLst>
+              <a:ext uri="{FF2B5EF4-FFF2-40B4-BE49-F238E27FC236}">
+                <a16:creationId xmlns:a16="http://schemas.microsoft.com/office/drawing/2014/main" id="{05428AD6-C4F8-4EA4-887A-63036AFA0309}"/>
+              </a:ext>
+            </a:extLst>
+          </p:cNvPr>
+          <p:cNvSpPr/>
+          <p:nvPr/>
+        </p:nvSpPr>
+        <p:spPr>
+          <a:xfrm>
+            <a:off x="1431421" y="4743570"/>
+            <a:ext cx="1429242" cy="536896"/>
+          </a:xfrm>
+          <a:prstGeom prst="rect">
+            <a:avLst/>
+          </a:prstGeom>
+        </p:spPr>
+        <p:style>
+          <a:lnRef idx="2">
+            <a:schemeClr val="accent1">
+              <a:shade val="50000"/>
+            </a:schemeClr>
+          </a:lnRef>
+          <a:fillRef idx="1">
+            <a:schemeClr val="accent1"/>
+          </a:fillRef>
+          <a:effectRef idx="0">
+            <a:schemeClr val="accent1"/>
+          </a:effectRef>
+          <a:fontRef idx="minor">
+            <a:schemeClr val="lt1"/>
+          </a:fontRef>
+        </p:style>
+        <p:txBody>
+          <a:bodyPr rtlCol="0" anchor="ctr"/>
+          <a:lstStyle/>
+          <a:p>
+            <a:pPr algn="ctr"/>
+            <a:r>
+              <a:rPr lang="en-SG" dirty="0"/>
+              <a:t>Relation: Call</a:t>
+            </a:r>
+          </a:p>
+        </p:txBody>
+      </p:sp>
+      <p:sp>
+        <p:nvSpPr>
+          <p:cNvPr id="13" name="Rectangle 12">
+            <a:extLst>
+              <a:ext uri="{FF2B5EF4-FFF2-40B4-BE49-F238E27FC236}">
+                <a16:creationId xmlns:a16="http://schemas.microsoft.com/office/drawing/2014/main" id="{B78DDE50-69F6-4309-B18A-BDEE9C44A913}"/>
+              </a:ext>
+            </a:extLst>
+          </p:cNvPr>
+          <p:cNvSpPr/>
+          <p:nvPr/>
+        </p:nvSpPr>
+        <p:spPr>
+          <a:xfrm>
+            <a:off x="5381379" y="5086849"/>
+            <a:ext cx="1429242" cy="536896"/>
+          </a:xfrm>
+          <a:prstGeom prst="rect">
+            <a:avLst/>
+          </a:prstGeom>
+        </p:spPr>
+        <p:style>
+          <a:lnRef idx="2">
+            <a:schemeClr val="accent1">
+              <a:shade val="50000"/>
+            </a:schemeClr>
+          </a:lnRef>
+          <a:fillRef idx="1">
+            <a:schemeClr val="accent1"/>
+          </a:fillRef>
+          <a:effectRef idx="0">
+            <a:schemeClr val="accent1"/>
+          </a:effectRef>
+          <a:fontRef idx="minor">
+            <a:schemeClr val="lt1"/>
+          </a:fontRef>
+        </p:style>
+        <p:txBody>
+          <a:bodyPr rtlCol="0" anchor="ctr"/>
+          <a:lstStyle/>
+          <a:p>
+            <a:pPr algn="ctr"/>
+            <a:r>
+              <a:rPr lang="en-SG" dirty="0"/>
+              <a:t>Relation: Read/Write</a:t>
+            </a:r>
+          </a:p>
+        </p:txBody>
+      </p:sp>
+      <p:sp>
+        <p:nvSpPr>
+          <p:cNvPr id="15" name="Rectangle 14">
+            <a:extLst>
+              <a:ext uri="{FF2B5EF4-FFF2-40B4-BE49-F238E27FC236}">
+                <a16:creationId xmlns:a16="http://schemas.microsoft.com/office/drawing/2014/main" id="{3F5825B5-C8F7-4D97-953A-EA8AF389E47D}"/>
+              </a:ext>
+            </a:extLst>
+          </p:cNvPr>
+          <p:cNvSpPr/>
+          <p:nvPr/>
+        </p:nvSpPr>
+        <p:spPr>
+          <a:xfrm>
+            <a:off x="1431421" y="3645824"/>
+            <a:ext cx="1429242" cy="536896"/>
+          </a:xfrm>
+          <a:prstGeom prst="rect">
+            <a:avLst/>
+          </a:prstGeom>
+        </p:spPr>
+        <p:style>
+          <a:lnRef idx="2">
+            <a:schemeClr val="accent1">
+              <a:shade val="50000"/>
+            </a:schemeClr>
+          </a:lnRef>
+          <a:fillRef idx="1">
+            <a:schemeClr val="accent1"/>
+          </a:fillRef>
+          <a:effectRef idx="0">
+            <a:schemeClr val="accent1"/>
+          </a:effectRef>
+          <a:fontRef idx="minor">
+            <a:schemeClr val="lt1"/>
+          </a:fontRef>
+        </p:style>
+        <p:txBody>
+          <a:bodyPr rtlCol="0" anchor="ctr"/>
+          <a:lstStyle/>
+          <a:p>
+            <a:pPr algn="ctr"/>
+            <a:r>
+              <a:rPr lang="en-SG" dirty="0"/>
+              <a:t>Relation: Control</a:t>
+            </a:r>
+          </a:p>
+        </p:txBody>
+      </p:sp>
+      <p:sp>
+        <p:nvSpPr>
+          <p:cNvPr id="17" name="Rectangle 16">
+            <a:extLst>
+              <a:ext uri="{FF2B5EF4-FFF2-40B4-BE49-F238E27FC236}">
+                <a16:creationId xmlns:a16="http://schemas.microsoft.com/office/drawing/2014/main" id="{23D39E00-82AE-4CE6-96E9-F2A3283B526F}"/>
+              </a:ext>
+            </a:extLst>
+          </p:cNvPr>
+          <p:cNvSpPr/>
+          <p:nvPr/>
+        </p:nvSpPr>
+        <p:spPr>
+          <a:xfrm>
+            <a:off x="5446345" y="1768236"/>
+            <a:ext cx="1299311" cy="536896"/>
+          </a:xfrm>
+          <a:prstGeom prst="rect">
+            <a:avLst/>
+          </a:prstGeom>
+        </p:spPr>
+        <p:style>
+          <a:lnRef idx="2">
+            <a:schemeClr val="accent1">
+              <a:shade val="50000"/>
+            </a:schemeClr>
+          </a:lnRef>
+          <a:fillRef idx="1">
+            <a:schemeClr val="accent1"/>
+          </a:fillRef>
+          <a:effectRef idx="0">
+            <a:schemeClr val="accent1"/>
+          </a:effectRef>
+          <a:fontRef idx="minor">
+            <a:schemeClr val="lt1"/>
+          </a:fontRef>
+        </p:style>
+        <p:txBody>
+          <a:bodyPr rtlCol="0" anchor="ctr"/>
+          <a:lstStyle/>
+          <a:p>
+            <a:pPr algn="ctr"/>
+            <a:r>
+              <a:rPr lang="en-SG" dirty="0"/>
+              <a:t>Metadata</a:t>
+            </a:r>
+          </a:p>
+        </p:txBody>
+      </p:sp>
+      <p:cxnSp>
+        <p:nvCxnSpPr>
+          <p:cNvPr id="23" name="Connector: Elbow 22">
+            <a:extLst>
+              <a:ext uri="{FF2B5EF4-FFF2-40B4-BE49-F238E27FC236}">
+                <a16:creationId xmlns:a16="http://schemas.microsoft.com/office/drawing/2014/main" id="{31CA7D3B-1FA4-4564-BE78-C6586DA5C912}"/>
+              </a:ext>
+            </a:extLst>
+          </p:cNvPr>
+          <p:cNvCxnSpPr>
+            <a:stCxn id="5" idx="2"/>
+            <a:endCxn id="7" idx="0"/>
+          </p:cNvCxnSpPr>
+          <p:nvPr/>
+        </p:nvCxnSpPr>
+        <p:spPr>
+          <a:xfrm rot="5400000">
+            <a:off x="4775175" y="2903515"/>
+            <a:ext cx="835556" cy="1806095"/>
+          </a:xfrm>
+          <a:prstGeom prst="bentConnector3">
+            <a:avLst/>
+          </a:prstGeom>
+        </p:spPr>
+        <p:style>
+          <a:lnRef idx="1">
+            <a:schemeClr val="accent1"/>
+          </a:lnRef>
+          <a:fillRef idx="0">
+            <a:schemeClr val="accent1"/>
+          </a:fillRef>
+          <a:effectRef idx="0">
+            <a:schemeClr val="accent1"/>
+          </a:effectRef>
+          <a:fontRef idx="minor">
+            <a:schemeClr val="tx1"/>
+          </a:fontRef>
+        </p:style>
+      </p:cxnSp>
+      <p:sp>
+        <p:nvSpPr>
+          <p:cNvPr id="27" name="Rectangle 26">
+            <a:extLst>
+              <a:ext uri="{FF2B5EF4-FFF2-40B4-BE49-F238E27FC236}">
+                <a16:creationId xmlns:a16="http://schemas.microsoft.com/office/drawing/2014/main" id="{A519E297-F5DF-418F-90F6-F7D898CC6299}"/>
+              </a:ext>
+            </a:extLst>
+          </p:cNvPr>
+          <p:cNvSpPr/>
+          <p:nvPr/>
+        </p:nvSpPr>
+        <p:spPr>
+          <a:xfrm>
+            <a:off x="8423669" y="2851887"/>
+            <a:ext cx="2835486" cy="536896"/>
+          </a:xfrm>
+          <a:prstGeom prst="rect">
+            <a:avLst/>
+          </a:prstGeom>
+        </p:spPr>
+        <p:style>
+          <a:lnRef idx="2">
+            <a:schemeClr val="accent1">
+              <a:shade val="50000"/>
+            </a:schemeClr>
+          </a:lnRef>
+          <a:fillRef idx="1">
+            <a:schemeClr val="accent1"/>
+          </a:fillRef>
+          <a:effectRef idx="0">
+            <a:schemeClr val="accent1"/>
+          </a:effectRef>
+          <a:fontRef idx="minor">
+            <a:schemeClr val="lt1"/>
+          </a:fontRef>
+        </p:style>
+        <p:txBody>
+          <a:bodyPr rtlCol="0" anchor="ctr"/>
+          <a:lstStyle/>
+          <a:p>
+            <a:pPr algn="ctr"/>
+            <a:r>
+              <a:rPr lang="en-SG" dirty="0"/>
+              <a:t>Relation: Thread Create/Destroy/Fork</a:t>
+            </a:r>
+          </a:p>
+        </p:txBody>
+      </p:sp>
+      <p:cxnSp>
+        <p:nvCxnSpPr>
+          <p:cNvPr id="31" name="Connector: Elbow 30">
+            <a:extLst>
+              <a:ext uri="{FF2B5EF4-FFF2-40B4-BE49-F238E27FC236}">
+                <a16:creationId xmlns:a16="http://schemas.microsoft.com/office/drawing/2014/main" id="{0FD388EC-81CC-48A2-95F3-36FF7B061BF6}"/>
+              </a:ext>
+            </a:extLst>
+          </p:cNvPr>
+          <p:cNvCxnSpPr>
+            <a:cxnSpLocks/>
+            <a:stCxn id="5" idx="3"/>
+            <a:endCxn id="27" idx="1"/>
+          </p:cNvCxnSpPr>
+          <p:nvPr/>
+        </p:nvCxnSpPr>
+        <p:spPr>
+          <a:xfrm flipV="1">
+            <a:off x="6810621" y="3120335"/>
+            <a:ext cx="1613048" cy="1"/>
+          </a:xfrm>
+          <a:prstGeom prst="bentConnector3">
+            <a:avLst>
+              <a:gd name="adj1" fmla="val 50000"/>
+            </a:avLst>
+          </a:prstGeom>
+        </p:spPr>
+        <p:style>
+          <a:lnRef idx="1">
+            <a:schemeClr val="accent1"/>
+          </a:lnRef>
+          <a:fillRef idx="0">
+            <a:schemeClr val="accent1"/>
+          </a:fillRef>
+          <a:effectRef idx="0">
+            <a:schemeClr val="accent1"/>
+          </a:effectRef>
+          <a:fontRef idx="minor">
+            <a:schemeClr val="tx1"/>
+          </a:fontRef>
+        </p:style>
+      </p:cxnSp>
+      <p:cxnSp>
+        <p:nvCxnSpPr>
+          <p:cNvPr id="35" name="Connector: Elbow 34">
+            <a:extLst>
+              <a:ext uri="{FF2B5EF4-FFF2-40B4-BE49-F238E27FC236}">
+                <a16:creationId xmlns:a16="http://schemas.microsoft.com/office/drawing/2014/main" id="{5691E283-BF2D-4468-B966-DB4958C59C4D}"/>
+              </a:ext>
+            </a:extLst>
+          </p:cNvPr>
+          <p:cNvCxnSpPr>
+            <a:cxnSpLocks/>
+            <a:stCxn id="5" idx="2"/>
+            <a:endCxn id="9" idx="0"/>
+          </p:cNvCxnSpPr>
+          <p:nvPr/>
+        </p:nvCxnSpPr>
+        <p:spPr>
+          <a:xfrm rot="16200000" flipH="1">
+            <a:off x="6655418" y="2829366"/>
+            <a:ext cx="777144" cy="1895980"/>
+          </a:xfrm>
+          <a:prstGeom prst="bentConnector3">
+            <a:avLst>
+              <a:gd name="adj1" fmla="val 53602"/>
+            </a:avLst>
+          </a:prstGeom>
+        </p:spPr>
+        <p:style>
+          <a:lnRef idx="1">
+            <a:schemeClr val="accent1"/>
+          </a:lnRef>
+          <a:fillRef idx="0">
+            <a:schemeClr val="accent1"/>
+          </a:fillRef>
+          <a:effectRef idx="0">
+            <a:schemeClr val="accent1"/>
+          </a:effectRef>
+          <a:fontRef idx="minor">
+            <a:schemeClr val="tx1"/>
+          </a:fontRef>
+        </p:style>
+      </p:cxnSp>
+      <p:cxnSp>
+        <p:nvCxnSpPr>
+          <p:cNvPr id="38" name="Connector: Elbow 37">
+            <a:extLst>
+              <a:ext uri="{FF2B5EF4-FFF2-40B4-BE49-F238E27FC236}">
+                <a16:creationId xmlns:a16="http://schemas.microsoft.com/office/drawing/2014/main" id="{00FD3A00-B210-4E83-9A3B-933583A76265}"/>
+              </a:ext>
+            </a:extLst>
+          </p:cNvPr>
+          <p:cNvCxnSpPr>
+            <a:cxnSpLocks/>
+            <a:stCxn id="7" idx="2"/>
+            <a:endCxn id="13" idx="1"/>
+          </p:cNvCxnSpPr>
+          <p:nvPr/>
+        </p:nvCxnSpPr>
+        <p:spPr>
+          <a:xfrm rot="16200000" flipH="1">
+            <a:off x="4538612" y="4512529"/>
+            <a:ext cx="594061" cy="1091474"/>
+          </a:xfrm>
+          <a:prstGeom prst="bentConnector2">
+            <a:avLst/>
+          </a:prstGeom>
+        </p:spPr>
+        <p:style>
+          <a:lnRef idx="1">
+            <a:schemeClr val="accent1"/>
+          </a:lnRef>
+          <a:fillRef idx="0">
+            <a:schemeClr val="accent1"/>
+          </a:fillRef>
+          <a:effectRef idx="0">
+            <a:schemeClr val="accent1"/>
+          </a:effectRef>
+          <a:fontRef idx="minor">
+            <a:schemeClr val="tx1"/>
+          </a:fontRef>
+        </p:style>
+      </p:cxnSp>
+      <p:cxnSp>
+        <p:nvCxnSpPr>
+          <p:cNvPr id="41" name="Connector: Elbow 40">
+            <a:extLst>
+              <a:ext uri="{FF2B5EF4-FFF2-40B4-BE49-F238E27FC236}">
+                <a16:creationId xmlns:a16="http://schemas.microsoft.com/office/drawing/2014/main" id="{3694A882-6AF6-43F9-8B81-56BE63156F0E}"/>
+              </a:ext>
+            </a:extLst>
+          </p:cNvPr>
+          <p:cNvCxnSpPr>
+            <a:cxnSpLocks/>
+            <a:stCxn id="9" idx="2"/>
+            <a:endCxn id="13" idx="3"/>
+          </p:cNvCxnSpPr>
+          <p:nvPr/>
+        </p:nvCxnSpPr>
+        <p:spPr>
+          <a:xfrm rot="5400000">
+            <a:off x="7075065" y="4438381"/>
+            <a:ext cx="652473" cy="1181359"/>
+          </a:xfrm>
+          <a:prstGeom prst="bentConnector2">
+            <a:avLst/>
+          </a:prstGeom>
+        </p:spPr>
+        <p:style>
+          <a:lnRef idx="1">
+            <a:schemeClr val="accent1"/>
+          </a:lnRef>
+          <a:fillRef idx="0">
+            <a:schemeClr val="accent1"/>
+          </a:fillRef>
+          <a:effectRef idx="0">
+            <a:schemeClr val="accent1"/>
+          </a:effectRef>
+          <a:fontRef idx="minor">
+            <a:schemeClr val="tx1"/>
+          </a:fontRef>
+        </p:style>
+      </p:cxnSp>
+      <p:cxnSp>
+        <p:nvCxnSpPr>
+          <p:cNvPr id="44" name="Connector: Elbow 43">
+            <a:extLst>
+              <a:ext uri="{FF2B5EF4-FFF2-40B4-BE49-F238E27FC236}">
+                <a16:creationId xmlns:a16="http://schemas.microsoft.com/office/drawing/2014/main" id="{6EA78220-1049-4C37-8A97-77A9EE41531C}"/>
+              </a:ext>
+            </a:extLst>
+          </p:cNvPr>
+          <p:cNvCxnSpPr>
+            <a:cxnSpLocks/>
+            <a:stCxn id="7" idx="1"/>
+            <a:endCxn id="11" idx="3"/>
+          </p:cNvCxnSpPr>
+          <p:nvPr/>
+        </p:nvCxnSpPr>
+        <p:spPr>
+          <a:xfrm rot="10800000" flipV="1">
+            <a:off x="2860664" y="4492788"/>
+            <a:ext cx="714621" cy="519230"/>
+          </a:xfrm>
+          <a:prstGeom prst="bentConnector3">
+            <a:avLst>
+              <a:gd name="adj1" fmla="val 50000"/>
+            </a:avLst>
+          </a:prstGeom>
+        </p:spPr>
+        <p:style>
+          <a:lnRef idx="1">
+            <a:schemeClr val="accent1"/>
+          </a:lnRef>
+          <a:fillRef idx="0">
+            <a:schemeClr val="accent1"/>
+          </a:fillRef>
+          <a:effectRef idx="0">
+            <a:schemeClr val="accent1"/>
+          </a:effectRef>
+          <a:fontRef idx="minor">
+            <a:schemeClr val="tx1"/>
+          </a:fontRef>
+        </p:style>
+      </p:cxnSp>
+      <p:cxnSp>
+        <p:nvCxnSpPr>
+          <p:cNvPr id="51" name="Connector: Elbow 50">
+            <a:extLst>
+              <a:ext uri="{FF2B5EF4-FFF2-40B4-BE49-F238E27FC236}">
+                <a16:creationId xmlns:a16="http://schemas.microsoft.com/office/drawing/2014/main" id="{D4C0B794-7E4B-4410-B8CE-830329D1DB0D}"/>
+              </a:ext>
+            </a:extLst>
+          </p:cNvPr>
+          <p:cNvCxnSpPr>
+            <a:cxnSpLocks/>
+            <a:stCxn id="7" idx="1"/>
+            <a:endCxn id="15" idx="3"/>
+          </p:cNvCxnSpPr>
+          <p:nvPr/>
+        </p:nvCxnSpPr>
+        <p:spPr>
+          <a:xfrm rot="10800000">
+            <a:off x="2860664" y="3914272"/>
+            <a:ext cx="714621" cy="578516"/>
+          </a:xfrm>
+          <a:prstGeom prst="bentConnector3">
+            <a:avLst>
+              <a:gd name="adj1" fmla="val 50000"/>
+            </a:avLst>
+          </a:prstGeom>
+        </p:spPr>
+        <p:style>
+          <a:lnRef idx="1">
+            <a:schemeClr val="accent1"/>
+          </a:lnRef>
+          <a:fillRef idx="0">
+            <a:schemeClr val="accent1"/>
+          </a:fillRef>
+          <a:effectRef idx="0">
+            <a:schemeClr val="accent1"/>
+          </a:effectRef>
+          <a:fontRef idx="minor">
+            <a:schemeClr val="tx1"/>
+          </a:fontRef>
+        </p:style>
+      </p:cxnSp>
+      <p:cxnSp>
+        <p:nvCxnSpPr>
+          <p:cNvPr id="75" name="Connector: Elbow 74">
+            <a:extLst>
+              <a:ext uri="{FF2B5EF4-FFF2-40B4-BE49-F238E27FC236}">
+                <a16:creationId xmlns:a16="http://schemas.microsoft.com/office/drawing/2014/main" id="{A5521DF0-07B2-4EAC-878A-F40ACFCEABC7}"/>
+              </a:ext>
+            </a:extLst>
+          </p:cNvPr>
+          <p:cNvCxnSpPr>
+            <a:cxnSpLocks/>
+            <a:stCxn id="5" idx="0"/>
+            <a:endCxn id="17" idx="2"/>
+          </p:cNvCxnSpPr>
+          <p:nvPr/>
+        </p:nvCxnSpPr>
+        <p:spPr>
+          <a:xfrm rot="5400000" flipH="1" flipV="1">
+            <a:off x="5822622" y="2578510"/>
+            <a:ext cx="546756" cy="1"/>
+          </a:xfrm>
+          <a:prstGeom prst="bentConnector3">
+            <a:avLst>
+              <a:gd name="adj1" fmla="val 50000"/>
+            </a:avLst>
+          </a:prstGeom>
+        </p:spPr>
+        <p:style>
+          <a:lnRef idx="1">
+            <a:schemeClr val="accent1"/>
+          </a:lnRef>
+          <a:fillRef idx="0">
+            <a:schemeClr val="accent1"/>
+          </a:fillRef>
+          <a:effectRef idx="0">
+            <a:schemeClr val="accent1"/>
+          </a:effectRef>
+          <a:fontRef idx="minor">
+            <a:schemeClr val="tx1"/>
+          </a:fontRef>
+        </p:style>
+      </p:cxnSp>
     </p:spTree>
     <p:extLst>
       <p:ext uri="{BB962C8B-B14F-4D97-AF65-F5344CB8AC3E}">
-        <p14:creationId xmlns:p14="http://schemas.microsoft.com/office/powerpoint/2010/main" val="359548561"/>
+        <p14:creationId xmlns:p14="http://schemas.microsoft.com/office/powerpoint/2010/main" val="87120376"/>
       </p:ext>
     </p:extLst>
   </p:cSld>
   <p:clrMapOvr>
     <a:masterClrMapping/>
   </p:clrMapOvr>
-  <p:timing>
-    <p:tnLst>
-      <p:par>
-        <p:cTn id="1" dur="indefinite" restart="never" nodeType="tmRoot"/>
-      </p:par>
-    </p:tnLst>
-  </p:timing>
 </p:sld>
 </file>
 
@@ -6232,7 +9463,13 @@
       </p:grpSpPr>
       <p:sp>
         <p:nvSpPr>
-          <p:cNvPr id="2" name="Title 1"/>
+          <p:cNvPr id="2" name="Title 1">
+            <a:extLst>
+              <a:ext uri="{FF2B5EF4-FFF2-40B4-BE49-F238E27FC236}">
+                <a16:creationId xmlns:a16="http://schemas.microsoft.com/office/drawing/2014/main" id="{12BA8C6B-F366-4C78-8506-30A422E36420}"/>
+              </a:ext>
+            </a:extLst>
+          </p:cNvPr>
           <p:cNvSpPr>
             <a:spLocks noGrp="1"/>
           </p:cNvSpPr>
@@ -6246,12 +9483,8 @@
           <a:lstStyle/>
           <a:p>
             <a:r>
-              <a:rPr lang="en-US" dirty="0">
-                <a:solidFill>
-                  <a:srgbClr val="FF0000"/>
-                </a:solidFill>
-              </a:rPr>
-              <a:t>Another solution for long-trace</a:t>
+              <a:rPr lang="en-SG" dirty="0"/>
+              <a:t>Alternative Design</a:t>
             </a:r>
             <a:endParaRPr lang="en-US" dirty="0"/>
           </a:p>
@@ -6259,7 +9492,13 @@
       </p:sp>
       <p:sp>
         <p:nvSpPr>
-          <p:cNvPr id="3" name="Content Placeholder 2"/>
+          <p:cNvPr id="3" name="Content Placeholder 2">
+            <a:extLst>
+              <a:ext uri="{FF2B5EF4-FFF2-40B4-BE49-F238E27FC236}">
+                <a16:creationId xmlns:a16="http://schemas.microsoft.com/office/drawing/2014/main" id="{7D57C60D-D46C-4886-B681-BA9FD0A42C1A}"/>
+              </a:ext>
+            </a:extLst>
+          </p:cNvPr>
           <p:cNvSpPr>
             <a:spLocks noGrp="1"/>
           </p:cNvSpPr>
@@ -6267,327 +9506,62 @@
             <p:ph idx="1"/>
           </p:nvPr>
         </p:nvSpPr>
-        <p:spPr>
-          <a:xfrm>
-            <a:off x="838200" y="1825625"/>
-            <a:ext cx="10515600" cy="4351338"/>
-          </a:xfrm>
-        </p:spPr>
+        <p:spPr/>
         <p:txBody>
           <a:bodyPr/>
           <a:lstStyle/>
           <a:p>
-            <a:pPr marL="0" indent="0">
-              <a:buNone/>
-            </a:pPr>
-            <a:r>
-              <a:rPr lang="en-US" b="1" dirty="0" smtClean="0"/>
-              <a:t>Storage</a:t>
-            </a:r>
-            <a:endParaRPr lang="en-US" b="1" dirty="0"/>
-          </a:p>
-          <a:p>
-            <a:r>
-              <a:rPr lang="en-US" dirty="0" smtClean="0">
-                <a:solidFill>
-                  <a:srgbClr val="FF0000"/>
-                </a:solidFill>
-              </a:rPr>
-              <a:t>A simple file </a:t>
-            </a:r>
-            <a:r>
-              <a:rPr lang="en-US" dirty="0" err="1" smtClean="0">
-                <a:solidFill>
-                  <a:srgbClr val="FF0000"/>
-                </a:solidFill>
-              </a:rPr>
-              <a:t>db</a:t>
-            </a:r>
-            <a:r>
-              <a:rPr lang="en-US" dirty="0" smtClean="0">
-                <a:solidFill>
-                  <a:srgbClr val="FF0000"/>
-                </a:solidFill>
-              </a:rPr>
-              <a:t> </a:t>
-            </a:r>
-            <a:r>
-              <a:rPr lang="en-US" dirty="0">
-                <a:solidFill>
-                  <a:srgbClr val="FF0000"/>
-                </a:solidFill>
-              </a:rPr>
-              <a:t>design with </a:t>
-            </a:r>
-            <a:r>
-              <a:rPr lang="en-US" dirty="0" err="1">
-                <a:solidFill>
-                  <a:srgbClr val="FF0000"/>
-                </a:solidFill>
-              </a:rPr>
-              <a:t>randomAccessFile</a:t>
-            </a:r>
-            <a:r>
-              <a:rPr lang="en-US" dirty="0">
-                <a:solidFill>
-                  <a:srgbClr val="FF0000"/>
-                </a:solidFill>
-              </a:rPr>
-              <a:t> and index </a:t>
-            </a:r>
-            <a:r>
-              <a:rPr lang="en-US" dirty="0" smtClean="0">
-                <a:solidFill>
-                  <a:srgbClr val="FF0000"/>
-                </a:solidFill>
-              </a:rPr>
-              <a:t>lookup will be used for the storage purpose </a:t>
-            </a:r>
-            <a:r>
-              <a:rPr lang="en-US" sz="2000" i="1" dirty="0" smtClean="0">
-                <a:solidFill>
-                  <a:schemeClr val="bg1">
-                    <a:lumMod val="50000"/>
-                  </a:schemeClr>
-                </a:solidFill>
-              </a:rPr>
-              <a:t>(As </a:t>
-            </a:r>
-            <a:r>
-              <a:rPr lang="en-US" sz="2000" i="1" dirty="0">
-                <a:solidFill>
-                  <a:schemeClr val="bg1">
-                    <a:lumMod val="50000"/>
-                  </a:schemeClr>
-                </a:solidFill>
-              </a:rPr>
-              <a:t>available </a:t>
-            </a:r>
-            <a:r>
-              <a:rPr lang="en-US" sz="2000" i="1" dirty="0" err="1">
-                <a:solidFill>
-                  <a:schemeClr val="bg1">
-                    <a:lumMod val="50000"/>
-                  </a:schemeClr>
-                </a:solidFill>
-              </a:rPr>
-              <a:t>api</a:t>
-            </a:r>
-            <a:r>
-              <a:rPr lang="en-US" sz="2000" i="1" dirty="0">
-                <a:solidFill>
-                  <a:schemeClr val="bg1">
-                    <a:lumMod val="50000"/>
-                  </a:schemeClr>
-                </a:solidFill>
-              </a:rPr>
-              <a:t> runs </a:t>
-            </a:r>
-            <a:r>
-              <a:rPr lang="en-US" sz="2000" i="1" dirty="0" err="1" smtClean="0">
-                <a:solidFill>
-                  <a:schemeClr val="bg1">
-                    <a:lumMod val="50000"/>
-                  </a:schemeClr>
-                </a:solidFill>
-              </a:rPr>
-              <a:t>unneccessary</a:t>
-            </a:r>
-            <a:r>
-              <a:rPr lang="en-US" sz="2000" i="1" dirty="0" smtClean="0">
-                <a:solidFill>
-                  <a:schemeClr val="bg1">
-                    <a:lumMod val="50000"/>
-                  </a:schemeClr>
-                </a:solidFill>
-              </a:rPr>
-              <a:t> slow as tested because they </a:t>
-            </a:r>
-            <a:r>
-              <a:rPr lang="en-US" sz="2000" i="1" dirty="0">
-                <a:solidFill>
-                  <a:schemeClr val="bg1">
-                    <a:lumMod val="50000"/>
-                  </a:schemeClr>
-                </a:solidFill>
-              </a:rPr>
-              <a:t>supports much </a:t>
-            </a:r>
-            <a:r>
-              <a:rPr lang="en-US" sz="2000" i="1" dirty="0" smtClean="0">
-                <a:solidFill>
-                  <a:schemeClr val="bg1">
-                    <a:lumMod val="50000"/>
-                  </a:schemeClr>
-                </a:solidFill>
-              </a:rPr>
-              <a:t>of </a:t>
-            </a:r>
-            <a:r>
-              <a:rPr lang="en-US" sz="2000" i="1" dirty="0">
-                <a:solidFill>
-                  <a:schemeClr val="bg1">
-                    <a:lumMod val="50000"/>
-                  </a:schemeClr>
-                </a:solidFill>
-              </a:rPr>
-              <a:t>utilities we </a:t>
-            </a:r>
-            <a:r>
-              <a:rPr lang="en-US" sz="2000" i="1" dirty="0" smtClean="0">
-                <a:solidFill>
-                  <a:schemeClr val="bg1">
-                    <a:lumMod val="50000"/>
-                  </a:schemeClr>
-                </a:solidFill>
-              </a:rPr>
-              <a:t>don’t </a:t>
-            </a:r>
-            <a:r>
-              <a:rPr lang="en-US" sz="2000" i="1" dirty="0">
-                <a:solidFill>
-                  <a:schemeClr val="bg1">
-                    <a:lumMod val="50000"/>
-                  </a:schemeClr>
-                </a:solidFill>
-              </a:rPr>
-              <a:t>really </a:t>
-            </a:r>
-            <a:r>
-              <a:rPr lang="en-US" sz="2000" i="1" dirty="0" smtClean="0">
-                <a:solidFill>
-                  <a:schemeClr val="bg1">
-                    <a:lumMod val="50000"/>
-                  </a:schemeClr>
-                </a:solidFill>
-              </a:rPr>
-              <a:t>need) .</a:t>
-            </a:r>
-          </a:p>
-          <a:p>
-            <a:r>
-              <a:rPr lang="en-US" dirty="0" smtClean="0">
-                <a:solidFill>
-                  <a:srgbClr val="FF0000"/>
-                </a:solidFill>
-              </a:rPr>
-              <a:t>The data structure stored in files basically as we discussed before, now with 3 main parts:</a:t>
+            <a:r>
+              <a:rPr lang="en-SG" dirty="0"/>
+              <a:t>We need to clear all the relevant information in memory if a trace node is deleted during recording;</a:t>
+            </a:r>
+          </a:p>
+          <a:p>
+            <a:r>
+              <a:rPr lang="en-SG" dirty="0"/>
+              <a:t>*Preliminary solution</a:t>
             </a:r>
           </a:p>
           <a:p>
             <a:pPr lvl="1"/>
             <a:r>
-              <a:rPr lang="en-US" dirty="0" smtClean="0">
-                <a:solidFill>
-                  <a:srgbClr val="FF0000"/>
-                </a:solidFill>
-              </a:rPr>
-              <a:t>Trace (</a:t>
-            </a:r>
-            <a:r>
-              <a:rPr lang="en-US" dirty="0" err="1" smtClean="0">
-                <a:solidFill>
-                  <a:srgbClr val="FF0000"/>
-                </a:solidFill>
-              </a:rPr>
-              <a:t>TraceNode</a:t>
-            </a:r>
-            <a:r>
-              <a:rPr lang="en-US" dirty="0" smtClean="0">
-                <a:solidFill>
-                  <a:srgbClr val="FF0000"/>
-                </a:solidFill>
-              </a:rPr>
-              <a:t>, Variable, Variable-Value,..)</a:t>
+              <a:rPr lang="en-SG" dirty="0"/>
+              <a:t>Sequentially record all the trace nodes </a:t>
+            </a:r>
+          </a:p>
+          <a:p>
+            <a:pPr lvl="2"/>
+            <a:r>
+              <a:rPr lang="en-SG" dirty="0"/>
+              <a:t>We do not build any relation (data and control dependency) between any pair of trace nodes on the runtime.</a:t>
             </a:r>
           </a:p>
           <a:p>
             <a:pPr lvl="1"/>
             <a:r>
-              <a:rPr lang="en-US" dirty="0" err="1" smtClean="0">
-                <a:solidFill>
-                  <a:srgbClr val="FF0000"/>
-                </a:solidFill>
-              </a:rPr>
-              <a:t>TraceBridge</a:t>
-            </a:r>
-            <a:endParaRPr lang="en-US" dirty="0" smtClean="0">
-              <a:solidFill>
-                <a:srgbClr val="FF0000"/>
-              </a:solidFill>
-            </a:endParaRPr>
-          </a:p>
-          <a:p>
-            <a:pPr lvl="1"/>
-            <a:r>
-              <a:rPr lang="en-US" dirty="0" err="1" smtClean="0">
-                <a:solidFill>
-                  <a:srgbClr val="FF0000"/>
-                </a:solidFill>
-              </a:rPr>
-              <a:t>GeneralExecutionInfo</a:t>
-            </a:r>
-            <a:r>
-              <a:rPr lang="en-US" dirty="0">
-                <a:solidFill>
-                  <a:srgbClr val="FF0000"/>
-                </a:solidFill>
-              </a:rPr>
-              <a:t> </a:t>
-            </a:r>
-            <a:r>
-              <a:rPr lang="en-US" dirty="0" smtClean="0">
-                <a:solidFill>
-                  <a:srgbClr val="FF0000"/>
-                </a:solidFill>
-              </a:rPr>
-              <a:t>(agent </a:t>
-            </a:r>
-            <a:r>
-              <a:rPr lang="en-US" dirty="0" err="1" smtClean="0">
-                <a:solidFill>
-                  <a:srgbClr val="FF0000"/>
-                </a:solidFill>
-              </a:rPr>
-              <a:t>params</a:t>
-            </a:r>
-            <a:r>
-              <a:rPr lang="en-US" dirty="0" smtClean="0">
-                <a:solidFill>
-                  <a:srgbClr val="FF0000"/>
-                </a:solidFill>
-              </a:rPr>
-              <a:t>,…)</a:t>
-            </a:r>
-          </a:p>
-          <a:p>
-            <a:endParaRPr lang="en-US" i="1" dirty="0">
-              <a:solidFill>
-                <a:schemeClr val="bg1">
-                  <a:lumMod val="50000"/>
-                </a:schemeClr>
-              </a:solidFill>
-            </a:endParaRPr>
+              <a:rPr lang="en-SG" dirty="0"/>
+              <a:t>Then build data/control/method-call relation on the trace recorded in the file.</a:t>
+            </a:r>
+          </a:p>
+          <a:p>
+            <a:r>
+              <a:rPr lang="en-SG" dirty="0"/>
+              <a:t>Query information for us to search and reconstruct a trace node.</a:t>
+            </a:r>
+            <a:endParaRPr lang="en-US" dirty="0"/>
           </a:p>
         </p:txBody>
       </p:sp>
     </p:spTree>
     <p:extLst>
       <p:ext uri="{BB962C8B-B14F-4D97-AF65-F5344CB8AC3E}">
-        <p14:creationId xmlns:p14="http://schemas.microsoft.com/office/powerpoint/2010/main" val="2736423940"/>
+        <p14:creationId xmlns:p14="http://schemas.microsoft.com/office/powerpoint/2010/main" val="3261398019"/>
       </p:ext>
     </p:extLst>
   </p:cSld>
   <p:clrMapOvr>
     <a:masterClrMapping/>
   </p:clrMapOvr>
-  <p:timing>
-    <p:tnLst>
-      <p:par>
-        <p:cTn id="1" dur="indefinite" restart="never" nodeType="tmRoot"/>
-      </p:par>
-    </p:tnLst>
-  </p:timing>
 </p:sld>
 </file>
 
@@ -6631,7 +9605,6 @@
               </a:rPr>
               <a:t>Another solution for long-trace</a:t>
             </a:r>
-            <a:endParaRPr lang="en-US" dirty="0"/>
           </a:p>
         </p:txBody>
       </p:sp>
@@ -6648,7 +9621,7 @@
         <p:spPr/>
         <p:txBody>
           <a:bodyPr>
-            <a:normAutofit fontScale="92500" lnSpcReduction="10000"/>
+            <a:normAutofit lnSpcReduction="10000"/>
           </a:bodyPr>
           <a:lstStyle/>
           <a:p>
@@ -6656,258 +9629,198 @@
               <a:buNone/>
             </a:pPr>
             <a:r>
-              <a:rPr lang="en-US" b="1" dirty="0" err="1" smtClean="0"/>
-              <a:t>Intrumentator</a:t>
-            </a:r>
-            <a:endParaRPr lang="en-US" b="1" dirty="0"/>
-          </a:p>
-          <a:p>
-            <a:r>
-              <a:rPr lang="en-US" dirty="0" smtClean="0">
+              <a:rPr lang="en-US" b="1" dirty="0"/>
+              <a:t>Model</a:t>
+            </a:r>
+          </a:p>
+          <a:p>
+            <a:r>
+              <a:rPr lang="en-US" dirty="0">
                 <a:solidFill>
                   <a:srgbClr val="FF0000"/>
                 </a:solidFill>
               </a:rPr>
-              <a:t>An </a:t>
-            </a:r>
-            <a:r>
-              <a:rPr lang="en-US" dirty="0" err="1" smtClean="0">
+              <a:t>We use </a:t>
+            </a:r>
+            <a:r>
+              <a:rPr lang="en-US" dirty="0" err="1">
                 <a:solidFill>
                   <a:srgbClr val="FF0000"/>
                 </a:solidFill>
               </a:rPr>
-              <a:t>ExecutionContext</a:t>
-            </a:r>
-            <a:r>
-              <a:rPr lang="en-US" dirty="0" smtClean="0">
+              <a:t>TraceSet</a:t>
+            </a:r>
+            <a:r>
+              <a:rPr lang="en-US" dirty="0">
                 <a:solidFill>
                   <a:srgbClr val="FF0000"/>
                 </a:solidFill>
               </a:rPr>
-              <a:t> which holds an </a:t>
-            </a:r>
-            <a:r>
-              <a:rPr lang="en-US" dirty="0" err="1" smtClean="0">
+              <a:t> model to be an interface for the whole trace.</a:t>
+            </a:r>
+          </a:p>
+          <a:p>
+            <a:r>
+              <a:rPr lang="en-US" dirty="0">
                 <a:solidFill>
                   <a:srgbClr val="FF0000"/>
                 </a:solidFill>
               </a:rPr>
-              <a:t>TraceController</a:t>
-            </a:r>
-            <a:r>
-              <a:rPr lang="en-US" dirty="0" smtClean="0">
+              <a:t>A Trace now will be a segment in the whole trace, so will be an element of </a:t>
+            </a:r>
+            <a:r>
+              <a:rPr lang="en-US" dirty="0" err="1">
                 <a:solidFill>
                   <a:srgbClr val="FF0000"/>
                 </a:solidFill>
               </a:rPr>
-              <a:t> will be added into </a:t>
-            </a:r>
-            <a:r>
-              <a:rPr lang="en-US" dirty="0" err="1" smtClean="0">
+              <a:t>TraceSet</a:t>
+            </a:r>
+            <a:r>
+              <a:rPr lang="en-US" dirty="0">
                 <a:solidFill>
                   <a:srgbClr val="FF0000"/>
                 </a:solidFill>
               </a:rPr>
-              <a:t>ExecutionTracer</a:t>
-            </a:r>
-            <a:r>
-              <a:rPr lang="en-US" dirty="0" smtClean="0">
+              <a:t>.</a:t>
+            </a:r>
+          </a:p>
+          <a:p>
+            <a:r>
+              <a:rPr lang="en-US" dirty="0">
                 <a:solidFill>
                   <a:srgbClr val="FF0000"/>
                 </a:solidFill>
               </a:rPr>
-              <a:t> to control the Trace not exceed limit size.</a:t>
-            </a:r>
-          </a:p>
-          <a:p>
-            <a:r>
-              <a:rPr lang="en-US" dirty="0" smtClean="0">
+              <a:t>General data of the whole trace &amp; bridge data connects traces will be keep in </a:t>
+            </a:r>
+            <a:r>
+              <a:rPr lang="en-US" dirty="0" err="1">
                 <a:solidFill>
                   <a:srgbClr val="FF0000"/>
                 </a:solidFill>
               </a:rPr>
-              <a:t>When new step is reached, </a:t>
-            </a:r>
-            <a:r>
-              <a:rPr lang="en-US" dirty="0" err="1" smtClean="0">
+              <a:t>TraceSet</a:t>
+            </a:r>
+            <a:r>
+              <a:rPr lang="en-US" dirty="0">
                 <a:solidFill>
                   <a:srgbClr val="FF0000"/>
                 </a:solidFill>
               </a:rPr>
-              <a:t>TraceController</a:t>
-            </a:r>
-            <a:r>
-              <a:rPr lang="en-US" dirty="0" smtClean="0">
+              <a:t> for data query purpose (both from UI services and to </a:t>
+            </a:r>
+            <a:r>
+              <a:rPr lang="en-US" dirty="0" err="1">
                 <a:solidFill>
                   <a:srgbClr val="FF0000"/>
                 </a:solidFill>
               </a:rPr>
-              <a:t> checks whether Trace length exceeds the limit. If true,</a:t>
-            </a:r>
-          </a:p>
-          <a:p>
-            <a:pPr lvl="1"/>
-            <a:r>
-              <a:rPr lang="en-US" dirty="0" smtClean="0">
+              <a:t>db</a:t>
+            </a:r>
+            <a:r>
+              <a:rPr lang="en-US" dirty="0">
                 <a:solidFill>
                   <a:srgbClr val="FF0000"/>
                 </a:solidFill>
               </a:rPr>
-              <a:t>New Trace will be created.</a:t>
-            </a:r>
-          </a:p>
-          <a:p>
-            <a:pPr lvl="1"/>
-            <a:r>
-              <a:rPr lang="en-US" dirty="0" smtClean="0">
+              <a:t>).</a:t>
+            </a:r>
+          </a:p>
+          <a:p>
+            <a:r>
+              <a:rPr lang="en-US" dirty="0">
                 <a:solidFill>
                   <a:srgbClr val="FF0000"/>
                 </a:solidFill>
               </a:rPr>
-              <a:t>The old Trace is finalized and stored.</a:t>
-            </a:r>
-          </a:p>
-          <a:p>
-            <a:pPr lvl="1"/>
-            <a:r>
-              <a:rPr lang="en-US" dirty="0" err="1" smtClean="0">
+              <a:t>The data structure for </a:t>
+            </a:r>
+            <a:r>
+              <a:rPr lang="en-US" dirty="0" err="1">
                 <a:solidFill>
                   <a:srgbClr val="FF0000"/>
                 </a:solidFill>
               </a:rPr>
-              <a:t>MethodCallStack</a:t>
-            </a:r>
-            <a:r>
-              <a:rPr lang="en-US" dirty="0" smtClean="0">
+              <a:t>TraceNodes</a:t>
+            </a:r>
+            <a:r>
+              <a:rPr lang="en-US" dirty="0">
                 <a:solidFill>
                   <a:srgbClr val="FF0000"/>
                 </a:solidFill>
               </a:rPr>
-              <a:t> transfers its holding data into a log, and all data will be cleared.</a:t>
-            </a:r>
-          </a:p>
-          <a:p>
+              <a:t> in Trace need to change to be more flexible to adapt to the idea of automatic offload and </a:t>
+            </a:r>
+            <a:r>
+              <a:rPr lang="en-US" dirty="0" err="1">
+                <a:solidFill>
+                  <a:srgbClr val="FF0000"/>
+                </a:solidFill>
+              </a:rPr>
+              <a:t>onload</a:t>
+            </a:r>
             <a:r>
               <a:rPr lang="en-US" dirty="0">
                 <a:solidFill>
                   <a:srgbClr val="FF0000"/>
                 </a:solidFill>
               </a:rPr>
-              <a:t>The log in </a:t>
-            </a:r>
-            <a:r>
-              <a:rPr lang="en-US" dirty="0" err="1">
+              <a:t> by demand (will be mentioned in </a:t>
+            </a:r>
+            <a:r>
+              <a:rPr lang="en-US" dirty="0" err="1"/>
+              <a:t>microbatApp</a:t>
+            </a:r>
+            <a:r>
+              <a:rPr lang="en-US" b="1" dirty="0"/>
+              <a:t> </a:t>
+            </a:r>
+            <a:r>
+              <a:rPr lang="en-US" dirty="0">
                 <a:solidFill>
                   <a:srgbClr val="FF0000"/>
                 </a:solidFill>
               </a:rPr>
-              <a:t>MethodCallStack</a:t>
-            </a:r>
-            <a:r>
-              <a:rPr lang="en-US" dirty="0">
-                <a:solidFill>
-                  <a:srgbClr val="FF0000"/>
-                </a:solidFill>
-              </a:rPr>
-              <a:t> will be used in building </a:t>
-            </a:r>
-            <a:r>
-              <a:rPr lang="en-US" dirty="0" err="1">
-                <a:solidFill>
-                  <a:srgbClr val="FF0000"/>
-                </a:solidFill>
-              </a:rPr>
-              <a:t>TraceBridge</a:t>
-            </a:r>
-            <a:r>
-              <a:rPr lang="en-US" dirty="0" smtClean="0">
-                <a:solidFill>
-                  <a:srgbClr val="FF0000"/>
-                </a:solidFill>
-              </a:rPr>
-              <a:t>.</a:t>
-            </a:r>
-          </a:p>
-          <a:p>
-            <a:r>
-              <a:rPr lang="en-US" dirty="0" smtClean="0">
-                <a:solidFill>
-                  <a:srgbClr val="FF0000"/>
-                </a:solidFill>
-              </a:rPr>
-              <a:t>For each Trace, collecting flow will be kept as before.</a:t>
-            </a:r>
-          </a:p>
-          <a:p>
-            <a:r>
-              <a:rPr lang="en-US" dirty="0" smtClean="0">
-                <a:solidFill>
-                  <a:srgbClr val="FF0000"/>
-                </a:solidFill>
-              </a:rPr>
-              <a:t>At </a:t>
-            </a:r>
-            <a:r>
-              <a:rPr lang="en-US" dirty="0">
-                <a:solidFill>
-                  <a:srgbClr val="FF0000"/>
-                </a:solidFill>
-              </a:rPr>
-              <a:t>finalization phase of the execution, </a:t>
-            </a:r>
-            <a:r>
-              <a:rPr lang="en-US" dirty="0" err="1" smtClean="0">
-                <a:solidFill>
-                  <a:srgbClr val="FF0000"/>
-                </a:solidFill>
-              </a:rPr>
-              <a:t>TraceBridge</a:t>
-            </a:r>
-            <a:r>
-              <a:rPr lang="en-US" dirty="0" smtClean="0">
-                <a:solidFill>
-                  <a:srgbClr val="FF0000"/>
-                </a:solidFill>
-              </a:rPr>
-              <a:t> is built and stored.</a:t>
-            </a:r>
-          </a:p>
-          <a:p>
-            <a:endParaRPr lang="en-US" dirty="0" smtClean="0">
+              <a:t>section)</a:t>
+            </a:r>
+          </a:p>
+          <a:p>
+            <a:pPr marL="0" indent="0">
+              <a:buNone/>
+            </a:pPr>
+            <a:endParaRPr lang="en-US" dirty="0">
               <a:solidFill>
                 <a:srgbClr val="FF0000"/>
               </a:solidFill>
             </a:endParaRPr>
           </a:p>
           <a:p>
-            <a:endParaRPr lang="en-US" dirty="0" smtClean="0">
+            <a:endParaRPr lang="en-US" dirty="0">
               <a:solidFill>
                 <a:srgbClr val="FF0000"/>
               </a:solidFill>
             </a:endParaRPr>
           </a:p>
           <a:p>
-            <a:endParaRPr lang="en-US" dirty="0"/>
+            <a:endParaRPr lang="en-US" dirty="0">
+              <a:solidFill>
+                <a:srgbClr val="FF0000"/>
+              </a:solidFill>
+            </a:endParaRPr>
           </a:p>
         </p:txBody>
       </p:sp>
     </p:spTree>
     <p:extLst>
       <p:ext uri="{BB962C8B-B14F-4D97-AF65-F5344CB8AC3E}">
-        <p14:creationId xmlns:p14="http://schemas.microsoft.com/office/powerpoint/2010/main" val="1265759980"/>
+        <p14:creationId xmlns:p14="http://schemas.microsoft.com/office/powerpoint/2010/main" val="359548561"/>
       </p:ext>
     </p:extLst>
   </p:cSld>
   <p:clrMapOvr>
     <a:masterClrMapping/>
   </p:clrMapOvr>
-  <p:timing>
-    <p:tnLst>
-      <p:par>
-        <p:cTn id="1" dur="indefinite" restart="never" nodeType="tmRoot"/>
-      </p:par>
-    </p:tnLst>
-  </p:timing>
 </p:sld>
 </file>
 
@@ -6965,7 +9878,12 @@
             <p:ph idx="1"/>
           </p:nvPr>
         </p:nvSpPr>
-        <p:spPr/>
+        <p:spPr>
+          <a:xfrm>
+            <a:off x="838200" y="1825625"/>
+            <a:ext cx="10515600" cy="4351338"/>
+          </a:xfrm>
+        </p:spPr>
         <p:txBody>
           <a:bodyPr/>
           <a:lstStyle/>
@@ -6974,10 +9892,9 @@
               <a:buNone/>
             </a:pPr>
             <a:r>
-              <a:rPr lang="en-US" b="1" dirty="0" err="1" smtClean="0"/>
-              <a:t>MicrobatApp</a:t>
-            </a:r>
-            <a:endParaRPr lang="en-US" b="1" dirty="0"/>
+              <a:rPr lang="en-US" b="1" dirty="0"/>
+              <a:t>Storage</a:t>
+            </a:r>
           </a:p>
           <a:p>
             <a:r>
@@ -6986,7 +9903,7 @@
                   <a:srgbClr val="FF0000"/>
                 </a:solidFill>
               </a:rPr>
-              <a:t>A </a:t>
+              <a:t>A simple file </a:t>
             </a:r>
             <a:r>
               <a:rPr lang="en-US" dirty="0" err="1">
@@ -6994,7 +9911,7 @@
                   <a:srgbClr val="FF0000"/>
                 </a:solidFill>
               </a:rPr>
-              <a:t>TraceMemoryCollector</a:t>
+              <a:t>db</a:t>
             </a:r>
             <a:r>
               <a:rPr lang="en-US" dirty="0">
@@ -7002,7 +9919,7 @@
                   <a:srgbClr val="FF0000"/>
                 </a:solidFill>
               </a:rPr>
-              <a:t> will do the job a little bit similar to GC to offload infrequently accessed </a:t>
+              <a:t> design with </a:t>
             </a:r>
             <a:r>
               <a:rPr lang="en-US" dirty="0" err="1">
@@ -7010,7 +9927,7 @@
                   <a:srgbClr val="FF0000"/>
                 </a:solidFill>
               </a:rPr>
-              <a:t>TraceNodes</a:t>
+              <a:t>randomAccessFile</a:t>
             </a:r>
             <a:r>
               <a:rPr lang="en-US" dirty="0">
@@ -7018,7 +9935,57 @@
                   <a:srgbClr val="FF0000"/>
                 </a:solidFill>
               </a:rPr>
-              <a:t> of infrequently accessed Traces.</a:t>
+              <a:t> and index lookup will be used for the storage purpose </a:t>
+            </a:r>
+            <a:r>
+              <a:rPr lang="en-US" sz="2000" i="1" dirty="0">
+                <a:solidFill>
+                  <a:schemeClr val="bg1">
+                    <a:lumMod val="50000"/>
+                  </a:schemeClr>
+                </a:solidFill>
+              </a:rPr>
+              <a:t>(As available </a:t>
+            </a:r>
+            <a:r>
+              <a:rPr lang="en-US" sz="2000" i="1" dirty="0" err="1">
+                <a:solidFill>
+                  <a:schemeClr val="bg1">
+                    <a:lumMod val="50000"/>
+                  </a:schemeClr>
+                </a:solidFill>
+              </a:rPr>
+              <a:t>api</a:t>
+            </a:r>
+            <a:r>
+              <a:rPr lang="en-US" sz="2000" i="1" dirty="0">
+                <a:solidFill>
+                  <a:schemeClr val="bg1">
+                    <a:lumMod val="50000"/>
+                  </a:schemeClr>
+                </a:solidFill>
+              </a:rPr>
+              <a:t> runs </a:t>
+            </a:r>
+            <a:r>
+              <a:rPr lang="en-US" sz="2000" i="1" dirty="0" err="1">
+                <a:solidFill>
+                  <a:schemeClr val="bg1">
+                    <a:lumMod val="50000"/>
+                  </a:schemeClr>
+                </a:solidFill>
+              </a:rPr>
+              <a:t>unneccessary</a:t>
+            </a:r>
+            <a:r>
+              <a:rPr lang="en-US" sz="2000" i="1" dirty="0">
+                <a:solidFill>
+                  <a:schemeClr val="bg1">
+                    <a:lumMod val="50000"/>
+                  </a:schemeClr>
+                </a:solidFill>
+              </a:rPr>
+              <a:t> slow as tested because they supports much of utilities we don’t really need) .</a:t>
             </a:r>
           </a:p>
           <a:p>
@@ -7028,7 +9995,18 @@
                   <a:srgbClr val="FF0000"/>
                 </a:solidFill>
               </a:rPr>
-              <a:t>A </a:t>
+              <a:t>The data structure stored in files basically as we discussed before, now with 3 main parts:</a:t>
+            </a:r>
+          </a:p>
+          <a:p>
+            <a:pPr lvl="1"/>
+            <a:r>
+              <a:rPr lang="en-US" dirty="0">
+                <a:solidFill>
+                  <a:srgbClr val="FF0000"/>
+                </a:solidFill>
+              </a:rPr>
+              <a:t>Trace (</a:t>
             </a:r>
             <a:r>
               <a:rPr lang="en-US" dirty="0" err="1">
@@ -7036,7 +10014,7 @@
                   <a:srgbClr val="FF0000"/>
                 </a:solidFill>
               </a:rPr>
-              <a:t>TraceContext</a:t>
+              <a:t>TraceNode</a:t>
             </a:r>
             <a:r>
               <a:rPr lang="en-US" dirty="0">
@@ -7044,15 +10022,34 @@
                   <a:srgbClr val="FF0000"/>
                 </a:solidFill>
               </a:rPr>
-              <a:t> will help </a:t>
-            </a:r>
+              <a:t>, Variable, Variable-Value,..)</a:t>
+            </a:r>
+          </a:p>
+          <a:p>
+            <a:pPr lvl="1"/>
             <a:r>
               <a:rPr lang="en-US" dirty="0" err="1">
                 <a:solidFill>
                   <a:srgbClr val="FF0000"/>
                 </a:solidFill>
               </a:rPr>
-              <a:t>TraceSet</a:t>
+              <a:t>TraceBridge</a:t>
+            </a:r>
+            <a:endParaRPr lang="en-US" dirty="0">
+              <a:solidFill>
+                <a:srgbClr val="FF0000"/>
+              </a:solidFill>
+            </a:endParaRPr>
+          </a:p>
+          <a:p>
+            <a:pPr lvl="1"/>
+            <a:r>
+              <a:rPr lang="en-US" dirty="0" err="1">
+                <a:solidFill>
+                  <a:srgbClr val="FF0000"/>
+                </a:solidFill>
+              </a:rPr>
+              <a:t>GeneralExecutionInfo</a:t>
             </a:r>
             <a:r>
               <a:rPr lang="en-US" dirty="0">
@@ -7060,7 +10057,7 @@
                   <a:srgbClr val="FF0000"/>
                 </a:solidFill>
               </a:rPr>
-              <a:t> to </a:t>
+              <a:t> (agent </a:t>
             </a:r>
             <a:r>
               <a:rPr lang="en-US" dirty="0" err="1">
@@ -7068,7 +10065,7 @@
                   <a:srgbClr val="FF0000"/>
                 </a:solidFill>
               </a:rPr>
-              <a:t>onload</a:t>
+              <a:t>params</a:t>
             </a:r>
             <a:r>
               <a:rPr lang="en-US" dirty="0">
@@ -7076,47 +10073,30 @@
                   <a:srgbClr val="FF0000"/>
                 </a:solidFill>
               </a:rPr>
-              <a:t> </a:t>
-            </a:r>
-            <a:r>
-              <a:rPr lang="en-US" dirty="0" err="1">
-                <a:solidFill>
-                  <a:srgbClr val="FF0000"/>
-                </a:solidFill>
-              </a:rPr>
-              <a:t>TraceNodes</a:t>
-            </a:r>
-            <a:r>
-              <a:rPr lang="en-US" dirty="0">
-                <a:solidFill>
-                  <a:srgbClr val="FF0000"/>
-                </a:solidFill>
-              </a:rPr>
-              <a:t> on demand.</a:t>
-            </a:r>
-          </a:p>
-          <a:p>
-            <a:endParaRPr lang="en-US" dirty="0"/>
+              <a:t>,…)</a:t>
+            </a:r>
+          </a:p>
+          <a:p>
+            <a:endParaRPr lang="en-US" i="1" dirty="0">
+              <a:solidFill>
+                <a:schemeClr val="bg1">
+                  <a:lumMod val="50000"/>
+                </a:schemeClr>
+              </a:solidFill>
+            </a:endParaRPr>
           </a:p>
         </p:txBody>
       </p:sp>
     </p:spTree>
     <p:extLst>
       <p:ext uri="{BB962C8B-B14F-4D97-AF65-F5344CB8AC3E}">
-        <p14:creationId xmlns:p14="http://schemas.microsoft.com/office/powerpoint/2010/main" val="3197134599"/>
+        <p14:creationId xmlns:p14="http://schemas.microsoft.com/office/powerpoint/2010/main" val="2736423940"/>
       </p:ext>
     </p:extLst>
   </p:cSld>
   <p:clrMapOvr>
     <a:masterClrMapping/>
   </p:clrMapOvr>
-  <p:timing>
-    <p:tnLst>
-      <p:par>
-        <p:cTn id="1" dur="indefinite" restart="never" nodeType="tmRoot"/>
-      </p:par>
-    </p:tnLst>
-  </p:timing>
 </p:sld>
 </file>
 
@@ -7152,7 +10132,15 @@
           <a:bodyPr/>
           <a:lstStyle/>
           <a:p>
-            <a:endParaRPr lang="en-US"/>
+            <a:r>
+              <a:rPr lang="en-US" dirty="0">
+                <a:solidFill>
+                  <a:srgbClr val="FF0000"/>
+                </a:solidFill>
+              </a:rPr>
+              <a:t>Another solution for long-trace</a:t>
+            </a:r>
+            <a:endParaRPr lang="en-US" dirty="0"/>
           </a:p>
         </p:txBody>
       </p:sp>
@@ -7168,97 +10156,252 @@
         </p:nvSpPr>
         <p:spPr/>
         <p:txBody>
-          <a:bodyPr/>
-          <a:lstStyle/>
-          <a:p>
-            <a:r>
-              <a:rPr lang="en-US" dirty="0"/>
-              <a:t>@</a:t>
-            </a:r>
-            <a:r>
-              <a:rPr lang="en-US" dirty="0" err="1"/>
-              <a:t>lylytran</a:t>
-            </a:r>
-            <a:r>
-              <a:rPr lang="en-US" dirty="0"/>
-              <a:t> hi </a:t>
-            </a:r>
-            <a:r>
-              <a:rPr lang="en-US" dirty="0" err="1"/>
-              <a:t>lyly</a:t>
-            </a:r>
-            <a:r>
-              <a:rPr lang="en-US" dirty="0"/>
-              <a:t>, thanks a lot for your design on </a:t>
-            </a:r>
-            <a:r>
-              <a:rPr lang="en-US" dirty="0" err="1"/>
-              <a:t>microbat</a:t>
-            </a:r>
-            <a:r>
-              <a:rPr lang="en-US" dirty="0"/>
-              <a:t>, we went through you slides. I agree that we should reconstruct data/control/call relations after execution. The *on-demand* construction may also be an option</a:t>
-            </a:r>
-            <a:r>
-              <a:rPr lang="en-US" dirty="0" smtClean="0"/>
+          <a:bodyPr>
+            <a:normAutofit fontScale="92500" lnSpcReduction="10000"/>
+          </a:bodyPr>
+          <a:lstStyle/>
+          <a:p>
+            <a:pPr marL="0" indent="0">
+              <a:buNone/>
+            </a:pPr>
+            <a:r>
+              <a:rPr lang="en-US" b="1" dirty="0" err="1"/>
+              <a:t>Intrumentator</a:t>
+            </a:r>
+            <a:endParaRPr lang="en-US" b="1" dirty="0"/>
+          </a:p>
+          <a:p>
+            <a:r>
+              <a:rPr lang="en-US" dirty="0">
+                <a:solidFill>
+                  <a:srgbClr val="FF0000"/>
+                </a:solidFill>
+              </a:rPr>
+              <a:t>An </a:t>
+            </a:r>
+            <a:r>
+              <a:rPr lang="en-US" dirty="0" err="1">
+                <a:solidFill>
+                  <a:srgbClr val="FF0000"/>
+                </a:solidFill>
+              </a:rPr>
+              <a:t>ExecutionContext</a:t>
+            </a:r>
+            <a:r>
+              <a:rPr lang="en-US" dirty="0">
+                <a:solidFill>
+                  <a:srgbClr val="FF0000"/>
+                </a:solidFill>
+              </a:rPr>
+              <a:t> which holds an </a:t>
+            </a:r>
+            <a:r>
+              <a:rPr lang="en-US" dirty="0" err="1">
+                <a:solidFill>
+                  <a:srgbClr val="FF0000"/>
+                </a:solidFill>
+              </a:rPr>
+              <a:t>TraceController</a:t>
+            </a:r>
+            <a:r>
+              <a:rPr lang="en-US" dirty="0">
+                <a:solidFill>
+                  <a:srgbClr val="FF0000"/>
+                </a:solidFill>
+              </a:rPr>
+              <a:t> will be added into </a:t>
+            </a:r>
+            <a:r>
+              <a:rPr lang="en-US" dirty="0" err="1">
+                <a:solidFill>
+                  <a:srgbClr val="FF0000"/>
+                </a:solidFill>
+              </a:rPr>
+              <a:t>ExecutionTracer</a:t>
+            </a:r>
+            <a:r>
+              <a:rPr lang="en-US" dirty="0">
+                <a:solidFill>
+                  <a:srgbClr val="FF0000"/>
+                </a:solidFill>
+              </a:rPr>
+              <a:t> to control the Trace not exceed limit size.</a:t>
+            </a:r>
+          </a:p>
+          <a:p>
+            <a:r>
+              <a:rPr lang="en-US" dirty="0">
+                <a:solidFill>
+                  <a:srgbClr val="FF0000"/>
+                </a:solidFill>
+              </a:rPr>
+              <a:t>When new step is reached, </a:t>
+            </a:r>
+            <a:r>
+              <a:rPr lang="en-US" dirty="0" err="1">
+                <a:solidFill>
+                  <a:srgbClr val="FF0000"/>
+                </a:solidFill>
+              </a:rPr>
+              <a:t>TraceController</a:t>
+            </a:r>
+            <a:r>
+              <a:rPr lang="en-US" dirty="0">
+                <a:solidFill>
+                  <a:srgbClr val="FF0000"/>
+                </a:solidFill>
+              </a:rPr>
+              <a:t> checks whether Trace length exceeds the limit. If true,</a:t>
+            </a:r>
+          </a:p>
+          <a:p>
+            <a:pPr lvl="1"/>
+            <a:r>
+              <a:rPr lang="en-US" dirty="0">
+                <a:solidFill>
+                  <a:srgbClr val="FF0000"/>
+                </a:solidFill>
+              </a:rPr>
+              <a:t>New Trace will be created.</a:t>
+            </a:r>
+          </a:p>
+          <a:p>
+            <a:pPr lvl="1"/>
+            <a:r>
+              <a:rPr lang="en-US" dirty="0">
+                <a:solidFill>
+                  <a:srgbClr val="FF0000"/>
+                </a:solidFill>
+              </a:rPr>
+              <a:t>The old Trace is finalized and stored.</a:t>
+            </a:r>
+          </a:p>
+          <a:p>
+            <a:pPr lvl="1"/>
+            <a:r>
+              <a:rPr lang="en-US" dirty="0" err="1">
+                <a:solidFill>
+                  <a:srgbClr val="FF0000"/>
+                </a:solidFill>
+              </a:rPr>
+              <a:t>MethodCallStack</a:t>
+            </a:r>
+            <a:r>
+              <a:rPr lang="en-US" dirty="0">
+                <a:solidFill>
+                  <a:srgbClr val="FF0000"/>
+                </a:solidFill>
+              </a:rPr>
+              <a:t> transfers its holding data into a log, and all data will be cleared.</a:t>
+            </a:r>
+          </a:p>
+          <a:p>
+            <a:r>
+              <a:rPr lang="en-US" dirty="0">
+                <a:solidFill>
+                  <a:srgbClr val="FF0000"/>
+                </a:solidFill>
+              </a:rPr>
+              <a:t>The log in </a:t>
+            </a:r>
+            <a:r>
+              <a:rPr lang="en-US" dirty="0" err="1">
+                <a:solidFill>
+                  <a:srgbClr val="FF0000"/>
+                </a:solidFill>
+              </a:rPr>
+              <a:t>MethodCallStack</a:t>
+            </a:r>
+            <a:r>
+              <a:rPr lang="en-US" dirty="0">
+                <a:solidFill>
+                  <a:srgbClr val="FF0000"/>
+                </a:solidFill>
+              </a:rPr>
+              <a:t> will be used in building </a:t>
+            </a:r>
+            <a:r>
+              <a:rPr lang="en-US" dirty="0" err="1">
+                <a:solidFill>
+                  <a:srgbClr val="FF0000"/>
+                </a:solidFill>
+              </a:rPr>
+              <a:t>TraceBridge</a:t>
+            </a:r>
+            <a:r>
+              <a:rPr lang="en-US" dirty="0">
+                <a:solidFill>
+                  <a:srgbClr val="FF0000"/>
+                </a:solidFill>
+              </a:rPr>
               <a:t>.</a:t>
             </a:r>
           </a:p>
           <a:p>
             <a:r>
-              <a:rPr lang="en-US" dirty="0" smtClean="0"/>
-              <a:t>however</a:t>
-            </a:r>
-            <a:r>
-              <a:rPr lang="en-US" dirty="0"/>
-              <a:t>, we have some confusion on your concept like </a:t>
-            </a:r>
-            <a:r>
-              <a:rPr lang="en-US" dirty="0" err="1"/>
-              <a:t>tracebridge</a:t>
-            </a:r>
-            <a:r>
-              <a:rPr lang="en-US" dirty="0"/>
-              <a:t>. moreover, our design should conform to potential partial recording, this challenges call relation. once some trace execution is missing, how can we recover the call </a:t>
-            </a:r>
-            <a:r>
-              <a:rPr lang="en-US"/>
-              <a:t>relation</a:t>
-            </a:r>
-            <a:r>
-              <a:rPr lang="en-US" smtClean="0"/>
-              <a:t>.</a:t>
-            </a:r>
-          </a:p>
-          <a:p>
-            <a:r>
-              <a:rPr lang="en-US" smtClean="0"/>
-              <a:t>do </a:t>
-            </a:r>
-            <a:r>
-              <a:rPr lang="en-US" dirty="0"/>
-              <a:t>you have time tomorrow 1pm? please kindly let me know if you would like to discuss on a more convenient time for you.</a:t>
-            </a:r>
+              <a:rPr lang="en-US" dirty="0">
+                <a:solidFill>
+                  <a:srgbClr val="FF0000"/>
+                </a:solidFill>
+              </a:rPr>
+              <a:t>For each Trace, collecting flow will be kept as before.</a:t>
+            </a:r>
+          </a:p>
+          <a:p>
+            <a:r>
+              <a:rPr lang="en-US" dirty="0">
+                <a:solidFill>
+                  <a:srgbClr val="FF0000"/>
+                </a:solidFill>
+              </a:rPr>
+              <a:t>At finalization phase of the execution, </a:t>
+            </a:r>
+            <a:r>
+              <a:rPr lang="en-US" dirty="0" err="1">
+                <a:solidFill>
+                  <a:srgbClr val="FF0000"/>
+                </a:solidFill>
+              </a:rPr>
+              <a:t>TraceBridge</a:t>
+            </a:r>
+            <a:r>
+              <a:rPr lang="en-US" dirty="0">
+                <a:solidFill>
+                  <a:srgbClr val="FF0000"/>
+                </a:solidFill>
+              </a:rPr>
+              <a:t> is built and stored.</a:t>
+            </a:r>
+          </a:p>
+          <a:p>
+            <a:endParaRPr lang="en-US" dirty="0">
+              <a:solidFill>
+                <a:srgbClr val="FF0000"/>
+              </a:solidFill>
+            </a:endParaRPr>
+          </a:p>
+          <a:p>
+            <a:endParaRPr lang="en-US" dirty="0">
+              <a:solidFill>
+                <a:srgbClr val="FF0000"/>
+              </a:solidFill>
+            </a:endParaRPr>
+          </a:p>
+          <a:p>
+            <a:endParaRPr lang="en-US" dirty="0"/>
           </a:p>
         </p:txBody>
       </p:sp>
     </p:spTree>
     <p:extLst>
       <p:ext uri="{BB962C8B-B14F-4D97-AF65-F5344CB8AC3E}">
-        <p14:creationId xmlns:p14="http://schemas.microsoft.com/office/powerpoint/2010/main" val="491231535"/>
+        <p14:creationId xmlns:p14="http://schemas.microsoft.com/office/powerpoint/2010/main" val="1265759980"/>
       </p:ext>
     </p:extLst>
   </p:cSld>
   <p:clrMapOvr>
     <a:masterClrMapping/>
   </p:clrMapOvr>
-  <p:timing>
-    <p:tnLst>
-      <p:par>
-        <p:cTn id="1" dur="indefinite" restart="never" nodeType="tmRoot"/>
-      </p:par>
-    </p:tnLst>
-  </p:timing>
 </p:sld>
 </file>
 
@@ -7281,13 +10424,7 @@
       </p:grpSpPr>
       <p:sp>
         <p:nvSpPr>
-          <p:cNvPr id="2" name="Title 1">
-            <a:extLst>
-              <a:ext uri="{FF2B5EF4-FFF2-40B4-BE49-F238E27FC236}">
-                <a16:creationId xmlns="" xmlns:a16="http://schemas.microsoft.com/office/drawing/2014/main" id="{F05026DD-7683-43F6-B478-BE4834E5B2E4}"/>
-              </a:ext>
-            </a:extLst>
-          </p:cNvPr>
+          <p:cNvPr id="2" name="Title 1"/>
           <p:cNvSpPr>
             <a:spLocks noGrp="1"/>
           </p:cNvSpPr>
@@ -7301,8 +10438,12 @@
           <a:lstStyle/>
           <a:p>
             <a:r>
-              <a:rPr lang="en-SG" dirty="0"/>
-              <a:t>Technical Details on Trace Storage	</a:t>
+              <a:rPr lang="en-US" dirty="0">
+                <a:solidFill>
+                  <a:srgbClr val="FF0000"/>
+                </a:solidFill>
+              </a:rPr>
+              <a:t>Another solution for long-trace</a:t>
             </a:r>
             <a:endParaRPr lang="en-US" dirty="0"/>
           </a:p>
@@ -7310,13 +10451,7 @@
       </p:sp>
       <p:sp>
         <p:nvSpPr>
-          <p:cNvPr id="3" name="Content Placeholder 2">
-            <a:extLst>
-              <a:ext uri="{FF2B5EF4-FFF2-40B4-BE49-F238E27FC236}">
-                <a16:creationId xmlns="" xmlns:a16="http://schemas.microsoft.com/office/drawing/2014/main" id="{71F4E548-C7D9-49BB-AC24-E3B6E7F8C0F0}"/>
-              </a:ext>
-            </a:extLst>
-          </p:cNvPr>
+          <p:cNvPr id="3" name="Content Placeholder 2"/>
           <p:cNvSpPr>
             <a:spLocks noGrp="1"/>
           </p:cNvSpPr>
@@ -7324,529 +10459,151 @@
             <p:ph idx="1"/>
           </p:nvPr>
         </p:nvSpPr>
-        <p:spPr>
-          <a:xfrm>
-            <a:off x="838200" y="1825625"/>
-            <a:ext cx="10515600" cy="1449837"/>
-          </a:xfrm>
-        </p:spPr>
+        <p:spPr/>
         <p:txBody>
           <a:bodyPr/>
           <a:lstStyle/>
           <a:p>
-            <a:r>
-              <a:rPr lang="en-SG" dirty="0"/>
-              <a:t>Does the serialization good enough for us to store all the trace?</a:t>
-            </a:r>
-          </a:p>
-          <a:p>
-            <a:r>
-              <a:rPr lang="en-SG" dirty="0"/>
-              <a:t>Do we need to record trace step and its read/written variables in the same file?</a:t>
-            </a:r>
+            <a:pPr marL="0" indent="0">
+              <a:buNone/>
+            </a:pPr>
+            <a:r>
+              <a:rPr lang="en-US" b="1" dirty="0" err="1"/>
+              <a:t>MicrobatApp</a:t>
+            </a:r>
+            <a:endParaRPr lang="en-US" b="1" dirty="0"/>
+          </a:p>
+          <a:p>
+            <a:r>
+              <a:rPr lang="en-US" dirty="0">
+                <a:solidFill>
+                  <a:srgbClr val="FF0000"/>
+                </a:solidFill>
+              </a:rPr>
+              <a:t>A </a:t>
+            </a:r>
+            <a:r>
+              <a:rPr lang="en-US" dirty="0" err="1">
+                <a:solidFill>
+                  <a:srgbClr val="FF0000"/>
+                </a:solidFill>
+              </a:rPr>
+              <a:t>TraceMemoryCollector</a:t>
+            </a:r>
+            <a:r>
+              <a:rPr lang="en-US" dirty="0">
+                <a:solidFill>
+                  <a:srgbClr val="FF0000"/>
+                </a:solidFill>
+              </a:rPr>
+              <a:t> will do the job a little bit similar to GC to offload infrequently accessed </a:t>
+            </a:r>
+            <a:r>
+              <a:rPr lang="en-US" dirty="0" err="1">
+                <a:solidFill>
+                  <a:srgbClr val="FF0000"/>
+                </a:solidFill>
+              </a:rPr>
+              <a:t>TraceNodes</a:t>
+            </a:r>
+            <a:r>
+              <a:rPr lang="en-US" dirty="0">
+                <a:solidFill>
+                  <a:srgbClr val="FF0000"/>
+                </a:solidFill>
+              </a:rPr>
+              <a:t> of infrequently accessed Traces.</a:t>
+            </a:r>
+          </a:p>
+          <a:p>
+            <a:r>
+              <a:rPr lang="en-US" dirty="0">
+                <a:solidFill>
+                  <a:srgbClr val="FF0000"/>
+                </a:solidFill>
+              </a:rPr>
+              <a:t>A </a:t>
+            </a:r>
+            <a:r>
+              <a:rPr lang="en-US" dirty="0" err="1">
+                <a:solidFill>
+                  <a:srgbClr val="FF0000"/>
+                </a:solidFill>
+              </a:rPr>
+              <a:t>TraceContext</a:t>
+            </a:r>
+            <a:r>
+              <a:rPr lang="en-US" dirty="0">
+                <a:solidFill>
+                  <a:srgbClr val="FF0000"/>
+                </a:solidFill>
+              </a:rPr>
+              <a:t> will help </a:t>
+            </a:r>
+            <a:r>
+              <a:rPr lang="en-US" dirty="0" err="1">
+                <a:solidFill>
+                  <a:srgbClr val="FF0000"/>
+                </a:solidFill>
+              </a:rPr>
+              <a:t>TraceSet</a:t>
+            </a:r>
+            <a:r>
+              <a:rPr lang="en-US" dirty="0">
+                <a:solidFill>
+                  <a:srgbClr val="FF0000"/>
+                </a:solidFill>
+              </a:rPr>
+              <a:t> to </a:t>
+            </a:r>
+            <a:r>
+              <a:rPr lang="en-US" dirty="0" err="1">
+                <a:solidFill>
+                  <a:srgbClr val="FF0000"/>
+                </a:solidFill>
+              </a:rPr>
+              <a:t>onload</a:t>
+            </a:r>
+            <a:r>
+              <a:rPr lang="en-US" dirty="0">
+                <a:solidFill>
+                  <a:srgbClr val="FF0000"/>
+                </a:solidFill>
+              </a:rPr>
+              <a:t> </a:t>
+            </a:r>
+            <a:r>
+              <a:rPr lang="en-US" dirty="0" err="1">
+                <a:solidFill>
+                  <a:srgbClr val="FF0000"/>
+                </a:solidFill>
+              </a:rPr>
+              <a:t>TraceNodes</a:t>
+            </a:r>
+            <a:r>
+              <a:rPr lang="en-US" dirty="0">
+                <a:solidFill>
+                  <a:srgbClr val="FF0000"/>
+                </a:solidFill>
+              </a:rPr>
+              <a:t> on demand.</a:t>
+            </a:r>
+          </a:p>
+          <a:p>
             <a:endParaRPr lang="en-US" dirty="0"/>
           </a:p>
         </p:txBody>
       </p:sp>
-      <p:sp>
-        <p:nvSpPr>
-          <p:cNvPr id="4" name="Rectangle 3">
-            <a:extLst>
-              <a:ext uri="{FF2B5EF4-FFF2-40B4-BE49-F238E27FC236}">
-                <a16:creationId xmlns="" xmlns:a16="http://schemas.microsoft.com/office/drawing/2014/main" id="{BEAB10B3-74A6-4337-BD4C-C747B3A40788}"/>
-              </a:ext>
-            </a:extLst>
-          </p:cNvPr>
-          <p:cNvSpPr/>
-          <p:nvPr/>
-        </p:nvSpPr>
-        <p:spPr>
-          <a:xfrm>
-            <a:off x="5186256" y="3901860"/>
-            <a:ext cx="2831909" cy="2252058"/>
-          </a:xfrm>
-          <a:prstGeom prst="rect">
-            <a:avLst/>
-          </a:prstGeom>
-          <a:noFill/>
-        </p:spPr>
-        <p:style>
-          <a:lnRef idx="2">
-            <a:schemeClr val="accent1">
-              <a:shade val="50000"/>
-            </a:schemeClr>
-          </a:lnRef>
-          <a:fillRef idx="1">
-            <a:schemeClr val="accent1"/>
-          </a:fillRef>
-          <a:effectRef idx="0">
-            <a:schemeClr val="accent1"/>
-          </a:effectRef>
-          <a:fontRef idx="minor">
-            <a:schemeClr val="lt1"/>
-          </a:fontRef>
-        </p:style>
-        <p:txBody>
-          <a:bodyPr rtlCol="0" anchor="ctr"/>
-          <a:lstStyle/>
-          <a:p>
-            <a:r>
-              <a:rPr lang="en-SG" dirty="0">
-                <a:solidFill>
-                  <a:schemeClr val="tx1"/>
-                </a:solidFill>
-              </a:rPr>
-              <a:t>Trace Node:</a:t>
-            </a:r>
-          </a:p>
-          <a:p>
-            <a:r>
-              <a:rPr lang="en-SG" dirty="0">
-                <a:solidFill>
-                  <a:schemeClr val="tx1"/>
-                </a:solidFill>
-              </a:rPr>
-              <a:t>0.  trace node id (</a:t>
-            </a:r>
-            <a:r>
-              <a:rPr lang="en-SG" dirty="0" err="1">
-                <a:solidFill>
-                  <a:schemeClr val="tx1"/>
-                </a:solidFill>
-              </a:rPr>
-              <a:t>block_file+trace_node_id</a:t>
-            </a:r>
-            <a:r>
-              <a:rPr lang="en-SG" dirty="0">
-                <a:solidFill>
-                  <a:schemeClr val="tx1"/>
-                </a:solidFill>
-              </a:rPr>
-              <a:t>)</a:t>
-            </a:r>
-          </a:p>
-          <a:p>
-            <a:pPr marL="342900" indent="-342900">
-              <a:buAutoNum type="arabicPeriod"/>
-            </a:pPr>
-            <a:r>
-              <a:rPr lang="en-SG" dirty="0">
-                <a:solidFill>
-                  <a:schemeClr val="tx1"/>
-                </a:solidFill>
-              </a:rPr>
-              <a:t>ref to read/written variables</a:t>
-            </a:r>
-          </a:p>
-          <a:p>
-            <a:pPr marL="342900" indent="-342900">
-              <a:buAutoNum type="arabicPeriod"/>
-            </a:pPr>
-            <a:r>
-              <a:rPr lang="en-SG" dirty="0">
-                <a:solidFill>
-                  <a:schemeClr val="tx1"/>
-                </a:solidFill>
-              </a:rPr>
-              <a:t>Ref to data/control dependency</a:t>
-            </a:r>
-            <a:br>
-              <a:rPr lang="en-SG" dirty="0">
-                <a:solidFill>
-                  <a:schemeClr val="tx1"/>
-                </a:solidFill>
-              </a:rPr>
-            </a:br>
-            <a:endParaRPr lang="en-US" dirty="0">
-              <a:solidFill>
-                <a:schemeClr val="tx1"/>
-              </a:solidFill>
-            </a:endParaRPr>
-          </a:p>
-        </p:txBody>
-      </p:sp>
-      <p:sp>
-        <p:nvSpPr>
-          <p:cNvPr id="5" name="Rectangle 4">
-            <a:extLst>
-              <a:ext uri="{FF2B5EF4-FFF2-40B4-BE49-F238E27FC236}">
-                <a16:creationId xmlns="" xmlns:a16="http://schemas.microsoft.com/office/drawing/2014/main" id="{6F4BACC1-A20A-4997-8C50-E7C376D47B4D}"/>
-              </a:ext>
-            </a:extLst>
-          </p:cNvPr>
-          <p:cNvSpPr/>
-          <p:nvPr/>
-        </p:nvSpPr>
-        <p:spPr>
-          <a:xfrm>
-            <a:off x="9506857" y="4649357"/>
-            <a:ext cx="1724054" cy="416257"/>
-          </a:xfrm>
-          <a:prstGeom prst="rect">
-            <a:avLst/>
-          </a:prstGeom>
-          <a:noFill/>
-        </p:spPr>
-        <p:style>
-          <a:lnRef idx="2">
-            <a:schemeClr val="accent1">
-              <a:shade val="50000"/>
-            </a:schemeClr>
-          </a:lnRef>
-          <a:fillRef idx="1">
-            <a:schemeClr val="accent1"/>
-          </a:fillRef>
-          <a:effectRef idx="0">
-            <a:schemeClr val="accent1"/>
-          </a:effectRef>
-          <a:fontRef idx="minor">
-            <a:schemeClr val="lt1"/>
-          </a:fontRef>
-        </p:style>
-        <p:txBody>
-          <a:bodyPr rot="0" spcFirstLastPara="0" vertOverflow="overflow" horzOverflow="overflow" vert="horz" wrap="square" lIns="91440" tIns="45720" rIns="91440" bIns="45720" numCol="1" spcCol="0" rtlCol="0" fromWordArt="0" anchor="ctr" anchorCtr="0" forceAA="0" compatLnSpc="1">
-            <a:prstTxWarp prst="textNoShape">
-              <a:avLst/>
-            </a:prstTxWarp>
-            <a:noAutofit/>
-          </a:bodyPr>
-          <a:lstStyle/>
-          <a:p>
-            <a:r>
-              <a:rPr lang="en-SG" dirty="0">
-                <a:solidFill>
-                  <a:schemeClr val="tx1"/>
-                </a:solidFill>
-              </a:rPr>
-              <a:t>Variable File?</a:t>
-            </a:r>
-            <a:endParaRPr lang="en-US" dirty="0">
-              <a:solidFill>
-                <a:schemeClr val="tx1"/>
-              </a:solidFill>
-            </a:endParaRPr>
-          </a:p>
-        </p:txBody>
-      </p:sp>
-      <p:cxnSp>
-        <p:nvCxnSpPr>
-          <p:cNvPr id="7" name="Connector: Elbow 6">
-            <a:extLst>
-              <a:ext uri="{FF2B5EF4-FFF2-40B4-BE49-F238E27FC236}">
-                <a16:creationId xmlns="" xmlns:a16="http://schemas.microsoft.com/office/drawing/2014/main" id="{53260257-8C45-4C2E-B87D-8456DF9805B9}"/>
-              </a:ext>
-            </a:extLst>
-          </p:cNvPr>
-          <p:cNvCxnSpPr>
-            <a:cxnSpLocks/>
-            <a:stCxn id="4" idx="1"/>
-            <a:endCxn id="4" idx="0"/>
-          </p:cNvCxnSpPr>
-          <p:nvPr/>
-        </p:nvCxnSpPr>
-        <p:spPr>
-          <a:xfrm rot="10800000" flipH="1">
-            <a:off x="5186255" y="3901861"/>
-            <a:ext cx="1415955" cy="1126029"/>
-          </a:xfrm>
-          <a:prstGeom prst="bentConnector4">
-            <a:avLst>
-              <a:gd name="adj1" fmla="val -47922"/>
-              <a:gd name="adj2" fmla="val 159615"/>
-            </a:avLst>
-          </a:prstGeom>
-          <a:ln>
-            <a:tailEnd type="triangle" w="lg" len="lg"/>
-          </a:ln>
-        </p:spPr>
-        <p:style>
-          <a:lnRef idx="1">
-            <a:schemeClr val="accent1"/>
-          </a:lnRef>
-          <a:fillRef idx="0">
-            <a:schemeClr val="accent1"/>
-          </a:fillRef>
-          <a:effectRef idx="0">
-            <a:schemeClr val="accent1"/>
-          </a:effectRef>
-          <a:fontRef idx="minor">
-            <a:schemeClr val="tx1"/>
-          </a:fontRef>
-        </p:style>
-      </p:cxnSp>
-      <p:cxnSp>
-        <p:nvCxnSpPr>
-          <p:cNvPr id="17" name="Connector: Elbow 16">
-            <a:extLst>
-              <a:ext uri="{FF2B5EF4-FFF2-40B4-BE49-F238E27FC236}">
-                <a16:creationId xmlns="" xmlns:a16="http://schemas.microsoft.com/office/drawing/2014/main" id="{3F48239D-1ADB-4A1B-8F4F-1899FF5A8138}"/>
-              </a:ext>
-            </a:extLst>
-          </p:cNvPr>
-          <p:cNvCxnSpPr>
-            <a:cxnSpLocks/>
-            <a:stCxn id="4" idx="3"/>
-            <a:endCxn id="5" idx="1"/>
-          </p:cNvCxnSpPr>
-          <p:nvPr/>
-        </p:nvCxnSpPr>
-        <p:spPr>
-          <a:xfrm flipV="1">
-            <a:off x="8018165" y="4857486"/>
-            <a:ext cx="1488692" cy="170403"/>
-          </a:xfrm>
-          <a:prstGeom prst="bentConnector3">
-            <a:avLst/>
-          </a:prstGeom>
-          <a:ln>
-            <a:tailEnd type="triangle"/>
-          </a:ln>
-        </p:spPr>
-        <p:style>
-          <a:lnRef idx="1">
-            <a:schemeClr val="accent1"/>
-          </a:lnRef>
-          <a:fillRef idx="0">
-            <a:schemeClr val="accent1"/>
-          </a:fillRef>
-          <a:effectRef idx="0">
-            <a:schemeClr val="accent1"/>
-          </a:effectRef>
-          <a:fontRef idx="minor">
-            <a:schemeClr val="tx1"/>
-          </a:fontRef>
-        </p:style>
-      </p:cxnSp>
-      <p:sp>
-        <p:nvSpPr>
-          <p:cNvPr id="40" name="Rectangle 39">
-            <a:extLst>
-              <a:ext uri="{FF2B5EF4-FFF2-40B4-BE49-F238E27FC236}">
-                <a16:creationId xmlns="" xmlns:a16="http://schemas.microsoft.com/office/drawing/2014/main" id="{179CC4DA-78CB-428B-B8AF-AF0272B5F844}"/>
-              </a:ext>
-            </a:extLst>
-          </p:cNvPr>
-          <p:cNvSpPr/>
-          <p:nvPr/>
-        </p:nvSpPr>
-        <p:spPr>
-          <a:xfrm>
-            <a:off x="1335369" y="5818123"/>
-            <a:ext cx="1724054" cy="671587"/>
-          </a:xfrm>
-          <a:prstGeom prst="rect">
-            <a:avLst/>
-          </a:prstGeom>
-          <a:noFill/>
-        </p:spPr>
-        <p:style>
-          <a:lnRef idx="2">
-            <a:schemeClr val="accent1">
-              <a:shade val="50000"/>
-            </a:schemeClr>
-          </a:lnRef>
-          <a:fillRef idx="1">
-            <a:schemeClr val="accent1"/>
-          </a:fillRef>
-          <a:effectRef idx="0">
-            <a:schemeClr val="accent1"/>
-          </a:effectRef>
-          <a:fontRef idx="minor">
-            <a:schemeClr val="lt1"/>
-          </a:fontRef>
-        </p:style>
-        <p:txBody>
-          <a:bodyPr rot="0" spcFirstLastPara="0" vertOverflow="overflow" horzOverflow="overflow" vert="horz" wrap="square" lIns="91440" tIns="45720" rIns="91440" bIns="45720" numCol="1" spcCol="0" rtlCol="0" fromWordArt="0" anchor="ctr" anchorCtr="0" forceAA="0" compatLnSpc="1">
-            <a:prstTxWarp prst="textNoShape">
-              <a:avLst/>
-            </a:prstTxWarp>
-            <a:noAutofit/>
-          </a:bodyPr>
-          <a:lstStyle/>
-          <a:p>
-            <a:r>
-              <a:rPr lang="en-SG" dirty="0">
-                <a:solidFill>
-                  <a:schemeClr val="tx1"/>
-                </a:solidFill>
-              </a:rPr>
-              <a:t>Trace Header file</a:t>
-            </a:r>
-            <a:endParaRPr lang="en-US" dirty="0">
-              <a:solidFill>
-                <a:schemeClr val="tx1"/>
-              </a:solidFill>
-            </a:endParaRPr>
-          </a:p>
-        </p:txBody>
-      </p:sp>
-      <p:sp>
-        <p:nvSpPr>
-          <p:cNvPr id="41" name="Rectangle 40">
-            <a:extLst>
-              <a:ext uri="{FF2B5EF4-FFF2-40B4-BE49-F238E27FC236}">
-                <a16:creationId xmlns="" xmlns:a16="http://schemas.microsoft.com/office/drawing/2014/main" id="{47E3F4DF-73C6-4F84-87A9-F71FE55F6DC5}"/>
-              </a:ext>
-            </a:extLst>
-          </p:cNvPr>
-          <p:cNvSpPr/>
-          <p:nvPr/>
-        </p:nvSpPr>
-        <p:spPr>
-          <a:xfrm>
-            <a:off x="1335369" y="4105437"/>
-            <a:ext cx="1724054" cy="416257"/>
-          </a:xfrm>
-          <a:prstGeom prst="rect">
-            <a:avLst/>
-          </a:prstGeom>
-          <a:noFill/>
-        </p:spPr>
-        <p:style>
-          <a:lnRef idx="2">
-            <a:schemeClr val="accent1">
-              <a:shade val="50000"/>
-            </a:schemeClr>
-          </a:lnRef>
-          <a:fillRef idx="1">
-            <a:schemeClr val="accent1"/>
-          </a:fillRef>
-          <a:effectRef idx="0">
-            <a:schemeClr val="accent1"/>
-          </a:effectRef>
-          <a:fontRef idx="minor">
-            <a:schemeClr val="lt1"/>
-          </a:fontRef>
-        </p:style>
-        <p:txBody>
-          <a:bodyPr rot="0" spcFirstLastPara="0" vertOverflow="overflow" horzOverflow="overflow" vert="horz" wrap="square" lIns="91440" tIns="45720" rIns="91440" bIns="45720" numCol="1" spcCol="0" rtlCol="0" fromWordArt="0" anchor="ctr" anchorCtr="0" forceAA="0" compatLnSpc="1">
-            <a:prstTxWarp prst="textNoShape">
-              <a:avLst/>
-            </a:prstTxWarp>
-            <a:noAutofit/>
-          </a:bodyPr>
-          <a:lstStyle/>
-          <a:p>
-            <a:r>
-              <a:rPr lang="en-SG" dirty="0">
-                <a:solidFill>
-                  <a:schemeClr val="tx1"/>
-                </a:solidFill>
-              </a:rPr>
-              <a:t>Block File</a:t>
-            </a:r>
-            <a:endParaRPr lang="en-US" dirty="0">
-              <a:solidFill>
-                <a:schemeClr val="tx1"/>
-              </a:solidFill>
-            </a:endParaRPr>
-          </a:p>
-        </p:txBody>
-      </p:sp>
-      <p:cxnSp>
-        <p:nvCxnSpPr>
-          <p:cNvPr id="42" name="Connector: Elbow 41">
-            <a:extLst>
-              <a:ext uri="{FF2B5EF4-FFF2-40B4-BE49-F238E27FC236}">
-                <a16:creationId xmlns="" xmlns:a16="http://schemas.microsoft.com/office/drawing/2014/main" id="{AB6EF1D0-8B87-48F3-8E28-FF3B19C25365}"/>
-              </a:ext>
-            </a:extLst>
-          </p:cNvPr>
-          <p:cNvCxnSpPr>
-            <a:cxnSpLocks/>
-            <a:stCxn id="41" idx="2"/>
-          </p:cNvCxnSpPr>
-          <p:nvPr/>
-        </p:nvCxnSpPr>
-        <p:spPr>
-          <a:xfrm rot="16200000" flipH="1">
-            <a:off x="3356033" y="3363057"/>
-            <a:ext cx="671586" cy="2988860"/>
-          </a:xfrm>
-          <a:prstGeom prst="bentConnector2">
-            <a:avLst/>
-          </a:prstGeom>
-          <a:ln>
-            <a:tailEnd type="triangle" w="lg" len="lg"/>
-          </a:ln>
-        </p:spPr>
-        <p:style>
-          <a:lnRef idx="1">
-            <a:schemeClr val="accent1"/>
-          </a:lnRef>
-          <a:fillRef idx="0">
-            <a:schemeClr val="accent1"/>
-          </a:fillRef>
-          <a:effectRef idx="0">
-            <a:schemeClr val="accent1"/>
-          </a:effectRef>
-          <a:fontRef idx="minor">
-            <a:schemeClr val="tx1"/>
-          </a:fontRef>
-        </p:style>
-      </p:cxnSp>
-      <p:cxnSp>
-        <p:nvCxnSpPr>
-          <p:cNvPr id="45" name="Connector: Elbow 44">
-            <a:extLst>
-              <a:ext uri="{FF2B5EF4-FFF2-40B4-BE49-F238E27FC236}">
-                <a16:creationId xmlns="" xmlns:a16="http://schemas.microsoft.com/office/drawing/2014/main" id="{3F68FB00-90E7-4BC1-9110-2152CE9454A9}"/>
-              </a:ext>
-            </a:extLst>
-          </p:cNvPr>
-          <p:cNvCxnSpPr>
-            <a:cxnSpLocks/>
-            <a:stCxn id="40" idx="1"/>
-            <a:endCxn id="41" idx="1"/>
-          </p:cNvCxnSpPr>
-          <p:nvPr/>
-        </p:nvCxnSpPr>
-        <p:spPr>
-          <a:xfrm rot="10800000">
-            <a:off x="1335369" y="4313567"/>
-            <a:ext cx="12700" cy="1840351"/>
-          </a:xfrm>
-          <a:prstGeom prst="bentConnector3">
-            <a:avLst>
-              <a:gd name="adj1" fmla="val 4885709"/>
-            </a:avLst>
-          </a:prstGeom>
-          <a:ln>
-            <a:tailEnd type="triangle" w="lg" len="lg"/>
-          </a:ln>
-        </p:spPr>
-        <p:style>
-          <a:lnRef idx="1">
-            <a:schemeClr val="accent1"/>
-          </a:lnRef>
-          <a:fillRef idx="0">
-            <a:schemeClr val="accent1"/>
-          </a:fillRef>
-          <a:effectRef idx="0">
-            <a:schemeClr val="accent1"/>
-          </a:effectRef>
-          <a:fontRef idx="minor">
-            <a:schemeClr val="tx1"/>
-          </a:fontRef>
-        </p:style>
-      </p:cxnSp>
     </p:spTree>
     <p:extLst>
       <p:ext uri="{BB962C8B-B14F-4D97-AF65-F5344CB8AC3E}">
-        <p14:creationId xmlns:p14="http://schemas.microsoft.com/office/powerpoint/2010/main" val="2204689046"/>
+        <p14:creationId xmlns:p14="http://schemas.microsoft.com/office/powerpoint/2010/main" val="3197134599"/>
       </p:ext>
     </p:extLst>
   </p:cSld>
   <p:clrMapOvr>
     <a:masterClrMapping/>
   </p:clrMapOvr>
-  <p:timing>
-    <p:tnLst>
-      <p:par>
-        <p:cTn id="1" dur="indefinite" restart="never" nodeType="tmRoot"/>
-      </p:par>
-    </p:tnLst>
-  </p:timing>
 </p:sld>
 </file>
 
@@ -7869,13 +10626,7 @@
       </p:grpSpPr>
       <p:sp>
         <p:nvSpPr>
-          <p:cNvPr id="2" name="Title 1">
-            <a:extLst>
-              <a:ext uri="{FF2B5EF4-FFF2-40B4-BE49-F238E27FC236}">
-                <a16:creationId xmlns="" xmlns:a16="http://schemas.microsoft.com/office/drawing/2014/main" id="{6319BB65-3B68-4164-B74A-EDFAEC25D32D}"/>
-              </a:ext>
-            </a:extLst>
-          </p:cNvPr>
+          <p:cNvPr id="2" name="Title 1"/>
           <p:cNvSpPr>
             <a:spLocks noGrp="1"/>
           </p:cNvSpPr>
@@ -7888,19 +10639,13 @@
           <a:bodyPr/>
           <a:lstStyle/>
           <a:p>
-            <a:endParaRPr lang="en-US" dirty="0"/>
-          </a:p>
-        </p:txBody>
-      </p:sp>
-      <p:sp>
-        <p:nvSpPr>
-          <p:cNvPr id="3" name="Content Placeholder 2">
-            <a:extLst>
-              <a:ext uri="{FF2B5EF4-FFF2-40B4-BE49-F238E27FC236}">
-                <a16:creationId xmlns="" xmlns:a16="http://schemas.microsoft.com/office/drawing/2014/main" id="{DD77E9E4-0954-434C-955E-5B4820BD17E8}"/>
-              </a:ext>
-            </a:extLst>
-          </p:cNvPr>
+            <a:endParaRPr lang="en-US"/>
+          </a:p>
+        </p:txBody>
+      </p:sp>
+      <p:sp>
+        <p:nvSpPr>
+          <p:cNvPr id="3" name="Content Placeholder 2"/>
           <p:cNvSpPr>
             <a:spLocks noGrp="1"/>
           </p:cNvSpPr>
@@ -7914,47 +10659,66 @@
           <a:lstStyle/>
           <a:p>
             <a:r>
-              <a:rPr lang="en-SG" dirty="0"/>
-              <a:t>Java API (lib) to index and search in file-based database</a:t>
-            </a:r>
-          </a:p>
-          <a:p>
-            <a:pPr lvl="1"/>
-            <a:r>
-              <a:rPr lang="en-SG" dirty="0"/>
-              <a:t>Lucene? </a:t>
-            </a:r>
-          </a:p>
-          <a:p>
-            <a:r>
-              <a:rPr lang="en-US" dirty="0" err="1" smtClean="0"/>
-              <a:t>Mapdb</a:t>
-            </a:r>
-            <a:r>
-              <a:rPr lang="en-US" smtClean="0"/>
-              <a:t> version 2</a:t>
-            </a:r>
-            <a:endParaRPr lang="en-US" dirty="0"/>
+              <a:rPr lang="en-US" dirty="0"/>
+              <a:t>@</a:t>
+            </a:r>
+            <a:r>
+              <a:rPr lang="en-US" dirty="0" err="1"/>
+              <a:t>lylytran</a:t>
+            </a:r>
+            <a:r>
+              <a:rPr lang="en-US" dirty="0"/>
+              <a:t> hi </a:t>
+            </a:r>
+            <a:r>
+              <a:rPr lang="en-US" dirty="0" err="1"/>
+              <a:t>lyly</a:t>
+            </a:r>
+            <a:r>
+              <a:rPr lang="en-US" dirty="0"/>
+              <a:t>, thanks a lot for your design on </a:t>
+            </a:r>
+            <a:r>
+              <a:rPr lang="en-US" dirty="0" err="1"/>
+              <a:t>microbat</a:t>
+            </a:r>
+            <a:r>
+              <a:rPr lang="en-US" dirty="0"/>
+              <a:t>, we went through you slides. I agree that we should reconstruct data/control/call relations after execution. The *on-demand* construction may also be an option.</a:t>
+            </a:r>
+          </a:p>
+          <a:p>
+            <a:r>
+              <a:rPr lang="en-US" dirty="0"/>
+              <a:t>however, we have some confusion on your concept like </a:t>
+            </a:r>
+            <a:r>
+              <a:rPr lang="en-US" dirty="0" err="1"/>
+              <a:t>tracebridge</a:t>
+            </a:r>
+            <a:r>
+              <a:rPr lang="en-US" dirty="0"/>
+              <a:t>. moreover, our design should conform to potential partial recording, this challenges call relation. once some trace execution is missing, how can we recover the call relation.</a:t>
+            </a:r>
+          </a:p>
+          <a:p>
+            <a:r>
+              <a:rPr lang="en-US" dirty="0"/>
+              <a:t>do you have time tomorrow 1pm? please kindly let me know if you would like to discuss on a more convenient time for you.</a:t>
+            </a:r>
           </a:p>
         </p:txBody>
       </p:sp>
     </p:spTree>
     <p:extLst>
       <p:ext uri="{BB962C8B-B14F-4D97-AF65-F5344CB8AC3E}">
-        <p14:creationId xmlns:p14="http://schemas.microsoft.com/office/powerpoint/2010/main" val="2650207242"/>
+        <p14:creationId xmlns:p14="http://schemas.microsoft.com/office/powerpoint/2010/main" val="491231535"/>
       </p:ext>
     </p:extLst>
   </p:cSld>
   <p:clrMapOvr>
     <a:masterClrMapping/>
   </p:clrMapOvr>
-  <p:timing>
-    <p:tnLst>
-      <p:par>
-        <p:cTn id="1" dur="indefinite" restart="never" nodeType="tmRoot"/>
-      </p:par>
-    </p:tnLst>
-  </p:timing>
 </p:sld>
 </file>
 
@@ -8247,7 +11011,7 @@
   <a:extraClrSchemeLst/>
   <a:extLst>
     <a:ext uri="{05A4C25C-085E-4340-85A3-A5531E510DB2}">
-      <thm15:themeFamily xmlns="" xmlns:thm15="http://schemas.microsoft.com/office/thememl/2012/main" name="Office Theme" id="{62F939B6-93AF-4DB8-9C6B-D6C7DFDC589F}" vid="{4A3C46E8-61CC-4603-A589-7422A47A8E4A}"/>
+      <thm15:themeFamily xmlns:thm15="http://schemas.microsoft.com/office/thememl/2012/main" name="Office Theme" id="{62F939B6-93AF-4DB8-9C6B-D6C7DFDC589F}" vid="{4A3C46E8-61CC-4603-A589-7422A47A8E4A}"/>
     </a:ext>
   </a:extLst>
 </a:theme>
